--- a/lecture-materials/Security/KMS/kms.pptx
+++ b/lecture-materials/Security/KMS/kms.pptx
@@ -5,7 +5,7 @@
     <p:sldMasterId id="2147483661" r:id="rId1"/>
   </p:sldMasterIdLst>
   <p:notesMasterIdLst>
-    <p:notesMasterId r:id="rId45"/>
+    <p:notesMasterId r:id="rId47"/>
   </p:notesMasterIdLst>
   <p:sldIdLst>
     <p:sldId id="302" r:id="rId2"/>
@@ -20,47 +20,49 @@
     <p:sldId id="267" r:id="rId11"/>
     <p:sldId id="268" r:id="rId12"/>
     <p:sldId id="269" r:id="rId13"/>
-    <p:sldId id="270" r:id="rId14"/>
-    <p:sldId id="271" r:id="rId15"/>
-    <p:sldId id="272" r:id="rId16"/>
-    <p:sldId id="273" r:id="rId17"/>
-    <p:sldId id="274" r:id="rId18"/>
-    <p:sldId id="275" r:id="rId19"/>
-    <p:sldId id="276" r:id="rId20"/>
-    <p:sldId id="277" r:id="rId21"/>
-    <p:sldId id="278" r:id="rId22"/>
-    <p:sldId id="279" r:id="rId23"/>
-    <p:sldId id="280" r:id="rId24"/>
-    <p:sldId id="281" r:id="rId25"/>
-    <p:sldId id="282" r:id="rId26"/>
-    <p:sldId id="283" r:id="rId27"/>
-    <p:sldId id="284" r:id="rId28"/>
-    <p:sldId id="285" r:id="rId29"/>
-    <p:sldId id="286" r:id="rId30"/>
-    <p:sldId id="287" r:id="rId31"/>
-    <p:sldId id="288" r:id="rId32"/>
-    <p:sldId id="289" r:id="rId33"/>
-    <p:sldId id="291" r:id="rId34"/>
-    <p:sldId id="292" r:id="rId35"/>
-    <p:sldId id="293" r:id="rId36"/>
-    <p:sldId id="294" r:id="rId37"/>
-    <p:sldId id="295" r:id="rId38"/>
-    <p:sldId id="296" r:id="rId39"/>
-    <p:sldId id="297" r:id="rId40"/>
-    <p:sldId id="298" r:id="rId41"/>
-    <p:sldId id="299" r:id="rId42"/>
-    <p:sldId id="300" r:id="rId43"/>
-    <p:sldId id="301" r:id="rId44"/>
+    <p:sldId id="304" r:id="rId14"/>
+    <p:sldId id="303" r:id="rId15"/>
+    <p:sldId id="270" r:id="rId16"/>
+    <p:sldId id="271" r:id="rId17"/>
+    <p:sldId id="272" r:id="rId18"/>
+    <p:sldId id="273" r:id="rId19"/>
+    <p:sldId id="274" r:id="rId20"/>
+    <p:sldId id="275" r:id="rId21"/>
+    <p:sldId id="276" r:id="rId22"/>
+    <p:sldId id="277" r:id="rId23"/>
+    <p:sldId id="278" r:id="rId24"/>
+    <p:sldId id="279" r:id="rId25"/>
+    <p:sldId id="280" r:id="rId26"/>
+    <p:sldId id="281" r:id="rId27"/>
+    <p:sldId id="282" r:id="rId28"/>
+    <p:sldId id="283" r:id="rId29"/>
+    <p:sldId id="284" r:id="rId30"/>
+    <p:sldId id="285" r:id="rId31"/>
+    <p:sldId id="286" r:id="rId32"/>
+    <p:sldId id="287" r:id="rId33"/>
+    <p:sldId id="288" r:id="rId34"/>
+    <p:sldId id="289" r:id="rId35"/>
+    <p:sldId id="291" r:id="rId36"/>
+    <p:sldId id="292" r:id="rId37"/>
+    <p:sldId id="293" r:id="rId38"/>
+    <p:sldId id="294" r:id="rId39"/>
+    <p:sldId id="295" r:id="rId40"/>
+    <p:sldId id="296" r:id="rId41"/>
+    <p:sldId id="297" r:id="rId42"/>
+    <p:sldId id="298" r:id="rId43"/>
+    <p:sldId id="299" r:id="rId44"/>
+    <p:sldId id="300" r:id="rId45"/>
+    <p:sldId id="301" r:id="rId46"/>
   </p:sldIdLst>
   <p:sldSz cx="9144000" cy="5143500" type="screen16x9"/>
   <p:notesSz cx="6858000" cy="9144000"/>
   <p:embeddedFontLst>
     <p:embeddedFont>
       <p:font typeface="Economica" panose="02000506040000020004" pitchFamily="2" charset="77"/>
-      <p:regular r:id="rId46"/>
-      <p:bold r:id="rId47"/>
-      <p:italic r:id="rId48"/>
-      <p:boldItalic r:id="rId49"/>
+      <p:regular r:id="rId48"/>
+      <p:bold r:id="rId49"/>
+      <p:italic r:id="rId50"/>
+      <p:boldItalic r:id="rId51"/>
     </p:embeddedFont>
   </p:embeddedFontLst>
   <p:defaultTextStyle>
@@ -5135,7 +5137,7 @@
           <a:p>
             <a:fld id="{DDB9662F-AB9D-874E-BBC2-EF284C918674}" type="datetimeFigureOut">
               <a:rPr lang="en-CH" smtClean="0"/>
-              <a:t>26.12.2023</a:t>
+              <a:t>13.02.2024</a:t>
             </a:fld>
             <a:endParaRPr lang="en-CH"/>
           </a:p>
@@ -5345,7 +5347,7 @@
           <a:p>
             <a:fld id="{DDB9662F-AB9D-874E-BBC2-EF284C918674}" type="datetimeFigureOut">
               <a:rPr lang="en-CH" smtClean="0"/>
-              <a:t>26.12.2023</a:t>
+              <a:t>13.02.2024</a:t>
             </a:fld>
             <a:endParaRPr lang="en-CH"/>
           </a:p>
@@ -5565,7 +5567,7 @@
           <a:p>
             <a:fld id="{DDB9662F-AB9D-874E-BBC2-EF284C918674}" type="datetimeFigureOut">
               <a:rPr lang="en-CH" smtClean="0"/>
-              <a:t>26.12.2023</a:t>
+              <a:t>13.02.2024</a:t>
             </a:fld>
             <a:endParaRPr lang="en-CH"/>
           </a:p>
@@ -6013,7 +6015,7 @@
           <a:p>
             <a:fld id="{DDB9662F-AB9D-874E-BBC2-EF284C918674}" type="datetimeFigureOut">
               <a:rPr lang="en-CH" smtClean="0"/>
-              <a:t>26.12.2023</a:t>
+              <a:t>13.02.2024</a:t>
             </a:fld>
             <a:endParaRPr lang="en-CH"/>
           </a:p>
@@ -6299,7 +6301,7 @@
           <a:p>
             <a:fld id="{DDB9662F-AB9D-874E-BBC2-EF284C918674}" type="datetimeFigureOut">
               <a:rPr lang="en-CH" smtClean="0"/>
-              <a:t>26.12.2023</a:t>
+              <a:t>13.02.2024</a:t>
             </a:fld>
             <a:endParaRPr lang="en-CH"/>
           </a:p>
@@ -6577,7 +6579,7 @@
           <a:p>
             <a:fld id="{DDB9662F-AB9D-874E-BBC2-EF284C918674}" type="datetimeFigureOut">
               <a:rPr lang="en-CH" smtClean="0"/>
-              <a:t>26.12.2023</a:t>
+              <a:t>13.02.2024</a:t>
             </a:fld>
             <a:endParaRPr lang="en-CH"/>
           </a:p>
@@ -7002,7 +7004,7 @@
           <a:p>
             <a:fld id="{DDB9662F-AB9D-874E-BBC2-EF284C918674}" type="datetimeFigureOut">
               <a:rPr lang="en-CH" smtClean="0"/>
-              <a:t>26.12.2023</a:t>
+              <a:t>13.02.2024</a:t>
             </a:fld>
             <a:endParaRPr lang="en-CH"/>
           </a:p>
@@ -7154,7 +7156,7 @@
           <a:p>
             <a:fld id="{DDB9662F-AB9D-874E-BBC2-EF284C918674}" type="datetimeFigureOut">
               <a:rPr lang="en-CH" smtClean="0"/>
-              <a:t>26.12.2023</a:t>
+              <a:t>13.02.2024</a:t>
             </a:fld>
             <a:endParaRPr lang="en-CH"/>
           </a:p>
@@ -7277,7 +7279,7 @@
           <a:p>
             <a:fld id="{DDB9662F-AB9D-874E-BBC2-EF284C918674}" type="datetimeFigureOut">
               <a:rPr lang="en-CH" smtClean="0"/>
-              <a:t>26.12.2023</a:t>
+              <a:t>13.02.2024</a:t>
             </a:fld>
             <a:endParaRPr lang="en-CH"/>
           </a:p>
@@ -7599,7 +7601,7 @@
           <a:p>
             <a:fld id="{DDB9662F-AB9D-874E-BBC2-EF284C918674}" type="datetimeFigureOut">
               <a:rPr lang="en-CH" smtClean="0"/>
-              <a:t>26.12.2023</a:t>
+              <a:t>13.02.2024</a:t>
             </a:fld>
             <a:endParaRPr lang="en-CH"/>
           </a:p>
@@ -7898,7 +7900,7 @@
           <a:p>
             <a:fld id="{DDB9662F-AB9D-874E-BBC2-EF284C918674}" type="datetimeFigureOut">
               <a:rPr lang="en-CH" smtClean="0"/>
-              <a:t>26.12.2023</a:t>
+              <a:t>13.02.2024</a:t>
             </a:fld>
             <a:endParaRPr lang="en-CH"/>
           </a:p>
@@ -8151,7 +8153,7 @@
           <a:p>
             <a:fld id="{DDB9662F-AB9D-874E-BBC2-EF284C918674}" type="datetimeFigureOut">
               <a:rPr lang="en-CH" smtClean="0"/>
-              <a:t>26.12.2023</a:t>
+              <a:t>13.02.2024</a:t>
             </a:fld>
             <a:endParaRPr lang="en-CH"/>
           </a:p>
@@ -11048,6 +11050,2761 @@
     </p:bg>
     <p:spTree>
       <p:nvGrpSpPr>
+        <p:cNvPr id="1" name=""/>
+        <p:cNvGrpSpPr/>
+        <p:nvPr/>
+      </p:nvGrpSpPr>
+      <p:grpSpPr>
+        <a:xfrm>
+          <a:off x="0" y="0"/>
+          <a:ext cx="0" cy="0"/>
+          <a:chOff x="0" y="0"/>
+          <a:chExt cx="0" cy="0"/>
+        </a:xfrm>
+      </p:grpSpPr>
+      <p:sp useBgFill="1">
+        <p:nvSpPr>
+          <p:cNvPr id="8" name="Rectangle 7">
+            <a:extLst>
+              <a:ext uri="{FF2B5EF4-FFF2-40B4-BE49-F238E27FC236}">
+                <a16:creationId xmlns:a16="http://schemas.microsoft.com/office/drawing/2014/main" id="{100EDD19-6802-4EC3-95CE-CFFAB042CFD6}"/>
+              </a:ext>
+              <a:ext uri="{C183D7F6-B498-43B3-948B-1728B52AA6E4}">
+                <adec:decorative xmlns:adec="http://schemas.microsoft.com/office/drawing/2017/decorative" val="1"/>
+              </a:ext>
+            </a:extLst>
+          </p:cNvPr>
+          <p:cNvSpPr>
+            <a:spLocks noGrp="1" noRot="1" noChangeAspect="1" noMove="1" noResize="1" noEditPoints="1" noAdjustHandles="1" noChangeArrowheads="1" noChangeShapeType="1" noTextEdit="1"/>
+          </p:cNvSpPr>
+          <p:nvPr>
+            <p:extLst>
+              <p:ext uri="{386F3935-93C4-4BCD-93E2-E3B085C9AB24}">
+                <p16:designElem xmlns:p16="http://schemas.microsoft.com/office/powerpoint/2015/main" val="1"/>
+              </p:ext>
+            </p:extLst>
+          </p:nvPr>
+        </p:nvSpPr>
+        <p:spPr>
+          <a:xfrm>
+            <a:off x="0" y="0"/>
+            <a:ext cx="9141714" cy="5143500"/>
+          </a:xfrm>
+          <a:prstGeom prst="rect">
+            <a:avLst/>
+          </a:prstGeom>
+          <a:ln>
+            <a:noFill/>
+          </a:ln>
+        </p:spPr>
+        <p:style>
+          <a:lnRef idx="2">
+            <a:schemeClr val="accent1">
+              <a:shade val="50000"/>
+            </a:schemeClr>
+          </a:lnRef>
+          <a:fillRef idx="1">
+            <a:schemeClr val="accent1"/>
+          </a:fillRef>
+          <a:effectRef idx="0">
+            <a:schemeClr val="accent1"/>
+          </a:effectRef>
+          <a:fontRef idx="minor">
+            <a:schemeClr val="lt1"/>
+          </a:fontRef>
+        </p:style>
+        <p:txBody>
+          <a:bodyPr rtlCol="0" anchor="ctr"/>
+          <a:lstStyle/>
+          <a:p>
+            <a:pPr algn="ctr"/>
+            <a:endParaRPr lang="en-US"/>
+          </a:p>
+        </p:txBody>
+      </p:sp>
+      <p:sp>
+        <p:nvSpPr>
+          <p:cNvPr id="2" name="Title 1">
+            <a:extLst>
+              <a:ext uri="{FF2B5EF4-FFF2-40B4-BE49-F238E27FC236}">
+                <a16:creationId xmlns:a16="http://schemas.microsoft.com/office/drawing/2014/main" id="{BC9D0CDE-CC25-EF35-77D6-7C537E5FC21C}"/>
+              </a:ext>
+            </a:extLst>
+          </p:cNvPr>
+          <p:cNvSpPr>
+            <a:spLocks noGrp="1"/>
+          </p:cNvSpPr>
+          <p:nvPr>
+            <p:ph type="title"/>
+          </p:nvPr>
+        </p:nvSpPr>
+        <p:spPr>
+          <a:xfrm>
+            <a:off x="628650" y="273843"/>
+            <a:ext cx="7886700" cy="994173"/>
+          </a:xfrm>
+        </p:spPr>
+        <p:txBody>
+          <a:bodyPr vert="horz" lIns="91440" tIns="45720" rIns="91440" bIns="45720" rtlCol="0" anchor="ctr">
+            <a:normAutofit/>
+          </a:bodyPr>
+          <a:lstStyle/>
+          <a:p>
+            <a:pPr defTabSz="914400"/>
+            <a:r>
+              <a:rPr lang="en-US" sz="4100" b="1" i="0" kern="1200">
+                <a:solidFill>
+                  <a:schemeClr val="tx1"/>
+                </a:solidFill>
+                <a:effectLst/>
+                <a:latin typeface="+mj-lt"/>
+                <a:ea typeface="+mj-ea"/>
+                <a:cs typeface="+mj-cs"/>
+              </a:rPr>
+              <a:t>Workflow with AWS KMS</a:t>
+            </a:r>
+            <a:endParaRPr lang="en-US" sz="4100" kern="1200">
+              <a:solidFill>
+                <a:schemeClr val="tx1"/>
+              </a:solidFill>
+              <a:latin typeface="+mj-lt"/>
+              <a:ea typeface="+mj-ea"/>
+              <a:cs typeface="+mj-cs"/>
+            </a:endParaRPr>
+          </a:p>
+        </p:txBody>
+      </p:sp>
+      <p:sp>
+        <p:nvSpPr>
+          <p:cNvPr id="10" name="sketch line">
+            <a:extLst>
+              <a:ext uri="{FF2B5EF4-FFF2-40B4-BE49-F238E27FC236}">
+                <a16:creationId xmlns:a16="http://schemas.microsoft.com/office/drawing/2014/main" id="{DB17E863-922E-4C26-BD64-E8FD41D28661}"/>
+              </a:ext>
+              <a:ext uri="{C183D7F6-B498-43B3-948B-1728B52AA6E4}">
+                <adec:decorative xmlns:adec="http://schemas.microsoft.com/office/drawing/2017/decorative" val="1"/>
+              </a:ext>
+            </a:extLst>
+          </p:cNvPr>
+          <p:cNvSpPr>
+            <a:spLocks noGrp="1" noRot="1" noChangeAspect="1" noMove="1" noResize="1" noEditPoints="1" noAdjustHandles="1" noChangeArrowheads="1" noChangeShapeType="1" noTextEdit="1"/>
+          </p:cNvSpPr>
+          <p:nvPr>
+            <p:extLst>
+              <p:ext uri="{386F3935-93C4-4BCD-93E2-E3B085C9AB24}">
+                <p16:designElem xmlns:p16="http://schemas.microsoft.com/office/powerpoint/2015/main" val="1"/>
+              </p:ext>
+            </p:extLst>
+          </p:nvPr>
+        </p:nvSpPr>
+        <p:spPr>
+          <a:xfrm>
+            <a:off x="501777" y="1258029"/>
+            <a:ext cx="8140446" cy="13716"/>
+          </a:xfrm>
+          <a:custGeom>
+            <a:avLst/>
+            <a:gdLst>
+              <a:gd name="connsiteX0" fmla="*/ 0 w 8140446"/>
+              <a:gd name="connsiteY0" fmla="*/ 0 h 13716"/>
+              <a:gd name="connsiteX1" fmla="*/ 434157 w 8140446"/>
+              <a:gd name="connsiteY1" fmla="*/ 0 h 13716"/>
+              <a:gd name="connsiteX2" fmla="*/ 1193932 w 8140446"/>
+              <a:gd name="connsiteY2" fmla="*/ 0 h 13716"/>
+              <a:gd name="connsiteX3" fmla="*/ 1628089 w 8140446"/>
+              <a:gd name="connsiteY3" fmla="*/ 0 h 13716"/>
+              <a:gd name="connsiteX4" fmla="*/ 2225055 w 8140446"/>
+              <a:gd name="connsiteY4" fmla="*/ 0 h 13716"/>
+              <a:gd name="connsiteX5" fmla="*/ 3066235 w 8140446"/>
+              <a:gd name="connsiteY5" fmla="*/ 0 h 13716"/>
+              <a:gd name="connsiteX6" fmla="*/ 3744605 w 8140446"/>
+              <a:gd name="connsiteY6" fmla="*/ 0 h 13716"/>
+              <a:gd name="connsiteX7" fmla="*/ 4504380 w 8140446"/>
+              <a:gd name="connsiteY7" fmla="*/ 0 h 13716"/>
+              <a:gd name="connsiteX8" fmla="*/ 5101346 w 8140446"/>
+              <a:gd name="connsiteY8" fmla="*/ 0 h 13716"/>
+              <a:gd name="connsiteX9" fmla="*/ 5779717 w 8140446"/>
+              <a:gd name="connsiteY9" fmla="*/ 0 h 13716"/>
+              <a:gd name="connsiteX10" fmla="*/ 6620896 w 8140446"/>
+              <a:gd name="connsiteY10" fmla="*/ 0 h 13716"/>
+              <a:gd name="connsiteX11" fmla="*/ 7136458 w 8140446"/>
+              <a:gd name="connsiteY11" fmla="*/ 0 h 13716"/>
+              <a:gd name="connsiteX12" fmla="*/ 8140446 w 8140446"/>
+              <a:gd name="connsiteY12" fmla="*/ 0 h 13716"/>
+              <a:gd name="connsiteX13" fmla="*/ 8140446 w 8140446"/>
+              <a:gd name="connsiteY13" fmla="*/ 13716 h 13716"/>
+              <a:gd name="connsiteX14" fmla="*/ 7543480 w 8140446"/>
+              <a:gd name="connsiteY14" fmla="*/ 13716 h 13716"/>
+              <a:gd name="connsiteX15" fmla="*/ 7109323 w 8140446"/>
+              <a:gd name="connsiteY15" fmla="*/ 13716 h 13716"/>
+              <a:gd name="connsiteX16" fmla="*/ 6430952 w 8140446"/>
+              <a:gd name="connsiteY16" fmla="*/ 13716 h 13716"/>
+              <a:gd name="connsiteX17" fmla="*/ 5915391 w 8140446"/>
+              <a:gd name="connsiteY17" fmla="*/ 13716 h 13716"/>
+              <a:gd name="connsiteX18" fmla="*/ 5237020 w 8140446"/>
+              <a:gd name="connsiteY18" fmla="*/ 13716 h 13716"/>
+              <a:gd name="connsiteX19" fmla="*/ 4558650 w 8140446"/>
+              <a:gd name="connsiteY19" fmla="*/ 13716 h 13716"/>
+              <a:gd name="connsiteX20" fmla="*/ 3880279 w 8140446"/>
+              <a:gd name="connsiteY20" fmla="*/ 13716 h 13716"/>
+              <a:gd name="connsiteX21" fmla="*/ 3201909 w 8140446"/>
+              <a:gd name="connsiteY21" fmla="*/ 13716 h 13716"/>
+              <a:gd name="connsiteX22" fmla="*/ 2604943 w 8140446"/>
+              <a:gd name="connsiteY22" fmla="*/ 13716 h 13716"/>
+              <a:gd name="connsiteX23" fmla="*/ 1845168 w 8140446"/>
+              <a:gd name="connsiteY23" fmla="*/ 13716 h 13716"/>
+              <a:gd name="connsiteX24" fmla="*/ 1166797 w 8140446"/>
+              <a:gd name="connsiteY24" fmla="*/ 13716 h 13716"/>
+              <a:gd name="connsiteX25" fmla="*/ 0 w 8140446"/>
+              <a:gd name="connsiteY25" fmla="*/ 13716 h 13716"/>
+              <a:gd name="connsiteX26" fmla="*/ 0 w 8140446"/>
+              <a:gd name="connsiteY26" fmla="*/ 0 h 13716"/>
+              <a:gd name="connsiteX0" fmla="*/ 0 w 8140446"/>
+              <a:gd name="connsiteY0" fmla="*/ 0 h 13716"/>
+              <a:gd name="connsiteX1" fmla="*/ 596966 w 8140446"/>
+              <a:gd name="connsiteY1" fmla="*/ 0 h 13716"/>
+              <a:gd name="connsiteX2" fmla="*/ 1031123 w 8140446"/>
+              <a:gd name="connsiteY2" fmla="*/ 0 h 13716"/>
+              <a:gd name="connsiteX3" fmla="*/ 1872303 w 8140446"/>
+              <a:gd name="connsiteY3" fmla="*/ 0 h 13716"/>
+              <a:gd name="connsiteX4" fmla="*/ 2469269 w 8140446"/>
+              <a:gd name="connsiteY4" fmla="*/ 0 h 13716"/>
+              <a:gd name="connsiteX5" fmla="*/ 3066235 w 8140446"/>
+              <a:gd name="connsiteY5" fmla="*/ 0 h 13716"/>
+              <a:gd name="connsiteX6" fmla="*/ 3907414 w 8140446"/>
+              <a:gd name="connsiteY6" fmla="*/ 0 h 13716"/>
+              <a:gd name="connsiteX7" fmla="*/ 4422976 w 8140446"/>
+              <a:gd name="connsiteY7" fmla="*/ 0 h 13716"/>
+              <a:gd name="connsiteX8" fmla="*/ 5264155 w 8140446"/>
+              <a:gd name="connsiteY8" fmla="*/ 0 h 13716"/>
+              <a:gd name="connsiteX9" fmla="*/ 6105335 w 8140446"/>
+              <a:gd name="connsiteY9" fmla="*/ 0 h 13716"/>
+              <a:gd name="connsiteX10" fmla="*/ 6783705 w 8140446"/>
+              <a:gd name="connsiteY10" fmla="*/ 0 h 13716"/>
+              <a:gd name="connsiteX11" fmla="*/ 8140446 w 8140446"/>
+              <a:gd name="connsiteY11" fmla="*/ 0 h 13716"/>
+              <a:gd name="connsiteX12" fmla="*/ 8140446 w 8140446"/>
+              <a:gd name="connsiteY12" fmla="*/ 13716 h 13716"/>
+              <a:gd name="connsiteX13" fmla="*/ 7706289 w 8140446"/>
+              <a:gd name="connsiteY13" fmla="*/ 13716 h 13716"/>
+              <a:gd name="connsiteX14" fmla="*/ 6865109 w 8140446"/>
+              <a:gd name="connsiteY14" fmla="*/ 13716 h 13716"/>
+              <a:gd name="connsiteX15" fmla="*/ 6349548 w 8140446"/>
+              <a:gd name="connsiteY15" fmla="*/ 13716 h 13716"/>
+              <a:gd name="connsiteX16" fmla="*/ 5671177 w 8140446"/>
+              <a:gd name="connsiteY16" fmla="*/ 13716 h 13716"/>
+              <a:gd name="connsiteX17" fmla="*/ 4829998 w 8140446"/>
+              <a:gd name="connsiteY17" fmla="*/ 13716 h 13716"/>
+              <a:gd name="connsiteX18" fmla="*/ 4151627 w 8140446"/>
+              <a:gd name="connsiteY18" fmla="*/ 13716 h 13716"/>
+              <a:gd name="connsiteX19" fmla="*/ 3717470 w 8140446"/>
+              <a:gd name="connsiteY19" fmla="*/ 13716 h 13716"/>
+              <a:gd name="connsiteX20" fmla="*/ 3201909 w 8140446"/>
+              <a:gd name="connsiteY20" fmla="*/ 13716 h 13716"/>
+              <a:gd name="connsiteX21" fmla="*/ 2360729 w 8140446"/>
+              <a:gd name="connsiteY21" fmla="*/ 13716 h 13716"/>
+              <a:gd name="connsiteX22" fmla="*/ 1682359 w 8140446"/>
+              <a:gd name="connsiteY22" fmla="*/ 13716 h 13716"/>
+              <a:gd name="connsiteX23" fmla="*/ 1166797 w 8140446"/>
+              <a:gd name="connsiteY23" fmla="*/ 13716 h 13716"/>
+              <a:gd name="connsiteX24" fmla="*/ 0 w 8140446"/>
+              <a:gd name="connsiteY24" fmla="*/ 13716 h 13716"/>
+              <a:gd name="connsiteX25" fmla="*/ 0 w 8140446"/>
+              <a:gd name="connsiteY25" fmla="*/ 0 h 13716"/>
+            </a:gdLst>
+            <a:ahLst/>
+            <a:cxnLst>
+              <a:cxn ang="0">
+                <a:pos x="connsiteX0" y="connsiteY0"/>
+              </a:cxn>
+              <a:cxn ang="0">
+                <a:pos x="connsiteX1" y="connsiteY1"/>
+              </a:cxn>
+              <a:cxn ang="0">
+                <a:pos x="connsiteX2" y="connsiteY2"/>
+              </a:cxn>
+              <a:cxn ang="0">
+                <a:pos x="connsiteX3" y="connsiteY3"/>
+              </a:cxn>
+              <a:cxn ang="0">
+                <a:pos x="connsiteX4" y="connsiteY4"/>
+              </a:cxn>
+              <a:cxn ang="0">
+                <a:pos x="connsiteX5" y="connsiteY5"/>
+              </a:cxn>
+              <a:cxn ang="0">
+                <a:pos x="connsiteX6" y="connsiteY6"/>
+              </a:cxn>
+              <a:cxn ang="0">
+                <a:pos x="connsiteX7" y="connsiteY7"/>
+              </a:cxn>
+              <a:cxn ang="0">
+                <a:pos x="connsiteX8" y="connsiteY8"/>
+              </a:cxn>
+              <a:cxn ang="0">
+                <a:pos x="connsiteX9" y="connsiteY9"/>
+              </a:cxn>
+              <a:cxn ang="0">
+                <a:pos x="connsiteX10" y="connsiteY10"/>
+              </a:cxn>
+              <a:cxn ang="0">
+                <a:pos x="connsiteX11" y="connsiteY11"/>
+              </a:cxn>
+              <a:cxn ang="0">
+                <a:pos x="connsiteX12" y="connsiteY12"/>
+              </a:cxn>
+              <a:cxn ang="0">
+                <a:pos x="connsiteX13" y="connsiteY13"/>
+              </a:cxn>
+              <a:cxn ang="0">
+                <a:pos x="connsiteX14" y="connsiteY14"/>
+              </a:cxn>
+              <a:cxn ang="0">
+                <a:pos x="connsiteX15" y="connsiteY15"/>
+              </a:cxn>
+              <a:cxn ang="0">
+                <a:pos x="connsiteX16" y="connsiteY16"/>
+              </a:cxn>
+              <a:cxn ang="0">
+                <a:pos x="connsiteX17" y="connsiteY17"/>
+              </a:cxn>
+              <a:cxn ang="0">
+                <a:pos x="connsiteX18" y="connsiteY18"/>
+              </a:cxn>
+              <a:cxn ang="0">
+                <a:pos x="connsiteX19" y="connsiteY19"/>
+              </a:cxn>
+              <a:cxn ang="0">
+                <a:pos x="connsiteX20" y="connsiteY20"/>
+              </a:cxn>
+              <a:cxn ang="0">
+                <a:pos x="connsiteX21" y="connsiteY21"/>
+              </a:cxn>
+              <a:cxn ang="0">
+                <a:pos x="connsiteX22" y="connsiteY22"/>
+              </a:cxn>
+              <a:cxn ang="0">
+                <a:pos x="connsiteX23" y="connsiteY23"/>
+              </a:cxn>
+              <a:cxn ang="0">
+                <a:pos x="connsiteX24" y="connsiteY24"/>
+              </a:cxn>
+              <a:cxn ang="0">
+                <a:pos x="connsiteX25" y="connsiteY25"/>
+              </a:cxn>
+            </a:cxnLst>
+            <a:rect l="l" t="t" r="r" b="b"/>
+            <a:pathLst>
+              <a:path w="8140446" h="13716" fill="none" extrusionOk="0">
+                <a:moveTo>
+                  <a:pt x="0" y="0"/>
+                </a:moveTo>
+                <a:cubicBezTo>
+                  <a:pt x="87427" y="6231"/>
+                  <a:pt x="309612" y="-26324"/>
+                  <a:pt x="434157" y="0"/>
+                </a:cubicBezTo>
+                <a:cubicBezTo>
+                  <a:pt x="536972" y="29330"/>
+                  <a:pt x="959392" y="28619"/>
+                  <a:pt x="1193932" y="0"/>
+                </a:cubicBezTo>
+                <a:cubicBezTo>
+                  <a:pt x="1446097" y="13819"/>
+                  <a:pt x="1471680" y="7203"/>
+                  <a:pt x="1628089" y="0"/>
+                </a:cubicBezTo>
+                <a:cubicBezTo>
+                  <a:pt x="1817415" y="4047"/>
+                  <a:pt x="1949536" y="-59324"/>
+                  <a:pt x="2225055" y="0"/>
+                </a:cubicBezTo>
+                <a:cubicBezTo>
+                  <a:pt x="2520490" y="18365"/>
+                  <a:pt x="2717469" y="18707"/>
+                  <a:pt x="3066235" y="0"/>
+                </a:cubicBezTo>
+                <a:cubicBezTo>
+                  <a:pt x="3437075" y="3751"/>
+                  <a:pt x="3408347" y="31644"/>
+                  <a:pt x="3744605" y="0"/>
+                </a:cubicBezTo>
+                <a:cubicBezTo>
+                  <a:pt x="4097249" y="-11527"/>
+                  <a:pt x="4249699" y="-32555"/>
+                  <a:pt x="4504380" y="0"/>
+                </a:cubicBezTo>
+                <a:cubicBezTo>
+                  <a:pt x="4737570" y="17980"/>
+                  <a:pt x="4877497" y="1006"/>
+                  <a:pt x="5101346" y="0"/>
+                </a:cubicBezTo>
+                <a:cubicBezTo>
+                  <a:pt x="5359305" y="-15330"/>
+                  <a:pt x="5447195" y="7257"/>
+                  <a:pt x="5779717" y="0"/>
+                </a:cubicBezTo>
+                <a:cubicBezTo>
+                  <a:pt x="6090019" y="-17621"/>
+                  <a:pt x="6273151" y="4279"/>
+                  <a:pt x="6620896" y="0"/>
+                </a:cubicBezTo>
+                <a:cubicBezTo>
+                  <a:pt x="6968586" y="34056"/>
+                  <a:pt x="6990073" y="23587"/>
+                  <a:pt x="7136458" y="0"/>
+                </a:cubicBezTo>
+                <a:cubicBezTo>
+                  <a:pt x="7320575" y="20480"/>
+                  <a:pt x="7847401" y="-6173"/>
+                  <a:pt x="8140446" y="0"/>
+                </a:cubicBezTo>
+                <a:cubicBezTo>
+                  <a:pt x="8139575" y="3138"/>
+                  <a:pt x="8140433" y="8565"/>
+                  <a:pt x="8140446" y="13716"/>
+                </a:cubicBezTo>
+                <a:cubicBezTo>
+                  <a:pt x="7908069" y="-25208"/>
+                  <a:pt x="7683037" y="17405"/>
+                  <a:pt x="7543480" y="13716"/>
+                </a:cubicBezTo>
+                <a:cubicBezTo>
+                  <a:pt x="7393752" y="5478"/>
+                  <a:pt x="7221032" y="-7801"/>
+                  <a:pt x="7109323" y="13716"/>
+                </a:cubicBezTo>
+                <a:cubicBezTo>
+                  <a:pt x="7015297" y="17911"/>
+                  <a:pt x="6599332" y="36327"/>
+                  <a:pt x="6430952" y="13716"/>
+                </a:cubicBezTo>
+                <a:cubicBezTo>
+                  <a:pt x="6292915" y="-38722"/>
+                  <a:pt x="6142305" y="16935"/>
+                  <a:pt x="5915391" y="13716"/>
+                </a:cubicBezTo>
+                <a:cubicBezTo>
+                  <a:pt x="5682725" y="43271"/>
+                  <a:pt x="5440566" y="26848"/>
+                  <a:pt x="5237020" y="13716"/>
+                </a:cubicBezTo>
+                <a:cubicBezTo>
+                  <a:pt x="5046456" y="6005"/>
+                  <a:pt x="4706449" y="47404"/>
+                  <a:pt x="4558650" y="13716"/>
+                </a:cubicBezTo>
+                <a:cubicBezTo>
+                  <a:pt x="4361396" y="-5559"/>
+                  <a:pt x="4145362" y="-26875"/>
+                  <a:pt x="3880279" y="13716"/>
+                </a:cubicBezTo>
+                <a:cubicBezTo>
+                  <a:pt x="3610716" y="20839"/>
+                  <a:pt x="3472690" y="-564"/>
+                  <a:pt x="3201909" y="13716"/>
+                </a:cubicBezTo>
+                <a:cubicBezTo>
+                  <a:pt x="2913595" y="30525"/>
+                  <a:pt x="2753317" y="-5721"/>
+                  <a:pt x="2604943" y="13716"/>
+                </a:cubicBezTo>
+                <a:cubicBezTo>
+                  <a:pt x="2450130" y="32417"/>
+                  <a:pt x="1974183" y="35587"/>
+                  <a:pt x="1845168" y="13716"/>
+                </a:cubicBezTo>
+                <a:cubicBezTo>
+                  <a:pt x="1677929" y="-4352"/>
+                  <a:pt x="1378098" y="-5344"/>
+                  <a:pt x="1166797" y="13716"/>
+                </a:cubicBezTo>
+                <a:cubicBezTo>
+                  <a:pt x="921150" y="48705"/>
+                  <a:pt x="327457" y="42725"/>
+                  <a:pt x="0" y="13716"/>
+                </a:cubicBezTo>
+                <a:cubicBezTo>
+                  <a:pt x="-457" y="9675"/>
+                  <a:pt x="580" y="3290"/>
+                  <a:pt x="0" y="0"/>
+                </a:cubicBezTo>
+                <a:close/>
+              </a:path>
+              <a:path w="8140446" h="13716" stroke="0" extrusionOk="0">
+                <a:moveTo>
+                  <a:pt x="0" y="0"/>
+                </a:moveTo>
+                <a:cubicBezTo>
+                  <a:pt x="136968" y="-25482"/>
+                  <a:pt x="379786" y="11224"/>
+                  <a:pt x="596966" y="0"/>
+                </a:cubicBezTo>
+                <a:cubicBezTo>
+                  <a:pt x="815878" y="-21223"/>
+                  <a:pt x="832062" y="11868"/>
+                  <a:pt x="1031123" y="0"/>
+                </a:cubicBezTo>
+                <a:cubicBezTo>
+                  <a:pt x="1256800" y="-30738"/>
+                  <a:pt x="1658090" y="-20345"/>
+                  <a:pt x="1872303" y="0"/>
+                </a:cubicBezTo>
+                <a:cubicBezTo>
+                  <a:pt x="2115604" y="28431"/>
+                  <a:pt x="2277865" y="-40642"/>
+                  <a:pt x="2469269" y="0"/>
+                </a:cubicBezTo>
+                <a:cubicBezTo>
+                  <a:pt x="2679731" y="25919"/>
+                  <a:pt x="2788602" y="-6498"/>
+                  <a:pt x="3066235" y="0"/>
+                </a:cubicBezTo>
+                <a:cubicBezTo>
+                  <a:pt x="3325663" y="-14487"/>
+                  <a:pt x="3706561" y="67517"/>
+                  <a:pt x="3907414" y="0"/>
+                </a:cubicBezTo>
+                <a:cubicBezTo>
+                  <a:pt x="4127229" y="-37113"/>
+                  <a:pt x="4179037" y="-8167"/>
+                  <a:pt x="4422976" y="0"/>
+                </a:cubicBezTo>
+                <a:cubicBezTo>
+                  <a:pt x="4683575" y="-28486"/>
+                  <a:pt x="5055803" y="-13799"/>
+                  <a:pt x="5264155" y="0"/>
+                </a:cubicBezTo>
+                <a:cubicBezTo>
+                  <a:pt x="5513566" y="14315"/>
+                  <a:pt x="5735215" y="2768"/>
+                  <a:pt x="6105335" y="0"/>
+                </a:cubicBezTo>
+                <a:cubicBezTo>
+                  <a:pt x="6510913" y="-12587"/>
+                  <a:pt x="6456171" y="3247"/>
+                  <a:pt x="6783705" y="0"/>
+                </a:cubicBezTo>
+                <a:cubicBezTo>
+                  <a:pt x="7057099" y="-15461"/>
+                  <a:pt x="7592067" y="5384"/>
+                  <a:pt x="8140446" y="0"/>
+                </a:cubicBezTo>
+                <a:cubicBezTo>
+                  <a:pt x="8139761" y="5232"/>
+                  <a:pt x="8140368" y="9058"/>
+                  <a:pt x="8140446" y="13716"/>
+                </a:cubicBezTo>
+                <a:cubicBezTo>
+                  <a:pt x="7961834" y="3834"/>
+                  <a:pt x="7874097" y="5778"/>
+                  <a:pt x="7706289" y="13716"/>
+                </a:cubicBezTo>
+                <a:cubicBezTo>
+                  <a:pt x="7582508" y="-19492"/>
+                  <a:pt x="7179551" y="-37683"/>
+                  <a:pt x="6865109" y="13716"/>
+                </a:cubicBezTo>
+                <a:cubicBezTo>
+                  <a:pt x="6583382" y="19545"/>
+                  <a:pt x="6525821" y="32124"/>
+                  <a:pt x="6349548" y="13716"/>
+                </a:cubicBezTo>
+                <a:cubicBezTo>
+                  <a:pt x="6209953" y="6309"/>
+                  <a:pt x="5959707" y="-52400"/>
+                  <a:pt x="5671177" y="13716"/>
+                </a:cubicBezTo>
+                <a:cubicBezTo>
+                  <a:pt x="5387744" y="25237"/>
+                  <a:pt x="5228514" y="96935"/>
+                  <a:pt x="4829998" y="13716"/>
+                </a:cubicBezTo>
+                <a:cubicBezTo>
+                  <a:pt x="4415646" y="-33168"/>
+                  <a:pt x="4343809" y="24382"/>
+                  <a:pt x="4151627" y="13716"/>
+                </a:cubicBezTo>
+                <a:cubicBezTo>
+                  <a:pt x="3950673" y="-14368"/>
+                  <a:pt x="3879947" y="36571"/>
+                  <a:pt x="3717470" y="13716"/>
+                </a:cubicBezTo>
+                <a:cubicBezTo>
+                  <a:pt x="3558660" y="5538"/>
+                  <a:pt x="3468854" y="24803"/>
+                  <a:pt x="3201909" y="13716"/>
+                </a:cubicBezTo>
+                <a:cubicBezTo>
+                  <a:pt x="2965673" y="5933"/>
+                  <a:pt x="2568327" y="17544"/>
+                  <a:pt x="2360729" y="13716"/>
+                </a:cubicBezTo>
+                <a:cubicBezTo>
+                  <a:pt x="2171885" y="44572"/>
+                  <a:pt x="1923258" y="11448"/>
+                  <a:pt x="1682359" y="13716"/>
+                </a:cubicBezTo>
+                <a:cubicBezTo>
+                  <a:pt x="1430698" y="-6950"/>
+                  <a:pt x="1324229" y="-6323"/>
+                  <a:pt x="1166797" y="13716"/>
+                </a:cubicBezTo>
+                <a:cubicBezTo>
+                  <a:pt x="1001390" y="37223"/>
+                  <a:pt x="324313" y="53392"/>
+                  <a:pt x="0" y="13716"/>
+                </a:cubicBezTo>
+                <a:cubicBezTo>
+                  <a:pt x="427" y="7441"/>
+                  <a:pt x="425" y="4765"/>
+                  <a:pt x="0" y="0"/>
+                </a:cubicBezTo>
+                <a:close/>
+              </a:path>
+              <a:path w="8140446" h="13716" fill="none" stroke="0" extrusionOk="0">
+                <a:moveTo>
+                  <a:pt x="0" y="0"/>
+                </a:moveTo>
+                <a:cubicBezTo>
+                  <a:pt x="69532" y="-6557"/>
+                  <a:pt x="264219" y="3919"/>
+                  <a:pt x="434157" y="0"/>
+                </a:cubicBezTo>
+                <a:cubicBezTo>
+                  <a:pt x="600013" y="9090"/>
+                  <a:pt x="921449" y="-13478"/>
+                  <a:pt x="1193932" y="0"/>
+                </a:cubicBezTo>
+                <a:cubicBezTo>
+                  <a:pt x="1443592" y="14844"/>
+                  <a:pt x="1471188" y="10722"/>
+                  <a:pt x="1628089" y="0"/>
+                </a:cubicBezTo>
+                <a:cubicBezTo>
+                  <a:pt x="1750006" y="-24149"/>
+                  <a:pt x="1967480" y="-14904"/>
+                  <a:pt x="2225055" y="0"/>
+                </a:cubicBezTo>
+                <a:cubicBezTo>
+                  <a:pt x="2503918" y="19247"/>
+                  <a:pt x="2709263" y="-16351"/>
+                  <a:pt x="3066235" y="0"/>
+                </a:cubicBezTo>
+                <a:cubicBezTo>
+                  <a:pt x="3429723" y="-1627"/>
+                  <a:pt x="3399401" y="30976"/>
+                  <a:pt x="3744605" y="0"/>
+                </a:cubicBezTo>
+                <a:cubicBezTo>
+                  <a:pt x="4081920" y="-40602"/>
+                  <a:pt x="4258272" y="-2441"/>
+                  <a:pt x="4504380" y="0"/>
+                </a:cubicBezTo>
+                <a:cubicBezTo>
+                  <a:pt x="4760039" y="21121"/>
+                  <a:pt x="4866555" y="-1351"/>
+                  <a:pt x="5101346" y="0"/>
+                </a:cubicBezTo>
+                <a:cubicBezTo>
+                  <a:pt x="5336279" y="1859"/>
+                  <a:pt x="5465100" y="30801"/>
+                  <a:pt x="5779717" y="0"/>
+                </a:cubicBezTo>
+                <a:cubicBezTo>
+                  <a:pt x="6117018" y="-2879"/>
+                  <a:pt x="6273497" y="-5002"/>
+                  <a:pt x="6620896" y="0"/>
+                </a:cubicBezTo>
+                <a:cubicBezTo>
+                  <a:pt x="6972306" y="38666"/>
+                  <a:pt x="6992056" y="28334"/>
+                  <a:pt x="7136458" y="0"/>
+                </a:cubicBezTo>
+                <a:cubicBezTo>
+                  <a:pt x="7325567" y="-61201"/>
+                  <a:pt x="7766555" y="-88399"/>
+                  <a:pt x="8140446" y="0"/>
+                </a:cubicBezTo>
+                <a:cubicBezTo>
+                  <a:pt x="8140370" y="2812"/>
+                  <a:pt x="8139830" y="9122"/>
+                  <a:pt x="8140446" y="13716"/>
+                </a:cubicBezTo>
+                <a:cubicBezTo>
+                  <a:pt x="7892673" y="-8584"/>
+                  <a:pt x="7668025" y="-3922"/>
+                  <a:pt x="7543480" y="13716"/>
+                </a:cubicBezTo>
+                <a:cubicBezTo>
+                  <a:pt x="7406710" y="-8039"/>
+                  <a:pt x="7207646" y="4321"/>
+                  <a:pt x="7109323" y="13716"/>
+                </a:cubicBezTo>
+                <a:cubicBezTo>
+                  <a:pt x="6993037" y="44439"/>
+                  <a:pt x="6598723" y="54833"/>
+                  <a:pt x="6430952" y="13716"/>
+                </a:cubicBezTo>
+                <a:cubicBezTo>
+                  <a:pt x="6284771" y="10743"/>
+                  <a:pt x="6162730" y="15778"/>
+                  <a:pt x="5915391" y="13716"/>
+                </a:cubicBezTo>
+                <a:cubicBezTo>
+                  <a:pt x="5684668" y="9031"/>
+                  <a:pt x="5422852" y="49046"/>
+                  <a:pt x="5237020" y="13716"/>
+                </a:cubicBezTo>
+                <a:cubicBezTo>
+                  <a:pt x="5035482" y="21724"/>
+                  <a:pt x="4719808" y="50573"/>
+                  <a:pt x="4558650" y="13716"/>
+                </a:cubicBezTo>
+                <a:cubicBezTo>
+                  <a:pt x="4375169" y="-40159"/>
+                  <a:pt x="4137553" y="7514"/>
+                  <a:pt x="3880279" y="13716"/>
+                </a:cubicBezTo>
+                <a:cubicBezTo>
+                  <a:pt x="3624533" y="28076"/>
+                  <a:pt x="3467387" y="1908"/>
+                  <a:pt x="3201909" y="13716"/>
+                </a:cubicBezTo>
+                <a:cubicBezTo>
+                  <a:pt x="2918126" y="68770"/>
+                  <a:pt x="2717830" y="-21728"/>
+                  <a:pt x="2604943" y="13716"/>
+                </a:cubicBezTo>
+                <a:cubicBezTo>
+                  <a:pt x="2496133" y="39953"/>
+                  <a:pt x="2003915" y="13682"/>
+                  <a:pt x="1845168" y="13716"/>
+                </a:cubicBezTo>
+                <a:cubicBezTo>
+                  <a:pt x="1694518" y="10417"/>
+                  <a:pt x="1344959" y="39616"/>
+                  <a:pt x="1166797" y="13716"/>
+                </a:cubicBezTo>
+                <a:cubicBezTo>
+                  <a:pt x="935925" y="64879"/>
+                  <a:pt x="319712" y="-68544"/>
+                  <a:pt x="0" y="13716"/>
+                </a:cubicBezTo>
+                <a:cubicBezTo>
+                  <a:pt x="203" y="9362"/>
+                  <a:pt x="845" y="2328"/>
+                  <a:pt x="0" y="0"/>
+                </a:cubicBezTo>
+                <a:close/>
+              </a:path>
+            </a:pathLst>
+          </a:custGeom>
+          <a:solidFill>
+            <a:schemeClr val="accent2"/>
+          </a:solidFill>
+          <a:ln w="41275" cap="rnd">
+            <a:solidFill>
+              <a:schemeClr val="accent2"/>
+            </a:solidFill>
+            <a:round/>
+            <a:extLst>
+              <a:ext uri="{C807C97D-BFC1-408E-A445-0C87EB9F89A2}">
+                <ask:lineSketchStyleProps xmlns:ask="http://schemas.microsoft.com/office/drawing/2018/sketchyshapes" sd="1219033472">
+                  <a:custGeom>
+                    <a:avLst/>
+                    <a:gdLst>
+                      <a:gd name="connsiteX0" fmla="*/ 0 w 8140446"/>
+                      <a:gd name="connsiteY0" fmla="*/ 0 h 13716"/>
+                      <a:gd name="connsiteX1" fmla="*/ 434157 w 8140446"/>
+                      <a:gd name="connsiteY1" fmla="*/ 0 h 13716"/>
+                      <a:gd name="connsiteX2" fmla="*/ 1193932 w 8140446"/>
+                      <a:gd name="connsiteY2" fmla="*/ 0 h 13716"/>
+                      <a:gd name="connsiteX3" fmla="*/ 1628089 w 8140446"/>
+                      <a:gd name="connsiteY3" fmla="*/ 0 h 13716"/>
+                      <a:gd name="connsiteX4" fmla="*/ 2225055 w 8140446"/>
+                      <a:gd name="connsiteY4" fmla="*/ 0 h 13716"/>
+                      <a:gd name="connsiteX5" fmla="*/ 3066235 w 8140446"/>
+                      <a:gd name="connsiteY5" fmla="*/ 0 h 13716"/>
+                      <a:gd name="connsiteX6" fmla="*/ 3744605 w 8140446"/>
+                      <a:gd name="connsiteY6" fmla="*/ 0 h 13716"/>
+                      <a:gd name="connsiteX7" fmla="*/ 4504380 w 8140446"/>
+                      <a:gd name="connsiteY7" fmla="*/ 0 h 13716"/>
+                      <a:gd name="connsiteX8" fmla="*/ 5101346 w 8140446"/>
+                      <a:gd name="connsiteY8" fmla="*/ 0 h 13716"/>
+                      <a:gd name="connsiteX9" fmla="*/ 5779717 w 8140446"/>
+                      <a:gd name="connsiteY9" fmla="*/ 0 h 13716"/>
+                      <a:gd name="connsiteX10" fmla="*/ 6620896 w 8140446"/>
+                      <a:gd name="connsiteY10" fmla="*/ 0 h 13716"/>
+                      <a:gd name="connsiteX11" fmla="*/ 7136458 w 8140446"/>
+                      <a:gd name="connsiteY11" fmla="*/ 0 h 13716"/>
+                      <a:gd name="connsiteX12" fmla="*/ 8140446 w 8140446"/>
+                      <a:gd name="connsiteY12" fmla="*/ 0 h 13716"/>
+                      <a:gd name="connsiteX13" fmla="*/ 8140446 w 8140446"/>
+                      <a:gd name="connsiteY13" fmla="*/ 13716 h 13716"/>
+                      <a:gd name="connsiteX14" fmla="*/ 7543480 w 8140446"/>
+                      <a:gd name="connsiteY14" fmla="*/ 13716 h 13716"/>
+                      <a:gd name="connsiteX15" fmla="*/ 7109323 w 8140446"/>
+                      <a:gd name="connsiteY15" fmla="*/ 13716 h 13716"/>
+                      <a:gd name="connsiteX16" fmla="*/ 6430952 w 8140446"/>
+                      <a:gd name="connsiteY16" fmla="*/ 13716 h 13716"/>
+                      <a:gd name="connsiteX17" fmla="*/ 5915391 w 8140446"/>
+                      <a:gd name="connsiteY17" fmla="*/ 13716 h 13716"/>
+                      <a:gd name="connsiteX18" fmla="*/ 5237020 w 8140446"/>
+                      <a:gd name="connsiteY18" fmla="*/ 13716 h 13716"/>
+                      <a:gd name="connsiteX19" fmla="*/ 4558650 w 8140446"/>
+                      <a:gd name="connsiteY19" fmla="*/ 13716 h 13716"/>
+                      <a:gd name="connsiteX20" fmla="*/ 3880279 w 8140446"/>
+                      <a:gd name="connsiteY20" fmla="*/ 13716 h 13716"/>
+                      <a:gd name="connsiteX21" fmla="*/ 3201909 w 8140446"/>
+                      <a:gd name="connsiteY21" fmla="*/ 13716 h 13716"/>
+                      <a:gd name="connsiteX22" fmla="*/ 2604943 w 8140446"/>
+                      <a:gd name="connsiteY22" fmla="*/ 13716 h 13716"/>
+                      <a:gd name="connsiteX23" fmla="*/ 1845168 w 8140446"/>
+                      <a:gd name="connsiteY23" fmla="*/ 13716 h 13716"/>
+                      <a:gd name="connsiteX24" fmla="*/ 1166797 w 8140446"/>
+                      <a:gd name="connsiteY24" fmla="*/ 13716 h 13716"/>
+                      <a:gd name="connsiteX25" fmla="*/ 0 w 8140446"/>
+                      <a:gd name="connsiteY25" fmla="*/ 13716 h 13716"/>
+                      <a:gd name="connsiteX26" fmla="*/ 0 w 8140446"/>
+                      <a:gd name="connsiteY26" fmla="*/ 0 h 13716"/>
+                    </a:gdLst>
+                    <a:ahLst/>
+                    <a:cxnLst>
+                      <a:cxn ang="0">
+                        <a:pos x="connsiteX0" y="connsiteY0"/>
+                      </a:cxn>
+                      <a:cxn ang="0">
+                        <a:pos x="connsiteX1" y="connsiteY1"/>
+                      </a:cxn>
+                      <a:cxn ang="0">
+                        <a:pos x="connsiteX2" y="connsiteY2"/>
+                      </a:cxn>
+                      <a:cxn ang="0">
+                        <a:pos x="connsiteX3" y="connsiteY3"/>
+                      </a:cxn>
+                      <a:cxn ang="0">
+                        <a:pos x="connsiteX4" y="connsiteY4"/>
+                      </a:cxn>
+                      <a:cxn ang="0">
+                        <a:pos x="connsiteX5" y="connsiteY5"/>
+                      </a:cxn>
+                      <a:cxn ang="0">
+                        <a:pos x="connsiteX6" y="connsiteY6"/>
+                      </a:cxn>
+                      <a:cxn ang="0">
+                        <a:pos x="connsiteX7" y="connsiteY7"/>
+                      </a:cxn>
+                      <a:cxn ang="0">
+                        <a:pos x="connsiteX8" y="connsiteY8"/>
+                      </a:cxn>
+                      <a:cxn ang="0">
+                        <a:pos x="connsiteX9" y="connsiteY9"/>
+                      </a:cxn>
+                      <a:cxn ang="0">
+                        <a:pos x="connsiteX10" y="connsiteY10"/>
+                      </a:cxn>
+                      <a:cxn ang="0">
+                        <a:pos x="connsiteX11" y="connsiteY11"/>
+                      </a:cxn>
+                      <a:cxn ang="0">
+                        <a:pos x="connsiteX12" y="connsiteY12"/>
+                      </a:cxn>
+                      <a:cxn ang="0">
+                        <a:pos x="connsiteX13" y="connsiteY13"/>
+                      </a:cxn>
+                      <a:cxn ang="0">
+                        <a:pos x="connsiteX14" y="connsiteY14"/>
+                      </a:cxn>
+                      <a:cxn ang="0">
+                        <a:pos x="connsiteX15" y="connsiteY15"/>
+                      </a:cxn>
+                      <a:cxn ang="0">
+                        <a:pos x="connsiteX16" y="connsiteY16"/>
+                      </a:cxn>
+                      <a:cxn ang="0">
+                        <a:pos x="connsiteX17" y="connsiteY17"/>
+                      </a:cxn>
+                      <a:cxn ang="0">
+                        <a:pos x="connsiteX18" y="connsiteY18"/>
+                      </a:cxn>
+                      <a:cxn ang="0">
+                        <a:pos x="connsiteX19" y="connsiteY19"/>
+                      </a:cxn>
+                      <a:cxn ang="0">
+                        <a:pos x="connsiteX20" y="connsiteY20"/>
+                      </a:cxn>
+                      <a:cxn ang="0">
+                        <a:pos x="connsiteX21" y="connsiteY21"/>
+                      </a:cxn>
+                      <a:cxn ang="0">
+                        <a:pos x="connsiteX22" y="connsiteY22"/>
+                      </a:cxn>
+                      <a:cxn ang="0">
+                        <a:pos x="connsiteX23" y="connsiteY23"/>
+                      </a:cxn>
+                      <a:cxn ang="0">
+                        <a:pos x="connsiteX24" y="connsiteY24"/>
+                      </a:cxn>
+                      <a:cxn ang="0">
+                        <a:pos x="connsiteX25" y="connsiteY25"/>
+                      </a:cxn>
+                      <a:cxn ang="0">
+                        <a:pos x="connsiteX26" y="connsiteY26"/>
+                      </a:cxn>
+                    </a:cxnLst>
+                    <a:rect l="l" t="t" r="r" b="b"/>
+                    <a:pathLst>
+                      <a:path w="8140446" h="13716" fill="none" extrusionOk="0">
+                        <a:moveTo>
+                          <a:pt x="0" y="0"/>
+                        </a:moveTo>
+                        <a:cubicBezTo>
+                          <a:pt x="94920" y="9103"/>
+                          <a:pt x="287892" y="-4966"/>
+                          <a:pt x="434157" y="0"/>
+                        </a:cubicBezTo>
+                        <a:cubicBezTo>
+                          <a:pt x="580422" y="4966"/>
+                          <a:pt x="943595" y="-14182"/>
+                          <a:pt x="1193932" y="0"/>
+                        </a:cubicBezTo>
+                        <a:cubicBezTo>
+                          <a:pt x="1444270" y="14182"/>
+                          <a:pt x="1472129" y="5523"/>
+                          <a:pt x="1628089" y="0"/>
+                        </a:cubicBezTo>
+                        <a:cubicBezTo>
+                          <a:pt x="1784049" y="-5523"/>
+                          <a:pt x="1962419" y="-17322"/>
+                          <a:pt x="2225055" y="0"/>
+                        </a:cubicBezTo>
+                        <a:cubicBezTo>
+                          <a:pt x="2487691" y="17322"/>
+                          <a:pt x="2700681" y="1311"/>
+                          <a:pt x="3066235" y="0"/>
+                        </a:cubicBezTo>
+                        <a:cubicBezTo>
+                          <a:pt x="3431789" y="-1311"/>
+                          <a:pt x="3405662" y="25081"/>
+                          <a:pt x="3744605" y="0"/>
+                        </a:cubicBezTo>
+                        <a:cubicBezTo>
+                          <a:pt x="4083548" y="-25081"/>
+                          <a:pt x="4265111" y="-11945"/>
+                          <a:pt x="4504380" y="0"/>
+                        </a:cubicBezTo>
+                        <a:cubicBezTo>
+                          <a:pt x="4743649" y="11945"/>
+                          <a:pt x="4860394" y="-2832"/>
+                          <a:pt x="5101346" y="0"/>
+                        </a:cubicBezTo>
+                        <a:cubicBezTo>
+                          <a:pt x="5342298" y="2832"/>
+                          <a:pt x="5456387" y="23676"/>
+                          <a:pt x="5779717" y="0"/>
+                        </a:cubicBezTo>
+                        <a:cubicBezTo>
+                          <a:pt x="6103047" y="-23676"/>
+                          <a:pt x="6270379" y="-37291"/>
+                          <a:pt x="6620896" y="0"/>
+                        </a:cubicBezTo>
+                        <a:cubicBezTo>
+                          <a:pt x="6971413" y="37291"/>
+                          <a:pt x="6989068" y="24674"/>
+                          <a:pt x="7136458" y="0"/>
+                        </a:cubicBezTo>
+                        <a:cubicBezTo>
+                          <a:pt x="7283848" y="-24674"/>
+                          <a:pt x="7752532" y="-22436"/>
+                          <a:pt x="8140446" y="0"/>
+                        </a:cubicBezTo>
+                        <a:cubicBezTo>
+                          <a:pt x="8140543" y="2784"/>
+                          <a:pt x="8140462" y="9558"/>
+                          <a:pt x="8140446" y="13716"/>
+                        </a:cubicBezTo>
+                        <a:cubicBezTo>
+                          <a:pt x="7906329" y="-7615"/>
+                          <a:pt x="7681180" y="22893"/>
+                          <a:pt x="7543480" y="13716"/>
+                        </a:cubicBezTo>
+                        <a:cubicBezTo>
+                          <a:pt x="7405780" y="4539"/>
+                          <a:pt x="7216607" y="-912"/>
+                          <a:pt x="7109323" y="13716"/>
+                        </a:cubicBezTo>
+                        <a:cubicBezTo>
+                          <a:pt x="7002039" y="28344"/>
+                          <a:pt x="6576231" y="38120"/>
+                          <a:pt x="6430952" y="13716"/>
+                        </a:cubicBezTo>
+                        <a:cubicBezTo>
+                          <a:pt x="6285673" y="-10688"/>
+                          <a:pt x="6138840" y="29949"/>
+                          <a:pt x="5915391" y="13716"/>
+                        </a:cubicBezTo>
+                        <a:cubicBezTo>
+                          <a:pt x="5691942" y="-2517"/>
+                          <a:pt x="5459460" y="47094"/>
+                          <a:pt x="5237020" y="13716"/>
+                        </a:cubicBezTo>
+                        <a:cubicBezTo>
+                          <a:pt x="5014580" y="-19662"/>
+                          <a:pt x="4747677" y="35877"/>
+                          <a:pt x="4558650" y="13716"/>
+                        </a:cubicBezTo>
+                        <a:cubicBezTo>
+                          <a:pt x="4369623" y="-8445"/>
+                          <a:pt x="4146061" y="7996"/>
+                          <a:pt x="3880279" y="13716"/>
+                        </a:cubicBezTo>
+                        <a:cubicBezTo>
+                          <a:pt x="3614497" y="19436"/>
+                          <a:pt x="3473808" y="-17480"/>
+                          <a:pt x="3201909" y="13716"/>
+                        </a:cubicBezTo>
+                        <a:cubicBezTo>
+                          <a:pt x="2930010" y="44912"/>
+                          <a:pt x="2728175" y="-8002"/>
+                          <a:pt x="2604943" y="13716"/>
+                        </a:cubicBezTo>
+                        <a:cubicBezTo>
+                          <a:pt x="2481711" y="35434"/>
+                          <a:pt x="2004334" y="22380"/>
+                          <a:pt x="1845168" y="13716"/>
+                        </a:cubicBezTo>
+                        <a:cubicBezTo>
+                          <a:pt x="1686003" y="5052"/>
+                          <a:pt x="1375070" y="33008"/>
+                          <a:pt x="1166797" y="13716"/>
+                        </a:cubicBezTo>
+                        <a:cubicBezTo>
+                          <a:pt x="958524" y="-5576"/>
+                          <a:pt x="342846" y="4308"/>
+                          <a:pt x="0" y="13716"/>
+                        </a:cubicBezTo>
+                        <a:cubicBezTo>
+                          <a:pt x="-100" y="9589"/>
+                          <a:pt x="468" y="2983"/>
+                          <a:pt x="0" y="0"/>
+                        </a:cubicBezTo>
+                        <a:close/>
+                      </a:path>
+                      <a:path w="8140446" h="13716" stroke="0" extrusionOk="0">
+                        <a:moveTo>
+                          <a:pt x="0" y="0"/>
+                        </a:moveTo>
+                        <a:cubicBezTo>
+                          <a:pt x="142435" y="-24533"/>
+                          <a:pt x="380026" y="17447"/>
+                          <a:pt x="596966" y="0"/>
+                        </a:cubicBezTo>
+                        <a:cubicBezTo>
+                          <a:pt x="813906" y="-17447"/>
+                          <a:pt x="830530" y="13462"/>
+                          <a:pt x="1031123" y="0"/>
+                        </a:cubicBezTo>
+                        <a:cubicBezTo>
+                          <a:pt x="1231716" y="-13462"/>
+                          <a:pt x="1634038" y="0"/>
+                          <a:pt x="1872303" y="0"/>
+                        </a:cubicBezTo>
+                        <a:cubicBezTo>
+                          <a:pt x="2110568" y="0"/>
+                          <a:pt x="2261934" y="-25727"/>
+                          <a:pt x="2469269" y="0"/>
+                        </a:cubicBezTo>
+                        <a:cubicBezTo>
+                          <a:pt x="2676604" y="25727"/>
+                          <a:pt x="2790440" y="16284"/>
+                          <a:pt x="3066235" y="0"/>
+                        </a:cubicBezTo>
+                        <a:cubicBezTo>
+                          <a:pt x="3342030" y="-16284"/>
+                          <a:pt x="3685603" y="41976"/>
+                          <a:pt x="3907414" y="0"/>
+                        </a:cubicBezTo>
+                        <a:cubicBezTo>
+                          <a:pt x="4129225" y="-41976"/>
+                          <a:pt x="4177416" y="-7598"/>
+                          <a:pt x="4422976" y="0"/>
+                        </a:cubicBezTo>
+                        <a:cubicBezTo>
+                          <a:pt x="4668536" y="7598"/>
+                          <a:pt x="5023499" y="-28058"/>
+                          <a:pt x="5264155" y="0"/>
+                        </a:cubicBezTo>
+                        <a:cubicBezTo>
+                          <a:pt x="5504811" y="28058"/>
+                          <a:pt x="5703675" y="13288"/>
+                          <a:pt x="6105335" y="0"/>
+                        </a:cubicBezTo>
+                        <a:cubicBezTo>
+                          <a:pt x="6506995" y="-13288"/>
+                          <a:pt x="6455516" y="-5124"/>
+                          <a:pt x="6783705" y="0"/>
+                        </a:cubicBezTo>
+                        <a:cubicBezTo>
+                          <a:pt x="7111894" y="5124"/>
+                          <a:pt x="7512856" y="10604"/>
+                          <a:pt x="8140446" y="0"/>
+                        </a:cubicBezTo>
+                        <a:cubicBezTo>
+                          <a:pt x="8139772" y="5682"/>
+                          <a:pt x="8139843" y="9439"/>
+                          <a:pt x="8140446" y="13716"/>
+                        </a:cubicBezTo>
+                        <a:cubicBezTo>
+                          <a:pt x="7959314" y="-1227"/>
+                          <a:pt x="7870113" y="5865"/>
+                          <a:pt x="7706289" y="13716"/>
+                        </a:cubicBezTo>
+                        <a:cubicBezTo>
+                          <a:pt x="7542465" y="21567"/>
+                          <a:pt x="7157940" y="12910"/>
+                          <a:pt x="6865109" y="13716"/>
+                        </a:cubicBezTo>
+                        <a:cubicBezTo>
+                          <a:pt x="6572278" y="14522"/>
+                          <a:pt x="6524256" y="33479"/>
+                          <a:pt x="6349548" y="13716"/>
+                        </a:cubicBezTo>
+                        <a:cubicBezTo>
+                          <a:pt x="6174840" y="-6047"/>
+                          <a:pt x="5951624" y="-4398"/>
+                          <a:pt x="5671177" y="13716"/>
+                        </a:cubicBezTo>
+                        <a:cubicBezTo>
+                          <a:pt x="5390730" y="31830"/>
+                          <a:pt x="5222992" y="55486"/>
+                          <a:pt x="4829998" y="13716"/>
+                        </a:cubicBezTo>
+                        <a:cubicBezTo>
+                          <a:pt x="4437004" y="-28054"/>
+                          <a:pt x="4344181" y="34515"/>
+                          <a:pt x="4151627" y="13716"/>
+                        </a:cubicBezTo>
+                        <a:cubicBezTo>
+                          <a:pt x="3959073" y="-7083"/>
+                          <a:pt x="3886970" y="28303"/>
+                          <a:pt x="3717470" y="13716"/>
+                        </a:cubicBezTo>
+                        <a:cubicBezTo>
+                          <a:pt x="3547970" y="-871"/>
+                          <a:pt x="3451521" y="27300"/>
+                          <a:pt x="3201909" y="13716"/>
+                        </a:cubicBezTo>
+                        <a:cubicBezTo>
+                          <a:pt x="2952297" y="132"/>
+                          <a:pt x="2543413" y="1457"/>
+                          <a:pt x="2360729" y="13716"/>
+                        </a:cubicBezTo>
+                        <a:cubicBezTo>
+                          <a:pt x="2178045" y="25975"/>
+                          <a:pt x="1906056" y="21275"/>
+                          <a:pt x="1682359" y="13716"/>
+                        </a:cubicBezTo>
+                        <a:cubicBezTo>
+                          <a:pt x="1458662" y="6158"/>
+                          <a:pt x="1330405" y="3474"/>
+                          <a:pt x="1166797" y="13716"/>
+                        </a:cubicBezTo>
+                        <a:cubicBezTo>
+                          <a:pt x="1003189" y="23958"/>
+                          <a:pt x="278098" y="14961"/>
+                          <a:pt x="0" y="13716"/>
+                        </a:cubicBezTo>
+                        <a:cubicBezTo>
+                          <a:pt x="303" y="7982"/>
+                          <a:pt x="182" y="5202"/>
+                          <a:pt x="0" y="0"/>
+                        </a:cubicBezTo>
+                        <a:close/>
+                      </a:path>
+                    </a:pathLst>
+                  </a:custGeom>
+                  <ask:type>
+                    <ask:lineSketchFreehand/>
+                  </ask:type>
+                </ask:lineSketchStyleProps>
+              </a:ext>
+            </a:extLst>
+          </a:ln>
+        </p:spPr>
+        <p:style>
+          <a:lnRef idx="2">
+            <a:schemeClr val="accent1">
+              <a:shade val="50000"/>
+            </a:schemeClr>
+          </a:lnRef>
+          <a:fillRef idx="1">
+            <a:schemeClr val="accent1"/>
+          </a:fillRef>
+          <a:effectRef idx="0">
+            <a:schemeClr val="accent1"/>
+          </a:effectRef>
+          <a:fontRef idx="minor">
+            <a:schemeClr val="lt1"/>
+          </a:fontRef>
+        </p:style>
+        <p:txBody>
+          <a:bodyPr rtlCol="0" anchor="ctr"/>
+          <a:lstStyle/>
+          <a:p>
+            <a:pPr algn="ctr"/>
+            <a:endParaRPr lang="en-US"/>
+          </a:p>
+        </p:txBody>
+      </p:sp>
+      <p:sp>
+        <p:nvSpPr>
+          <p:cNvPr id="3" name="Content Placeholder 2">
+            <a:extLst>
+              <a:ext uri="{FF2B5EF4-FFF2-40B4-BE49-F238E27FC236}">
+                <a16:creationId xmlns:a16="http://schemas.microsoft.com/office/drawing/2014/main" id="{49467FC7-62D2-DFBE-277E-D1B567799D7A}"/>
+              </a:ext>
+            </a:extLst>
+          </p:cNvPr>
+          <p:cNvSpPr>
+            <a:spLocks noGrp="1"/>
+          </p:cNvSpPr>
+          <p:nvPr>
+            <p:ph sz="half" idx="1"/>
+          </p:nvPr>
+        </p:nvSpPr>
+        <p:spPr>
+          <a:xfrm>
+            <a:off x="628650" y="1447038"/>
+            <a:ext cx="7886700" cy="3188970"/>
+          </a:xfrm>
+        </p:spPr>
+        <p:txBody>
+          <a:bodyPr vert="horz" lIns="91440" tIns="45720" rIns="91440" bIns="45720" rtlCol="0">
+            <a:normAutofit/>
+          </a:bodyPr>
+          <a:lstStyle/>
+          <a:p>
+            <a:pPr indent="-228600" defTabSz="914400"/>
+            <a:r>
+              <a:rPr lang="en-US" sz="1400" b="1" i="0">
+                <a:effectLst/>
+              </a:rPr>
+              <a:t>Requesting a Data Key</a:t>
+            </a:r>
+            <a:r>
+              <a:rPr lang="en-US" sz="1400" b="0" i="0">
+                <a:effectLst/>
+              </a:rPr>
+              <a:t>: </a:t>
+            </a:r>
+          </a:p>
+          <a:p>
+            <a:pPr lvl="1" indent="-228600" defTabSz="914400"/>
+            <a:r>
+              <a:rPr lang="en-US" sz="1400" b="0" i="0" dirty="0">
+                <a:effectLst/>
+              </a:rPr>
+              <a:t>You request AWS KMS to generate a new data key. </a:t>
+            </a:r>
+          </a:p>
+          <a:p>
+            <a:pPr lvl="1" indent="-228600" defTabSz="914400"/>
+            <a:r>
+              <a:rPr lang="en-US" sz="1400" b="0" i="0" dirty="0">
+                <a:effectLst/>
+              </a:rPr>
+              <a:t>KMS returns two versions of this key: the plaintext version for you to use immediately for encryption, and the ciphertext version encrypted under a KMS master key.</a:t>
+            </a:r>
+          </a:p>
+          <a:p>
+            <a:pPr indent="-228600" defTabSz="914400"/>
+            <a:r>
+              <a:rPr lang="en-US" sz="1400" b="1" i="0" dirty="0">
+                <a:effectLst/>
+              </a:rPr>
+              <a:t>Encrypting Data</a:t>
+            </a:r>
+            <a:r>
+              <a:rPr lang="en-US" sz="1400" b="0" i="0" dirty="0">
+                <a:effectLst/>
+              </a:rPr>
+              <a:t>: </a:t>
+            </a:r>
+          </a:p>
+          <a:p>
+            <a:pPr indent="-228600" defTabSz="914400"/>
+            <a:r>
+              <a:rPr lang="en-US" sz="1400" b="0" i="0" dirty="0">
+                <a:effectLst/>
+              </a:rPr>
+              <a:t>You use the plaintext data key to encrypt your data and then discard the plaintext key from memory.</a:t>
+            </a:r>
+          </a:p>
+          <a:p>
+            <a:pPr indent="-228600" defTabSz="914400"/>
+            <a:r>
+              <a:rPr lang="en-US" sz="1400" b="1" i="0" dirty="0">
+                <a:effectLst/>
+              </a:rPr>
+              <a:t>Storing Encrypted Data</a:t>
+            </a:r>
+            <a:r>
+              <a:rPr lang="en-US" sz="1400" b="0" i="0" dirty="0">
+                <a:effectLst/>
+              </a:rPr>
+              <a:t>: </a:t>
+            </a:r>
+          </a:p>
+          <a:p>
+            <a:pPr lvl="1" indent="-228600" defTabSz="914400"/>
+            <a:r>
+              <a:rPr lang="en-US" sz="1400" b="0" i="0" dirty="0">
+                <a:effectLst/>
+              </a:rPr>
+              <a:t>You store the encrypted data along with the encrypted data key. </a:t>
+            </a:r>
+          </a:p>
+          <a:p>
+            <a:pPr lvl="1" indent="-228600" defTabSz="914400"/>
+            <a:r>
+              <a:rPr lang="en-US" sz="1400" b="0" i="0" dirty="0">
+                <a:effectLst/>
+              </a:rPr>
+              <a:t>Both need to be stored securely but do not require the same level of protection as a plaintext key.</a:t>
+            </a:r>
+          </a:p>
+          <a:p>
+            <a:pPr indent="-228600" defTabSz="914400"/>
+            <a:r>
+              <a:rPr lang="en-US" sz="1400" b="1" i="0" dirty="0">
+                <a:effectLst/>
+              </a:rPr>
+              <a:t>Decrypting Data</a:t>
+            </a:r>
+            <a:r>
+              <a:rPr lang="en-US" sz="1400" b="0" i="0" dirty="0">
+                <a:effectLst/>
+              </a:rPr>
+              <a:t>: </a:t>
+            </a:r>
+          </a:p>
+          <a:p>
+            <a:pPr lvl="1" indent="-228600" defTabSz="914400"/>
+            <a:r>
+              <a:rPr lang="en-US" sz="1400" b="0" i="0" dirty="0">
+                <a:effectLst/>
+              </a:rPr>
+              <a:t>To access your data, you first send the encrypted data key to KMS to decrypt it using the master key, then use the decrypted data key to decrypt your data.</a:t>
+            </a:r>
+          </a:p>
+        </p:txBody>
+      </p:sp>
+    </p:spTree>
+    <p:extLst>
+      <p:ext uri="{BB962C8B-B14F-4D97-AF65-F5344CB8AC3E}">
+        <p14:creationId xmlns:p14="http://schemas.microsoft.com/office/powerpoint/2010/main" val="2484483523"/>
+      </p:ext>
+    </p:extLst>
+  </p:cSld>
+  <p:clrMapOvr>
+    <a:masterClrMapping/>
+  </p:clrMapOvr>
+</p:sld>
+</file>
+
+<file path=ppt/slides/slide14.xml><?xml version="1.0" encoding="utf-8"?>
+<p:sld xmlns:a="http://schemas.openxmlformats.org/drawingml/2006/main" xmlns:r="http://schemas.openxmlformats.org/officeDocument/2006/relationships" xmlns:p="http://schemas.openxmlformats.org/presentationml/2006/main">
+  <p:cSld>
+    <p:bg>
+      <p:bgPr>
+        <a:solidFill>
+          <a:schemeClr val="bg1"/>
+        </a:solidFill>
+        <a:effectLst/>
+      </p:bgPr>
+    </p:bg>
+    <p:spTree>
+      <p:nvGrpSpPr>
+        <p:cNvPr id="1" name=""/>
+        <p:cNvGrpSpPr/>
+        <p:nvPr/>
+      </p:nvGrpSpPr>
+      <p:grpSpPr>
+        <a:xfrm>
+          <a:off x="0" y="0"/>
+          <a:ext cx="0" cy="0"/>
+          <a:chOff x="0" y="0"/>
+          <a:chExt cx="0" cy="0"/>
+        </a:xfrm>
+      </p:grpSpPr>
+      <p:sp useBgFill="1">
+        <p:nvSpPr>
+          <p:cNvPr id="8" name="Rectangle 7">
+            <a:extLst>
+              <a:ext uri="{FF2B5EF4-FFF2-40B4-BE49-F238E27FC236}">
+                <a16:creationId xmlns:a16="http://schemas.microsoft.com/office/drawing/2014/main" id="{100EDD19-6802-4EC3-95CE-CFFAB042CFD6}"/>
+              </a:ext>
+              <a:ext uri="{C183D7F6-B498-43B3-948B-1728B52AA6E4}">
+                <adec:decorative xmlns:adec="http://schemas.microsoft.com/office/drawing/2017/decorative" val="1"/>
+              </a:ext>
+            </a:extLst>
+          </p:cNvPr>
+          <p:cNvSpPr>
+            <a:spLocks noGrp="1" noRot="1" noChangeAspect="1" noMove="1" noResize="1" noEditPoints="1" noAdjustHandles="1" noChangeArrowheads="1" noChangeShapeType="1" noTextEdit="1"/>
+          </p:cNvSpPr>
+          <p:nvPr>
+            <p:extLst>
+              <p:ext uri="{386F3935-93C4-4BCD-93E2-E3B085C9AB24}">
+                <p16:designElem xmlns:p16="http://schemas.microsoft.com/office/powerpoint/2015/main" val="1"/>
+              </p:ext>
+            </p:extLst>
+          </p:nvPr>
+        </p:nvSpPr>
+        <p:spPr>
+          <a:xfrm>
+            <a:off x="0" y="0"/>
+            <a:ext cx="9141714" cy="5143500"/>
+          </a:xfrm>
+          <a:prstGeom prst="rect">
+            <a:avLst/>
+          </a:prstGeom>
+          <a:ln>
+            <a:noFill/>
+          </a:ln>
+        </p:spPr>
+        <p:style>
+          <a:lnRef idx="2">
+            <a:schemeClr val="accent1">
+              <a:shade val="50000"/>
+            </a:schemeClr>
+          </a:lnRef>
+          <a:fillRef idx="1">
+            <a:schemeClr val="accent1"/>
+          </a:fillRef>
+          <a:effectRef idx="0">
+            <a:schemeClr val="accent1"/>
+          </a:effectRef>
+          <a:fontRef idx="minor">
+            <a:schemeClr val="lt1"/>
+          </a:fontRef>
+        </p:style>
+        <p:txBody>
+          <a:bodyPr rtlCol="0" anchor="ctr"/>
+          <a:lstStyle/>
+          <a:p>
+            <a:pPr algn="ctr"/>
+            <a:endParaRPr lang="en-US"/>
+          </a:p>
+        </p:txBody>
+      </p:sp>
+      <p:sp>
+        <p:nvSpPr>
+          <p:cNvPr id="2" name="Title 1">
+            <a:extLst>
+              <a:ext uri="{FF2B5EF4-FFF2-40B4-BE49-F238E27FC236}">
+                <a16:creationId xmlns:a16="http://schemas.microsoft.com/office/drawing/2014/main" id="{DA1663FF-144F-F49D-C7EA-8B65BE048A52}"/>
+              </a:ext>
+            </a:extLst>
+          </p:cNvPr>
+          <p:cNvSpPr>
+            <a:spLocks noGrp="1"/>
+          </p:cNvSpPr>
+          <p:nvPr>
+            <p:ph type="title"/>
+          </p:nvPr>
+        </p:nvSpPr>
+        <p:spPr>
+          <a:xfrm>
+            <a:off x="628650" y="273843"/>
+            <a:ext cx="7886700" cy="994173"/>
+          </a:xfrm>
+        </p:spPr>
+        <p:txBody>
+          <a:bodyPr vert="horz" lIns="91440" tIns="45720" rIns="91440" bIns="45720" rtlCol="0" anchor="ctr">
+            <a:normAutofit/>
+          </a:bodyPr>
+          <a:lstStyle/>
+          <a:p>
+            <a:pPr defTabSz="914400"/>
+            <a:r>
+              <a:rPr lang="en-US" sz="4100" kern="1200">
+                <a:solidFill>
+                  <a:schemeClr val="tx1"/>
+                </a:solidFill>
+                <a:latin typeface="+mj-lt"/>
+                <a:ea typeface="+mj-ea"/>
+                <a:cs typeface="+mj-cs"/>
+              </a:rPr>
+              <a:t>Envelope Encryption how it works?</a:t>
+            </a:r>
+          </a:p>
+        </p:txBody>
+      </p:sp>
+      <p:sp>
+        <p:nvSpPr>
+          <p:cNvPr id="10" name="sketch line">
+            <a:extLst>
+              <a:ext uri="{FF2B5EF4-FFF2-40B4-BE49-F238E27FC236}">
+                <a16:creationId xmlns:a16="http://schemas.microsoft.com/office/drawing/2014/main" id="{DB17E863-922E-4C26-BD64-E8FD41D28661}"/>
+              </a:ext>
+              <a:ext uri="{C183D7F6-B498-43B3-948B-1728B52AA6E4}">
+                <adec:decorative xmlns:adec="http://schemas.microsoft.com/office/drawing/2017/decorative" val="1"/>
+              </a:ext>
+            </a:extLst>
+          </p:cNvPr>
+          <p:cNvSpPr>
+            <a:spLocks noGrp="1" noRot="1" noChangeAspect="1" noMove="1" noResize="1" noEditPoints="1" noAdjustHandles="1" noChangeArrowheads="1" noChangeShapeType="1" noTextEdit="1"/>
+          </p:cNvSpPr>
+          <p:nvPr>
+            <p:extLst>
+              <p:ext uri="{386F3935-93C4-4BCD-93E2-E3B085C9AB24}">
+                <p16:designElem xmlns:p16="http://schemas.microsoft.com/office/powerpoint/2015/main" val="1"/>
+              </p:ext>
+            </p:extLst>
+          </p:nvPr>
+        </p:nvSpPr>
+        <p:spPr>
+          <a:xfrm>
+            <a:off x="501777" y="1258029"/>
+            <a:ext cx="8140446" cy="13716"/>
+          </a:xfrm>
+          <a:custGeom>
+            <a:avLst/>
+            <a:gdLst>
+              <a:gd name="connsiteX0" fmla="*/ 0 w 8140446"/>
+              <a:gd name="connsiteY0" fmla="*/ 0 h 13716"/>
+              <a:gd name="connsiteX1" fmla="*/ 434157 w 8140446"/>
+              <a:gd name="connsiteY1" fmla="*/ 0 h 13716"/>
+              <a:gd name="connsiteX2" fmla="*/ 1193932 w 8140446"/>
+              <a:gd name="connsiteY2" fmla="*/ 0 h 13716"/>
+              <a:gd name="connsiteX3" fmla="*/ 1628089 w 8140446"/>
+              <a:gd name="connsiteY3" fmla="*/ 0 h 13716"/>
+              <a:gd name="connsiteX4" fmla="*/ 2225055 w 8140446"/>
+              <a:gd name="connsiteY4" fmla="*/ 0 h 13716"/>
+              <a:gd name="connsiteX5" fmla="*/ 3066235 w 8140446"/>
+              <a:gd name="connsiteY5" fmla="*/ 0 h 13716"/>
+              <a:gd name="connsiteX6" fmla="*/ 3744605 w 8140446"/>
+              <a:gd name="connsiteY6" fmla="*/ 0 h 13716"/>
+              <a:gd name="connsiteX7" fmla="*/ 4504380 w 8140446"/>
+              <a:gd name="connsiteY7" fmla="*/ 0 h 13716"/>
+              <a:gd name="connsiteX8" fmla="*/ 5101346 w 8140446"/>
+              <a:gd name="connsiteY8" fmla="*/ 0 h 13716"/>
+              <a:gd name="connsiteX9" fmla="*/ 5779717 w 8140446"/>
+              <a:gd name="connsiteY9" fmla="*/ 0 h 13716"/>
+              <a:gd name="connsiteX10" fmla="*/ 6620896 w 8140446"/>
+              <a:gd name="connsiteY10" fmla="*/ 0 h 13716"/>
+              <a:gd name="connsiteX11" fmla="*/ 7136458 w 8140446"/>
+              <a:gd name="connsiteY11" fmla="*/ 0 h 13716"/>
+              <a:gd name="connsiteX12" fmla="*/ 8140446 w 8140446"/>
+              <a:gd name="connsiteY12" fmla="*/ 0 h 13716"/>
+              <a:gd name="connsiteX13" fmla="*/ 8140446 w 8140446"/>
+              <a:gd name="connsiteY13" fmla="*/ 13716 h 13716"/>
+              <a:gd name="connsiteX14" fmla="*/ 7543480 w 8140446"/>
+              <a:gd name="connsiteY14" fmla="*/ 13716 h 13716"/>
+              <a:gd name="connsiteX15" fmla="*/ 7109323 w 8140446"/>
+              <a:gd name="connsiteY15" fmla="*/ 13716 h 13716"/>
+              <a:gd name="connsiteX16" fmla="*/ 6430952 w 8140446"/>
+              <a:gd name="connsiteY16" fmla="*/ 13716 h 13716"/>
+              <a:gd name="connsiteX17" fmla="*/ 5915391 w 8140446"/>
+              <a:gd name="connsiteY17" fmla="*/ 13716 h 13716"/>
+              <a:gd name="connsiteX18" fmla="*/ 5237020 w 8140446"/>
+              <a:gd name="connsiteY18" fmla="*/ 13716 h 13716"/>
+              <a:gd name="connsiteX19" fmla="*/ 4558650 w 8140446"/>
+              <a:gd name="connsiteY19" fmla="*/ 13716 h 13716"/>
+              <a:gd name="connsiteX20" fmla="*/ 3880279 w 8140446"/>
+              <a:gd name="connsiteY20" fmla="*/ 13716 h 13716"/>
+              <a:gd name="connsiteX21" fmla="*/ 3201909 w 8140446"/>
+              <a:gd name="connsiteY21" fmla="*/ 13716 h 13716"/>
+              <a:gd name="connsiteX22" fmla="*/ 2604943 w 8140446"/>
+              <a:gd name="connsiteY22" fmla="*/ 13716 h 13716"/>
+              <a:gd name="connsiteX23" fmla="*/ 1845168 w 8140446"/>
+              <a:gd name="connsiteY23" fmla="*/ 13716 h 13716"/>
+              <a:gd name="connsiteX24" fmla="*/ 1166797 w 8140446"/>
+              <a:gd name="connsiteY24" fmla="*/ 13716 h 13716"/>
+              <a:gd name="connsiteX25" fmla="*/ 0 w 8140446"/>
+              <a:gd name="connsiteY25" fmla="*/ 13716 h 13716"/>
+              <a:gd name="connsiteX26" fmla="*/ 0 w 8140446"/>
+              <a:gd name="connsiteY26" fmla="*/ 0 h 13716"/>
+              <a:gd name="connsiteX0" fmla="*/ 0 w 8140446"/>
+              <a:gd name="connsiteY0" fmla="*/ 0 h 13716"/>
+              <a:gd name="connsiteX1" fmla="*/ 596966 w 8140446"/>
+              <a:gd name="connsiteY1" fmla="*/ 0 h 13716"/>
+              <a:gd name="connsiteX2" fmla="*/ 1031123 w 8140446"/>
+              <a:gd name="connsiteY2" fmla="*/ 0 h 13716"/>
+              <a:gd name="connsiteX3" fmla="*/ 1872303 w 8140446"/>
+              <a:gd name="connsiteY3" fmla="*/ 0 h 13716"/>
+              <a:gd name="connsiteX4" fmla="*/ 2469269 w 8140446"/>
+              <a:gd name="connsiteY4" fmla="*/ 0 h 13716"/>
+              <a:gd name="connsiteX5" fmla="*/ 3066235 w 8140446"/>
+              <a:gd name="connsiteY5" fmla="*/ 0 h 13716"/>
+              <a:gd name="connsiteX6" fmla="*/ 3907414 w 8140446"/>
+              <a:gd name="connsiteY6" fmla="*/ 0 h 13716"/>
+              <a:gd name="connsiteX7" fmla="*/ 4422976 w 8140446"/>
+              <a:gd name="connsiteY7" fmla="*/ 0 h 13716"/>
+              <a:gd name="connsiteX8" fmla="*/ 5264155 w 8140446"/>
+              <a:gd name="connsiteY8" fmla="*/ 0 h 13716"/>
+              <a:gd name="connsiteX9" fmla="*/ 6105335 w 8140446"/>
+              <a:gd name="connsiteY9" fmla="*/ 0 h 13716"/>
+              <a:gd name="connsiteX10" fmla="*/ 6783705 w 8140446"/>
+              <a:gd name="connsiteY10" fmla="*/ 0 h 13716"/>
+              <a:gd name="connsiteX11" fmla="*/ 8140446 w 8140446"/>
+              <a:gd name="connsiteY11" fmla="*/ 0 h 13716"/>
+              <a:gd name="connsiteX12" fmla="*/ 8140446 w 8140446"/>
+              <a:gd name="connsiteY12" fmla="*/ 13716 h 13716"/>
+              <a:gd name="connsiteX13" fmla="*/ 7706289 w 8140446"/>
+              <a:gd name="connsiteY13" fmla="*/ 13716 h 13716"/>
+              <a:gd name="connsiteX14" fmla="*/ 6865109 w 8140446"/>
+              <a:gd name="connsiteY14" fmla="*/ 13716 h 13716"/>
+              <a:gd name="connsiteX15" fmla="*/ 6349548 w 8140446"/>
+              <a:gd name="connsiteY15" fmla="*/ 13716 h 13716"/>
+              <a:gd name="connsiteX16" fmla="*/ 5671177 w 8140446"/>
+              <a:gd name="connsiteY16" fmla="*/ 13716 h 13716"/>
+              <a:gd name="connsiteX17" fmla="*/ 4829998 w 8140446"/>
+              <a:gd name="connsiteY17" fmla="*/ 13716 h 13716"/>
+              <a:gd name="connsiteX18" fmla="*/ 4151627 w 8140446"/>
+              <a:gd name="connsiteY18" fmla="*/ 13716 h 13716"/>
+              <a:gd name="connsiteX19" fmla="*/ 3717470 w 8140446"/>
+              <a:gd name="connsiteY19" fmla="*/ 13716 h 13716"/>
+              <a:gd name="connsiteX20" fmla="*/ 3201909 w 8140446"/>
+              <a:gd name="connsiteY20" fmla="*/ 13716 h 13716"/>
+              <a:gd name="connsiteX21" fmla="*/ 2360729 w 8140446"/>
+              <a:gd name="connsiteY21" fmla="*/ 13716 h 13716"/>
+              <a:gd name="connsiteX22" fmla="*/ 1682359 w 8140446"/>
+              <a:gd name="connsiteY22" fmla="*/ 13716 h 13716"/>
+              <a:gd name="connsiteX23" fmla="*/ 1166797 w 8140446"/>
+              <a:gd name="connsiteY23" fmla="*/ 13716 h 13716"/>
+              <a:gd name="connsiteX24" fmla="*/ 0 w 8140446"/>
+              <a:gd name="connsiteY24" fmla="*/ 13716 h 13716"/>
+              <a:gd name="connsiteX25" fmla="*/ 0 w 8140446"/>
+              <a:gd name="connsiteY25" fmla="*/ 0 h 13716"/>
+            </a:gdLst>
+            <a:ahLst/>
+            <a:cxnLst>
+              <a:cxn ang="0">
+                <a:pos x="connsiteX0" y="connsiteY0"/>
+              </a:cxn>
+              <a:cxn ang="0">
+                <a:pos x="connsiteX1" y="connsiteY1"/>
+              </a:cxn>
+              <a:cxn ang="0">
+                <a:pos x="connsiteX2" y="connsiteY2"/>
+              </a:cxn>
+              <a:cxn ang="0">
+                <a:pos x="connsiteX3" y="connsiteY3"/>
+              </a:cxn>
+              <a:cxn ang="0">
+                <a:pos x="connsiteX4" y="connsiteY4"/>
+              </a:cxn>
+              <a:cxn ang="0">
+                <a:pos x="connsiteX5" y="connsiteY5"/>
+              </a:cxn>
+              <a:cxn ang="0">
+                <a:pos x="connsiteX6" y="connsiteY6"/>
+              </a:cxn>
+              <a:cxn ang="0">
+                <a:pos x="connsiteX7" y="connsiteY7"/>
+              </a:cxn>
+              <a:cxn ang="0">
+                <a:pos x="connsiteX8" y="connsiteY8"/>
+              </a:cxn>
+              <a:cxn ang="0">
+                <a:pos x="connsiteX9" y="connsiteY9"/>
+              </a:cxn>
+              <a:cxn ang="0">
+                <a:pos x="connsiteX10" y="connsiteY10"/>
+              </a:cxn>
+              <a:cxn ang="0">
+                <a:pos x="connsiteX11" y="connsiteY11"/>
+              </a:cxn>
+              <a:cxn ang="0">
+                <a:pos x="connsiteX12" y="connsiteY12"/>
+              </a:cxn>
+              <a:cxn ang="0">
+                <a:pos x="connsiteX13" y="connsiteY13"/>
+              </a:cxn>
+              <a:cxn ang="0">
+                <a:pos x="connsiteX14" y="connsiteY14"/>
+              </a:cxn>
+              <a:cxn ang="0">
+                <a:pos x="connsiteX15" y="connsiteY15"/>
+              </a:cxn>
+              <a:cxn ang="0">
+                <a:pos x="connsiteX16" y="connsiteY16"/>
+              </a:cxn>
+              <a:cxn ang="0">
+                <a:pos x="connsiteX17" y="connsiteY17"/>
+              </a:cxn>
+              <a:cxn ang="0">
+                <a:pos x="connsiteX18" y="connsiteY18"/>
+              </a:cxn>
+              <a:cxn ang="0">
+                <a:pos x="connsiteX19" y="connsiteY19"/>
+              </a:cxn>
+              <a:cxn ang="0">
+                <a:pos x="connsiteX20" y="connsiteY20"/>
+              </a:cxn>
+              <a:cxn ang="0">
+                <a:pos x="connsiteX21" y="connsiteY21"/>
+              </a:cxn>
+              <a:cxn ang="0">
+                <a:pos x="connsiteX22" y="connsiteY22"/>
+              </a:cxn>
+              <a:cxn ang="0">
+                <a:pos x="connsiteX23" y="connsiteY23"/>
+              </a:cxn>
+              <a:cxn ang="0">
+                <a:pos x="connsiteX24" y="connsiteY24"/>
+              </a:cxn>
+              <a:cxn ang="0">
+                <a:pos x="connsiteX25" y="connsiteY25"/>
+              </a:cxn>
+            </a:cxnLst>
+            <a:rect l="l" t="t" r="r" b="b"/>
+            <a:pathLst>
+              <a:path w="8140446" h="13716" fill="none" extrusionOk="0">
+                <a:moveTo>
+                  <a:pt x="0" y="0"/>
+                </a:moveTo>
+                <a:cubicBezTo>
+                  <a:pt x="87427" y="6231"/>
+                  <a:pt x="309612" y="-26324"/>
+                  <a:pt x="434157" y="0"/>
+                </a:cubicBezTo>
+                <a:cubicBezTo>
+                  <a:pt x="536972" y="29330"/>
+                  <a:pt x="959392" y="28619"/>
+                  <a:pt x="1193932" y="0"/>
+                </a:cubicBezTo>
+                <a:cubicBezTo>
+                  <a:pt x="1446097" y="13819"/>
+                  <a:pt x="1471680" y="7203"/>
+                  <a:pt x="1628089" y="0"/>
+                </a:cubicBezTo>
+                <a:cubicBezTo>
+                  <a:pt x="1817415" y="4047"/>
+                  <a:pt x="1949536" y="-59324"/>
+                  <a:pt x="2225055" y="0"/>
+                </a:cubicBezTo>
+                <a:cubicBezTo>
+                  <a:pt x="2520490" y="18365"/>
+                  <a:pt x="2717469" y="18707"/>
+                  <a:pt x="3066235" y="0"/>
+                </a:cubicBezTo>
+                <a:cubicBezTo>
+                  <a:pt x="3437075" y="3751"/>
+                  <a:pt x="3408347" y="31644"/>
+                  <a:pt x="3744605" y="0"/>
+                </a:cubicBezTo>
+                <a:cubicBezTo>
+                  <a:pt x="4097249" y="-11527"/>
+                  <a:pt x="4249699" y="-32555"/>
+                  <a:pt x="4504380" y="0"/>
+                </a:cubicBezTo>
+                <a:cubicBezTo>
+                  <a:pt x="4737570" y="17980"/>
+                  <a:pt x="4877497" y="1006"/>
+                  <a:pt x="5101346" y="0"/>
+                </a:cubicBezTo>
+                <a:cubicBezTo>
+                  <a:pt x="5359305" y="-15330"/>
+                  <a:pt x="5447195" y="7257"/>
+                  <a:pt x="5779717" y="0"/>
+                </a:cubicBezTo>
+                <a:cubicBezTo>
+                  <a:pt x="6090019" y="-17621"/>
+                  <a:pt x="6273151" y="4279"/>
+                  <a:pt x="6620896" y="0"/>
+                </a:cubicBezTo>
+                <a:cubicBezTo>
+                  <a:pt x="6968586" y="34056"/>
+                  <a:pt x="6990073" y="23587"/>
+                  <a:pt x="7136458" y="0"/>
+                </a:cubicBezTo>
+                <a:cubicBezTo>
+                  <a:pt x="7320575" y="20480"/>
+                  <a:pt x="7847401" y="-6173"/>
+                  <a:pt x="8140446" y="0"/>
+                </a:cubicBezTo>
+                <a:cubicBezTo>
+                  <a:pt x="8139575" y="3138"/>
+                  <a:pt x="8140433" y="8565"/>
+                  <a:pt x="8140446" y="13716"/>
+                </a:cubicBezTo>
+                <a:cubicBezTo>
+                  <a:pt x="7908069" y="-25208"/>
+                  <a:pt x="7683037" y="17405"/>
+                  <a:pt x="7543480" y="13716"/>
+                </a:cubicBezTo>
+                <a:cubicBezTo>
+                  <a:pt x="7393752" y="5478"/>
+                  <a:pt x="7221032" y="-7801"/>
+                  <a:pt x="7109323" y="13716"/>
+                </a:cubicBezTo>
+                <a:cubicBezTo>
+                  <a:pt x="7015297" y="17911"/>
+                  <a:pt x="6599332" y="36327"/>
+                  <a:pt x="6430952" y="13716"/>
+                </a:cubicBezTo>
+                <a:cubicBezTo>
+                  <a:pt x="6292915" y="-38722"/>
+                  <a:pt x="6142305" y="16935"/>
+                  <a:pt x="5915391" y="13716"/>
+                </a:cubicBezTo>
+                <a:cubicBezTo>
+                  <a:pt x="5682725" y="43271"/>
+                  <a:pt x="5440566" y="26848"/>
+                  <a:pt x="5237020" y="13716"/>
+                </a:cubicBezTo>
+                <a:cubicBezTo>
+                  <a:pt x="5046456" y="6005"/>
+                  <a:pt x="4706449" y="47404"/>
+                  <a:pt x="4558650" y="13716"/>
+                </a:cubicBezTo>
+                <a:cubicBezTo>
+                  <a:pt x="4361396" y="-5559"/>
+                  <a:pt x="4145362" y="-26875"/>
+                  <a:pt x="3880279" y="13716"/>
+                </a:cubicBezTo>
+                <a:cubicBezTo>
+                  <a:pt x="3610716" y="20839"/>
+                  <a:pt x="3472690" y="-564"/>
+                  <a:pt x="3201909" y="13716"/>
+                </a:cubicBezTo>
+                <a:cubicBezTo>
+                  <a:pt x="2913595" y="30525"/>
+                  <a:pt x="2753317" y="-5721"/>
+                  <a:pt x="2604943" y="13716"/>
+                </a:cubicBezTo>
+                <a:cubicBezTo>
+                  <a:pt x="2450130" y="32417"/>
+                  <a:pt x="1974183" y="35587"/>
+                  <a:pt x="1845168" y="13716"/>
+                </a:cubicBezTo>
+                <a:cubicBezTo>
+                  <a:pt x="1677929" y="-4352"/>
+                  <a:pt x="1378098" y="-5344"/>
+                  <a:pt x="1166797" y="13716"/>
+                </a:cubicBezTo>
+                <a:cubicBezTo>
+                  <a:pt x="921150" y="48705"/>
+                  <a:pt x="327457" y="42725"/>
+                  <a:pt x="0" y="13716"/>
+                </a:cubicBezTo>
+                <a:cubicBezTo>
+                  <a:pt x="-457" y="9675"/>
+                  <a:pt x="580" y="3290"/>
+                  <a:pt x="0" y="0"/>
+                </a:cubicBezTo>
+                <a:close/>
+              </a:path>
+              <a:path w="8140446" h="13716" stroke="0" extrusionOk="0">
+                <a:moveTo>
+                  <a:pt x="0" y="0"/>
+                </a:moveTo>
+                <a:cubicBezTo>
+                  <a:pt x="136968" y="-25482"/>
+                  <a:pt x="379786" y="11224"/>
+                  <a:pt x="596966" y="0"/>
+                </a:cubicBezTo>
+                <a:cubicBezTo>
+                  <a:pt x="815878" y="-21223"/>
+                  <a:pt x="832062" y="11868"/>
+                  <a:pt x="1031123" y="0"/>
+                </a:cubicBezTo>
+                <a:cubicBezTo>
+                  <a:pt x="1256800" y="-30738"/>
+                  <a:pt x="1658090" y="-20345"/>
+                  <a:pt x="1872303" y="0"/>
+                </a:cubicBezTo>
+                <a:cubicBezTo>
+                  <a:pt x="2115604" y="28431"/>
+                  <a:pt x="2277865" y="-40642"/>
+                  <a:pt x="2469269" y="0"/>
+                </a:cubicBezTo>
+                <a:cubicBezTo>
+                  <a:pt x="2679731" y="25919"/>
+                  <a:pt x="2788602" y="-6498"/>
+                  <a:pt x="3066235" y="0"/>
+                </a:cubicBezTo>
+                <a:cubicBezTo>
+                  <a:pt x="3325663" y="-14487"/>
+                  <a:pt x="3706561" y="67517"/>
+                  <a:pt x="3907414" y="0"/>
+                </a:cubicBezTo>
+                <a:cubicBezTo>
+                  <a:pt x="4127229" y="-37113"/>
+                  <a:pt x="4179037" y="-8167"/>
+                  <a:pt x="4422976" y="0"/>
+                </a:cubicBezTo>
+                <a:cubicBezTo>
+                  <a:pt x="4683575" y="-28486"/>
+                  <a:pt x="5055803" y="-13799"/>
+                  <a:pt x="5264155" y="0"/>
+                </a:cubicBezTo>
+                <a:cubicBezTo>
+                  <a:pt x="5513566" y="14315"/>
+                  <a:pt x="5735215" y="2768"/>
+                  <a:pt x="6105335" y="0"/>
+                </a:cubicBezTo>
+                <a:cubicBezTo>
+                  <a:pt x="6510913" y="-12587"/>
+                  <a:pt x="6456171" y="3247"/>
+                  <a:pt x="6783705" y="0"/>
+                </a:cubicBezTo>
+                <a:cubicBezTo>
+                  <a:pt x="7057099" y="-15461"/>
+                  <a:pt x="7592067" y="5384"/>
+                  <a:pt x="8140446" y="0"/>
+                </a:cubicBezTo>
+                <a:cubicBezTo>
+                  <a:pt x="8139761" y="5232"/>
+                  <a:pt x="8140368" y="9058"/>
+                  <a:pt x="8140446" y="13716"/>
+                </a:cubicBezTo>
+                <a:cubicBezTo>
+                  <a:pt x="7961834" y="3834"/>
+                  <a:pt x="7874097" y="5778"/>
+                  <a:pt x="7706289" y="13716"/>
+                </a:cubicBezTo>
+                <a:cubicBezTo>
+                  <a:pt x="7582508" y="-19492"/>
+                  <a:pt x="7179551" y="-37683"/>
+                  <a:pt x="6865109" y="13716"/>
+                </a:cubicBezTo>
+                <a:cubicBezTo>
+                  <a:pt x="6583382" y="19545"/>
+                  <a:pt x="6525821" y="32124"/>
+                  <a:pt x="6349548" y="13716"/>
+                </a:cubicBezTo>
+                <a:cubicBezTo>
+                  <a:pt x="6209953" y="6309"/>
+                  <a:pt x="5959707" y="-52400"/>
+                  <a:pt x="5671177" y="13716"/>
+                </a:cubicBezTo>
+                <a:cubicBezTo>
+                  <a:pt x="5387744" y="25237"/>
+                  <a:pt x="5228514" y="96935"/>
+                  <a:pt x="4829998" y="13716"/>
+                </a:cubicBezTo>
+                <a:cubicBezTo>
+                  <a:pt x="4415646" y="-33168"/>
+                  <a:pt x="4343809" y="24382"/>
+                  <a:pt x="4151627" y="13716"/>
+                </a:cubicBezTo>
+                <a:cubicBezTo>
+                  <a:pt x="3950673" y="-14368"/>
+                  <a:pt x="3879947" y="36571"/>
+                  <a:pt x="3717470" y="13716"/>
+                </a:cubicBezTo>
+                <a:cubicBezTo>
+                  <a:pt x="3558660" y="5538"/>
+                  <a:pt x="3468854" y="24803"/>
+                  <a:pt x="3201909" y="13716"/>
+                </a:cubicBezTo>
+                <a:cubicBezTo>
+                  <a:pt x="2965673" y="5933"/>
+                  <a:pt x="2568327" y="17544"/>
+                  <a:pt x="2360729" y="13716"/>
+                </a:cubicBezTo>
+                <a:cubicBezTo>
+                  <a:pt x="2171885" y="44572"/>
+                  <a:pt x="1923258" y="11448"/>
+                  <a:pt x="1682359" y="13716"/>
+                </a:cubicBezTo>
+                <a:cubicBezTo>
+                  <a:pt x="1430698" y="-6950"/>
+                  <a:pt x="1324229" y="-6323"/>
+                  <a:pt x="1166797" y="13716"/>
+                </a:cubicBezTo>
+                <a:cubicBezTo>
+                  <a:pt x="1001390" y="37223"/>
+                  <a:pt x="324313" y="53392"/>
+                  <a:pt x="0" y="13716"/>
+                </a:cubicBezTo>
+                <a:cubicBezTo>
+                  <a:pt x="427" y="7441"/>
+                  <a:pt x="425" y="4765"/>
+                  <a:pt x="0" y="0"/>
+                </a:cubicBezTo>
+                <a:close/>
+              </a:path>
+              <a:path w="8140446" h="13716" fill="none" stroke="0" extrusionOk="0">
+                <a:moveTo>
+                  <a:pt x="0" y="0"/>
+                </a:moveTo>
+                <a:cubicBezTo>
+                  <a:pt x="69532" y="-6557"/>
+                  <a:pt x="264219" y="3919"/>
+                  <a:pt x="434157" y="0"/>
+                </a:cubicBezTo>
+                <a:cubicBezTo>
+                  <a:pt x="600013" y="9090"/>
+                  <a:pt x="921449" y="-13478"/>
+                  <a:pt x="1193932" y="0"/>
+                </a:cubicBezTo>
+                <a:cubicBezTo>
+                  <a:pt x="1443592" y="14844"/>
+                  <a:pt x="1471188" y="10722"/>
+                  <a:pt x="1628089" y="0"/>
+                </a:cubicBezTo>
+                <a:cubicBezTo>
+                  <a:pt x="1750006" y="-24149"/>
+                  <a:pt x="1967480" y="-14904"/>
+                  <a:pt x="2225055" y="0"/>
+                </a:cubicBezTo>
+                <a:cubicBezTo>
+                  <a:pt x="2503918" y="19247"/>
+                  <a:pt x="2709263" y="-16351"/>
+                  <a:pt x="3066235" y="0"/>
+                </a:cubicBezTo>
+                <a:cubicBezTo>
+                  <a:pt x="3429723" y="-1627"/>
+                  <a:pt x="3399401" y="30976"/>
+                  <a:pt x="3744605" y="0"/>
+                </a:cubicBezTo>
+                <a:cubicBezTo>
+                  <a:pt x="4081920" y="-40602"/>
+                  <a:pt x="4258272" y="-2441"/>
+                  <a:pt x="4504380" y="0"/>
+                </a:cubicBezTo>
+                <a:cubicBezTo>
+                  <a:pt x="4760039" y="21121"/>
+                  <a:pt x="4866555" y="-1351"/>
+                  <a:pt x="5101346" y="0"/>
+                </a:cubicBezTo>
+                <a:cubicBezTo>
+                  <a:pt x="5336279" y="1859"/>
+                  <a:pt x="5465100" y="30801"/>
+                  <a:pt x="5779717" y="0"/>
+                </a:cubicBezTo>
+                <a:cubicBezTo>
+                  <a:pt x="6117018" y="-2879"/>
+                  <a:pt x="6273497" y="-5002"/>
+                  <a:pt x="6620896" y="0"/>
+                </a:cubicBezTo>
+                <a:cubicBezTo>
+                  <a:pt x="6972306" y="38666"/>
+                  <a:pt x="6992056" y="28334"/>
+                  <a:pt x="7136458" y="0"/>
+                </a:cubicBezTo>
+                <a:cubicBezTo>
+                  <a:pt x="7325567" y="-61201"/>
+                  <a:pt x="7766555" y="-88399"/>
+                  <a:pt x="8140446" y="0"/>
+                </a:cubicBezTo>
+                <a:cubicBezTo>
+                  <a:pt x="8140370" y="2812"/>
+                  <a:pt x="8139830" y="9122"/>
+                  <a:pt x="8140446" y="13716"/>
+                </a:cubicBezTo>
+                <a:cubicBezTo>
+                  <a:pt x="7892673" y="-8584"/>
+                  <a:pt x="7668025" y="-3922"/>
+                  <a:pt x="7543480" y="13716"/>
+                </a:cubicBezTo>
+                <a:cubicBezTo>
+                  <a:pt x="7406710" y="-8039"/>
+                  <a:pt x="7207646" y="4321"/>
+                  <a:pt x="7109323" y="13716"/>
+                </a:cubicBezTo>
+                <a:cubicBezTo>
+                  <a:pt x="6993037" y="44439"/>
+                  <a:pt x="6598723" y="54833"/>
+                  <a:pt x="6430952" y="13716"/>
+                </a:cubicBezTo>
+                <a:cubicBezTo>
+                  <a:pt x="6284771" y="10743"/>
+                  <a:pt x="6162730" y="15778"/>
+                  <a:pt x="5915391" y="13716"/>
+                </a:cubicBezTo>
+                <a:cubicBezTo>
+                  <a:pt x="5684668" y="9031"/>
+                  <a:pt x="5422852" y="49046"/>
+                  <a:pt x="5237020" y="13716"/>
+                </a:cubicBezTo>
+                <a:cubicBezTo>
+                  <a:pt x="5035482" y="21724"/>
+                  <a:pt x="4719808" y="50573"/>
+                  <a:pt x="4558650" y="13716"/>
+                </a:cubicBezTo>
+                <a:cubicBezTo>
+                  <a:pt x="4375169" y="-40159"/>
+                  <a:pt x="4137553" y="7514"/>
+                  <a:pt x="3880279" y="13716"/>
+                </a:cubicBezTo>
+                <a:cubicBezTo>
+                  <a:pt x="3624533" y="28076"/>
+                  <a:pt x="3467387" y="1908"/>
+                  <a:pt x="3201909" y="13716"/>
+                </a:cubicBezTo>
+                <a:cubicBezTo>
+                  <a:pt x="2918126" y="68770"/>
+                  <a:pt x="2717830" y="-21728"/>
+                  <a:pt x="2604943" y="13716"/>
+                </a:cubicBezTo>
+                <a:cubicBezTo>
+                  <a:pt x="2496133" y="39953"/>
+                  <a:pt x="2003915" y="13682"/>
+                  <a:pt x="1845168" y="13716"/>
+                </a:cubicBezTo>
+                <a:cubicBezTo>
+                  <a:pt x="1694518" y="10417"/>
+                  <a:pt x="1344959" y="39616"/>
+                  <a:pt x="1166797" y="13716"/>
+                </a:cubicBezTo>
+                <a:cubicBezTo>
+                  <a:pt x="935925" y="64879"/>
+                  <a:pt x="319712" y="-68544"/>
+                  <a:pt x="0" y="13716"/>
+                </a:cubicBezTo>
+                <a:cubicBezTo>
+                  <a:pt x="203" y="9362"/>
+                  <a:pt x="845" y="2328"/>
+                  <a:pt x="0" y="0"/>
+                </a:cubicBezTo>
+                <a:close/>
+              </a:path>
+            </a:pathLst>
+          </a:custGeom>
+          <a:solidFill>
+            <a:schemeClr val="accent2"/>
+          </a:solidFill>
+          <a:ln w="41275" cap="rnd">
+            <a:solidFill>
+              <a:schemeClr val="accent2"/>
+            </a:solidFill>
+            <a:round/>
+            <a:extLst>
+              <a:ext uri="{C807C97D-BFC1-408E-A445-0C87EB9F89A2}">
+                <ask:lineSketchStyleProps xmlns:ask="http://schemas.microsoft.com/office/drawing/2018/sketchyshapes" sd="1219033472">
+                  <a:custGeom>
+                    <a:avLst/>
+                    <a:gdLst>
+                      <a:gd name="connsiteX0" fmla="*/ 0 w 8140446"/>
+                      <a:gd name="connsiteY0" fmla="*/ 0 h 13716"/>
+                      <a:gd name="connsiteX1" fmla="*/ 434157 w 8140446"/>
+                      <a:gd name="connsiteY1" fmla="*/ 0 h 13716"/>
+                      <a:gd name="connsiteX2" fmla="*/ 1193932 w 8140446"/>
+                      <a:gd name="connsiteY2" fmla="*/ 0 h 13716"/>
+                      <a:gd name="connsiteX3" fmla="*/ 1628089 w 8140446"/>
+                      <a:gd name="connsiteY3" fmla="*/ 0 h 13716"/>
+                      <a:gd name="connsiteX4" fmla="*/ 2225055 w 8140446"/>
+                      <a:gd name="connsiteY4" fmla="*/ 0 h 13716"/>
+                      <a:gd name="connsiteX5" fmla="*/ 3066235 w 8140446"/>
+                      <a:gd name="connsiteY5" fmla="*/ 0 h 13716"/>
+                      <a:gd name="connsiteX6" fmla="*/ 3744605 w 8140446"/>
+                      <a:gd name="connsiteY6" fmla="*/ 0 h 13716"/>
+                      <a:gd name="connsiteX7" fmla="*/ 4504380 w 8140446"/>
+                      <a:gd name="connsiteY7" fmla="*/ 0 h 13716"/>
+                      <a:gd name="connsiteX8" fmla="*/ 5101346 w 8140446"/>
+                      <a:gd name="connsiteY8" fmla="*/ 0 h 13716"/>
+                      <a:gd name="connsiteX9" fmla="*/ 5779717 w 8140446"/>
+                      <a:gd name="connsiteY9" fmla="*/ 0 h 13716"/>
+                      <a:gd name="connsiteX10" fmla="*/ 6620896 w 8140446"/>
+                      <a:gd name="connsiteY10" fmla="*/ 0 h 13716"/>
+                      <a:gd name="connsiteX11" fmla="*/ 7136458 w 8140446"/>
+                      <a:gd name="connsiteY11" fmla="*/ 0 h 13716"/>
+                      <a:gd name="connsiteX12" fmla="*/ 8140446 w 8140446"/>
+                      <a:gd name="connsiteY12" fmla="*/ 0 h 13716"/>
+                      <a:gd name="connsiteX13" fmla="*/ 8140446 w 8140446"/>
+                      <a:gd name="connsiteY13" fmla="*/ 13716 h 13716"/>
+                      <a:gd name="connsiteX14" fmla="*/ 7543480 w 8140446"/>
+                      <a:gd name="connsiteY14" fmla="*/ 13716 h 13716"/>
+                      <a:gd name="connsiteX15" fmla="*/ 7109323 w 8140446"/>
+                      <a:gd name="connsiteY15" fmla="*/ 13716 h 13716"/>
+                      <a:gd name="connsiteX16" fmla="*/ 6430952 w 8140446"/>
+                      <a:gd name="connsiteY16" fmla="*/ 13716 h 13716"/>
+                      <a:gd name="connsiteX17" fmla="*/ 5915391 w 8140446"/>
+                      <a:gd name="connsiteY17" fmla="*/ 13716 h 13716"/>
+                      <a:gd name="connsiteX18" fmla="*/ 5237020 w 8140446"/>
+                      <a:gd name="connsiteY18" fmla="*/ 13716 h 13716"/>
+                      <a:gd name="connsiteX19" fmla="*/ 4558650 w 8140446"/>
+                      <a:gd name="connsiteY19" fmla="*/ 13716 h 13716"/>
+                      <a:gd name="connsiteX20" fmla="*/ 3880279 w 8140446"/>
+                      <a:gd name="connsiteY20" fmla="*/ 13716 h 13716"/>
+                      <a:gd name="connsiteX21" fmla="*/ 3201909 w 8140446"/>
+                      <a:gd name="connsiteY21" fmla="*/ 13716 h 13716"/>
+                      <a:gd name="connsiteX22" fmla="*/ 2604943 w 8140446"/>
+                      <a:gd name="connsiteY22" fmla="*/ 13716 h 13716"/>
+                      <a:gd name="connsiteX23" fmla="*/ 1845168 w 8140446"/>
+                      <a:gd name="connsiteY23" fmla="*/ 13716 h 13716"/>
+                      <a:gd name="connsiteX24" fmla="*/ 1166797 w 8140446"/>
+                      <a:gd name="connsiteY24" fmla="*/ 13716 h 13716"/>
+                      <a:gd name="connsiteX25" fmla="*/ 0 w 8140446"/>
+                      <a:gd name="connsiteY25" fmla="*/ 13716 h 13716"/>
+                      <a:gd name="connsiteX26" fmla="*/ 0 w 8140446"/>
+                      <a:gd name="connsiteY26" fmla="*/ 0 h 13716"/>
+                    </a:gdLst>
+                    <a:ahLst/>
+                    <a:cxnLst>
+                      <a:cxn ang="0">
+                        <a:pos x="connsiteX0" y="connsiteY0"/>
+                      </a:cxn>
+                      <a:cxn ang="0">
+                        <a:pos x="connsiteX1" y="connsiteY1"/>
+                      </a:cxn>
+                      <a:cxn ang="0">
+                        <a:pos x="connsiteX2" y="connsiteY2"/>
+                      </a:cxn>
+                      <a:cxn ang="0">
+                        <a:pos x="connsiteX3" y="connsiteY3"/>
+                      </a:cxn>
+                      <a:cxn ang="0">
+                        <a:pos x="connsiteX4" y="connsiteY4"/>
+                      </a:cxn>
+                      <a:cxn ang="0">
+                        <a:pos x="connsiteX5" y="connsiteY5"/>
+                      </a:cxn>
+                      <a:cxn ang="0">
+                        <a:pos x="connsiteX6" y="connsiteY6"/>
+                      </a:cxn>
+                      <a:cxn ang="0">
+                        <a:pos x="connsiteX7" y="connsiteY7"/>
+                      </a:cxn>
+                      <a:cxn ang="0">
+                        <a:pos x="connsiteX8" y="connsiteY8"/>
+                      </a:cxn>
+                      <a:cxn ang="0">
+                        <a:pos x="connsiteX9" y="connsiteY9"/>
+                      </a:cxn>
+                      <a:cxn ang="0">
+                        <a:pos x="connsiteX10" y="connsiteY10"/>
+                      </a:cxn>
+                      <a:cxn ang="0">
+                        <a:pos x="connsiteX11" y="connsiteY11"/>
+                      </a:cxn>
+                      <a:cxn ang="0">
+                        <a:pos x="connsiteX12" y="connsiteY12"/>
+                      </a:cxn>
+                      <a:cxn ang="0">
+                        <a:pos x="connsiteX13" y="connsiteY13"/>
+                      </a:cxn>
+                      <a:cxn ang="0">
+                        <a:pos x="connsiteX14" y="connsiteY14"/>
+                      </a:cxn>
+                      <a:cxn ang="0">
+                        <a:pos x="connsiteX15" y="connsiteY15"/>
+                      </a:cxn>
+                      <a:cxn ang="0">
+                        <a:pos x="connsiteX16" y="connsiteY16"/>
+                      </a:cxn>
+                      <a:cxn ang="0">
+                        <a:pos x="connsiteX17" y="connsiteY17"/>
+                      </a:cxn>
+                      <a:cxn ang="0">
+                        <a:pos x="connsiteX18" y="connsiteY18"/>
+                      </a:cxn>
+                      <a:cxn ang="0">
+                        <a:pos x="connsiteX19" y="connsiteY19"/>
+                      </a:cxn>
+                      <a:cxn ang="0">
+                        <a:pos x="connsiteX20" y="connsiteY20"/>
+                      </a:cxn>
+                      <a:cxn ang="0">
+                        <a:pos x="connsiteX21" y="connsiteY21"/>
+                      </a:cxn>
+                      <a:cxn ang="0">
+                        <a:pos x="connsiteX22" y="connsiteY22"/>
+                      </a:cxn>
+                      <a:cxn ang="0">
+                        <a:pos x="connsiteX23" y="connsiteY23"/>
+                      </a:cxn>
+                      <a:cxn ang="0">
+                        <a:pos x="connsiteX24" y="connsiteY24"/>
+                      </a:cxn>
+                      <a:cxn ang="0">
+                        <a:pos x="connsiteX25" y="connsiteY25"/>
+                      </a:cxn>
+                      <a:cxn ang="0">
+                        <a:pos x="connsiteX26" y="connsiteY26"/>
+                      </a:cxn>
+                    </a:cxnLst>
+                    <a:rect l="l" t="t" r="r" b="b"/>
+                    <a:pathLst>
+                      <a:path w="8140446" h="13716" fill="none" extrusionOk="0">
+                        <a:moveTo>
+                          <a:pt x="0" y="0"/>
+                        </a:moveTo>
+                        <a:cubicBezTo>
+                          <a:pt x="94920" y="9103"/>
+                          <a:pt x="287892" y="-4966"/>
+                          <a:pt x="434157" y="0"/>
+                        </a:cubicBezTo>
+                        <a:cubicBezTo>
+                          <a:pt x="580422" y="4966"/>
+                          <a:pt x="943595" y="-14182"/>
+                          <a:pt x="1193932" y="0"/>
+                        </a:cubicBezTo>
+                        <a:cubicBezTo>
+                          <a:pt x="1444270" y="14182"/>
+                          <a:pt x="1472129" y="5523"/>
+                          <a:pt x="1628089" y="0"/>
+                        </a:cubicBezTo>
+                        <a:cubicBezTo>
+                          <a:pt x="1784049" y="-5523"/>
+                          <a:pt x="1962419" y="-17322"/>
+                          <a:pt x="2225055" y="0"/>
+                        </a:cubicBezTo>
+                        <a:cubicBezTo>
+                          <a:pt x="2487691" y="17322"/>
+                          <a:pt x="2700681" y="1311"/>
+                          <a:pt x="3066235" y="0"/>
+                        </a:cubicBezTo>
+                        <a:cubicBezTo>
+                          <a:pt x="3431789" y="-1311"/>
+                          <a:pt x="3405662" y="25081"/>
+                          <a:pt x="3744605" y="0"/>
+                        </a:cubicBezTo>
+                        <a:cubicBezTo>
+                          <a:pt x="4083548" y="-25081"/>
+                          <a:pt x="4265111" y="-11945"/>
+                          <a:pt x="4504380" y="0"/>
+                        </a:cubicBezTo>
+                        <a:cubicBezTo>
+                          <a:pt x="4743649" y="11945"/>
+                          <a:pt x="4860394" y="-2832"/>
+                          <a:pt x="5101346" y="0"/>
+                        </a:cubicBezTo>
+                        <a:cubicBezTo>
+                          <a:pt x="5342298" y="2832"/>
+                          <a:pt x="5456387" y="23676"/>
+                          <a:pt x="5779717" y="0"/>
+                        </a:cubicBezTo>
+                        <a:cubicBezTo>
+                          <a:pt x="6103047" y="-23676"/>
+                          <a:pt x="6270379" y="-37291"/>
+                          <a:pt x="6620896" y="0"/>
+                        </a:cubicBezTo>
+                        <a:cubicBezTo>
+                          <a:pt x="6971413" y="37291"/>
+                          <a:pt x="6989068" y="24674"/>
+                          <a:pt x="7136458" y="0"/>
+                        </a:cubicBezTo>
+                        <a:cubicBezTo>
+                          <a:pt x="7283848" y="-24674"/>
+                          <a:pt x="7752532" y="-22436"/>
+                          <a:pt x="8140446" y="0"/>
+                        </a:cubicBezTo>
+                        <a:cubicBezTo>
+                          <a:pt x="8140543" y="2784"/>
+                          <a:pt x="8140462" y="9558"/>
+                          <a:pt x="8140446" y="13716"/>
+                        </a:cubicBezTo>
+                        <a:cubicBezTo>
+                          <a:pt x="7906329" y="-7615"/>
+                          <a:pt x="7681180" y="22893"/>
+                          <a:pt x="7543480" y="13716"/>
+                        </a:cubicBezTo>
+                        <a:cubicBezTo>
+                          <a:pt x="7405780" y="4539"/>
+                          <a:pt x="7216607" y="-912"/>
+                          <a:pt x="7109323" y="13716"/>
+                        </a:cubicBezTo>
+                        <a:cubicBezTo>
+                          <a:pt x="7002039" y="28344"/>
+                          <a:pt x="6576231" y="38120"/>
+                          <a:pt x="6430952" y="13716"/>
+                        </a:cubicBezTo>
+                        <a:cubicBezTo>
+                          <a:pt x="6285673" y="-10688"/>
+                          <a:pt x="6138840" y="29949"/>
+                          <a:pt x="5915391" y="13716"/>
+                        </a:cubicBezTo>
+                        <a:cubicBezTo>
+                          <a:pt x="5691942" y="-2517"/>
+                          <a:pt x="5459460" y="47094"/>
+                          <a:pt x="5237020" y="13716"/>
+                        </a:cubicBezTo>
+                        <a:cubicBezTo>
+                          <a:pt x="5014580" y="-19662"/>
+                          <a:pt x="4747677" y="35877"/>
+                          <a:pt x="4558650" y="13716"/>
+                        </a:cubicBezTo>
+                        <a:cubicBezTo>
+                          <a:pt x="4369623" y="-8445"/>
+                          <a:pt x="4146061" y="7996"/>
+                          <a:pt x="3880279" y="13716"/>
+                        </a:cubicBezTo>
+                        <a:cubicBezTo>
+                          <a:pt x="3614497" y="19436"/>
+                          <a:pt x="3473808" y="-17480"/>
+                          <a:pt x="3201909" y="13716"/>
+                        </a:cubicBezTo>
+                        <a:cubicBezTo>
+                          <a:pt x="2930010" y="44912"/>
+                          <a:pt x="2728175" y="-8002"/>
+                          <a:pt x="2604943" y="13716"/>
+                        </a:cubicBezTo>
+                        <a:cubicBezTo>
+                          <a:pt x="2481711" y="35434"/>
+                          <a:pt x="2004334" y="22380"/>
+                          <a:pt x="1845168" y="13716"/>
+                        </a:cubicBezTo>
+                        <a:cubicBezTo>
+                          <a:pt x="1686003" y="5052"/>
+                          <a:pt x="1375070" y="33008"/>
+                          <a:pt x="1166797" y="13716"/>
+                        </a:cubicBezTo>
+                        <a:cubicBezTo>
+                          <a:pt x="958524" y="-5576"/>
+                          <a:pt x="342846" y="4308"/>
+                          <a:pt x="0" y="13716"/>
+                        </a:cubicBezTo>
+                        <a:cubicBezTo>
+                          <a:pt x="-100" y="9589"/>
+                          <a:pt x="468" y="2983"/>
+                          <a:pt x="0" y="0"/>
+                        </a:cubicBezTo>
+                        <a:close/>
+                      </a:path>
+                      <a:path w="8140446" h="13716" stroke="0" extrusionOk="0">
+                        <a:moveTo>
+                          <a:pt x="0" y="0"/>
+                        </a:moveTo>
+                        <a:cubicBezTo>
+                          <a:pt x="142435" y="-24533"/>
+                          <a:pt x="380026" y="17447"/>
+                          <a:pt x="596966" y="0"/>
+                        </a:cubicBezTo>
+                        <a:cubicBezTo>
+                          <a:pt x="813906" y="-17447"/>
+                          <a:pt x="830530" y="13462"/>
+                          <a:pt x="1031123" y="0"/>
+                        </a:cubicBezTo>
+                        <a:cubicBezTo>
+                          <a:pt x="1231716" y="-13462"/>
+                          <a:pt x="1634038" y="0"/>
+                          <a:pt x="1872303" y="0"/>
+                        </a:cubicBezTo>
+                        <a:cubicBezTo>
+                          <a:pt x="2110568" y="0"/>
+                          <a:pt x="2261934" y="-25727"/>
+                          <a:pt x="2469269" y="0"/>
+                        </a:cubicBezTo>
+                        <a:cubicBezTo>
+                          <a:pt x="2676604" y="25727"/>
+                          <a:pt x="2790440" y="16284"/>
+                          <a:pt x="3066235" y="0"/>
+                        </a:cubicBezTo>
+                        <a:cubicBezTo>
+                          <a:pt x="3342030" y="-16284"/>
+                          <a:pt x="3685603" y="41976"/>
+                          <a:pt x="3907414" y="0"/>
+                        </a:cubicBezTo>
+                        <a:cubicBezTo>
+                          <a:pt x="4129225" y="-41976"/>
+                          <a:pt x="4177416" y="-7598"/>
+                          <a:pt x="4422976" y="0"/>
+                        </a:cubicBezTo>
+                        <a:cubicBezTo>
+                          <a:pt x="4668536" y="7598"/>
+                          <a:pt x="5023499" y="-28058"/>
+                          <a:pt x="5264155" y="0"/>
+                        </a:cubicBezTo>
+                        <a:cubicBezTo>
+                          <a:pt x="5504811" y="28058"/>
+                          <a:pt x="5703675" y="13288"/>
+                          <a:pt x="6105335" y="0"/>
+                        </a:cubicBezTo>
+                        <a:cubicBezTo>
+                          <a:pt x="6506995" y="-13288"/>
+                          <a:pt x="6455516" y="-5124"/>
+                          <a:pt x="6783705" y="0"/>
+                        </a:cubicBezTo>
+                        <a:cubicBezTo>
+                          <a:pt x="7111894" y="5124"/>
+                          <a:pt x="7512856" y="10604"/>
+                          <a:pt x="8140446" y="0"/>
+                        </a:cubicBezTo>
+                        <a:cubicBezTo>
+                          <a:pt x="8139772" y="5682"/>
+                          <a:pt x="8139843" y="9439"/>
+                          <a:pt x="8140446" y="13716"/>
+                        </a:cubicBezTo>
+                        <a:cubicBezTo>
+                          <a:pt x="7959314" y="-1227"/>
+                          <a:pt x="7870113" y="5865"/>
+                          <a:pt x="7706289" y="13716"/>
+                        </a:cubicBezTo>
+                        <a:cubicBezTo>
+                          <a:pt x="7542465" y="21567"/>
+                          <a:pt x="7157940" y="12910"/>
+                          <a:pt x="6865109" y="13716"/>
+                        </a:cubicBezTo>
+                        <a:cubicBezTo>
+                          <a:pt x="6572278" y="14522"/>
+                          <a:pt x="6524256" y="33479"/>
+                          <a:pt x="6349548" y="13716"/>
+                        </a:cubicBezTo>
+                        <a:cubicBezTo>
+                          <a:pt x="6174840" y="-6047"/>
+                          <a:pt x="5951624" y="-4398"/>
+                          <a:pt x="5671177" y="13716"/>
+                        </a:cubicBezTo>
+                        <a:cubicBezTo>
+                          <a:pt x="5390730" y="31830"/>
+                          <a:pt x="5222992" y="55486"/>
+                          <a:pt x="4829998" y="13716"/>
+                        </a:cubicBezTo>
+                        <a:cubicBezTo>
+                          <a:pt x="4437004" y="-28054"/>
+                          <a:pt x="4344181" y="34515"/>
+                          <a:pt x="4151627" y="13716"/>
+                        </a:cubicBezTo>
+                        <a:cubicBezTo>
+                          <a:pt x="3959073" y="-7083"/>
+                          <a:pt x="3886970" y="28303"/>
+                          <a:pt x="3717470" y="13716"/>
+                        </a:cubicBezTo>
+                        <a:cubicBezTo>
+                          <a:pt x="3547970" y="-871"/>
+                          <a:pt x="3451521" y="27300"/>
+                          <a:pt x="3201909" y="13716"/>
+                        </a:cubicBezTo>
+                        <a:cubicBezTo>
+                          <a:pt x="2952297" y="132"/>
+                          <a:pt x="2543413" y="1457"/>
+                          <a:pt x="2360729" y="13716"/>
+                        </a:cubicBezTo>
+                        <a:cubicBezTo>
+                          <a:pt x="2178045" y="25975"/>
+                          <a:pt x="1906056" y="21275"/>
+                          <a:pt x="1682359" y="13716"/>
+                        </a:cubicBezTo>
+                        <a:cubicBezTo>
+                          <a:pt x="1458662" y="6158"/>
+                          <a:pt x="1330405" y="3474"/>
+                          <a:pt x="1166797" y="13716"/>
+                        </a:cubicBezTo>
+                        <a:cubicBezTo>
+                          <a:pt x="1003189" y="23958"/>
+                          <a:pt x="278098" y="14961"/>
+                          <a:pt x="0" y="13716"/>
+                        </a:cubicBezTo>
+                        <a:cubicBezTo>
+                          <a:pt x="303" y="7982"/>
+                          <a:pt x="182" y="5202"/>
+                          <a:pt x="0" y="0"/>
+                        </a:cubicBezTo>
+                        <a:close/>
+                      </a:path>
+                    </a:pathLst>
+                  </a:custGeom>
+                  <ask:type>
+                    <ask:lineSketchFreehand/>
+                  </ask:type>
+                </ask:lineSketchStyleProps>
+              </a:ext>
+            </a:extLst>
+          </a:ln>
+        </p:spPr>
+        <p:style>
+          <a:lnRef idx="2">
+            <a:schemeClr val="accent1">
+              <a:shade val="50000"/>
+            </a:schemeClr>
+          </a:lnRef>
+          <a:fillRef idx="1">
+            <a:schemeClr val="accent1"/>
+          </a:fillRef>
+          <a:effectRef idx="0">
+            <a:schemeClr val="accent1"/>
+          </a:effectRef>
+          <a:fontRef idx="minor">
+            <a:schemeClr val="lt1"/>
+          </a:fontRef>
+        </p:style>
+        <p:txBody>
+          <a:bodyPr rtlCol="0" anchor="ctr"/>
+          <a:lstStyle/>
+          <a:p>
+            <a:pPr algn="ctr"/>
+            <a:endParaRPr lang="en-US"/>
+          </a:p>
+        </p:txBody>
+      </p:sp>
+      <p:sp>
+        <p:nvSpPr>
+          <p:cNvPr id="3" name="Content Placeholder 2">
+            <a:extLst>
+              <a:ext uri="{FF2B5EF4-FFF2-40B4-BE49-F238E27FC236}">
+                <a16:creationId xmlns:a16="http://schemas.microsoft.com/office/drawing/2014/main" id="{287B927A-4F8D-BBDE-45C3-06ECF01FCB23}"/>
+              </a:ext>
+            </a:extLst>
+          </p:cNvPr>
+          <p:cNvSpPr>
+            <a:spLocks noGrp="1"/>
+          </p:cNvSpPr>
+          <p:nvPr>
+            <p:ph sz="half" idx="1"/>
+          </p:nvPr>
+        </p:nvSpPr>
+        <p:spPr>
+          <a:xfrm>
+            <a:off x="628650" y="1447038"/>
+            <a:ext cx="7886700" cy="3188970"/>
+          </a:xfrm>
+        </p:spPr>
+        <p:txBody>
+          <a:bodyPr vert="horz" lIns="91440" tIns="45720" rIns="91440" bIns="45720" rtlCol="0">
+            <a:normAutofit/>
+          </a:bodyPr>
+          <a:lstStyle/>
+          <a:p>
+            <a:pPr indent="-228600" defTabSz="914400"/>
+            <a:r>
+              <a:rPr lang="en-US" sz="1300" b="1" i="0">
+                <a:effectLst/>
+              </a:rPr>
+              <a:t>Data Encryption</a:t>
+            </a:r>
+            <a:r>
+              <a:rPr lang="en-US" sz="1300" b="0" i="0">
+                <a:effectLst/>
+              </a:rPr>
+              <a:t>: </a:t>
+            </a:r>
+          </a:p>
+          <a:p>
+            <a:pPr lvl="1" indent="-228600" defTabSz="914400"/>
+            <a:r>
+              <a:rPr lang="en-US" sz="1300" b="0" i="0">
+                <a:effectLst/>
+              </a:rPr>
+              <a:t>First, your data is encrypted with a data key. </a:t>
+            </a:r>
+          </a:p>
+          <a:p>
+            <a:pPr lvl="1" indent="-228600" defTabSz="914400"/>
+            <a:r>
+              <a:rPr lang="en-US" sz="1300" b="0" i="0">
+                <a:effectLst/>
+              </a:rPr>
+              <a:t>This data key is a symmetric key, meaning the same key is used for both encryption and decryption. </a:t>
+            </a:r>
+          </a:p>
+          <a:p>
+            <a:pPr lvl="1" indent="-228600" defTabSz="914400"/>
+            <a:r>
+              <a:rPr lang="en-US" sz="1300" b="0" i="0">
+                <a:effectLst/>
+              </a:rPr>
+              <a:t>The data key is generated uniquely for each encryption operation, making it highly secure.</a:t>
+            </a:r>
+          </a:p>
+          <a:p>
+            <a:pPr indent="-228600" defTabSz="914400"/>
+            <a:r>
+              <a:rPr lang="en-US" sz="1300" b="1" i="0">
+                <a:effectLst/>
+              </a:rPr>
+              <a:t>Key Encryption (Envelope Part)</a:t>
+            </a:r>
+            <a:r>
+              <a:rPr lang="en-US" sz="1300" b="0" i="0">
+                <a:effectLst/>
+              </a:rPr>
+              <a:t>: </a:t>
+            </a:r>
+          </a:p>
+          <a:p>
+            <a:pPr lvl="1" indent="-228600" defTabSz="914400"/>
+            <a:r>
+              <a:rPr lang="en-US" sz="1300" b="0" i="0">
+                <a:effectLst/>
+              </a:rPr>
+              <a:t>The data key itself is then encrypted with another key, known as the master key. </a:t>
+            </a:r>
+          </a:p>
+          <a:p>
+            <a:pPr lvl="1" indent="-228600" defTabSz="914400"/>
+            <a:r>
+              <a:rPr lang="en-US" sz="1300" b="0" i="0">
+                <a:effectLst/>
+              </a:rPr>
+              <a:t>The master key is usually managed by a service like AWS KMS and is more securely stored and managed. </a:t>
+            </a:r>
+          </a:p>
+          <a:p>
+            <a:pPr lvl="1" indent="-228600" defTabSz="914400"/>
+            <a:r>
+              <a:rPr lang="en-US" sz="1300" b="0" i="0">
+                <a:effectLst/>
+              </a:rPr>
+              <a:t>The encrypted data key is stored alongside the encrypted data.</a:t>
+            </a:r>
+          </a:p>
+          <a:p>
+            <a:pPr indent="-228600" defTabSz="914400"/>
+            <a:r>
+              <a:rPr lang="en-US" sz="1300" b="1" i="0">
+                <a:effectLst/>
+              </a:rPr>
+              <a:t>Decryption Process</a:t>
+            </a:r>
+            <a:r>
+              <a:rPr lang="en-US" sz="1300" b="0" i="0">
+                <a:effectLst/>
+              </a:rPr>
+              <a:t>: </a:t>
+            </a:r>
+          </a:p>
+          <a:p>
+            <a:pPr lvl="1" indent="-228600" defTabSz="914400"/>
+            <a:r>
+              <a:rPr lang="en-US" sz="1300" b="0" i="0">
+                <a:effectLst/>
+              </a:rPr>
+              <a:t>To decrypt the data, the encrypted data key is first decrypted using the master key (managed by KMS). </a:t>
+            </a:r>
+          </a:p>
+          <a:p>
+            <a:pPr lvl="1" indent="-228600" defTabSz="914400"/>
+            <a:r>
+              <a:rPr lang="en-US" sz="1300" b="0" i="0">
+                <a:effectLst/>
+              </a:rPr>
+              <a:t>The decrypted data key is then used to decrypt the data itself. </a:t>
+            </a:r>
+          </a:p>
+          <a:p>
+            <a:pPr lvl="1" indent="-228600" defTabSz="914400"/>
+            <a:r>
+              <a:rPr lang="en-US" sz="1300" b="0" i="0">
+                <a:effectLst/>
+              </a:rPr>
+              <a:t>After the decryption operation is complete, the plaintext data key is discarded, further securing the process.</a:t>
+            </a:r>
+          </a:p>
+        </p:txBody>
+      </p:sp>
+    </p:spTree>
+    <p:extLst>
+      <p:ext uri="{BB962C8B-B14F-4D97-AF65-F5344CB8AC3E}">
+        <p14:creationId xmlns:p14="http://schemas.microsoft.com/office/powerpoint/2010/main" val="2397542577"/>
+      </p:ext>
+    </p:extLst>
+  </p:cSld>
+  <p:clrMapOvr>
+    <a:masterClrMapping/>
+  </p:clrMapOvr>
+</p:sld>
+</file>
+
+<file path=ppt/slides/slide15.xml><?xml version="1.0" encoding="utf-8"?>
+<p:sld xmlns:a="http://schemas.openxmlformats.org/drawingml/2006/main" xmlns:r="http://schemas.openxmlformats.org/officeDocument/2006/relationships" xmlns:p="http://schemas.openxmlformats.org/presentationml/2006/main">
+  <p:cSld>
+    <p:bg>
+      <p:bgPr>
+        <a:solidFill>
+          <a:schemeClr val="bg1"/>
+        </a:solidFill>
+        <a:effectLst/>
+      </p:bgPr>
+    </p:bg>
+    <p:spTree>
+      <p:nvGrpSpPr>
         <p:cNvPr id="1" name="Shape 154"/>
         <p:cNvGrpSpPr/>
         <p:nvPr/>
@@ -11215,7 +13972,7 @@
 </p:sld>
 </file>
 
-<file path=ppt/slides/slide14.xml><?xml version="1.0" encoding="utf-8"?>
+<file path=ppt/slides/slide16.xml><?xml version="1.0" encoding="utf-8"?>
 <p:sld xmlns:a="http://schemas.openxmlformats.org/drawingml/2006/main" xmlns:r="http://schemas.openxmlformats.org/officeDocument/2006/relationships" xmlns:p="http://schemas.openxmlformats.org/presentationml/2006/main">
   <p:cSld>
     <p:bg>
@@ -11395,7 +14152,7 @@
 </p:sld>
 </file>
 
-<file path=ppt/slides/slide15.xml><?xml version="1.0" encoding="utf-8"?>
+<file path=ppt/slides/slide17.xml><?xml version="1.0" encoding="utf-8"?>
 <p:sld xmlns:a="http://schemas.openxmlformats.org/drawingml/2006/main" xmlns:r="http://schemas.openxmlformats.org/officeDocument/2006/relationships" xmlns:p="http://schemas.openxmlformats.org/presentationml/2006/main">
   <p:cSld>
     <p:bg>
@@ -12833,7 +15590,7 @@
 </p:sld>
 </file>
 
-<file path=ppt/slides/slide16.xml><?xml version="1.0" encoding="utf-8"?>
+<file path=ppt/slides/slide18.xml><?xml version="1.0" encoding="utf-8"?>
 <p:sld xmlns:a="http://schemas.openxmlformats.org/drawingml/2006/main" xmlns:r="http://schemas.openxmlformats.org/officeDocument/2006/relationships" xmlns:p="http://schemas.openxmlformats.org/presentationml/2006/main">
   <p:cSld>
     <p:bg>
@@ -14375,7 +17132,7 @@
 </p:sld>
 </file>
 
-<file path=ppt/slides/slide17.xml><?xml version="1.0" encoding="utf-8"?>
+<file path=ppt/slides/slide19.xml><?xml version="1.0" encoding="utf-8"?>
 <p:sld xmlns:a="http://schemas.openxmlformats.org/drawingml/2006/main" xmlns:r="http://schemas.openxmlformats.org/officeDocument/2006/relationships" xmlns:p="http://schemas.openxmlformats.org/presentationml/2006/main">
   <p:cSld>
     <p:bg>
@@ -15169,1559 +17926,6 @@
           <a:xfrm>
             <a:off x="4574286" y="2213505"/>
             <a:ext cx="4094226" cy="716489"/>
-          </a:xfrm>
-          <a:prstGeom prst="rect">
-            <a:avLst/>
-          </a:prstGeom>
-          <a:noFill/>
-        </p:spPr>
-      </p:pic>
-    </p:spTree>
-  </p:cSld>
-  <p:clrMapOvr>
-    <a:masterClrMapping/>
-  </p:clrMapOvr>
-</p:sld>
-</file>
-
-<file path=ppt/slides/slide18.xml><?xml version="1.0" encoding="utf-8"?>
-<p:sld xmlns:a="http://schemas.openxmlformats.org/drawingml/2006/main" xmlns:r="http://schemas.openxmlformats.org/officeDocument/2006/relationships" xmlns:p="http://schemas.openxmlformats.org/presentationml/2006/main">
-  <p:cSld>
-    <p:bg>
-      <p:bgPr>
-        <a:solidFill>
-          <a:schemeClr val="bg1"/>
-        </a:solidFill>
-        <a:effectLst/>
-      </p:bgPr>
-    </p:bg>
-    <p:spTree>
-      <p:nvGrpSpPr>
-        <p:cNvPr id="1" name="Shape 185"/>
-        <p:cNvGrpSpPr/>
-        <p:nvPr/>
-      </p:nvGrpSpPr>
-      <p:grpSpPr>
-        <a:xfrm>
-          <a:off x="0" y="0"/>
-          <a:ext cx="0" cy="0"/>
-          <a:chOff x="0" y="0"/>
-          <a:chExt cx="0" cy="0"/>
-        </a:xfrm>
-      </p:grpSpPr>
-      <p:sp useBgFill="1">
-        <p:nvSpPr>
-          <p:cNvPr id="193" name="Rectangle 192">
-            <a:extLst>
-              <a:ext uri="{FF2B5EF4-FFF2-40B4-BE49-F238E27FC236}">
-                <a16:creationId xmlns:a16="http://schemas.microsoft.com/office/drawing/2014/main" id="{743AA782-23D1-4521-8CAD-47662984AA08}"/>
-              </a:ext>
-              <a:ext uri="{C183D7F6-B498-43B3-948B-1728B52AA6E4}">
-                <adec:decorative xmlns:adec="http://schemas.microsoft.com/office/drawing/2017/decorative" val="1"/>
-              </a:ext>
-            </a:extLst>
-          </p:cNvPr>
-          <p:cNvSpPr>
-            <a:spLocks noGrp="1" noRot="1" noChangeAspect="1" noMove="1" noResize="1" noEditPoints="1" noAdjustHandles="1" noChangeArrowheads="1" noChangeShapeType="1" noTextEdit="1"/>
-          </p:cNvSpPr>
-          <p:nvPr>
-            <p:extLst>
-              <p:ext uri="{386F3935-93C4-4BCD-93E2-E3B085C9AB24}">
-                <p16:designElem xmlns:p16="http://schemas.microsoft.com/office/powerpoint/2015/main" val="1"/>
-              </p:ext>
-            </p:extLst>
-          </p:nvPr>
-        </p:nvSpPr>
-        <p:spPr>
-          <a:xfrm>
-            <a:off x="0" y="0"/>
-            <a:ext cx="9144000" cy="5143500"/>
-          </a:xfrm>
-          <a:prstGeom prst="rect">
-            <a:avLst/>
-          </a:prstGeom>
-          <a:ln>
-            <a:noFill/>
-          </a:ln>
-        </p:spPr>
-        <p:style>
-          <a:lnRef idx="2">
-            <a:schemeClr val="accent1">
-              <a:shade val="50000"/>
-            </a:schemeClr>
-          </a:lnRef>
-          <a:fillRef idx="1">
-            <a:schemeClr val="accent1"/>
-          </a:fillRef>
-          <a:effectRef idx="0">
-            <a:schemeClr val="accent1"/>
-          </a:effectRef>
-          <a:fontRef idx="minor">
-            <a:schemeClr val="lt1"/>
-          </a:fontRef>
-        </p:style>
-        <p:txBody>
-          <a:bodyPr rtlCol="0" anchor="ctr"/>
-          <a:lstStyle/>
-          <a:p>
-            <a:pPr algn="ctr"/>
-            <a:endParaRPr lang="en-US"/>
-          </a:p>
-        </p:txBody>
-      </p:sp>
-      <p:sp>
-        <p:nvSpPr>
-          <p:cNvPr id="186" name="Google Shape;186;p33"/>
-          <p:cNvSpPr txBox="1">
-            <a:spLocks noGrp="1"/>
-          </p:cNvSpPr>
-          <p:nvPr>
-            <p:ph type="title"/>
-          </p:nvPr>
-        </p:nvSpPr>
-        <p:spPr>
-          <a:xfrm>
-            <a:off x="473202" y="480060"/>
-            <a:ext cx="3614166" cy="1110996"/>
-          </a:xfrm>
-          <a:prstGeom prst="rect">
-            <a:avLst/>
-          </a:prstGeom>
-        </p:spPr>
-        <p:txBody>
-          <a:bodyPr spcFirstLastPara="1" vert="horz" lIns="91440" tIns="45720" rIns="91440" bIns="45720" rtlCol="0" anchor="b" anchorCtr="0">
-            <a:normAutofit/>
-          </a:bodyPr>
-          <a:lstStyle/>
-          <a:p>
-            <a:pPr marL="0" lvl="0" indent="0" defTabSz="914400">
-              <a:spcAft>
-                <a:spcPts val="0"/>
-              </a:spcAft>
-              <a:buClr>
-                <a:schemeClr val="dk1"/>
-              </a:buClr>
-              <a:buSzPts val="2400"/>
-            </a:pPr>
-            <a:r>
-              <a:rPr lang="en-US" sz="2300" kern="1200">
-                <a:solidFill>
-                  <a:schemeClr val="tx1"/>
-                </a:solidFill>
-                <a:latin typeface="+mj-lt"/>
-                <a:ea typeface="+mj-ea"/>
-                <a:cs typeface="+mj-cs"/>
-                <a:sym typeface="Economica"/>
-              </a:rPr>
-              <a:t>KMS Manual Key Rotation (for Customer-Managed KMS Key and Imports)</a:t>
-            </a:r>
-          </a:p>
-        </p:txBody>
-      </p:sp>
-      <p:sp>
-        <p:nvSpPr>
-          <p:cNvPr id="195" name="sketch line">
-            <a:extLst>
-              <a:ext uri="{FF2B5EF4-FFF2-40B4-BE49-F238E27FC236}">
-                <a16:creationId xmlns:a16="http://schemas.microsoft.com/office/drawing/2014/main" id="{71877DBC-BB60-40F0-AC93-2ACDBAAE60CE}"/>
-              </a:ext>
-              <a:ext uri="{C183D7F6-B498-43B3-948B-1728B52AA6E4}">
-                <adec:decorative xmlns:adec="http://schemas.microsoft.com/office/drawing/2017/decorative" val="1"/>
-              </a:ext>
-            </a:extLst>
-          </p:cNvPr>
-          <p:cNvSpPr>
-            <a:spLocks noGrp="1" noRot="1" noChangeAspect="1" noMove="1" noResize="1" noEditPoints="1" noAdjustHandles="1" noChangeArrowheads="1" noChangeShapeType="1" noTextEdit="1"/>
-          </p:cNvSpPr>
-          <p:nvPr>
-            <p:extLst>
-              <p:ext uri="{386F3935-93C4-4BCD-93E2-E3B085C9AB24}">
-                <p16:designElem xmlns:p16="http://schemas.microsoft.com/office/powerpoint/2015/main" val="1"/>
-              </p:ext>
-            </p:extLst>
-          </p:nvPr>
-        </p:nvSpPr>
-        <p:spPr>
-          <a:xfrm>
-            <a:off x="482458" y="1779651"/>
-            <a:ext cx="2441321" cy="13716"/>
-          </a:xfrm>
-          <a:custGeom>
-            <a:avLst/>
-            <a:gdLst>
-              <a:gd name="connsiteX0" fmla="*/ 0 w 2441321"/>
-              <a:gd name="connsiteY0" fmla="*/ 0 h 13716"/>
-              <a:gd name="connsiteX1" fmla="*/ 585917 w 2441321"/>
-              <a:gd name="connsiteY1" fmla="*/ 0 h 13716"/>
-              <a:gd name="connsiteX2" fmla="*/ 1196247 w 2441321"/>
-              <a:gd name="connsiteY2" fmla="*/ 0 h 13716"/>
-              <a:gd name="connsiteX3" fmla="*/ 1806578 w 2441321"/>
-              <a:gd name="connsiteY3" fmla="*/ 0 h 13716"/>
-              <a:gd name="connsiteX4" fmla="*/ 2441321 w 2441321"/>
-              <a:gd name="connsiteY4" fmla="*/ 0 h 13716"/>
-              <a:gd name="connsiteX5" fmla="*/ 2441321 w 2441321"/>
-              <a:gd name="connsiteY5" fmla="*/ 13716 h 13716"/>
-              <a:gd name="connsiteX6" fmla="*/ 1830991 w 2441321"/>
-              <a:gd name="connsiteY6" fmla="*/ 13716 h 13716"/>
-              <a:gd name="connsiteX7" fmla="*/ 1269487 w 2441321"/>
-              <a:gd name="connsiteY7" fmla="*/ 13716 h 13716"/>
-              <a:gd name="connsiteX8" fmla="*/ 707983 w 2441321"/>
-              <a:gd name="connsiteY8" fmla="*/ 13716 h 13716"/>
-              <a:gd name="connsiteX9" fmla="*/ 0 w 2441321"/>
-              <a:gd name="connsiteY9" fmla="*/ 13716 h 13716"/>
-              <a:gd name="connsiteX10" fmla="*/ 0 w 2441321"/>
-              <a:gd name="connsiteY10" fmla="*/ 0 h 13716"/>
-              <a:gd name="connsiteX0" fmla="*/ 0 w 2441321"/>
-              <a:gd name="connsiteY0" fmla="*/ 0 h 13716"/>
-              <a:gd name="connsiteX1" fmla="*/ 585917 w 2441321"/>
-              <a:gd name="connsiteY1" fmla="*/ 0 h 13716"/>
-              <a:gd name="connsiteX2" fmla="*/ 1123008 w 2441321"/>
-              <a:gd name="connsiteY2" fmla="*/ 0 h 13716"/>
-              <a:gd name="connsiteX3" fmla="*/ 1782164 w 2441321"/>
-              <a:gd name="connsiteY3" fmla="*/ 0 h 13716"/>
-              <a:gd name="connsiteX4" fmla="*/ 2441321 w 2441321"/>
-              <a:gd name="connsiteY4" fmla="*/ 0 h 13716"/>
-              <a:gd name="connsiteX5" fmla="*/ 2441321 w 2441321"/>
-              <a:gd name="connsiteY5" fmla="*/ 13716 h 13716"/>
-              <a:gd name="connsiteX6" fmla="*/ 1879817 w 2441321"/>
-              <a:gd name="connsiteY6" fmla="*/ 13716 h 13716"/>
-              <a:gd name="connsiteX7" fmla="*/ 1318313 w 2441321"/>
-              <a:gd name="connsiteY7" fmla="*/ 13716 h 13716"/>
-              <a:gd name="connsiteX8" fmla="*/ 659157 w 2441321"/>
-              <a:gd name="connsiteY8" fmla="*/ 13716 h 13716"/>
-              <a:gd name="connsiteX9" fmla="*/ 0 w 2441321"/>
-              <a:gd name="connsiteY9" fmla="*/ 13716 h 13716"/>
-              <a:gd name="connsiteX10" fmla="*/ 0 w 2441321"/>
-              <a:gd name="connsiteY10" fmla="*/ 0 h 13716"/>
-            </a:gdLst>
-            <a:ahLst/>
-            <a:cxnLst>
-              <a:cxn ang="0">
-                <a:pos x="connsiteX0" y="connsiteY0"/>
-              </a:cxn>
-              <a:cxn ang="0">
-                <a:pos x="connsiteX1" y="connsiteY1"/>
-              </a:cxn>
-              <a:cxn ang="0">
-                <a:pos x="connsiteX2" y="connsiteY2"/>
-              </a:cxn>
-              <a:cxn ang="0">
-                <a:pos x="connsiteX3" y="connsiteY3"/>
-              </a:cxn>
-              <a:cxn ang="0">
-                <a:pos x="connsiteX4" y="connsiteY4"/>
-              </a:cxn>
-              <a:cxn ang="0">
-                <a:pos x="connsiteX5" y="connsiteY5"/>
-              </a:cxn>
-              <a:cxn ang="0">
-                <a:pos x="connsiteX6" y="connsiteY6"/>
-              </a:cxn>
-              <a:cxn ang="0">
-                <a:pos x="connsiteX7" y="connsiteY7"/>
-              </a:cxn>
-              <a:cxn ang="0">
-                <a:pos x="connsiteX8" y="connsiteY8"/>
-              </a:cxn>
-              <a:cxn ang="0">
-                <a:pos x="connsiteX9" y="connsiteY9"/>
-              </a:cxn>
-              <a:cxn ang="0">
-                <a:pos x="connsiteX10" y="connsiteY10"/>
-              </a:cxn>
-            </a:cxnLst>
-            <a:rect l="l" t="t" r="r" b="b"/>
-            <a:pathLst>
-              <a:path w="2441321" h="13716" fill="none" extrusionOk="0">
-                <a:moveTo>
-                  <a:pt x="0" y="0"/>
-                </a:moveTo>
-                <a:cubicBezTo>
-                  <a:pt x="280302" y="-6619"/>
-                  <a:pt x="363201" y="4913"/>
-                  <a:pt x="585917" y="0"/>
-                </a:cubicBezTo>
-                <a:cubicBezTo>
-                  <a:pt x="832357" y="-10107"/>
-                  <a:pt x="996738" y="-34312"/>
-                  <a:pt x="1196247" y="0"/>
-                </a:cubicBezTo>
-                <a:cubicBezTo>
-                  <a:pt x="1357180" y="16623"/>
-                  <a:pt x="1575042" y="-11041"/>
-                  <a:pt x="1806578" y="0"/>
-                </a:cubicBezTo>
-                <a:cubicBezTo>
-                  <a:pt x="2016334" y="246"/>
-                  <a:pt x="2239353" y="-8732"/>
-                  <a:pt x="2441321" y="0"/>
-                </a:cubicBezTo>
-                <a:cubicBezTo>
-                  <a:pt x="2440988" y="3698"/>
-                  <a:pt x="2440649" y="9400"/>
-                  <a:pt x="2441321" y="13716"/>
-                </a:cubicBezTo>
-                <a:cubicBezTo>
-                  <a:pt x="2159375" y="44437"/>
-                  <a:pt x="2054495" y="41094"/>
-                  <a:pt x="1830991" y="13716"/>
-                </a:cubicBezTo>
-                <a:cubicBezTo>
-                  <a:pt x="1615846" y="2937"/>
-                  <a:pt x="1521674" y="-9994"/>
-                  <a:pt x="1269487" y="13716"/>
-                </a:cubicBezTo>
-                <a:cubicBezTo>
-                  <a:pt x="1019660" y="49388"/>
-                  <a:pt x="886911" y="37779"/>
-                  <a:pt x="707983" y="13716"/>
-                </a:cubicBezTo>
-                <a:cubicBezTo>
-                  <a:pt x="523434" y="22749"/>
-                  <a:pt x="307885" y="29744"/>
-                  <a:pt x="0" y="13716"/>
-                </a:cubicBezTo>
-                <a:cubicBezTo>
-                  <a:pt x="-361" y="7755"/>
-                  <a:pt x="-276" y="2718"/>
-                  <a:pt x="0" y="0"/>
-                </a:cubicBezTo>
-                <a:close/>
-              </a:path>
-              <a:path w="2441321" h="13716" stroke="0" extrusionOk="0">
-                <a:moveTo>
-                  <a:pt x="0" y="0"/>
-                </a:moveTo>
-                <a:cubicBezTo>
-                  <a:pt x="212126" y="-10265"/>
-                  <a:pt x="442910" y="-11728"/>
-                  <a:pt x="585917" y="0"/>
-                </a:cubicBezTo>
-                <a:cubicBezTo>
-                  <a:pt x="724579" y="21751"/>
-                  <a:pt x="879365" y="-33198"/>
-                  <a:pt x="1123008" y="0"/>
-                </a:cubicBezTo>
-                <a:cubicBezTo>
-                  <a:pt x="1377247" y="11220"/>
-                  <a:pt x="1597861" y="-34280"/>
-                  <a:pt x="1782164" y="0"/>
-                </a:cubicBezTo>
-                <a:cubicBezTo>
-                  <a:pt x="1975975" y="-3055"/>
-                  <a:pt x="2116392" y="-15531"/>
-                  <a:pt x="2441321" y="0"/>
-                </a:cubicBezTo>
-                <a:cubicBezTo>
-                  <a:pt x="2441197" y="4300"/>
-                  <a:pt x="2441101" y="8760"/>
-                  <a:pt x="2441321" y="13716"/>
-                </a:cubicBezTo>
-                <a:cubicBezTo>
-                  <a:pt x="2180658" y="13750"/>
-                  <a:pt x="2084222" y="1362"/>
-                  <a:pt x="1879817" y="13716"/>
-                </a:cubicBezTo>
-                <a:cubicBezTo>
-                  <a:pt x="1668182" y="11650"/>
-                  <a:pt x="1551159" y="-11049"/>
-                  <a:pt x="1318313" y="13716"/>
-                </a:cubicBezTo>
-                <a:cubicBezTo>
-                  <a:pt x="1059871" y="51823"/>
-                  <a:pt x="901959" y="19259"/>
-                  <a:pt x="659157" y="13716"/>
-                </a:cubicBezTo>
-                <a:cubicBezTo>
-                  <a:pt x="444692" y="23911"/>
-                  <a:pt x="245032" y="35310"/>
-                  <a:pt x="0" y="13716"/>
-                </a:cubicBezTo>
-                <a:cubicBezTo>
-                  <a:pt x="124" y="7937"/>
-                  <a:pt x="389" y="2990"/>
-                  <a:pt x="0" y="0"/>
-                </a:cubicBezTo>
-                <a:close/>
-              </a:path>
-              <a:path w="2441321" h="13716" fill="none" stroke="0" extrusionOk="0">
-                <a:moveTo>
-                  <a:pt x="0" y="0"/>
-                </a:moveTo>
-                <a:cubicBezTo>
-                  <a:pt x="265389" y="-22361"/>
-                  <a:pt x="344845" y="-65"/>
-                  <a:pt x="585917" y="0"/>
-                </a:cubicBezTo>
-                <a:cubicBezTo>
-                  <a:pt x="858472" y="13102"/>
-                  <a:pt x="949265" y="-8078"/>
-                  <a:pt x="1196247" y="0"/>
-                </a:cubicBezTo>
-                <a:cubicBezTo>
-                  <a:pt x="1379248" y="30707"/>
-                  <a:pt x="1585336" y="24963"/>
-                  <a:pt x="1806578" y="0"/>
-                </a:cubicBezTo>
-                <a:cubicBezTo>
-                  <a:pt x="1986731" y="-19207"/>
-                  <a:pt x="2264933" y="16601"/>
-                  <a:pt x="2441321" y="0"/>
-                </a:cubicBezTo>
-                <a:cubicBezTo>
-                  <a:pt x="2441661" y="4449"/>
-                  <a:pt x="2442057" y="7876"/>
-                  <a:pt x="2441321" y="13716"/>
-                </a:cubicBezTo>
-                <a:cubicBezTo>
-                  <a:pt x="2149099" y="22776"/>
-                  <a:pt x="2027305" y="51898"/>
-                  <a:pt x="1830991" y="13716"/>
-                </a:cubicBezTo>
-                <a:cubicBezTo>
-                  <a:pt x="1614571" y="-23336"/>
-                  <a:pt x="1500998" y="6155"/>
-                  <a:pt x="1269487" y="13716"/>
-                </a:cubicBezTo>
-                <a:cubicBezTo>
-                  <a:pt x="1042399" y="33262"/>
-                  <a:pt x="927922" y="41250"/>
-                  <a:pt x="707983" y="13716"/>
-                </a:cubicBezTo>
-                <a:cubicBezTo>
-                  <a:pt x="502575" y="-9952"/>
-                  <a:pt x="350393" y="29927"/>
-                  <a:pt x="0" y="13716"/>
-                </a:cubicBezTo>
-                <a:cubicBezTo>
-                  <a:pt x="-248" y="8631"/>
-                  <a:pt x="228" y="3134"/>
-                  <a:pt x="0" y="0"/>
-                </a:cubicBezTo>
-                <a:close/>
-              </a:path>
-            </a:pathLst>
-          </a:custGeom>
-          <a:solidFill>
-            <a:schemeClr val="accent2"/>
-          </a:solidFill>
-          <a:ln w="38100" cap="rnd">
-            <a:solidFill>
-              <a:schemeClr val="accent2"/>
-            </a:solidFill>
-            <a:round/>
-            <a:extLst>
-              <a:ext uri="{C807C97D-BFC1-408E-A445-0C87EB9F89A2}">
-                <ask:lineSketchStyleProps xmlns:ask="http://schemas.microsoft.com/office/drawing/2018/sketchyshapes" sd="1219033472">
-                  <a:custGeom>
-                    <a:avLst/>
-                    <a:gdLst>
-                      <a:gd name="connsiteX0" fmla="*/ 0 w 2441321"/>
-                      <a:gd name="connsiteY0" fmla="*/ 0 h 13716"/>
-                      <a:gd name="connsiteX1" fmla="*/ 585917 w 2441321"/>
-                      <a:gd name="connsiteY1" fmla="*/ 0 h 13716"/>
-                      <a:gd name="connsiteX2" fmla="*/ 1196247 w 2441321"/>
-                      <a:gd name="connsiteY2" fmla="*/ 0 h 13716"/>
-                      <a:gd name="connsiteX3" fmla="*/ 1806578 w 2441321"/>
-                      <a:gd name="connsiteY3" fmla="*/ 0 h 13716"/>
-                      <a:gd name="connsiteX4" fmla="*/ 2441321 w 2441321"/>
-                      <a:gd name="connsiteY4" fmla="*/ 0 h 13716"/>
-                      <a:gd name="connsiteX5" fmla="*/ 2441321 w 2441321"/>
-                      <a:gd name="connsiteY5" fmla="*/ 13716 h 13716"/>
-                      <a:gd name="connsiteX6" fmla="*/ 1830991 w 2441321"/>
-                      <a:gd name="connsiteY6" fmla="*/ 13716 h 13716"/>
-                      <a:gd name="connsiteX7" fmla="*/ 1269487 w 2441321"/>
-                      <a:gd name="connsiteY7" fmla="*/ 13716 h 13716"/>
-                      <a:gd name="connsiteX8" fmla="*/ 707983 w 2441321"/>
-                      <a:gd name="connsiteY8" fmla="*/ 13716 h 13716"/>
-                      <a:gd name="connsiteX9" fmla="*/ 0 w 2441321"/>
-                      <a:gd name="connsiteY9" fmla="*/ 13716 h 13716"/>
-                      <a:gd name="connsiteX10" fmla="*/ 0 w 2441321"/>
-                      <a:gd name="connsiteY10" fmla="*/ 0 h 13716"/>
-                    </a:gdLst>
-                    <a:ahLst/>
-                    <a:cxnLst>
-                      <a:cxn ang="0">
-                        <a:pos x="connsiteX0" y="connsiteY0"/>
-                      </a:cxn>
-                      <a:cxn ang="0">
-                        <a:pos x="connsiteX1" y="connsiteY1"/>
-                      </a:cxn>
-                      <a:cxn ang="0">
-                        <a:pos x="connsiteX2" y="connsiteY2"/>
-                      </a:cxn>
-                      <a:cxn ang="0">
-                        <a:pos x="connsiteX3" y="connsiteY3"/>
-                      </a:cxn>
-                      <a:cxn ang="0">
-                        <a:pos x="connsiteX4" y="connsiteY4"/>
-                      </a:cxn>
-                      <a:cxn ang="0">
-                        <a:pos x="connsiteX5" y="connsiteY5"/>
-                      </a:cxn>
-                      <a:cxn ang="0">
-                        <a:pos x="connsiteX6" y="connsiteY6"/>
-                      </a:cxn>
-                      <a:cxn ang="0">
-                        <a:pos x="connsiteX7" y="connsiteY7"/>
-                      </a:cxn>
-                      <a:cxn ang="0">
-                        <a:pos x="connsiteX8" y="connsiteY8"/>
-                      </a:cxn>
-                      <a:cxn ang="0">
-                        <a:pos x="connsiteX9" y="connsiteY9"/>
-                      </a:cxn>
-                      <a:cxn ang="0">
-                        <a:pos x="connsiteX10" y="connsiteY10"/>
-                      </a:cxn>
-                    </a:cxnLst>
-                    <a:rect l="l" t="t" r="r" b="b"/>
-                    <a:pathLst>
-                      <a:path w="2441321" h="13716" fill="none" extrusionOk="0">
-                        <a:moveTo>
-                          <a:pt x="0" y="0"/>
-                        </a:moveTo>
-                        <a:cubicBezTo>
-                          <a:pt x="273217" y="-17533"/>
-                          <a:pt x="355785" y="-4171"/>
-                          <a:pt x="585917" y="0"/>
-                        </a:cubicBezTo>
-                        <a:cubicBezTo>
-                          <a:pt x="816049" y="4171"/>
-                          <a:pt x="991446" y="-9419"/>
-                          <a:pt x="1196247" y="0"/>
-                        </a:cubicBezTo>
-                        <a:cubicBezTo>
-                          <a:pt x="1401048" y="9419"/>
-                          <a:pt x="1589984" y="-731"/>
-                          <a:pt x="1806578" y="0"/>
-                        </a:cubicBezTo>
-                        <a:cubicBezTo>
-                          <a:pt x="2023172" y="731"/>
-                          <a:pt x="2247754" y="8393"/>
-                          <a:pt x="2441321" y="0"/>
-                        </a:cubicBezTo>
-                        <a:cubicBezTo>
-                          <a:pt x="2440939" y="4363"/>
-                          <a:pt x="2441580" y="8857"/>
-                          <a:pt x="2441321" y="13716"/>
-                        </a:cubicBezTo>
-                        <a:cubicBezTo>
-                          <a:pt x="2169723" y="25934"/>
-                          <a:pt x="2045712" y="34568"/>
-                          <a:pt x="1830991" y="13716"/>
-                        </a:cubicBezTo>
-                        <a:cubicBezTo>
-                          <a:pt x="1616270" y="-7136"/>
-                          <a:pt x="1505876" y="-623"/>
-                          <a:pt x="1269487" y="13716"/>
-                        </a:cubicBezTo>
-                        <a:cubicBezTo>
-                          <a:pt x="1033098" y="28055"/>
-                          <a:pt x="908661" y="36619"/>
-                          <a:pt x="707983" y="13716"/>
-                        </a:cubicBezTo>
-                        <a:cubicBezTo>
-                          <a:pt x="507305" y="-9187"/>
-                          <a:pt x="333592" y="16187"/>
-                          <a:pt x="0" y="13716"/>
-                        </a:cubicBezTo>
-                        <a:cubicBezTo>
-                          <a:pt x="-459" y="8317"/>
-                          <a:pt x="190" y="2744"/>
-                          <a:pt x="0" y="0"/>
-                        </a:cubicBezTo>
-                        <a:close/>
-                      </a:path>
-                      <a:path w="2441321" h="13716" stroke="0" extrusionOk="0">
-                        <a:moveTo>
-                          <a:pt x="0" y="0"/>
-                        </a:moveTo>
-                        <a:cubicBezTo>
-                          <a:pt x="207071" y="-14617"/>
-                          <a:pt x="444194" y="-15606"/>
-                          <a:pt x="585917" y="0"/>
-                        </a:cubicBezTo>
-                        <a:cubicBezTo>
-                          <a:pt x="727640" y="15606"/>
-                          <a:pt x="904326" y="-79"/>
-                          <a:pt x="1123008" y="0"/>
-                        </a:cubicBezTo>
-                        <a:cubicBezTo>
-                          <a:pt x="1341690" y="79"/>
-                          <a:pt x="1600014" y="10401"/>
-                          <a:pt x="1782164" y="0"/>
-                        </a:cubicBezTo>
-                        <a:cubicBezTo>
-                          <a:pt x="1964314" y="-10401"/>
-                          <a:pt x="2143537" y="-21488"/>
-                          <a:pt x="2441321" y="0"/>
-                        </a:cubicBezTo>
-                        <a:cubicBezTo>
-                          <a:pt x="2441507" y="3335"/>
-                          <a:pt x="2441322" y="9457"/>
-                          <a:pt x="2441321" y="13716"/>
-                        </a:cubicBezTo>
-                        <a:cubicBezTo>
-                          <a:pt x="2166745" y="24201"/>
-                          <a:pt x="2078726" y="10904"/>
-                          <a:pt x="1879817" y="13716"/>
-                        </a:cubicBezTo>
-                        <a:cubicBezTo>
-                          <a:pt x="1680908" y="16528"/>
-                          <a:pt x="1548770" y="-8699"/>
-                          <a:pt x="1318313" y="13716"/>
-                        </a:cubicBezTo>
-                        <a:cubicBezTo>
-                          <a:pt x="1087856" y="36131"/>
-                          <a:pt x="894613" y="-645"/>
-                          <a:pt x="659157" y="13716"/>
-                        </a:cubicBezTo>
-                        <a:cubicBezTo>
-                          <a:pt x="423701" y="28077"/>
-                          <a:pt x="246611" y="29403"/>
-                          <a:pt x="0" y="13716"/>
-                        </a:cubicBezTo>
-                        <a:cubicBezTo>
-                          <a:pt x="-120" y="7867"/>
-                          <a:pt x="674" y="3919"/>
-                          <a:pt x="0" y="0"/>
-                        </a:cubicBezTo>
-                        <a:close/>
-                      </a:path>
-                    </a:pathLst>
-                  </a:custGeom>
-                  <ask:type>
-                    <ask:lineSketchFreehand/>
-                  </ask:type>
-                </ask:lineSketchStyleProps>
-              </a:ext>
-            </a:extLst>
-          </a:ln>
-        </p:spPr>
-        <p:style>
-          <a:lnRef idx="2">
-            <a:schemeClr val="accent1">
-              <a:shade val="50000"/>
-            </a:schemeClr>
-          </a:lnRef>
-          <a:fillRef idx="1">
-            <a:schemeClr val="accent1"/>
-          </a:fillRef>
-          <a:effectRef idx="0">
-            <a:schemeClr val="accent1"/>
-          </a:effectRef>
-          <a:fontRef idx="minor">
-            <a:schemeClr val="lt1"/>
-          </a:fontRef>
-        </p:style>
-        <p:txBody>
-          <a:bodyPr rtlCol="0" anchor="ctr"/>
-          <a:lstStyle/>
-          <a:p>
-            <a:pPr algn="ctr"/>
-            <a:endParaRPr lang="en-US"/>
-          </a:p>
-        </p:txBody>
-      </p:sp>
-      <p:sp>
-        <p:nvSpPr>
-          <p:cNvPr id="187" name="Google Shape;187;p33"/>
-          <p:cNvSpPr txBox="1">
-            <a:spLocks noGrp="1"/>
-          </p:cNvSpPr>
-          <p:nvPr>
-            <p:ph sz="half" idx="1"/>
-          </p:nvPr>
-        </p:nvSpPr>
-        <p:spPr>
-          <a:xfrm>
-            <a:off x="473202" y="1995678"/>
-            <a:ext cx="3614166" cy="2660904"/>
-          </a:xfrm>
-          <a:prstGeom prst="rect">
-            <a:avLst/>
-          </a:prstGeom>
-        </p:spPr>
-        <p:txBody>
-          <a:bodyPr spcFirstLastPara="1" vert="horz" lIns="91440" tIns="45720" rIns="91440" bIns="45720" rtlCol="0" anchor="t" anchorCtr="0">
-            <a:normAutofit/>
-          </a:bodyPr>
-          <a:lstStyle/>
-          <a:p>
-            <a:pPr marL="457200" lvl="0" indent="-228600" defTabSz="914400">
-              <a:spcBef>
-                <a:spcPts val="0"/>
-              </a:spcBef>
-              <a:spcAft>
-                <a:spcPts val="600"/>
-              </a:spcAft>
-              <a:buClr>
-                <a:schemeClr val="dk1"/>
-              </a:buClr>
-              <a:buSzPts val="1200"/>
-            </a:pPr>
-            <a:r>
-              <a:rPr lang="en-US" sz="1400" b="1" dirty="0">
-                <a:sym typeface="Arial"/>
-              </a:rPr>
-              <a:t>When you want to rotate key every 90 days, 180 days </a:t>
-            </a:r>
-          </a:p>
-          <a:p>
-            <a:pPr marL="457200" lvl="0" indent="-228600" defTabSz="914400">
-              <a:spcBef>
-                <a:spcPts val="0"/>
-              </a:spcBef>
-              <a:spcAft>
-                <a:spcPts val="600"/>
-              </a:spcAft>
-              <a:buClr>
-                <a:schemeClr val="dk1"/>
-              </a:buClr>
-              <a:buSzPts val="1200"/>
-            </a:pPr>
-            <a:r>
-              <a:rPr lang="en-US" sz="1400" dirty="0">
-                <a:sym typeface="Arial"/>
-              </a:rPr>
-              <a:t>New Key has a different KMS Key ID</a:t>
-            </a:r>
-          </a:p>
-          <a:p>
-            <a:pPr marL="457200" lvl="0" indent="-228600" defTabSz="914400">
-              <a:spcBef>
-                <a:spcPts val="0"/>
-              </a:spcBef>
-              <a:spcAft>
-                <a:spcPts val="600"/>
-              </a:spcAft>
-              <a:buClr>
-                <a:schemeClr val="dk1"/>
-              </a:buClr>
-              <a:buSzPts val="1200"/>
-            </a:pPr>
-            <a:r>
-              <a:rPr lang="en-US" sz="1400" dirty="0">
-                <a:sym typeface="Arial"/>
-              </a:rPr>
-              <a:t>Keep the previous key active so you can decrypt old data</a:t>
-            </a:r>
-          </a:p>
-          <a:p>
-            <a:pPr marL="457200" lvl="0" indent="-228600" defTabSz="914400">
-              <a:spcBef>
-                <a:spcPts val="0"/>
-              </a:spcBef>
-              <a:spcAft>
-                <a:spcPts val="600"/>
-              </a:spcAft>
-              <a:buClr>
-                <a:schemeClr val="dk1"/>
-              </a:buClr>
-              <a:buSzPts val="1200"/>
-            </a:pPr>
-            <a:r>
-              <a:rPr lang="en-US" sz="1400" dirty="0">
-                <a:sym typeface="Arial"/>
-              </a:rPr>
-              <a:t>Better to use aliases in this case (to hide the change of key for the application)</a:t>
-            </a:r>
-          </a:p>
-          <a:p>
-            <a:pPr marL="457200" lvl="0" indent="-228600" defTabSz="914400">
-              <a:spcBef>
-                <a:spcPts val="0"/>
-              </a:spcBef>
-              <a:spcAft>
-                <a:spcPts val="600"/>
-              </a:spcAft>
-              <a:buClr>
-                <a:schemeClr val="dk1"/>
-              </a:buClr>
-              <a:buSzPts val="1200"/>
-            </a:pPr>
-            <a:r>
-              <a:rPr lang="en-US" sz="1400" dirty="0">
-                <a:sym typeface="Arial"/>
-              </a:rPr>
-              <a:t>Good solution to rotate KMS Key that are not eligible for automatic rotation (like asymmetric CMK)</a:t>
-            </a:r>
-          </a:p>
-        </p:txBody>
-      </p:sp>
-      <p:pic>
-        <p:nvPicPr>
-          <p:cNvPr id="188" name="Google Shape;188;p33" descr="A key with a computer and a computer&#10;&#10;Description automatically generated with medium confidence"/>
-          <p:cNvPicPr preferRelativeResize="0"/>
-          <p:nvPr/>
-        </p:nvPicPr>
-        <p:blipFill>
-          <a:blip r:embed="rId3"/>
-          <a:stretch>
-            <a:fillRect/>
-          </a:stretch>
-        </p:blipFill>
-        <p:spPr>
-          <a:xfrm>
-            <a:off x="4574286" y="2111150"/>
-            <a:ext cx="4094226" cy="921200"/>
-          </a:xfrm>
-          <a:prstGeom prst="rect">
-            <a:avLst/>
-          </a:prstGeom>
-          <a:noFill/>
-        </p:spPr>
-      </p:pic>
-    </p:spTree>
-  </p:cSld>
-  <p:clrMapOvr>
-    <a:masterClrMapping/>
-  </p:clrMapOvr>
-</p:sld>
-</file>
-
-<file path=ppt/slides/slide19.xml><?xml version="1.0" encoding="utf-8"?>
-<p:sld xmlns:a="http://schemas.openxmlformats.org/drawingml/2006/main" xmlns:r="http://schemas.openxmlformats.org/officeDocument/2006/relationships" xmlns:p="http://schemas.openxmlformats.org/presentationml/2006/main">
-  <p:cSld>
-    <p:bg>
-      <p:bgPr>
-        <a:solidFill>
-          <a:schemeClr val="bg1"/>
-        </a:solidFill>
-        <a:effectLst/>
-      </p:bgPr>
-    </p:bg>
-    <p:spTree>
-      <p:nvGrpSpPr>
-        <p:cNvPr id="1" name="Shape 192"/>
-        <p:cNvGrpSpPr/>
-        <p:nvPr/>
-      </p:nvGrpSpPr>
-      <p:grpSpPr>
-        <a:xfrm>
-          <a:off x="0" y="0"/>
-          <a:ext cx="0" cy="0"/>
-          <a:chOff x="0" y="0"/>
-          <a:chExt cx="0" cy="0"/>
-        </a:xfrm>
-      </p:grpSpPr>
-      <p:sp useBgFill="1">
-        <p:nvSpPr>
-          <p:cNvPr id="200" name="Rectangle 199">
-            <a:extLst>
-              <a:ext uri="{FF2B5EF4-FFF2-40B4-BE49-F238E27FC236}">
-                <a16:creationId xmlns:a16="http://schemas.microsoft.com/office/drawing/2014/main" id="{2B97F24A-32CE-4C1C-A50D-3016B394DCFB}"/>
-              </a:ext>
-              <a:ext uri="{C183D7F6-B498-43B3-948B-1728B52AA6E4}">
-                <adec:decorative xmlns:adec="http://schemas.microsoft.com/office/drawing/2017/decorative" val="1"/>
-              </a:ext>
-            </a:extLst>
-          </p:cNvPr>
-          <p:cNvSpPr>
-            <a:spLocks noGrp="1" noRot="1" noChangeAspect="1" noMove="1" noResize="1" noEditPoints="1" noAdjustHandles="1" noChangeArrowheads="1" noChangeShapeType="1" noTextEdit="1"/>
-          </p:cNvSpPr>
-          <p:nvPr>
-            <p:extLst>
-              <p:ext uri="{386F3935-93C4-4BCD-93E2-E3B085C9AB24}">
-                <p16:designElem xmlns:p16="http://schemas.microsoft.com/office/powerpoint/2015/main" val="1"/>
-              </p:ext>
-            </p:extLst>
-          </p:nvPr>
-        </p:nvSpPr>
-        <p:spPr>
-          <a:xfrm>
-            <a:off x="0" y="0"/>
-            <a:ext cx="9144000" cy="5143500"/>
-          </a:xfrm>
-          <a:prstGeom prst="rect">
-            <a:avLst/>
-          </a:prstGeom>
-          <a:ln>
-            <a:noFill/>
-          </a:ln>
-        </p:spPr>
-        <p:style>
-          <a:lnRef idx="2">
-            <a:schemeClr val="accent1">
-              <a:shade val="50000"/>
-            </a:schemeClr>
-          </a:lnRef>
-          <a:fillRef idx="1">
-            <a:schemeClr val="accent1"/>
-          </a:fillRef>
-          <a:effectRef idx="0">
-            <a:schemeClr val="accent1"/>
-          </a:effectRef>
-          <a:fontRef idx="minor">
-            <a:schemeClr val="lt1"/>
-          </a:fontRef>
-        </p:style>
-        <p:txBody>
-          <a:bodyPr rtlCol="0" anchor="ctr"/>
-          <a:lstStyle/>
-          <a:p>
-            <a:pPr algn="ctr"/>
-            <a:endParaRPr lang="en-US"/>
-          </a:p>
-        </p:txBody>
-      </p:sp>
-      <p:sp>
-        <p:nvSpPr>
-          <p:cNvPr id="193" name="Google Shape;193;p34"/>
-          <p:cNvSpPr txBox="1">
-            <a:spLocks noGrp="1"/>
-          </p:cNvSpPr>
-          <p:nvPr>
-            <p:ph type="title"/>
-          </p:nvPr>
-        </p:nvSpPr>
-        <p:spPr>
-          <a:xfrm>
-            <a:off x="473202" y="479640"/>
-            <a:ext cx="2571750" cy="1289304"/>
-          </a:xfrm>
-          <a:prstGeom prst="rect">
-            <a:avLst/>
-          </a:prstGeom>
-        </p:spPr>
-        <p:txBody>
-          <a:bodyPr spcFirstLastPara="1" vert="horz" lIns="91440" tIns="45720" rIns="91440" bIns="45720" rtlCol="0" anchor="b" anchorCtr="0">
-            <a:normAutofit/>
-          </a:bodyPr>
-          <a:lstStyle/>
-          <a:p>
-            <a:pPr marL="0" lvl="0" indent="0" defTabSz="914400">
-              <a:spcAft>
-                <a:spcPts val="0"/>
-              </a:spcAft>
-              <a:buClr>
-                <a:schemeClr val="dk1"/>
-              </a:buClr>
-              <a:buSzPts val="2400"/>
-            </a:pPr>
-            <a:r>
-              <a:rPr lang="en-US" sz="4100" kern="1200">
-                <a:solidFill>
-                  <a:schemeClr val="tx1"/>
-                </a:solidFill>
-                <a:latin typeface="+mj-lt"/>
-                <a:ea typeface="+mj-ea"/>
-                <a:cs typeface="+mj-cs"/>
-                <a:sym typeface="Economica"/>
-              </a:rPr>
-              <a:t>KMS Alias Updating</a:t>
-            </a:r>
-          </a:p>
-        </p:txBody>
-      </p:sp>
-      <p:sp>
-        <p:nvSpPr>
-          <p:cNvPr id="202" name="sketch line">
-            <a:extLst>
-              <a:ext uri="{FF2B5EF4-FFF2-40B4-BE49-F238E27FC236}">
-                <a16:creationId xmlns:a16="http://schemas.microsoft.com/office/drawing/2014/main" id="{CD8B4F24-440B-49E9-B85D-733523DC064B}"/>
-              </a:ext>
-              <a:ext uri="{C183D7F6-B498-43B3-948B-1728B52AA6E4}">
-                <adec:decorative xmlns:adec="http://schemas.microsoft.com/office/drawing/2017/decorative" val="1"/>
-              </a:ext>
-            </a:extLst>
-          </p:cNvPr>
-          <p:cNvSpPr>
-            <a:spLocks noGrp="1" noRot="1" noChangeAspect="1" noMove="1" noResize="1" noEditPoints="1" noAdjustHandles="1" noChangeArrowheads="1" noChangeShapeType="1" noTextEdit="1"/>
-          </p:cNvSpPr>
-          <p:nvPr>
-            <p:extLst>
-              <p:ext uri="{386F3935-93C4-4BCD-93E2-E3B085C9AB24}">
-                <p16:designElem xmlns:p16="http://schemas.microsoft.com/office/powerpoint/2015/main" val="1"/>
-              </p:ext>
-            </p:extLst>
-          </p:nvPr>
-        </p:nvSpPr>
-        <p:spPr>
-          <a:xfrm>
-            <a:off x="482458" y="1930317"/>
-            <a:ext cx="2441321" cy="13716"/>
-          </a:xfrm>
-          <a:custGeom>
-            <a:avLst/>
-            <a:gdLst>
-              <a:gd name="connsiteX0" fmla="*/ 0 w 2441321"/>
-              <a:gd name="connsiteY0" fmla="*/ 0 h 13716"/>
-              <a:gd name="connsiteX1" fmla="*/ 585917 w 2441321"/>
-              <a:gd name="connsiteY1" fmla="*/ 0 h 13716"/>
-              <a:gd name="connsiteX2" fmla="*/ 1196247 w 2441321"/>
-              <a:gd name="connsiteY2" fmla="*/ 0 h 13716"/>
-              <a:gd name="connsiteX3" fmla="*/ 1806578 w 2441321"/>
-              <a:gd name="connsiteY3" fmla="*/ 0 h 13716"/>
-              <a:gd name="connsiteX4" fmla="*/ 2441321 w 2441321"/>
-              <a:gd name="connsiteY4" fmla="*/ 0 h 13716"/>
-              <a:gd name="connsiteX5" fmla="*/ 2441321 w 2441321"/>
-              <a:gd name="connsiteY5" fmla="*/ 13716 h 13716"/>
-              <a:gd name="connsiteX6" fmla="*/ 1830991 w 2441321"/>
-              <a:gd name="connsiteY6" fmla="*/ 13716 h 13716"/>
-              <a:gd name="connsiteX7" fmla="*/ 1269487 w 2441321"/>
-              <a:gd name="connsiteY7" fmla="*/ 13716 h 13716"/>
-              <a:gd name="connsiteX8" fmla="*/ 707983 w 2441321"/>
-              <a:gd name="connsiteY8" fmla="*/ 13716 h 13716"/>
-              <a:gd name="connsiteX9" fmla="*/ 0 w 2441321"/>
-              <a:gd name="connsiteY9" fmla="*/ 13716 h 13716"/>
-              <a:gd name="connsiteX10" fmla="*/ 0 w 2441321"/>
-              <a:gd name="connsiteY10" fmla="*/ 0 h 13716"/>
-              <a:gd name="connsiteX0" fmla="*/ 0 w 2441321"/>
-              <a:gd name="connsiteY0" fmla="*/ 0 h 13716"/>
-              <a:gd name="connsiteX1" fmla="*/ 585917 w 2441321"/>
-              <a:gd name="connsiteY1" fmla="*/ 0 h 13716"/>
-              <a:gd name="connsiteX2" fmla="*/ 1123008 w 2441321"/>
-              <a:gd name="connsiteY2" fmla="*/ 0 h 13716"/>
-              <a:gd name="connsiteX3" fmla="*/ 1782164 w 2441321"/>
-              <a:gd name="connsiteY3" fmla="*/ 0 h 13716"/>
-              <a:gd name="connsiteX4" fmla="*/ 2441321 w 2441321"/>
-              <a:gd name="connsiteY4" fmla="*/ 0 h 13716"/>
-              <a:gd name="connsiteX5" fmla="*/ 2441321 w 2441321"/>
-              <a:gd name="connsiteY5" fmla="*/ 13716 h 13716"/>
-              <a:gd name="connsiteX6" fmla="*/ 1879817 w 2441321"/>
-              <a:gd name="connsiteY6" fmla="*/ 13716 h 13716"/>
-              <a:gd name="connsiteX7" fmla="*/ 1318313 w 2441321"/>
-              <a:gd name="connsiteY7" fmla="*/ 13716 h 13716"/>
-              <a:gd name="connsiteX8" fmla="*/ 659157 w 2441321"/>
-              <a:gd name="connsiteY8" fmla="*/ 13716 h 13716"/>
-              <a:gd name="connsiteX9" fmla="*/ 0 w 2441321"/>
-              <a:gd name="connsiteY9" fmla="*/ 13716 h 13716"/>
-              <a:gd name="connsiteX10" fmla="*/ 0 w 2441321"/>
-              <a:gd name="connsiteY10" fmla="*/ 0 h 13716"/>
-            </a:gdLst>
-            <a:ahLst/>
-            <a:cxnLst>
-              <a:cxn ang="0">
-                <a:pos x="connsiteX0" y="connsiteY0"/>
-              </a:cxn>
-              <a:cxn ang="0">
-                <a:pos x="connsiteX1" y="connsiteY1"/>
-              </a:cxn>
-              <a:cxn ang="0">
-                <a:pos x="connsiteX2" y="connsiteY2"/>
-              </a:cxn>
-              <a:cxn ang="0">
-                <a:pos x="connsiteX3" y="connsiteY3"/>
-              </a:cxn>
-              <a:cxn ang="0">
-                <a:pos x="connsiteX4" y="connsiteY4"/>
-              </a:cxn>
-              <a:cxn ang="0">
-                <a:pos x="connsiteX5" y="connsiteY5"/>
-              </a:cxn>
-              <a:cxn ang="0">
-                <a:pos x="connsiteX6" y="connsiteY6"/>
-              </a:cxn>
-              <a:cxn ang="0">
-                <a:pos x="connsiteX7" y="connsiteY7"/>
-              </a:cxn>
-              <a:cxn ang="0">
-                <a:pos x="connsiteX8" y="connsiteY8"/>
-              </a:cxn>
-              <a:cxn ang="0">
-                <a:pos x="connsiteX9" y="connsiteY9"/>
-              </a:cxn>
-              <a:cxn ang="0">
-                <a:pos x="connsiteX10" y="connsiteY10"/>
-              </a:cxn>
-            </a:cxnLst>
-            <a:rect l="l" t="t" r="r" b="b"/>
-            <a:pathLst>
-              <a:path w="2441321" h="13716" fill="none" extrusionOk="0">
-                <a:moveTo>
-                  <a:pt x="0" y="0"/>
-                </a:moveTo>
-                <a:cubicBezTo>
-                  <a:pt x="280302" y="-6619"/>
-                  <a:pt x="363201" y="4913"/>
-                  <a:pt x="585917" y="0"/>
-                </a:cubicBezTo>
-                <a:cubicBezTo>
-                  <a:pt x="832357" y="-10107"/>
-                  <a:pt x="996738" y="-34312"/>
-                  <a:pt x="1196247" y="0"/>
-                </a:cubicBezTo>
-                <a:cubicBezTo>
-                  <a:pt x="1357180" y="16623"/>
-                  <a:pt x="1575042" y="-11041"/>
-                  <a:pt x="1806578" y="0"/>
-                </a:cubicBezTo>
-                <a:cubicBezTo>
-                  <a:pt x="2016334" y="246"/>
-                  <a:pt x="2239353" y="-8732"/>
-                  <a:pt x="2441321" y="0"/>
-                </a:cubicBezTo>
-                <a:cubicBezTo>
-                  <a:pt x="2440988" y="3698"/>
-                  <a:pt x="2440649" y="9400"/>
-                  <a:pt x="2441321" y="13716"/>
-                </a:cubicBezTo>
-                <a:cubicBezTo>
-                  <a:pt x="2159375" y="44437"/>
-                  <a:pt x="2054495" y="41094"/>
-                  <a:pt x="1830991" y="13716"/>
-                </a:cubicBezTo>
-                <a:cubicBezTo>
-                  <a:pt x="1615846" y="2937"/>
-                  <a:pt x="1521674" y="-9994"/>
-                  <a:pt x="1269487" y="13716"/>
-                </a:cubicBezTo>
-                <a:cubicBezTo>
-                  <a:pt x="1019660" y="49388"/>
-                  <a:pt x="886911" y="37779"/>
-                  <a:pt x="707983" y="13716"/>
-                </a:cubicBezTo>
-                <a:cubicBezTo>
-                  <a:pt x="523434" y="22749"/>
-                  <a:pt x="307885" y="29744"/>
-                  <a:pt x="0" y="13716"/>
-                </a:cubicBezTo>
-                <a:cubicBezTo>
-                  <a:pt x="-361" y="7755"/>
-                  <a:pt x="-276" y="2718"/>
-                  <a:pt x="0" y="0"/>
-                </a:cubicBezTo>
-                <a:close/>
-              </a:path>
-              <a:path w="2441321" h="13716" stroke="0" extrusionOk="0">
-                <a:moveTo>
-                  <a:pt x="0" y="0"/>
-                </a:moveTo>
-                <a:cubicBezTo>
-                  <a:pt x="212126" y="-10265"/>
-                  <a:pt x="442910" y="-11728"/>
-                  <a:pt x="585917" y="0"/>
-                </a:cubicBezTo>
-                <a:cubicBezTo>
-                  <a:pt x="724579" y="21751"/>
-                  <a:pt x="879365" y="-33198"/>
-                  <a:pt x="1123008" y="0"/>
-                </a:cubicBezTo>
-                <a:cubicBezTo>
-                  <a:pt x="1377247" y="11220"/>
-                  <a:pt x="1597861" y="-34280"/>
-                  <a:pt x="1782164" y="0"/>
-                </a:cubicBezTo>
-                <a:cubicBezTo>
-                  <a:pt x="1975975" y="-3055"/>
-                  <a:pt x="2116392" y="-15531"/>
-                  <a:pt x="2441321" y="0"/>
-                </a:cubicBezTo>
-                <a:cubicBezTo>
-                  <a:pt x="2441197" y="4300"/>
-                  <a:pt x="2441101" y="8760"/>
-                  <a:pt x="2441321" y="13716"/>
-                </a:cubicBezTo>
-                <a:cubicBezTo>
-                  <a:pt x="2180658" y="13750"/>
-                  <a:pt x="2084222" y="1362"/>
-                  <a:pt x="1879817" y="13716"/>
-                </a:cubicBezTo>
-                <a:cubicBezTo>
-                  <a:pt x="1668182" y="11650"/>
-                  <a:pt x="1551159" y="-11049"/>
-                  <a:pt x="1318313" y="13716"/>
-                </a:cubicBezTo>
-                <a:cubicBezTo>
-                  <a:pt x="1059871" y="51823"/>
-                  <a:pt x="901959" y="19259"/>
-                  <a:pt x="659157" y="13716"/>
-                </a:cubicBezTo>
-                <a:cubicBezTo>
-                  <a:pt x="444692" y="23911"/>
-                  <a:pt x="245032" y="35310"/>
-                  <a:pt x="0" y="13716"/>
-                </a:cubicBezTo>
-                <a:cubicBezTo>
-                  <a:pt x="124" y="7937"/>
-                  <a:pt x="389" y="2990"/>
-                  <a:pt x="0" y="0"/>
-                </a:cubicBezTo>
-                <a:close/>
-              </a:path>
-              <a:path w="2441321" h="13716" fill="none" stroke="0" extrusionOk="0">
-                <a:moveTo>
-                  <a:pt x="0" y="0"/>
-                </a:moveTo>
-                <a:cubicBezTo>
-                  <a:pt x="265389" y="-22361"/>
-                  <a:pt x="344845" y="-65"/>
-                  <a:pt x="585917" y="0"/>
-                </a:cubicBezTo>
-                <a:cubicBezTo>
-                  <a:pt x="858472" y="13102"/>
-                  <a:pt x="949265" y="-8078"/>
-                  <a:pt x="1196247" y="0"/>
-                </a:cubicBezTo>
-                <a:cubicBezTo>
-                  <a:pt x="1379248" y="30707"/>
-                  <a:pt x="1585336" y="24963"/>
-                  <a:pt x="1806578" y="0"/>
-                </a:cubicBezTo>
-                <a:cubicBezTo>
-                  <a:pt x="1986731" y="-19207"/>
-                  <a:pt x="2264933" y="16601"/>
-                  <a:pt x="2441321" y="0"/>
-                </a:cubicBezTo>
-                <a:cubicBezTo>
-                  <a:pt x="2441661" y="4449"/>
-                  <a:pt x="2442057" y="7876"/>
-                  <a:pt x="2441321" y="13716"/>
-                </a:cubicBezTo>
-                <a:cubicBezTo>
-                  <a:pt x="2149099" y="22776"/>
-                  <a:pt x="2027305" y="51898"/>
-                  <a:pt x="1830991" y="13716"/>
-                </a:cubicBezTo>
-                <a:cubicBezTo>
-                  <a:pt x="1614571" y="-23336"/>
-                  <a:pt x="1500998" y="6155"/>
-                  <a:pt x="1269487" y="13716"/>
-                </a:cubicBezTo>
-                <a:cubicBezTo>
-                  <a:pt x="1042399" y="33262"/>
-                  <a:pt x="927922" y="41250"/>
-                  <a:pt x="707983" y="13716"/>
-                </a:cubicBezTo>
-                <a:cubicBezTo>
-                  <a:pt x="502575" y="-9952"/>
-                  <a:pt x="350393" y="29927"/>
-                  <a:pt x="0" y="13716"/>
-                </a:cubicBezTo>
-                <a:cubicBezTo>
-                  <a:pt x="-248" y="8631"/>
-                  <a:pt x="228" y="3134"/>
-                  <a:pt x="0" y="0"/>
-                </a:cubicBezTo>
-                <a:close/>
-              </a:path>
-            </a:pathLst>
-          </a:custGeom>
-          <a:solidFill>
-            <a:schemeClr val="accent2"/>
-          </a:solidFill>
-          <a:ln w="38100" cap="rnd">
-            <a:solidFill>
-              <a:schemeClr val="accent2"/>
-            </a:solidFill>
-            <a:round/>
-            <a:extLst>
-              <a:ext uri="{C807C97D-BFC1-408E-A445-0C87EB9F89A2}">
-                <ask:lineSketchStyleProps xmlns:ask="http://schemas.microsoft.com/office/drawing/2018/sketchyshapes" sd="1219033472">
-                  <a:custGeom>
-                    <a:avLst/>
-                    <a:gdLst>
-                      <a:gd name="connsiteX0" fmla="*/ 0 w 2441321"/>
-                      <a:gd name="connsiteY0" fmla="*/ 0 h 13716"/>
-                      <a:gd name="connsiteX1" fmla="*/ 585917 w 2441321"/>
-                      <a:gd name="connsiteY1" fmla="*/ 0 h 13716"/>
-                      <a:gd name="connsiteX2" fmla="*/ 1196247 w 2441321"/>
-                      <a:gd name="connsiteY2" fmla="*/ 0 h 13716"/>
-                      <a:gd name="connsiteX3" fmla="*/ 1806578 w 2441321"/>
-                      <a:gd name="connsiteY3" fmla="*/ 0 h 13716"/>
-                      <a:gd name="connsiteX4" fmla="*/ 2441321 w 2441321"/>
-                      <a:gd name="connsiteY4" fmla="*/ 0 h 13716"/>
-                      <a:gd name="connsiteX5" fmla="*/ 2441321 w 2441321"/>
-                      <a:gd name="connsiteY5" fmla="*/ 13716 h 13716"/>
-                      <a:gd name="connsiteX6" fmla="*/ 1830991 w 2441321"/>
-                      <a:gd name="connsiteY6" fmla="*/ 13716 h 13716"/>
-                      <a:gd name="connsiteX7" fmla="*/ 1269487 w 2441321"/>
-                      <a:gd name="connsiteY7" fmla="*/ 13716 h 13716"/>
-                      <a:gd name="connsiteX8" fmla="*/ 707983 w 2441321"/>
-                      <a:gd name="connsiteY8" fmla="*/ 13716 h 13716"/>
-                      <a:gd name="connsiteX9" fmla="*/ 0 w 2441321"/>
-                      <a:gd name="connsiteY9" fmla="*/ 13716 h 13716"/>
-                      <a:gd name="connsiteX10" fmla="*/ 0 w 2441321"/>
-                      <a:gd name="connsiteY10" fmla="*/ 0 h 13716"/>
-                    </a:gdLst>
-                    <a:ahLst/>
-                    <a:cxnLst>
-                      <a:cxn ang="0">
-                        <a:pos x="connsiteX0" y="connsiteY0"/>
-                      </a:cxn>
-                      <a:cxn ang="0">
-                        <a:pos x="connsiteX1" y="connsiteY1"/>
-                      </a:cxn>
-                      <a:cxn ang="0">
-                        <a:pos x="connsiteX2" y="connsiteY2"/>
-                      </a:cxn>
-                      <a:cxn ang="0">
-                        <a:pos x="connsiteX3" y="connsiteY3"/>
-                      </a:cxn>
-                      <a:cxn ang="0">
-                        <a:pos x="connsiteX4" y="connsiteY4"/>
-                      </a:cxn>
-                      <a:cxn ang="0">
-                        <a:pos x="connsiteX5" y="connsiteY5"/>
-                      </a:cxn>
-                      <a:cxn ang="0">
-                        <a:pos x="connsiteX6" y="connsiteY6"/>
-                      </a:cxn>
-                      <a:cxn ang="0">
-                        <a:pos x="connsiteX7" y="connsiteY7"/>
-                      </a:cxn>
-                      <a:cxn ang="0">
-                        <a:pos x="connsiteX8" y="connsiteY8"/>
-                      </a:cxn>
-                      <a:cxn ang="0">
-                        <a:pos x="connsiteX9" y="connsiteY9"/>
-                      </a:cxn>
-                      <a:cxn ang="0">
-                        <a:pos x="connsiteX10" y="connsiteY10"/>
-                      </a:cxn>
-                    </a:cxnLst>
-                    <a:rect l="l" t="t" r="r" b="b"/>
-                    <a:pathLst>
-                      <a:path w="2441321" h="13716" fill="none" extrusionOk="0">
-                        <a:moveTo>
-                          <a:pt x="0" y="0"/>
-                        </a:moveTo>
-                        <a:cubicBezTo>
-                          <a:pt x="273217" y="-17533"/>
-                          <a:pt x="355785" y="-4171"/>
-                          <a:pt x="585917" y="0"/>
-                        </a:cubicBezTo>
-                        <a:cubicBezTo>
-                          <a:pt x="816049" y="4171"/>
-                          <a:pt x="991446" y="-9419"/>
-                          <a:pt x="1196247" y="0"/>
-                        </a:cubicBezTo>
-                        <a:cubicBezTo>
-                          <a:pt x="1401048" y="9419"/>
-                          <a:pt x="1589984" y="-731"/>
-                          <a:pt x="1806578" y="0"/>
-                        </a:cubicBezTo>
-                        <a:cubicBezTo>
-                          <a:pt x="2023172" y="731"/>
-                          <a:pt x="2247754" y="8393"/>
-                          <a:pt x="2441321" y="0"/>
-                        </a:cubicBezTo>
-                        <a:cubicBezTo>
-                          <a:pt x="2440939" y="4363"/>
-                          <a:pt x="2441580" y="8857"/>
-                          <a:pt x="2441321" y="13716"/>
-                        </a:cubicBezTo>
-                        <a:cubicBezTo>
-                          <a:pt x="2169723" y="25934"/>
-                          <a:pt x="2045712" y="34568"/>
-                          <a:pt x="1830991" y="13716"/>
-                        </a:cubicBezTo>
-                        <a:cubicBezTo>
-                          <a:pt x="1616270" y="-7136"/>
-                          <a:pt x="1505876" y="-623"/>
-                          <a:pt x="1269487" y="13716"/>
-                        </a:cubicBezTo>
-                        <a:cubicBezTo>
-                          <a:pt x="1033098" y="28055"/>
-                          <a:pt x="908661" y="36619"/>
-                          <a:pt x="707983" y="13716"/>
-                        </a:cubicBezTo>
-                        <a:cubicBezTo>
-                          <a:pt x="507305" y="-9187"/>
-                          <a:pt x="333592" y="16187"/>
-                          <a:pt x="0" y="13716"/>
-                        </a:cubicBezTo>
-                        <a:cubicBezTo>
-                          <a:pt x="-459" y="8317"/>
-                          <a:pt x="190" y="2744"/>
-                          <a:pt x="0" y="0"/>
-                        </a:cubicBezTo>
-                        <a:close/>
-                      </a:path>
-                      <a:path w="2441321" h="13716" stroke="0" extrusionOk="0">
-                        <a:moveTo>
-                          <a:pt x="0" y="0"/>
-                        </a:moveTo>
-                        <a:cubicBezTo>
-                          <a:pt x="207071" y="-14617"/>
-                          <a:pt x="444194" y="-15606"/>
-                          <a:pt x="585917" y="0"/>
-                        </a:cubicBezTo>
-                        <a:cubicBezTo>
-                          <a:pt x="727640" y="15606"/>
-                          <a:pt x="904326" y="-79"/>
-                          <a:pt x="1123008" y="0"/>
-                        </a:cubicBezTo>
-                        <a:cubicBezTo>
-                          <a:pt x="1341690" y="79"/>
-                          <a:pt x="1600014" y="10401"/>
-                          <a:pt x="1782164" y="0"/>
-                        </a:cubicBezTo>
-                        <a:cubicBezTo>
-                          <a:pt x="1964314" y="-10401"/>
-                          <a:pt x="2143537" y="-21488"/>
-                          <a:pt x="2441321" y="0"/>
-                        </a:cubicBezTo>
-                        <a:cubicBezTo>
-                          <a:pt x="2441507" y="3335"/>
-                          <a:pt x="2441322" y="9457"/>
-                          <a:pt x="2441321" y="13716"/>
-                        </a:cubicBezTo>
-                        <a:cubicBezTo>
-                          <a:pt x="2166745" y="24201"/>
-                          <a:pt x="2078726" y="10904"/>
-                          <a:pt x="1879817" y="13716"/>
-                        </a:cubicBezTo>
-                        <a:cubicBezTo>
-                          <a:pt x="1680908" y="16528"/>
-                          <a:pt x="1548770" y="-8699"/>
-                          <a:pt x="1318313" y="13716"/>
-                        </a:cubicBezTo>
-                        <a:cubicBezTo>
-                          <a:pt x="1087856" y="36131"/>
-                          <a:pt x="894613" y="-645"/>
-                          <a:pt x="659157" y="13716"/>
-                        </a:cubicBezTo>
-                        <a:cubicBezTo>
-                          <a:pt x="423701" y="28077"/>
-                          <a:pt x="246611" y="29403"/>
-                          <a:pt x="0" y="13716"/>
-                        </a:cubicBezTo>
-                        <a:cubicBezTo>
-                          <a:pt x="-120" y="7867"/>
-                          <a:pt x="674" y="3919"/>
-                          <a:pt x="0" y="0"/>
-                        </a:cubicBezTo>
-                        <a:close/>
-                      </a:path>
-                    </a:pathLst>
-                  </a:custGeom>
-                  <ask:type>
-                    <ask:lineSketchFreehand/>
-                  </ask:type>
-                </ask:lineSketchStyleProps>
-              </a:ext>
-            </a:extLst>
-          </a:ln>
-        </p:spPr>
-        <p:style>
-          <a:lnRef idx="2">
-            <a:schemeClr val="accent1">
-              <a:shade val="50000"/>
-            </a:schemeClr>
-          </a:lnRef>
-          <a:fillRef idx="1">
-            <a:schemeClr val="accent1"/>
-          </a:fillRef>
-          <a:effectRef idx="0">
-            <a:schemeClr val="accent1"/>
-          </a:effectRef>
-          <a:fontRef idx="minor">
-            <a:schemeClr val="lt1"/>
-          </a:fontRef>
-        </p:style>
-        <p:txBody>
-          <a:bodyPr rtlCol="0" anchor="ctr"/>
-          <a:lstStyle/>
-          <a:p>
-            <a:pPr algn="ctr"/>
-            <a:endParaRPr lang="en-US"/>
-          </a:p>
-        </p:txBody>
-      </p:sp>
-      <p:sp>
-        <p:nvSpPr>
-          <p:cNvPr id="194" name="Google Shape;194;p34"/>
-          <p:cNvSpPr txBox="1">
-            <a:spLocks noGrp="1"/>
-          </p:cNvSpPr>
-          <p:nvPr>
-            <p:ph sz="half" idx="1"/>
-          </p:nvPr>
-        </p:nvSpPr>
-        <p:spPr>
-          <a:xfrm>
-            <a:off x="293572" y="2105406"/>
-            <a:ext cx="2751380" cy="1046868"/>
-          </a:xfrm>
-          <a:prstGeom prst="rect">
-            <a:avLst/>
-          </a:prstGeom>
-        </p:spPr>
-        <p:txBody>
-          <a:bodyPr spcFirstLastPara="1" vert="horz" lIns="91440" tIns="45720" rIns="91440" bIns="45720" rtlCol="0" anchor="t" anchorCtr="0">
-            <a:normAutofit fontScale="92500" lnSpcReduction="10000"/>
-          </a:bodyPr>
-          <a:lstStyle/>
-          <a:p>
-            <a:pPr marL="0" lvl="0" indent="0" defTabSz="914400">
-              <a:spcBef>
-                <a:spcPts val="0"/>
-              </a:spcBef>
-              <a:spcAft>
-                <a:spcPts val="600"/>
-              </a:spcAft>
-              <a:buNone/>
-            </a:pPr>
-            <a:r>
-              <a:rPr lang="en-US" sz="1700" dirty="0">
-                <a:sym typeface="Arial"/>
-              </a:rPr>
-              <a:t>Better to use aliases in this case </a:t>
-            </a:r>
-          </a:p>
-          <a:p>
-            <a:pPr marL="0" lvl="0" indent="0" defTabSz="914400">
-              <a:spcBef>
-                <a:spcPts val="0"/>
-              </a:spcBef>
-              <a:spcAft>
-                <a:spcPts val="600"/>
-              </a:spcAft>
-              <a:buNone/>
-            </a:pPr>
-            <a:r>
-              <a:rPr lang="en-US" sz="1700" dirty="0">
-                <a:sym typeface="Arial"/>
-              </a:rPr>
-              <a:t>(</a:t>
-            </a:r>
-            <a:r>
-              <a:rPr lang="en-US" sz="1700" b="1" dirty="0">
-                <a:sym typeface="Arial"/>
-              </a:rPr>
-              <a:t>to hide the change of key for the application</a:t>
-            </a:r>
-            <a:r>
-              <a:rPr lang="en-US" sz="1700" dirty="0">
-                <a:sym typeface="Arial"/>
-              </a:rPr>
-              <a:t>)</a:t>
-            </a:r>
-          </a:p>
-          <a:p>
-            <a:pPr marL="0" lvl="0" indent="-228600" defTabSz="914400">
-              <a:spcBef>
-                <a:spcPts val="0"/>
-              </a:spcBef>
-              <a:spcAft>
-                <a:spcPts val="600"/>
-              </a:spcAft>
-            </a:pPr>
-            <a:endParaRPr lang="en-US" sz="1700" dirty="0">
-              <a:sym typeface="Arial"/>
-            </a:endParaRPr>
-          </a:p>
-        </p:txBody>
-      </p:sp>
-      <p:pic>
-        <p:nvPicPr>
-          <p:cNvPr id="195" name="Google Shape;195;p34"/>
-          <p:cNvPicPr preferRelativeResize="0"/>
-          <p:nvPr/>
-        </p:nvPicPr>
-        <p:blipFill>
-          <a:blip r:embed="rId3"/>
-          <a:stretch>
-            <a:fillRect/>
-          </a:stretch>
-        </p:blipFill>
-        <p:spPr>
-          <a:xfrm>
-            <a:off x="3490722" y="1406747"/>
-            <a:ext cx="5177790" cy="2330005"/>
           </a:xfrm>
           <a:prstGeom prst="rect">
             <a:avLst/>
@@ -17757,6 +18961,1559 @@
 </file>
 
 <file path=ppt/slides/slide20.xml><?xml version="1.0" encoding="utf-8"?>
+<p:sld xmlns:a="http://schemas.openxmlformats.org/drawingml/2006/main" xmlns:r="http://schemas.openxmlformats.org/officeDocument/2006/relationships" xmlns:p="http://schemas.openxmlformats.org/presentationml/2006/main">
+  <p:cSld>
+    <p:bg>
+      <p:bgPr>
+        <a:solidFill>
+          <a:schemeClr val="bg1"/>
+        </a:solidFill>
+        <a:effectLst/>
+      </p:bgPr>
+    </p:bg>
+    <p:spTree>
+      <p:nvGrpSpPr>
+        <p:cNvPr id="1" name="Shape 185"/>
+        <p:cNvGrpSpPr/>
+        <p:nvPr/>
+      </p:nvGrpSpPr>
+      <p:grpSpPr>
+        <a:xfrm>
+          <a:off x="0" y="0"/>
+          <a:ext cx="0" cy="0"/>
+          <a:chOff x="0" y="0"/>
+          <a:chExt cx="0" cy="0"/>
+        </a:xfrm>
+      </p:grpSpPr>
+      <p:sp useBgFill="1">
+        <p:nvSpPr>
+          <p:cNvPr id="193" name="Rectangle 192">
+            <a:extLst>
+              <a:ext uri="{FF2B5EF4-FFF2-40B4-BE49-F238E27FC236}">
+                <a16:creationId xmlns:a16="http://schemas.microsoft.com/office/drawing/2014/main" id="{743AA782-23D1-4521-8CAD-47662984AA08}"/>
+              </a:ext>
+              <a:ext uri="{C183D7F6-B498-43B3-948B-1728B52AA6E4}">
+                <adec:decorative xmlns:adec="http://schemas.microsoft.com/office/drawing/2017/decorative" val="1"/>
+              </a:ext>
+            </a:extLst>
+          </p:cNvPr>
+          <p:cNvSpPr>
+            <a:spLocks noGrp="1" noRot="1" noChangeAspect="1" noMove="1" noResize="1" noEditPoints="1" noAdjustHandles="1" noChangeArrowheads="1" noChangeShapeType="1" noTextEdit="1"/>
+          </p:cNvSpPr>
+          <p:nvPr>
+            <p:extLst>
+              <p:ext uri="{386F3935-93C4-4BCD-93E2-E3B085C9AB24}">
+                <p16:designElem xmlns:p16="http://schemas.microsoft.com/office/powerpoint/2015/main" val="1"/>
+              </p:ext>
+            </p:extLst>
+          </p:nvPr>
+        </p:nvSpPr>
+        <p:spPr>
+          <a:xfrm>
+            <a:off x="0" y="0"/>
+            <a:ext cx="9144000" cy="5143500"/>
+          </a:xfrm>
+          <a:prstGeom prst="rect">
+            <a:avLst/>
+          </a:prstGeom>
+          <a:ln>
+            <a:noFill/>
+          </a:ln>
+        </p:spPr>
+        <p:style>
+          <a:lnRef idx="2">
+            <a:schemeClr val="accent1">
+              <a:shade val="50000"/>
+            </a:schemeClr>
+          </a:lnRef>
+          <a:fillRef idx="1">
+            <a:schemeClr val="accent1"/>
+          </a:fillRef>
+          <a:effectRef idx="0">
+            <a:schemeClr val="accent1"/>
+          </a:effectRef>
+          <a:fontRef idx="minor">
+            <a:schemeClr val="lt1"/>
+          </a:fontRef>
+        </p:style>
+        <p:txBody>
+          <a:bodyPr rtlCol="0" anchor="ctr"/>
+          <a:lstStyle/>
+          <a:p>
+            <a:pPr algn="ctr"/>
+            <a:endParaRPr lang="en-US"/>
+          </a:p>
+        </p:txBody>
+      </p:sp>
+      <p:sp>
+        <p:nvSpPr>
+          <p:cNvPr id="186" name="Google Shape;186;p33"/>
+          <p:cNvSpPr txBox="1">
+            <a:spLocks noGrp="1"/>
+          </p:cNvSpPr>
+          <p:nvPr>
+            <p:ph type="title"/>
+          </p:nvPr>
+        </p:nvSpPr>
+        <p:spPr>
+          <a:xfrm>
+            <a:off x="473202" y="480060"/>
+            <a:ext cx="3614166" cy="1110996"/>
+          </a:xfrm>
+          <a:prstGeom prst="rect">
+            <a:avLst/>
+          </a:prstGeom>
+        </p:spPr>
+        <p:txBody>
+          <a:bodyPr spcFirstLastPara="1" vert="horz" lIns="91440" tIns="45720" rIns="91440" bIns="45720" rtlCol="0" anchor="b" anchorCtr="0">
+            <a:normAutofit/>
+          </a:bodyPr>
+          <a:lstStyle/>
+          <a:p>
+            <a:pPr marL="0" lvl="0" indent="0" defTabSz="914400">
+              <a:spcAft>
+                <a:spcPts val="0"/>
+              </a:spcAft>
+              <a:buClr>
+                <a:schemeClr val="dk1"/>
+              </a:buClr>
+              <a:buSzPts val="2400"/>
+            </a:pPr>
+            <a:r>
+              <a:rPr lang="en-US" sz="2300" kern="1200">
+                <a:solidFill>
+                  <a:schemeClr val="tx1"/>
+                </a:solidFill>
+                <a:latin typeface="+mj-lt"/>
+                <a:ea typeface="+mj-ea"/>
+                <a:cs typeface="+mj-cs"/>
+                <a:sym typeface="Economica"/>
+              </a:rPr>
+              <a:t>KMS Manual Key Rotation (for Customer-Managed KMS Key and Imports)</a:t>
+            </a:r>
+          </a:p>
+        </p:txBody>
+      </p:sp>
+      <p:sp>
+        <p:nvSpPr>
+          <p:cNvPr id="195" name="sketch line">
+            <a:extLst>
+              <a:ext uri="{FF2B5EF4-FFF2-40B4-BE49-F238E27FC236}">
+                <a16:creationId xmlns:a16="http://schemas.microsoft.com/office/drawing/2014/main" id="{71877DBC-BB60-40F0-AC93-2ACDBAAE60CE}"/>
+              </a:ext>
+              <a:ext uri="{C183D7F6-B498-43B3-948B-1728B52AA6E4}">
+                <adec:decorative xmlns:adec="http://schemas.microsoft.com/office/drawing/2017/decorative" val="1"/>
+              </a:ext>
+            </a:extLst>
+          </p:cNvPr>
+          <p:cNvSpPr>
+            <a:spLocks noGrp="1" noRot="1" noChangeAspect="1" noMove="1" noResize="1" noEditPoints="1" noAdjustHandles="1" noChangeArrowheads="1" noChangeShapeType="1" noTextEdit="1"/>
+          </p:cNvSpPr>
+          <p:nvPr>
+            <p:extLst>
+              <p:ext uri="{386F3935-93C4-4BCD-93E2-E3B085C9AB24}">
+                <p16:designElem xmlns:p16="http://schemas.microsoft.com/office/powerpoint/2015/main" val="1"/>
+              </p:ext>
+            </p:extLst>
+          </p:nvPr>
+        </p:nvSpPr>
+        <p:spPr>
+          <a:xfrm>
+            <a:off x="482458" y="1779651"/>
+            <a:ext cx="2441321" cy="13716"/>
+          </a:xfrm>
+          <a:custGeom>
+            <a:avLst/>
+            <a:gdLst>
+              <a:gd name="connsiteX0" fmla="*/ 0 w 2441321"/>
+              <a:gd name="connsiteY0" fmla="*/ 0 h 13716"/>
+              <a:gd name="connsiteX1" fmla="*/ 585917 w 2441321"/>
+              <a:gd name="connsiteY1" fmla="*/ 0 h 13716"/>
+              <a:gd name="connsiteX2" fmla="*/ 1196247 w 2441321"/>
+              <a:gd name="connsiteY2" fmla="*/ 0 h 13716"/>
+              <a:gd name="connsiteX3" fmla="*/ 1806578 w 2441321"/>
+              <a:gd name="connsiteY3" fmla="*/ 0 h 13716"/>
+              <a:gd name="connsiteX4" fmla="*/ 2441321 w 2441321"/>
+              <a:gd name="connsiteY4" fmla="*/ 0 h 13716"/>
+              <a:gd name="connsiteX5" fmla="*/ 2441321 w 2441321"/>
+              <a:gd name="connsiteY5" fmla="*/ 13716 h 13716"/>
+              <a:gd name="connsiteX6" fmla="*/ 1830991 w 2441321"/>
+              <a:gd name="connsiteY6" fmla="*/ 13716 h 13716"/>
+              <a:gd name="connsiteX7" fmla="*/ 1269487 w 2441321"/>
+              <a:gd name="connsiteY7" fmla="*/ 13716 h 13716"/>
+              <a:gd name="connsiteX8" fmla="*/ 707983 w 2441321"/>
+              <a:gd name="connsiteY8" fmla="*/ 13716 h 13716"/>
+              <a:gd name="connsiteX9" fmla="*/ 0 w 2441321"/>
+              <a:gd name="connsiteY9" fmla="*/ 13716 h 13716"/>
+              <a:gd name="connsiteX10" fmla="*/ 0 w 2441321"/>
+              <a:gd name="connsiteY10" fmla="*/ 0 h 13716"/>
+              <a:gd name="connsiteX0" fmla="*/ 0 w 2441321"/>
+              <a:gd name="connsiteY0" fmla="*/ 0 h 13716"/>
+              <a:gd name="connsiteX1" fmla="*/ 585917 w 2441321"/>
+              <a:gd name="connsiteY1" fmla="*/ 0 h 13716"/>
+              <a:gd name="connsiteX2" fmla="*/ 1123008 w 2441321"/>
+              <a:gd name="connsiteY2" fmla="*/ 0 h 13716"/>
+              <a:gd name="connsiteX3" fmla="*/ 1782164 w 2441321"/>
+              <a:gd name="connsiteY3" fmla="*/ 0 h 13716"/>
+              <a:gd name="connsiteX4" fmla="*/ 2441321 w 2441321"/>
+              <a:gd name="connsiteY4" fmla="*/ 0 h 13716"/>
+              <a:gd name="connsiteX5" fmla="*/ 2441321 w 2441321"/>
+              <a:gd name="connsiteY5" fmla="*/ 13716 h 13716"/>
+              <a:gd name="connsiteX6" fmla="*/ 1879817 w 2441321"/>
+              <a:gd name="connsiteY6" fmla="*/ 13716 h 13716"/>
+              <a:gd name="connsiteX7" fmla="*/ 1318313 w 2441321"/>
+              <a:gd name="connsiteY7" fmla="*/ 13716 h 13716"/>
+              <a:gd name="connsiteX8" fmla="*/ 659157 w 2441321"/>
+              <a:gd name="connsiteY8" fmla="*/ 13716 h 13716"/>
+              <a:gd name="connsiteX9" fmla="*/ 0 w 2441321"/>
+              <a:gd name="connsiteY9" fmla="*/ 13716 h 13716"/>
+              <a:gd name="connsiteX10" fmla="*/ 0 w 2441321"/>
+              <a:gd name="connsiteY10" fmla="*/ 0 h 13716"/>
+            </a:gdLst>
+            <a:ahLst/>
+            <a:cxnLst>
+              <a:cxn ang="0">
+                <a:pos x="connsiteX0" y="connsiteY0"/>
+              </a:cxn>
+              <a:cxn ang="0">
+                <a:pos x="connsiteX1" y="connsiteY1"/>
+              </a:cxn>
+              <a:cxn ang="0">
+                <a:pos x="connsiteX2" y="connsiteY2"/>
+              </a:cxn>
+              <a:cxn ang="0">
+                <a:pos x="connsiteX3" y="connsiteY3"/>
+              </a:cxn>
+              <a:cxn ang="0">
+                <a:pos x="connsiteX4" y="connsiteY4"/>
+              </a:cxn>
+              <a:cxn ang="0">
+                <a:pos x="connsiteX5" y="connsiteY5"/>
+              </a:cxn>
+              <a:cxn ang="0">
+                <a:pos x="connsiteX6" y="connsiteY6"/>
+              </a:cxn>
+              <a:cxn ang="0">
+                <a:pos x="connsiteX7" y="connsiteY7"/>
+              </a:cxn>
+              <a:cxn ang="0">
+                <a:pos x="connsiteX8" y="connsiteY8"/>
+              </a:cxn>
+              <a:cxn ang="0">
+                <a:pos x="connsiteX9" y="connsiteY9"/>
+              </a:cxn>
+              <a:cxn ang="0">
+                <a:pos x="connsiteX10" y="connsiteY10"/>
+              </a:cxn>
+            </a:cxnLst>
+            <a:rect l="l" t="t" r="r" b="b"/>
+            <a:pathLst>
+              <a:path w="2441321" h="13716" fill="none" extrusionOk="0">
+                <a:moveTo>
+                  <a:pt x="0" y="0"/>
+                </a:moveTo>
+                <a:cubicBezTo>
+                  <a:pt x="280302" y="-6619"/>
+                  <a:pt x="363201" y="4913"/>
+                  <a:pt x="585917" y="0"/>
+                </a:cubicBezTo>
+                <a:cubicBezTo>
+                  <a:pt x="832357" y="-10107"/>
+                  <a:pt x="996738" y="-34312"/>
+                  <a:pt x="1196247" y="0"/>
+                </a:cubicBezTo>
+                <a:cubicBezTo>
+                  <a:pt x="1357180" y="16623"/>
+                  <a:pt x="1575042" y="-11041"/>
+                  <a:pt x="1806578" y="0"/>
+                </a:cubicBezTo>
+                <a:cubicBezTo>
+                  <a:pt x="2016334" y="246"/>
+                  <a:pt x="2239353" y="-8732"/>
+                  <a:pt x="2441321" y="0"/>
+                </a:cubicBezTo>
+                <a:cubicBezTo>
+                  <a:pt x="2440988" y="3698"/>
+                  <a:pt x="2440649" y="9400"/>
+                  <a:pt x="2441321" y="13716"/>
+                </a:cubicBezTo>
+                <a:cubicBezTo>
+                  <a:pt x="2159375" y="44437"/>
+                  <a:pt x="2054495" y="41094"/>
+                  <a:pt x="1830991" y="13716"/>
+                </a:cubicBezTo>
+                <a:cubicBezTo>
+                  <a:pt x="1615846" y="2937"/>
+                  <a:pt x="1521674" y="-9994"/>
+                  <a:pt x="1269487" y="13716"/>
+                </a:cubicBezTo>
+                <a:cubicBezTo>
+                  <a:pt x="1019660" y="49388"/>
+                  <a:pt x="886911" y="37779"/>
+                  <a:pt x="707983" y="13716"/>
+                </a:cubicBezTo>
+                <a:cubicBezTo>
+                  <a:pt x="523434" y="22749"/>
+                  <a:pt x="307885" y="29744"/>
+                  <a:pt x="0" y="13716"/>
+                </a:cubicBezTo>
+                <a:cubicBezTo>
+                  <a:pt x="-361" y="7755"/>
+                  <a:pt x="-276" y="2718"/>
+                  <a:pt x="0" y="0"/>
+                </a:cubicBezTo>
+                <a:close/>
+              </a:path>
+              <a:path w="2441321" h="13716" stroke="0" extrusionOk="0">
+                <a:moveTo>
+                  <a:pt x="0" y="0"/>
+                </a:moveTo>
+                <a:cubicBezTo>
+                  <a:pt x="212126" y="-10265"/>
+                  <a:pt x="442910" y="-11728"/>
+                  <a:pt x="585917" y="0"/>
+                </a:cubicBezTo>
+                <a:cubicBezTo>
+                  <a:pt x="724579" y="21751"/>
+                  <a:pt x="879365" y="-33198"/>
+                  <a:pt x="1123008" y="0"/>
+                </a:cubicBezTo>
+                <a:cubicBezTo>
+                  <a:pt x="1377247" y="11220"/>
+                  <a:pt x="1597861" y="-34280"/>
+                  <a:pt x="1782164" y="0"/>
+                </a:cubicBezTo>
+                <a:cubicBezTo>
+                  <a:pt x="1975975" y="-3055"/>
+                  <a:pt x="2116392" y="-15531"/>
+                  <a:pt x="2441321" y="0"/>
+                </a:cubicBezTo>
+                <a:cubicBezTo>
+                  <a:pt x="2441197" y="4300"/>
+                  <a:pt x="2441101" y="8760"/>
+                  <a:pt x="2441321" y="13716"/>
+                </a:cubicBezTo>
+                <a:cubicBezTo>
+                  <a:pt x="2180658" y="13750"/>
+                  <a:pt x="2084222" y="1362"/>
+                  <a:pt x="1879817" y="13716"/>
+                </a:cubicBezTo>
+                <a:cubicBezTo>
+                  <a:pt x="1668182" y="11650"/>
+                  <a:pt x="1551159" y="-11049"/>
+                  <a:pt x="1318313" y="13716"/>
+                </a:cubicBezTo>
+                <a:cubicBezTo>
+                  <a:pt x="1059871" y="51823"/>
+                  <a:pt x="901959" y="19259"/>
+                  <a:pt x="659157" y="13716"/>
+                </a:cubicBezTo>
+                <a:cubicBezTo>
+                  <a:pt x="444692" y="23911"/>
+                  <a:pt x="245032" y="35310"/>
+                  <a:pt x="0" y="13716"/>
+                </a:cubicBezTo>
+                <a:cubicBezTo>
+                  <a:pt x="124" y="7937"/>
+                  <a:pt x="389" y="2990"/>
+                  <a:pt x="0" y="0"/>
+                </a:cubicBezTo>
+                <a:close/>
+              </a:path>
+              <a:path w="2441321" h="13716" fill="none" stroke="0" extrusionOk="0">
+                <a:moveTo>
+                  <a:pt x="0" y="0"/>
+                </a:moveTo>
+                <a:cubicBezTo>
+                  <a:pt x="265389" y="-22361"/>
+                  <a:pt x="344845" y="-65"/>
+                  <a:pt x="585917" y="0"/>
+                </a:cubicBezTo>
+                <a:cubicBezTo>
+                  <a:pt x="858472" y="13102"/>
+                  <a:pt x="949265" y="-8078"/>
+                  <a:pt x="1196247" y="0"/>
+                </a:cubicBezTo>
+                <a:cubicBezTo>
+                  <a:pt x="1379248" y="30707"/>
+                  <a:pt x="1585336" y="24963"/>
+                  <a:pt x="1806578" y="0"/>
+                </a:cubicBezTo>
+                <a:cubicBezTo>
+                  <a:pt x="1986731" y="-19207"/>
+                  <a:pt x="2264933" y="16601"/>
+                  <a:pt x="2441321" y="0"/>
+                </a:cubicBezTo>
+                <a:cubicBezTo>
+                  <a:pt x="2441661" y="4449"/>
+                  <a:pt x="2442057" y="7876"/>
+                  <a:pt x="2441321" y="13716"/>
+                </a:cubicBezTo>
+                <a:cubicBezTo>
+                  <a:pt x="2149099" y="22776"/>
+                  <a:pt x="2027305" y="51898"/>
+                  <a:pt x="1830991" y="13716"/>
+                </a:cubicBezTo>
+                <a:cubicBezTo>
+                  <a:pt x="1614571" y="-23336"/>
+                  <a:pt x="1500998" y="6155"/>
+                  <a:pt x="1269487" y="13716"/>
+                </a:cubicBezTo>
+                <a:cubicBezTo>
+                  <a:pt x="1042399" y="33262"/>
+                  <a:pt x="927922" y="41250"/>
+                  <a:pt x="707983" y="13716"/>
+                </a:cubicBezTo>
+                <a:cubicBezTo>
+                  <a:pt x="502575" y="-9952"/>
+                  <a:pt x="350393" y="29927"/>
+                  <a:pt x="0" y="13716"/>
+                </a:cubicBezTo>
+                <a:cubicBezTo>
+                  <a:pt x="-248" y="8631"/>
+                  <a:pt x="228" y="3134"/>
+                  <a:pt x="0" y="0"/>
+                </a:cubicBezTo>
+                <a:close/>
+              </a:path>
+            </a:pathLst>
+          </a:custGeom>
+          <a:solidFill>
+            <a:schemeClr val="accent2"/>
+          </a:solidFill>
+          <a:ln w="38100" cap="rnd">
+            <a:solidFill>
+              <a:schemeClr val="accent2"/>
+            </a:solidFill>
+            <a:round/>
+            <a:extLst>
+              <a:ext uri="{C807C97D-BFC1-408E-A445-0C87EB9F89A2}">
+                <ask:lineSketchStyleProps xmlns:ask="http://schemas.microsoft.com/office/drawing/2018/sketchyshapes" sd="1219033472">
+                  <a:custGeom>
+                    <a:avLst/>
+                    <a:gdLst>
+                      <a:gd name="connsiteX0" fmla="*/ 0 w 2441321"/>
+                      <a:gd name="connsiteY0" fmla="*/ 0 h 13716"/>
+                      <a:gd name="connsiteX1" fmla="*/ 585917 w 2441321"/>
+                      <a:gd name="connsiteY1" fmla="*/ 0 h 13716"/>
+                      <a:gd name="connsiteX2" fmla="*/ 1196247 w 2441321"/>
+                      <a:gd name="connsiteY2" fmla="*/ 0 h 13716"/>
+                      <a:gd name="connsiteX3" fmla="*/ 1806578 w 2441321"/>
+                      <a:gd name="connsiteY3" fmla="*/ 0 h 13716"/>
+                      <a:gd name="connsiteX4" fmla="*/ 2441321 w 2441321"/>
+                      <a:gd name="connsiteY4" fmla="*/ 0 h 13716"/>
+                      <a:gd name="connsiteX5" fmla="*/ 2441321 w 2441321"/>
+                      <a:gd name="connsiteY5" fmla="*/ 13716 h 13716"/>
+                      <a:gd name="connsiteX6" fmla="*/ 1830991 w 2441321"/>
+                      <a:gd name="connsiteY6" fmla="*/ 13716 h 13716"/>
+                      <a:gd name="connsiteX7" fmla="*/ 1269487 w 2441321"/>
+                      <a:gd name="connsiteY7" fmla="*/ 13716 h 13716"/>
+                      <a:gd name="connsiteX8" fmla="*/ 707983 w 2441321"/>
+                      <a:gd name="connsiteY8" fmla="*/ 13716 h 13716"/>
+                      <a:gd name="connsiteX9" fmla="*/ 0 w 2441321"/>
+                      <a:gd name="connsiteY9" fmla="*/ 13716 h 13716"/>
+                      <a:gd name="connsiteX10" fmla="*/ 0 w 2441321"/>
+                      <a:gd name="connsiteY10" fmla="*/ 0 h 13716"/>
+                    </a:gdLst>
+                    <a:ahLst/>
+                    <a:cxnLst>
+                      <a:cxn ang="0">
+                        <a:pos x="connsiteX0" y="connsiteY0"/>
+                      </a:cxn>
+                      <a:cxn ang="0">
+                        <a:pos x="connsiteX1" y="connsiteY1"/>
+                      </a:cxn>
+                      <a:cxn ang="0">
+                        <a:pos x="connsiteX2" y="connsiteY2"/>
+                      </a:cxn>
+                      <a:cxn ang="0">
+                        <a:pos x="connsiteX3" y="connsiteY3"/>
+                      </a:cxn>
+                      <a:cxn ang="0">
+                        <a:pos x="connsiteX4" y="connsiteY4"/>
+                      </a:cxn>
+                      <a:cxn ang="0">
+                        <a:pos x="connsiteX5" y="connsiteY5"/>
+                      </a:cxn>
+                      <a:cxn ang="0">
+                        <a:pos x="connsiteX6" y="connsiteY6"/>
+                      </a:cxn>
+                      <a:cxn ang="0">
+                        <a:pos x="connsiteX7" y="connsiteY7"/>
+                      </a:cxn>
+                      <a:cxn ang="0">
+                        <a:pos x="connsiteX8" y="connsiteY8"/>
+                      </a:cxn>
+                      <a:cxn ang="0">
+                        <a:pos x="connsiteX9" y="connsiteY9"/>
+                      </a:cxn>
+                      <a:cxn ang="0">
+                        <a:pos x="connsiteX10" y="connsiteY10"/>
+                      </a:cxn>
+                    </a:cxnLst>
+                    <a:rect l="l" t="t" r="r" b="b"/>
+                    <a:pathLst>
+                      <a:path w="2441321" h="13716" fill="none" extrusionOk="0">
+                        <a:moveTo>
+                          <a:pt x="0" y="0"/>
+                        </a:moveTo>
+                        <a:cubicBezTo>
+                          <a:pt x="273217" y="-17533"/>
+                          <a:pt x="355785" y="-4171"/>
+                          <a:pt x="585917" y="0"/>
+                        </a:cubicBezTo>
+                        <a:cubicBezTo>
+                          <a:pt x="816049" y="4171"/>
+                          <a:pt x="991446" y="-9419"/>
+                          <a:pt x="1196247" y="0"/>
+                        </a:cubicBezTo>
+                        <a:cubicBezTo>
+                          <a:pt x="1401048" y="9419"/>
+                          <a:pt x="1589984" y="-731"/>
+                          <a:pt x="1806578" y="0"/>
+                        </a:cubicBezTo>
+                        <a:cubicBezTo>
+                          <a:pt x="2023172" y="731"/>
+                          <a:pt x="2247754" y="8393"/>
+                          <a:pt x="2441321" y="0"/>
+                        </a:cubicBezTo>
+                        <a:cubicBezTo>
+                          <a:pt x="2440939" y="4363"/>
+                          <a:pt x="2441580" y="8857"/>
+                          <a:pt x="2441321" y="13716"/>
+                        </a:cubicBezTo>
+                        <a:cubicBezTo>
+                          <a:pt x="2169723" y="25934"/>
+                          <a:pt x="2045712" y="34568"/>
+                          <a:pt x="1830991" y="13716"/>
+                        </a:cubicBezTo>
+                        <a:cubicBezTo>
+                          <a:pt x="1616270" y="-7136"/>
+                          <a:pt x="1505876" y="-623"/>
+                          <a:pt x="1269487" y="13716"/>
+                        </a:cubicBezTo>
+                        <a:cubicBezTo>
+                          <a:pt x="1033098" y="28055"/>
+                          <a:pt x="908661" y="36619"/>
+                          <a:pt x="707983" y="13716"/>
+                        </a:cubicBezTo>
+                        <a:cubicBezTo>
+                          <a:pt x="507305" y="-9187"/>
+                          <a:pt x="333592" y="16187"/>
+                          <a:pt x="0" y="13716"/>
+                        </a:cubicBezTo>
+                        <a:cubicBezTo>
+                          <a:pt x="-459" y="8317"/>
+                          <a:pt x="190" y="2744"/>
+                          <a:pt x="0" y="0"/>
+                        </a:cubicBezTo>
+                        <a:close/>
+                      </a:path>
+                      <a:path w="2441321" h="13716" stroke="0" extrusionOk="0">
+                        <a:moveTo>
+                          <a:pt x="0" y="0"/>
+                        </a:moveTo>
+                        <a:cubicBezTo>
+                          <a:pt x="207071" y="-14617"/>
+                          <a:pt x="444194" y="-15606"/>
+                          <a:pt x="585917" y="0"/>
+                        </a:cubicBezTo>
+                        <a:cubicBezTo>
+                          <a:pt x="727640" y="15606"/>
+                          <a:pt x="904326" y="-79"/>
+                          <a:pt x="1123008" y="0"/>
+                        </a:cubicBezTo>
+                        <a:cubicBezTo>
+                          <a:pt x="1341690" y="79"/>
+                          <a:pt x="1600014" y="10401"/>
+                          <a:pt x="1782164" y="0"/>
+                        </a:cubicBezTo>
+                        <a:cubicBezTo>
+                          <a:pt x="1964314" y="-10401"/>
+                          <a:pt x="2143537" y="-21488"/>
+                          <a:pt x="2441321" y="0"/>
+                        </a:cubicBezTo>
+                        <a:cubicBezTo>
+                          <a:pt x="2441507" y="3335"/>
+                          <a:pt x="2441322" y="9457"/>
+                          <a:pt x="2441321" y="13716"/>
+                        </a:cubicBezTo>
+                        <a:cubicBezTo>
+                          <a:pt x="2166745" y="24201"/>
+                          <a:pt x="2078726" y="10904"/>
+                          <a:pt x="1879817" y="13716"/>
+                        </a:cubicBezTo>
+                        <a:cubicBezTo>
+                          <a:pt x="1680908" y="16528"/>
+                          <a:pt x="1548770" y="-8699"/>
+                          <a:pt x="1318313" y="13716"/>
+                        </a:cubicBezTo>
+                        <a:cubicBezTo>
+                          <a:pt x="1087856" y="36131"/>
+                          <a:pt x="894613" y="-645"/>
+                          <a:pt x="659157" y="13716"/>
+                        </a:cubicBezTo>
+                        <a:cubicBezTo>
+                          <a:pt x="423701" y="28077"/>
+                          <a:pt x="246611" y="29403"/>
+                          <a:pt x="0" y="13716"/>
+                        </a:cubicBezTo>
+                        <a:cubicBezTo>
+                          <a:pt x="-120" y="7867"/>
+                          <a:pt x="674" y="3919"/>
+                          <a:pt x="0" y="0"/>
+                        </a:cubicBezTo>
+                        <a:close/>
+                      </a:path>
+                    </a:pathLst>
+                  </a:custGeom>
+                  <ask:type>
+                    <ask:lineSketchFreehand/>
+                  </ask:type>
+                </ask:lineSketchStyleProps>
+              </a:ext>
+            </a:extLst>
+          </a:ln>
+        </p:spPr>
+        <p:style>
+          <a:lnRef idx="2">
+            <a:schemeClr val="accent1">
+              <a:shade val="50000"/>
+            </a:schemeClr>
+          </a:lnRef>
+          <a:fillRef idx="1">
+            <a:schemeClr val="accent1"/>
+          </a:fillRef>
+          <a:effectRef idx="0">
+            <a:schemeClr val="accent1"/>
+          </a:effectRef>
+          <a:fontRef idx="minor">
+            <a:schemeClr val="lt1"/>
+          </a:fontRef>
+        </p:style>
+        <p:txBody>
+          <a:bodyPr rtlCol="0" anchor="ctr"/>
+          <a:lstStyle/>
+          <a:p>
+            <a:pPr algn="ctr"/>
+            <a:endParaRPr lang="en-US"/>
+          </a:p>
+        </p:txBody>
+      </p:sp>
+      <p:sp>
+        <p:nvSpPr>
+          <p:cNvPr id="187" name="Google Shape;187;p33"/>
+          <p:cNvSpPr txBox="1">
+            <a:spLocks noGrp="1"/>
+          </p:cNvSpPr>
+          <p:nvPr>
+            <p:ph sz="half" idx="1"/>
+          </p:nvPr>
+        </p:nvSpPr>
+        <p:spPr>
+          <a:xfrm>
+            <a:off x="473202" y="1995678"/>
+            <a:ext cx="3614166" cy="2660904"/>
+          </a:xfrm>
+          <a:prstGeom prst="rect">
+            <a:avLst/>
+          </a:prstGeom>
+        </p:spPr>
+        <p:txBody>
+          <a:bodyPr spcFirstLastPara="1" vert="horz" lIns="91440" tIns="45720" rIns="91440" bIns="45720" rtlCol="0" anchor="t" anchorCtr="0">
+            <a:normAutofit/>
+          </a:bodyPr>
+          <a:lstStyle/>
+          <a:p>
+            <a:pPr marL="457200" lvl="0" indent="-228600" defTabSz="914400">
+              <a:spcBef>
+                <a:spcPts val="0"/>
+              </a:spcBef>
+              <a:spcAft>
+                <a:spcPts val="600"/>
+              </a:spcAft>
+              <a:buClr>
+                <a:schemeClr val="dk1"/>
+              </a:buClr>
+              <a:buSzPts val="1200"/>
+            </a:pPr>
+            <a:r>
+              <a:rPr lang="en-US" sz="1400" b="1" dirty="0">
+                <a:sym typeface="Arial"/>
+              </a:rPr>
+              <a:t>When you want to rotate key every 90 days, 180 days </a:t>
+            </a:r>
+          </a:p>
+          <a:p>
+            <a:pPr marL="457200" lvl="0" indent="-228600" defTabSz="914400">
+              <a:spcBef>
+                <a:spcPts val="0"/>
+              </a:spcBef>
+              <a:spcAft>
+                <a:spcPts val="600"/>
+              </a:spcAft>
+              <a:buClr>
+                <a:schemeClr val="dk1"/>
+              </a:buClr>
+              <a:buSzPts val="1200"/>
+            </a:pPr>
+            <a:r>
+              <a:rPr lang="en-US" sz="1400" dirty="0">
+                <a:sym typeface="Arial"/>
+              </a:rPr>
+              <a:t>New Key has a different KMS Key ID</a:t>
+            </a:r>
+          </a:p>
+          <a:p>
+            <a:pPr marL="457200" lvl="0" indent="-228600" defTabSz="914400">
+              <a:spcBef>
+                <a:spcPts val="0"/>
+              </a:spcBef>
+              <a:spcAft>
+                <a:spcPts val="600"/>
+              </a:spcAft>
+              <a:buClr>
+                <a:schemeClr val="dk1"/>
+              </a:buClr>
+              <a:buSzPts val="1200"/>
+            </a:pPr>
+            <a:r>
+              <a:rPr lang="en-US" sz="1400" dirty="0">
+                <a:sym typeface="Arial"/>
+              </a:rPr>
+              <a:t>Keep the previous key active so you can decrypt old data</a:t>
+            </a:r>
+          </a:p>
+          <a:p>
+            <a:pPr marL="457200" lvl="0" indent="-228600" defTabSz="914400">
+              <a:spcBef>
+                <a:spcPts val="0"/>
+              </a:spcBef>
+              <a:spcAft>
+                <a:spcPts val="600"/>
+              </a:spcAft>
+              <a:buClr>
+                <a:schemeClr val="dk1"/>
+              </a:buClr>
+              <a:buSzPts val="1200"/>
+            </a:pPr>
+            <a:r>
+              <a:rPr lang="en-US" sz="1400" dirty="0">
+                <a:sym typeface="Arial"/>
+              </a:rPr>
+              <a:t>Better to use aliases in this case (to hide the change of key for the application)</a:t>
+            </a:r>
+          </a:p>
+          <a:p>
+            <a:pPr marL="457200" lvl="0" indent="-228600" defTabSz="914400">
+              <a:spcBef>
+                <a:spcPts val="0"/>
+              </a:spcBef>
+              <a:spcAft>
+                <a:spcPts val="600"/>
+              </a:spcAft>
+              <a:buClr>
+                <a:schemeClr val="dk1"/>
+              </a:buClr>
+              <a:buSzPts val="1200"/>
+            </a:pPr>
+            <a:r>
+              <a:rPr lang="en-US" sz="1400" dirty="0">
+                <a:sym typeface="Arial"/>
+              </a:rPr>
+              <a:t>Good solution to rotate KMS Key that are not eligible for automatic rotation (like asymmetric CMK)</a:t>
+            </a:r>
+          </a:p>
+        </p:txBody>
+      </p:sp>
+      <p:pic>
+        <p:nvPicPr>
+          <p:cNvPr id="188" name="Google Shape;188;p33" descr="A key with a computer and a computer&#10;&#10;Description automatically generated with medium confidence"/>
+          <p:cNvPicPr preferRelativeResize="0"/>
+          <p:nvPr/>
+        </p:nvPicPr>
+        <p:blipFill>
+          <a:blip r:embed="rId3"/>
+          <a:stretch>
+            <a:fillRect/>
+          </a:stretch>
+        </p:blipFill>
+        <p:spPr>
+          <a:xfrm>
+            <a:off x="4574286" y="2111150"/>
+            <a:ext cx="4094226" cy="921200"/>
+          </a:xfrm>
+          <a:prstGeom prst="rect">
+            <a:avLst/>
+          </a:prstGeom>
+          <a:noFill/>
+        </p:spPr>
+      </p:pic>
+    </p:spTree>
+  </p:cSld>
+  <p:clrMapOvr>
+    <a:masterClrMapping/>
+  </p:clrMapOvr>
+</p:sld>
+</file>
+
+<file path=ppt/slides/slide21.xml><?xml version="1.0" encoding="utf-8"?>
+<p:sld xmlns:a="http://schemas.openxmlformats.org/drawingml/2006/main" xmlns:r="http://schemas.openxmlformats.org/officeDocument/2006/relationships" xmlns:p="http://schemas.openxmlformats.org/presentationml/2006/main">
+  <p:cSld>
+    <p:bg>
+      <p:bgPr>
+        <a:solidFill>
+          <a:schemeClr val="bg1"/>
+        </a:solidFill>
+        <a:effectLst/>
+      </p:bgPr>
+    </p:bg>
+    <p:spTree>
+      <p:nvGrpSpPr>
+        <p:cNvPr id="1" name="Shape 192"/>
+        <p:cNvGrpSpPr/>
+        <p:nvPr/>
+      </p:nvGrpSpPr>
+      <p:grpSpPr>
+        <a:xfrm>
+          <a:off x="0" y="0"/>
+          <a:ext cx="0" cy="0"/>
+          <a:chOff x="0" y="0"/>
+          <a:chExt cx="0" cy="0"/>
+        </a:xfrm>
+      </p:grpSpPr>
+      <p:sp useBgFill="1">
+        <p:nvSpPr>
+          <p:cNvPr id="200" name="Rectangle 199">
+            <a:extLst>
+              <a:ext uri="{FF2B5EF4-FFF2-40B4-BE49-F238E27FC236}">
+                <a16:creationId xmlns:a16="http://schemas.microsoft.com/office/drawing/2014/main" id="{2B97F24A-32CE-4C1C-A50D-3016B394DCFB}"/>
+              </a:ext>
+              <a:ext uri="{C183D7F6-B498-43B3-948B-1728B52AA6E4}">
+                <adec:decorative xmlns:adec="http://schemas.microsoft.com/office/drawing/2017/decorative" val="1"/>
+              </a:ext>
+            </a:extLst>
+          </p:cNvPr>
+          <p:cNvSpPr>
+            <a:spLocks noGrp="1" noRot="1" noChangeAspect="1" noMove="1" noResize="1" noEditPoints="1" noAdjustHandles="1" noChangeArrowheads="1" noChangeShapeType="1" noTextEdit="1"/>
+          </p:cNvSpPr>
+          <p:nvPr>
+            <p:extLst>
+              <p:ext uri="{386F3935-93C4-4BCD-93E2-E3B085C9AB24}">
+                <p16:designElem xmlns:p16="http://schemas.microsoft.com/office/powerpoint/2015/main" val="1"/>
+              </p:ext>
+            </p:extLst>
+          </p:nvPr>
+        </p:nvSpPr>
+        <p:spPr>
+          <a:xfrm>
+            <a:off x="0" y="0"/>
+            <a:ext cx="9144000" cy="5143500"/>
+          </a:xfrm>
+          <a:prstGeom prst="rect">
+            <a:avLst/>
+          </a:prstGeom>
+          <a:ln>
+            <a:noFill/>
+          </a:ln>
+        </p:spPr>
+        <p:style>
+          <a:lnRef idx="2">
+            <a:schemeClr val="accent1">
+              <a:shade val="50000"/>
+            </a:schemeClr>
+          </a:lnRef>
+          <a:fillRef idx="1">
+            <a:schemeClr val="accent1"/>
+          </a:fillRef>
+          <a:effectRef idx="0">
+            <a:schemeClr val="accent1"/>
+          </a:effectRef>
+          <a:fontRef idx="minor">
+            <a:schemeClr val="lt1"/>
+          </a:fontRef>
+        </p:style>
+        <p:txBody>
+          <a:bodyPr rtlCol="0" anchor="ctr"/>
+          <a:lstStyle/>
+          <a:p>
+            <a:pPr algn="ctr"/>
+            <a:endParaRPr lang="en-US"/>
+          </a:p>
+        </p:txBody>
+      </p:sp>
+      <p:sp>
+        <p:nvSpPr>
+          <p:cNvPr id="193" name="Google Shape;193;p34"/>
+          <p:cNvSpPr txBox="1">
+            <a:spLocks noGrp="1"/>
+          </p:cNvSpPr>
+          <p:nvPr>
+            <p:ph type="title"/>
+          </p:nvPr>
+        </p:nvSpPr>
+        <p:spPr>
+          <a:xfrm>
+            <a:off x="473202" y="479640"/>
+            <a:ext cx="2571750" cy="1289304"/>
+          </a:xfrm>
+          <a:prstGeom prst="rect">
+            <a:avLst/>
+          </a:prstGeom>
+        </p:spPr>
+        <p:txBody>
+          <a:bodyPr spcFirstLastPara="1" vert="horz" lIns="91440" tIns="45720" rIns="91440" bIns="45720" rtlCol="0" anchor="b" anchorCtr="0">
+            <a:normAutofit/>
+          </a:bodyPr>
+          <a:lstStyle/>
+          <a:p>
+            <a:pPr marL="0" lvl="0" indent="0" defTabSz="914400">
+              <a:spcAft>
+                <a:spcPts val="0"/>
+              </a:spcAft>
+              <a:buClr>
+                <a:schemeClr val="dk1"/>
+              </a:buClr>
+              <a:buSzPts val="2400"/>
+            </a:pPr>
+            <a:r>
+              <a:rPr lang="en-US" sz="4100" kern="1200">
+                <a:solidFill>
+                  <a:schemeClr val="tx1"/>
+                </a:solidFill>
+                <a:latin typeface="+mj-lt"/>
+                <a:ea typeface="+mj-ea"/>
+                <a:cs typeface="+mj-cs"/>
+                <a:sym typeface="Economica"/>
+              </a:rPr>
+              <a:t>KMS Alias Updating</a:t>
+            </a:r>
+          </a:p>
+        </p:txBody>
+      </p:sp>
+      <p:sp>
+        <p:nvSpPr>
+          <p:cNvPr id="202" name="sketch line">
+            <a:extLst>
+              <a:ext uri="{FF2B5EF4-FFF2-40B4-BE49-F238E27FC236}">
+                <a16:creationId xmlns:a16="http://schemas.microsoft.com/office/drawing/2014/main" id="{CD8B4F24-440B-49E9-B85D-733523DC064B}"/>
+              </a:ext>
+              <a:ext uri="{C183D7F6-B498-43B3-948B-1728B52AA6E4}">
+                <adec:decorative xmlns:adec="http://schemas.microsoft.com/office/drawing/2017/decorative" val="1"/>
+              </a:ext>
+            </a:extLst>
+          </p:cNvPr>
+          <p:cNvSpPr>
+            <a:spLocks noGrp="1" noRot="1" noChangeAspect="1" noMove="1" noResize="1" noEditPoints="1" noAdjustHandles="1" noChangeArrowheads="1" noChangeShapeType="1" noTextEdit="1"/>
+          </p:cNvSpPr>
+          <p:nvPr>
+            <p:extLst>
+              <p:ext uri="{386F3935-93C4-4BCD-93E2-E3B085C9AB24}">
+                <p16:designElem xmlns:p16="http://schemas.microsoft.com/office/powerpoint/2015/main" val="1"/>
+              </p:ext>
+            </p:extLst>
+          </p:nvPr>
+        </p:nvSpPr>
+        <p:spPr>
+          <a:xfrm>
+            <a:off x="482458" y="1930317"/>
+            <a:ext cx="2441321" cy="13716"/>
+          </a:xfrm>
+          <a:custGeom>
+            <a:avLst/>
+            <a:gdLst>
+              <a:gd name="connsiteX0" fmla="*/ 0 w 2441321"/>
+              <a:gd name="connsiteY0" fmla="*/ 0 h 13716"/>
+              <a:gd name="connsiteX1" fmla="*/ 585917 w 2441321"/>
+              <a:gd name="connsiteY1" fmla="*/ 0 h 13716"/>
+              <a:gd name="connsiteX2" fmla="*/ 1196247 w 2441321"/>
+              <a:gd name="connsiteY2" fmla="*/ 0 h 13716"/>
+              <a:gd name="connsiteX3" fmla="*/ 1806578 w 2441321"/>
+              <a:gd name="connsiteY3" fmla="*/ 0 h 13716"/>
+              <a:gd name="connsiteX4" fmla="*/ 2441321 w 2441321"/>
+              <a:gd name="connsiteY4" fmla="*/ 0 h 13716"/>
+              <a:gd name="connsiteX5" fmla="*/ 2441321 w 2441321"/>
+              <a:gd name="connsiteY5" fmla="*/ 13716 h 13716"/>
+              <a:gd name="connsiteX6" fmla="*/ 1830991 w 2441321"/>
+              <a:gd name="connsiteY6" fmla="*/ 13716 h 13716"/>
+              <a:gd name="connsiteX7" fmla="*/ 1269487 w 2441321"/>
+              <a:gd name="connsiteY7" fmla="*/ 13716 h 13716"/>
+              <a:gd name="connsiteX8" fmla="*/ 707983 w 2441321"/>
+              <a:gd name="connsiteY8" fmla="*/ 13716 h 13716"/>
+              <a:gd name="connsiteX9" fmla="*/ 0 w 2441321"/>
+              <a:gd name="connsiteY9" fmla="*/ 13716 h 13716"/>
+              <a:gd name="connsiteX10" fmla="*/ 0 w 2441321"/>
+              <a:gd name="connsiteY10" fmla="*/ 0 h 13716"/>
+              <a:gd name="connsiteX0" fmla="*/ 0 w 2441321"/>
+              <a:gd name="connsiteY0" fmla="*/ 0 h 13716"/>
+              <a:gd name="connsiteX1" fmla="*/ 585917 w 2441321"/>
+              <a:gd name="connsiteY1" fmla="*/ 0 h 13716"/>
+              <a:gd name="connsiteX2" fmla="*/ 1123008 w 2441321"/>
+              <a:gd name="connsiteY2" fmla="*/ 0 h 13716"/>
+              <a:gd name="connsiteX3" fmla="*/ 1782164 w 2441321"/>
+              <a:gd name="connsiteY3" fmla="*/ 0 h 13716"/>
+              <a:gd name="connsiteX4" fmla="*/ 2441321 w 2441321"/>
+              <a:gd name="connsiteY4" fmla="*/ 0 h 13716"/>
+              <a:gd name="connsiteX5" fmla="*/ 2441321 w 2441321"/>
+              <a:gd name="connsiteY5" fmla="*/ 13716 h 13716"/>
+              <a:gd name="connsiteX6" fmla="*/ 1879817 w 2441321"/>
+              <a:gd name="connsiteY6" fmla="*/ 13716 h 13716"/>
+              <a:gd name="connsiteX7" fmla="*/ 1318313 w 2441321"/>
+              <a:gd name="connsiteY7" fmla="*/ 13716 h 13716"/>
+              <a:gd name="connsiteX8" fmla="*/ 659157 w 2441321"/>
+              <a:gd name="connsiteY8" fmla="*/ 13716 h 13716"/>
+              <a:gd name="connsiteX9" fmla="*/ 0 w 2441321"/>
+              <a:gd name="connsiteY9" fmla="*/ 13716 h 13716"/>
+              <a:gd name="connsiteX10" fmla="*/ 0 w 2441321"/>
+              <a:gd name="connsiteY10" fmla="*/ 0 h 13716"/>
+            </a:gdLst>
+            <a:ahLst/>
+            <a:cxnLst>
+              <a:cxn ang="0">
+                <a:pos x="connsiteX0" y="connsiteY0"/>
+              </a:cxn>
+              <a:cxn ang="0">
+                <a:pos x="connsiteX1" y="connsiteY1"/>
+              </a:cxn>
+              <a:cxn ang="0">
+                <a:pos x="connsiteX2" y="connsiteY2"/>
+              </a:cxn>
+              <a:cxn ang="0">
+                <a:pos x="connsiteX3" y="connsiteY3"/>
+              </a:cxn>
+              <a:cxn ang="0">
+                <a:pos x="connsiteX4" y="connsiteY4"/>
+              </a:cxn>
+              <a:cxn ang="0">
+                <a:pos x="connsiteX5" y="connsiteY5"/>
+              </a:cxn>
+              <a:cxn ang="0">
+                <a:pos x="connsiteX6" y="connsiteY6"/>
+              </a:cxn>
+              <a:cxn ang="0">
+                <a:pos x="connsiteX7" y="connsiteY7"/>
+              </a:cxn>
+              <a:cxn ang="0">
+                <a:pos x="connsiteX8" y="connsiteY8"/>
+              </a:cxn>
+              <a:cxn ang="0">
+                <a:pos x="connsiteX9" y="connsiteY9"/>
+              </a:cxn>
+              <a:cxn ang="0">
+                <a:pos x="connsiteX10" y="connsiteY10"/>
+              </a:cxn>
+            </a:cxnLst>
+            <a:rect l="l" t="t" r="r" b="b"/>
+            <a:pathLst>
+              <a:path w="2441321" h="13716" fill="none" extrusionOk="0">
+                <a:moveTo>
+                  <a:pt x="0" y="0"/>
+                </a:moveTo>
+                <a:cubicBezTo>
+                  <a:pt x="280302" y="-6619"/>
+                  <a:pt x="363201" y="4913"/>
+                  <a:pt x="585917" y="0"/>
+                </a:cubicBezTo>
+                <a:cubicBezTo>
+                  <a:pt x="832357" y="-10107"/>
+                  <a:pt x="996738" y="-34312"/>
+                  <a:pt x="1196247" y="0"/>
+                </a:cubicBezTo>
+                <a:cubicBezTo>
+                  <a:pt x="1357180" y="16623"/>
+                  <a:pt x="1575042" y="-11041"/>
+                  <a:pt x="1806578" y="0"/>
+                </a:cubicBezTo>
+                <a:cubicBezTo>
+                  <a:pt x="2016334" y="246"/>
+                  <a:pt x="2239353" y="-8732"/>
+                  <a:pt x="2441321" y="0"/>
+                </a:cubicBezTo>
+                <a:cubicBezTo>
+                  <a:pt x="2440988" y="3698"/>
+                  <a:pt x="2440649" y="9400"/>
+                  <a:pt x="2441321" y="13716"/>
+                </a:cubicBezTo>
+                <a:cubicBezTo>
+                  <a:pt x="2159375" y="44437"/>
+                  <a:pt x="2054495" y="41094"/>
+                  <a:pt x="1830991" y="13716"/>
+                </a:cubicBezTo>
+                <a:cubicBezTo>
+                  <a:pt x="1615846" y="2937"/>
+                  <a:pt x="1521674" y="-9994"/>
+                  <a:pt x="1269487" y="13716"/>
+                </a:cubicBezTo>
+                <a:cubicBezTo>
+                  <a:pt x="1019660" y="49388"/>
+                  <a:pt x="886911" y="37779"/>
+                  <a:pt x="707983" y="13716"/>
+                </a:cubicBezTo>
+                <a:cubicBezTo>
+                  <a:pt x="523434" y="22749"/>
+                  <a:pt x="307885" y="29744"/>
+                  <a:pt x="0" y="13716"/>
+                </a:cubicBezTo>
+                <a:cubicBezTo>
+                  <a:pt x="-361" y="7755"/>
+                  <a:pt x="-276" y="2718"/>
+                  <a:pt x="0" y="0"/>
+                </a:cubicBezTo>
+                <a:close/>
+              </a:path>
+              <a:path w="2441321" h="13716" stroke="0" extrusionOk="0">
+                <a:moveTo>
+                  <a:pt x="0" y="0"/>
+                </a:moveTo>
+                <a:cubicBezTo>
+                  <a:pt x="212126" y="-10265"/>
+                  <a:pt x="442910" y="-11728"/>
+                  <a:pt x="585917" y="0"/>
+                </a:cubicBezTo>
+                <a:cubicBezTo>
+                  <a:pt x="724579" y="21751"/>
+                  <a:pt x="879365" y="-33198"/>
+                  <a:pt x="1123008" y="0"/>
+                </a:cubicBezTo>
+                <a:cubicBezTo>
+                  <a:pt x="1377247" y="11220"/>
+                  <a:pt x="1597861" y="-34280"/>
+                  <a:pt x="1782164" y="0"/>
+                </a:cubicBezTo>
+                <a:cubicBezTo>
+                  <a:pt x="1975975" y="-3055"/>
+                  <a:pt x="2116392" y="-15531"/>
+                  <a:pt x="2441321" y="0"/>
+                </a:cubicBezTo>
+                <a:cubicBezTo>
+                  <a:pt x="2441197" y="4300"/>
+                  <a:pt x="2441101" y="8760"/>
+                  <a:pt x="2441321" y="13716"/>
+                </a:cubicBezTo>
+                <a:cubicBezTo>
+                  <a:pt x="2180658" y="13750"/>
+                  <a:pt x="2084222" y="1362"/>
+                  <a:pt x="1879817" y="13716"/>
+                </a:cubicBezTo>
+                <a:cubicBezTo>
+                  <a:pt x="1668182" y="11650"/>
+                  <a:pt x="1551159" y="-11049"/>
+                  <a:pt x="1318313" y="13716"/>
+                </a:cubicBezTo>
+                <a:cubicBezTo>
+                  <a:pt x="1059871" y="51823"/>
+                  <a:pt x="901959" y="19259"/>
+                  <a:pt x="659157" y="13716"/>
+                </a:cubicBezTo>
+                <a:cubicBezTo>
+                  <a:pt x="444692" y="23911"/>
+                  <a:pt x="245032" y="35310"/>
+                  <a:pt x="0" y="13716"/>
+                </a:cubicBezTo>
+                <a:cubicBezTo>
+                  <a:pt x="124" y="7937"/>
+                  <a:pt x="389" y="2990"/>
+                  <a:pt x="0" y="0"/>
+                </a:cubicBezTo>
+                <a:close/>
+              </a:path>
+              <a:path w="2441321" h="13716" fill="none" stroke="0" extrusionOk="0">
+                <a:moveTo>
+                  <a:pt x="0" y="0"/>
+                </a:moveTo>
+                <a:cubicBezTo>
+                  <a:pt x="265389" y="-22361"/>
+                  <a:pt x="344845" y="-65"/>
+                  <a:pt x="585917" y="0"/>
+                </a:cubicBezTo>
+                <a:cubicBezTo>
+                  <a:pt x="858472" y="13102"/>
+                  <a:pt x="949265" y="-8078"/>
+                  <a:pt x="1196247" y="0"/>
+                </a:cubicBezTo>
+                <a:cubicBezTo>
+                  <a:pt x="1379248" y="30707"/>
+                  <a:pt x="1585336" y="24963"/>
+                  <a:pt x="1806578" y="0"/>
+                </a:cubicBezTo>
+                <a:cubicBezTo>
+                  <a:pt x="1986731" y="-19207"/>
+                  <a:pt x="2264933" y="16601"/>
+                  <a:pt x="2441321" y="0"/>
+                </a:cubicBezTo>
+                <a:cubicBezTo>
+                  <a:pt x="2441661" y="4449"/>
+                  <a:pt x="2442057" y="7876"/>
+                  <a:pt x="2441321" y="13716"/>
+                </a:cubicBezTo>
+                <a:cubicBezTo>
+                  <a:pt x="2149099" y="22776"/>
+                  <a:pt x="2027305" y="51898"/>
+                  <a:pt x="1830991" y="13716"/>
+                </a:cubicBezTo>
+                <a:cubicBezTo>
+                  <a:pt x="1614571" y="-23336"/>
+                  <a:pt x="1500998" y="6155"/>
+                  <a:pt x="1269487" y="13716"/>
+                </a:cubicBezTo>
+                <a:cubicBezTo>
+                  <a:pt x="1042399" y="33262"/>
+                  <a:pt x="927922" y="41250"/>
+                  <a:pt x="707983" y="13716"/>
+                </a:cubicBezTo>
+                <a:cubicBezTo>
+                  <a:pt x="502575" y="-9952"/>
+                  <a:pt x="350393" y="29927"/>
+                  <a:pt x="0" y="13716"/>
+                </a:cubicBezTo>
+                <a:cubicBezTo>
+                  <a:pt x="-248" y="8631"/>
+                  <a:pt x="228" y="3134"/>
+                  <a:pt x="0" y="0"/>
+                </a:cubicBezTo>
+                <a:close/>
+              </a:path>
+            </a:pathLst>
+          </a:custGeom>
+          <a:solidFill>
+            <a:schemeClr val="accent2"/>
+          </a:solidFill>
+          <a:ln w="38100" cap="rnd">
+            <a:solidFill>
+              <a:schemeClr val="accent2"/>
+            </a:solidFill>
+            <a:round/>
+            <a:extLst>
+              <a:ext uri="{C807C97D-BFC1-408E-A445-0C87EB9F89A2}">
+                <ask:lineSketchStyleProps xmlns:ask="http://schemas.microsoft.com/office/drawing/2018/sketchyshapes" sd="1219033472">
+                  <a:custGeom>
+                    <a:avLst/>
+                    <a:gdLst>
+                      <a:gd name="connsiteX0" fmla="*/ 0 w 2441321"/>
+                      <a:gd name="connsiteY0" fmla="*/ 0 h 13716"/>
+                      <a:gd name="connsiteX1" fmla="*/ 585917 w 2441321"/>
+                      <a:gd name="connsiteY1" fmla="*/ 0 h 13716"/>
+                      <a:gd name="connsiteX2" fmla="*/ 1196247 w 2441321"/>
+                      <a:gd name="connsiteY2" fmla="*/ 0 h 13716"/>
+                      <a:gd name="connsiteX3" fmla="*/ 1806578 w 2441321"/>
+                      <a:gd name="connsiteY3" fmla="*/ 0 h 13716"/>
+                      <a:gd name="connsiteX4" fmla="*/ 2441321 w 2441321"/>
+                      <a:gd name="connsiteY4" fmla="*/ 0 h 13716"/>
+                      <a:gd name="connsiteX5" fmla="*/ 2441321 w 2441321"/>
+                      <a:gd name="connsiteY5" fmla="*/ 13716 h 13716"/>
+                      <a:gd name="connsiteX6" fmla="*/ 1830991 w 2441321"/>
+                      <a:gd name="connsiteY6" fmla="*/ 13716 h 13716"/>
+                      <a:gd name="connsiteX7" fmla="*/ 1269487 w 2441321"/>
+                      <a:gd name="connsiteY7" fmla="*/ 13716 h 13716"/>
+                      <a:gd name="connsiteX8" fmla="*/ 707983 w 2441321"/>
+                      <a:gd name="connsiteY8" fmla="*/ 13716 h 13716"/>
+                      <a:gd name="connsiteX9" fmla="*/ 0 w 2441321"/>
+                      <a:gd name="connsiteY9" fmla="*/ 13716 h 13716"/>
+                      <a:gd name="connsiteX10" fmla="*/ 0 w 2441321"/>
+                      <a:gd name="connsiteY10" fmla="*/ 0 h 13716"/>
+                    </a:gdLst>
+                    <a:ahLst/>
+                    <a:cxnLst>
+                      <a:cxn ang="0">
+                        <a:pos x="connsiteX0" y="connsiteY0"/>
+                      </a:cxn>
+                      <a:cxn ang="0">
+                        <a:pos x="connsiteX1" y="connsiteY1"/>
+                      </a:cxn>
+                      <a:cxn ang="0">
+                        <a:pos x="connsiteX2" y="connsiteY2"/>
+                      </a:cxn>
+                      <a:cxn ang="0">
+                        <a:pos x="connsiteX3" y="connsiteY3"/>
+                      </a:cxn>
+                      <a:cxn ang="0">
+                        <a:pos x="connsiteX4" y="connsiteY4"/>
+                      </a:cxn>
+                      <a:cxn ang="0">
+                        <a:pos x="connsiteX5" y="connsiteY5"/>
+                      </a:cxn>
+                      <a:cxn ang="0">
+                        <a:pos x="connsiteX6" y="connsiteY6"/>
+                      </a:cxn>
+                      <a:cxn ang="0">
+                        <a:pos x="connsiteX7" y="connsiteY7"/>
+                      </a:cxn>
+                      <a:cxn ang="0">
+                        <a:pos x="connsiteX8" y="connsiteY8"/>
+                      </a:cxn>
+                      <a:cxn ang="0">
+                        <a:pos x="connsiteX9" y="connsiteY9"/>
+                      </a:cxn>
+                      <a:cxn ang="0">
+                        <a:pos x="connsiteX10" y="connsiteY10"/>
+                      </a:cxn>
+                    </a:cxnLst>
+                    <a:rect l="l" t="t" r="r" b="b"/>
+                    <a:pathLst>
+                      <a:path w="2441321" h="13716" fill="none" extrusionOk="0">
+                        <a:moveTo>
+                          <a:pt x="0" y="0"/>
+                        </a:moveTo>
+                        <a:cubicBezTo>
+                          <a:pt x="273217" y="-17533"/>
+                          <a:pt x="355785" y="-4171"/>
+                          <a:pt x="585917" y="0"/>
+                        </a:cubicBezTo>
+                        <a:cubicBezTo>
+                          <a:pt x="816049" y="4171"/>
+                          <a:pt x="991446" y="-9419"/>
+                          <a:pt x="1196247" y="0"/>
+                        </a:cubicBezTo>
+                        <a:cubicBezTo>
+                          <a:pt x="1401048" y="9419"/>
+                          <a:pt x="1589984" y="-731"/>
+                          <a:pt x="1806578" y="0"/>
+                        </a:cubicBezTo>
+                        <a:cubicBezTo>
+                          <a:pt x="2023172" y="731"/>
+                          <a:pt x="2247754" y="8393"/>
+                          <a:pt x="2441321" y="0"/>
+                        </a:cubicBezTo>
+                        <a:cubicBezTo>
+                          <a:pt x="2440939" y="4363"/>
+                          <a:pt x="2441580" y="8857"/>
+                          <a:pt x="2441321" y="13716"/>
+                        </a:cubicBezTo>
+                        <a:cubicBezTo>
+                          <a:pt x="2169723" y="25934"/>
+                          <a:pt x="2045712" y="34568"/>
+                          <a:pt x="1830991" y="13716"/>
+                        </a:cubicBezTo>
+                        <a:cubicBezTo>
+                          <a:pt x="1616270" y="-7136"/>
+                          <a:pt x="1505876" y="-623"/>
+                          <a:pt x="1269487" y="13716"/>
+                        </a:cubicBezTo>
+                        <a:cubicBezTo>
+                          <a:pt x="1033098" y="28055"/>
+                          <a:pt x="908661" y="36619"/>
+                          <a:pt x="707983" y="13716"/>
+                        </a:cubicBezTo>
+                        <a:cubicBezTo>
+                          <a:pt x="507305" y="-9187"/>
+                          <a:pt x="333592" y="16187"/>
+                          <a:pt x="0" y="13716"/>
+                        </a:cubicBezTo>
+                        <a:cubicBezTo>
+                          <a:pt x="-459" y="8317"/>
+                          <a:pt x="190" y="2744"/>
+                          <a:pt x="0" y="0"/>
+                        </a:cubicBezTo>
+                        <a:close/>
+                      </a:path>
+                      <a:path w="2441321" h="13716" stroke="0" extrusionOk="0">
+                        <a:moveTo>
+                          <a:pt x="0" y="0"/>
+                        </a:moveTo>
+                        <a:cubicBezTo>
+                          <a:pt x="207071" y="-14617"/>
+                          <a:pt x="444194" y="-15606"/>
+                          <a:pt x="585917" y="0"/>
+                        </a:cubicBezTo>
+                        <a:cubicBezTo>
+                          <a:pt x="727640" y="15606"/>
+                          <a:pt x="904326" y="-79"/>
+                          <a:pt x="1123008" y="0"/>
+                        </a:cubicBezTo>
+                        <a:cubicBezTo>
+                          <a:pt x="1341690" y="79"/>
+                          <a:pt x="1600014" y="10401"/>
+                          <a:pt x="1782164" y="0"/>
+                        </a:cubicBezTo>
+                        <a:cubicBezTo>
+                          <a:pt x="1964314" y="-10401"/>
+                          <a:pt x="2143537" y="-21488"/>
+                          <a:pt x="2441321" y="0"/>
+                        </a:cubicBezTo>
+                        <a:cubicBezTo>
+                          <a:pt x="2441507" y="3335"/>
+                          <a:pt x="2441322" y="9457"/>
+                          <a:pt x="2441321" y="13716"/>
+                        </a:cubicBezTo>
+                        <a:cubicBezTo>
+                          <a:pt x="2166745" y="24201"/>
+                          <a:pt x="2078726" y="10904"/>
+                          <a:pt x="1879817" y="13716"/>
+                        </a:cubicBezTo>
+                        <a:cubicBezTo>
+                          <a:pt x="1680908" y="16528"/>
+                          <a:pt x="1548770" y="-8699"/>
+                          <a:pt x="1318313" y="13716"/>
+                        </a:cubicBezTo>
+                        <a:cubicBezTo>
+                          <a:pt x="1087856" y="36131"/>
+                          <a:pt x="894613" y="-645"/>
+                          <a:pt x="659157" y="13716"/>
+                        </a:cubicBezTo>
+                        <a:cubicBezTo>
+                          <a:pt x="423701" y="28077"/>
+                          <a:pt x="246611" y="29403"/>
+                          <a:pt x="0" y="13716"/>
+                        </a:cubicBezTo>
+                        <a:cubicBezTo>
+                          <a:pt x="-120" y="7867"/>
+                          <a:pt x="674" y="3919"/>
+                          <a:pt x="0" y="0"/>
+                        </a:cubicBezTo>
+                        <a:close/>
+                      </a:path>
+                    </a:pathLst>
+                  </a:custGeom>
+                  <ask:type>
+                    <ask:lineSketchFreehand/>
+                  </ask:type>
+                </ask:lineSketchStyleProps>
+              </a:ext>
+            </a:extLst>
+          </a:ln>
+        </p:spPr>
+        <p:style>
+          <a:lnRef idx="2">
+            <a:schemeClr val="accent1">
+              <a:shade val="50000"/>
+            </a:schemeClr>
+          </a:lnRef>
+          <a:fillRef idx="1">
+            <a:schemeClr val="accent1"/>
+          </a:fillRef>
+          <a:effectRef idx="0">
+            <a:schemeClr val="accent1"/>
+          </a:effectRef>
+          <a:fontRef idx="minor">
+            <a:schemeClr val="lt1"/>
+          </a:fontRef>
+        </p:style>
+        <p:txBody>
+          <a:bodyPr rtlCol="0" anchor="ctr"/>
+          <a:lstStyle/>
+          <a:p>
+            <a:pPr algn="ctr"/>
+            <a:endParaRPr lang="en-US"/>
+          </a:p>
+        </p:txBody>
+      </p:sp>
+      <p:sp>
+        <p:nvSpPr>
+          <p:cNvPr id="194" name="Google Shape;194;p34"/>
+          <p:cNvSpPr txBox="1">
+            <a:spLocks noGrp="1"/>
+          </p:cNvSpPr>
+          <p:nvPr>
+            <p:ph sz="half" idx="1"/>
+          </p:nvPr>
+        </p:nvSpPr>
+        <p:spPr>
+          <a:xfrm>
+            <a:off x="293572" y="2105406"/>
+            <a:ext cx="2751380" cy="1046868"/>
+          </a:xfrm>
+          <a:prstGeom prst="rect">
+            <a:avLst/>
+          </a:prstGeom>
+        </p:spPr>
+        <p:txBody>
+          <a:bodyPr spcFirstLastPara="1" vert="horz" lIns="91440" tIns="45720" rIns="91440" bIns="45720" rtlCol="0" anchor="t" anchorCtr="0">
+            <a:normAutofit fontScale="92500" lnSpcReduction="10000"/>
+          </a:bodyPr>
+          <a:lstStyle/>
+          <a:p>
+            <a:pPr marL="0" lvl="0" indent="0" defTabSz="914400">
+              <a:spcBef>
+                <a:spcPts val="0"/>
+              </a:spcBef>
+              <a:spcAft>
+                <a:spcPts val="600"/>
+              </a:spcAft>
+              <a:buNone/>
+            </a:pPr>
+            <a:r>
+              <a:rPr lang="en-US" sz="1700" dirty="0">
+                <a:sym typeface="Arial"/>
+              </a:rPr>
+              <a:t>Better to use aliases in this case </a:t>
+            </a:r>
+          </a:p>
+          <a:p>
+            <a:pPr marL="0" lvl="0" indent="0" defTabSz="914400">
+              <a:spcBef>
+                <a:spcPts val="0"/>
+              </a:spcBef>
+              <a:spcAft>
+                <a:spcPts val="600"/>
+              </a:spcAft>
+              <a:buNone/>
+            </a:pPr>
+            <a:r>
+              <a:rPr lang="en-US" sz="1700" dirty="0">
+                <a:sym typeface="Arial"/>
+              </a:rPr>
+              <a:t>(</a:t>
+            </a:r>
+            <a:r>
+              <a:rPr lang="en-US" sz="1700" b="1" dirty="0">
+                <a:sym typeface="Arial"/>
+              </a:rPr>
+              <a:t>to hide the change of key for the application</a:t>
+            </a:r>
+            <a:r>
+              <a:rPr lang="en-US" sz="1700" dirty="0">
+                <a:sym typeface="Arial"/>
+              </a:rPr>
+              <a:t>)</a:t>
+            </a:r>
+          </a:p>
+          <a:p>
+            <a:pPr marL="0" lvl="0" indent="-228600" defTabSz="914400">
+              <a:spcBef>
+                <a:spcPts val="0"/>
+              </a:spcBef>
+              <a:spcAft>
+                <a:spcPts val="600"/>
+              </a:spcAft>
+            </a:pPr>
+            <a:endParaRPr lang="en-US" sz="1700" dirty="0">
+              <a:sym typeface="Arial"/>
+            </a:endParaRPr>
+          </a:p>
+        </p:txBody>
+      </p:sp>
+      <p:pic>
+        <p:nvPicPr>
+          <p:cNvPr id="195" name="Google Shape;195;p34"/>
+          <p:cNvPicPr preferRelativeResize="0"/>
+          <p:nvPr/>
+        </p:nvPicPr>
+        <p:blipFill>
+          <a:blip r:embed="rId3"/>
+          <a:stretch>
+            <a:fillRect/>
+          </a:stretch>
+        </p:blipFill>
+        <p:spPr>
+          <a:xfrm>
+            <a:off x="3490722" y="1406747"/>
+            <a:ext cx="5177790" cy="2330005"/>
+          </a:xfrm>
+          <a:prstGeom prst="rect">
+            <a:avLst/>
+          </a:prstGeom>
+          <a:noFill/>
+        </p:spPr>
+      </p:pic>
+    </p:spTree>
+  </p:cSld>
+  <p:clrMapOvr>
+    <a:masterClrMapping/>
+  </p:clrMapOvr>
+</p:sld>
+</file>
+
+<file path=ppt/slides/slide22.xml><?xml version="1.0" encoding="utf-8"?>
 <p:sld xmlns:a="http://schemas.openxmlformats.org/drawingml/2006/main" xmlns:r="http://schemas.openxmlformats.org/officeDocument/2006/relationships" xmlns:p="http://schemas.openxmlformats.org/presentationml/2006/main">
   <p:cSld>
     <p:bg>
@@ -19284,7 +22041,7 @@
 </p:sld>
 </file>
 
-<file path=ppt/slides/slide21.xml><?xml version="1.0" encoding="utf-8"?>
+<file path=ppt/slides/slide23.xml><?xml version="1.0" encoding="utf-8"?>
 <p:sld xmlns:a="http://schemas.openxmlformats.org/drawingml/2006/main" xmlns:r="http://schemas.openxmlformats.org/officeDocument/2006/relationships" xmlns:p="http://schemas.openxmlformats.org/presentationml/2006/main">
   <p:cSld>
     <p:bg>
@@ -19850,7 +22607,7 @@
 </p:sld>
 </file>
 
-<file path=ppt/slides/slide22.xml><?xml version="1.0" encoding="utf-8"?>
+<file path=ppt/slides/slide24.xml><?xml version="1.0" encoding="utf-8"?>
 <p:sld xmlns:a="http://schemas.openxmlformats.org/drawingml/2006/main" xmlns:r="http://schemas.openxmlformats.org/officeDocument/2006/relationships" xmlns:p="http://schemas.openxmlformats.org/presentationml/2006/main">
   <p:cSld>
     <p:bg>
@@ -20440,7 +23197,7 @@
 </p:sld>
 </file>
 
-<file path=ppt/slides/slide23.xml><?xml version="1.0" encoding="utf-8"?>
+<file path=ppt/slides/slide25.xml><?xml version="1.0" encoding="utf-8"?>
 <p:sld xmlns:a="http://schemas.openxmlformats.org/drawingml/2006/main" xmlns:r="http://schemas.openxmlformats.org/officeDocument/2006/relationships" xmlns:p="http://schemas.openxmlformats.org/presentationml/2006/main">
   <p:cSld>
     <p:bg>
@@ -21289,7 +24046,7 @@
 </p:sld>
 </file>
 
-<file path=ppt/slides/slide24.xml><?xml version="1.0" encoding="utf-8"?>
+<file path=ppt/slides/slide26.xml><?xml version="1.0" encoding="utf-8"?>
 <p:sld xmlns:a="http://schemas.openxmlformats.org/drawingml/2006/main" xmlns:r="http://schemas.openxmlformats.org/officeDocument/2006/relationships" xmlns:p="http://schemas.openxmlformats.org/presentationml/2006/main">
   <p:cSld>
     <p:bg>
@@ -22759,7 +25516,7 @@
 </p:sld>
 </file>
 
-<file path=ppt/slides/slide25.xml><?xml version="1.0" encoding="utf-8"?>
+<file path=ppt/slides/slide27.xml><?xml version="1.0" encoding="utf-8"?>
 <p:sld xmlns:a="http://schemas.openxmlformats.org/drawingml/2006/main" xmlns:r="http://schemas.openxmlformats.org/officeDocument/2006/relationships" xmlns:p="http://schemas.openxmlformats.org/presentationml/2006/main">
   <p:cSld>
     <p:bg>
@@ -23528,7 +26285,7 @@
 </p:sld>
 </file>
 
-<file path=ppt/slides/slide26.xml><?xml version="1.0" encoding="utf-8"?>
+<file path=ppt/slides/slide28.xml><?xml version="1.0" encoding="utf-8"?>
 <p:sld xmlns:a="http://schemas.openxmlformats.org/drawingml/2006/main" xmlns:r="http://schemas.openxmlformats.org/officeDocument/2006/relationships" xmlns:p="http://schemas.openxmlformats.org/presentationml/2006/main">
   <p:cSld>
     <p:spTree>
@@ -24092,7 +26849,7 @@
 </p:sld>
 </file>
 
-<file path=ppt/slides/slide27.xml><?xml version="1.0" encoding="utf-8"?>
+<file path=ppt/slides/slide29.xml><?xml version="1.0" encoding="utf-8"?>
 <p:sld xmlns:a="http://schemas.openxmlformats.org/drawingml/2006/main" xmlns:r="http://schemas.openxmlformats.org/officeDocument/2006/relationships" xmlns:p="http://schemas.openxmlformats.org/presentationml/2006/main">
   <p:cSld>
     <p:bg>
@@ -24862,7 +27619,923 @@
 </p:sld>
 </file>
 
-<file path=ppt/slides/slide28.xml><?xml version="1.0" encoding="utf-8"?>
+<file path=ppt/slides/slide3.xml><?xml version="1.0" encoding="utf-8"?>
+<p:sld xmlns:a="http://schemas.openxmlformats.org/drawingml/2006/main" xmlns:r="http://schemas.openxmlformats.org/officeDocument/2006/relationships" xmlns:p="http://schemas.openxmlformats.org/presentationml/2006/main">
+  <p:cSld>
+    <p:bg>
+      <p:bgPr>
+        <a:solidFill>
+          <a:schemeClr val="bg1"/>
+        </a:solidFill>
+        <a:effectLst/>
+      </p:bgPr>
+    </p:bg>
+    <p:spTree>
+      <p:nvGrpSpPr>
+        <p:cNvPr id="1" name="Shape 86"/>
+        <p:cNvGrpSpPr/>
+        <p:nvPr/>
+      </p:nvGrpSpPr>
+      <p:grpSpPr>
+        <a:xfrm>
+          <a:off x="0" y="0"/>
+          <a:ext cx="0" cy="0"/>
+          <a:chOff x="0" y="0"/>
+          <a:chExt cx="0" cy="0"/>
+        </a:xfrm>
+      </p:grpSpPr>
+      <p:sp useBgFill="1">
+        <p:nvSpPr>
+          <p:cNvPr id="94" name="Rectangle 93">
+            <a:extLst>
+              <a:ext uri="{FF2B5EF4-FFF2-40B4-BE49-F238E27FC236}">
+                <a16:creationId xmlns:a16="http://schemas.microsoft.com/office/drawing/2014/main" id="{743AA782-23D1-4521-8CAD-47662984AA08}"/>
+              </a:ext>
+              <a:ext uri="{C183D7F6-B498-43B3-948B-1728B52AA6E4}">
+                <adec:decorative xmlns:adec="http://schemas.microsoft.com/office/drawing/2017/decorative" val="1"/>
+              </a:ext>
+            </a:extLst>
+          </p:cNvPr>
+          <p:cNvSpPr>
+            <a:spLocks noGrp="1" noRot="1" noChangeAspect="1" noMove="1" noResize="1" noEditPoints="1" noAdjustHandles="1" noChangeArrowheads="1" noChangeShapeType="1" noTextEdit="1"/>
+          </p:cNvSpPr>
+          <p:nvPr>
+            <p:extLst>
+              <p:ext uri="{386F3935-93C4-4BCD-93E2-E3B085C9AB24}">
+                <p16:designElem xmlns:p16="http://schemas.microsoft.com/office/powerpoint/2015/main" val="1"/>
+              </p:ext>
+            </p:extLst>
+          </p:nvPr>
+        </p:nvSpPr>
+        <p:spPr>
+          <a:xfrm>
+            <a:off x="0" y="0"/>
+            <a:ext cx="9144000" cy="5143500"/>
+          </a:xfrm>
+          <a:prstGeom prst="rect">
+            <a:avLst/>
+          </a:prstGeom>
+          <a:ln>
+            <a:noFill/>
+          </a:ln>
+        </p:spPr>
+        <p:style>
+          <a:lnRef idx="2">
+            <a:schemeClr val="accent1">
+              <a:shade val="50000"/>
+            </a:schemeClr>
+          </a:lnRef>
+          <a:fillRef idx="1">
+            <a:schemeClr val="accent1"/>
+          </a:fillRef>
+          <a:effectRef idx="0">
+            <a:schemeClr val="accent1"/>
+          </a:effectRef>
+          <a:fontRef idx="minor">
+            <a:schemeClr val="lt1"/>
+          </a:fontRef>
+        </p:style>
+        <p:txBody>
+          <a:bodyPr rtlCol="0" anchor="ctr"/>
+          <a:lstStyle/>
+          <a:p>
+            <a:pPr algn="ctr"/>
+            <a:endParaRPr lang="en-US"/>
+          </a:p>
+        </p:txBody>
+      </p:sp>
+      <p:sp>
+        <p:nvSpPr>
+          <p:cNvPr id="87" name="Google Shape;87;p18"/>
+          <p:cNvSpPr txBox="1">
+            <a:spLocks noGrp="1"/>
+          </p:cNvSpPr>
+          <p:nvPr>
+            <p:ph type="title"/>
+          </p:nvPr>
+        </p:nvSpPr>
+        <p:spPr>
+          <a:xfrm>
+            <a:off x="473202" y="480060"/>
+            <a:ext cx="3614166" cy="1110996"/>
+          </a:xfrm>
+          <a:prstGeom prst="rect">
+            <a:avLst/>
+          </a:prstGeom>
+        </p:spPr>
+        <p:txBody>
+          <a:bodyPr spcFirstLastPara="1" vert="horz" lIns="91440" tIns="45720" rIns="91440" bIns="45720" rtlCol="0" anchor="b" anchorCtr="0">
+            <a:normAutofit/>
+          </a:bodyPr>
+          <a:lstStyle/>
+          <a:p>
+            <a:pPr marL="0" lvl="0" indent="0" defTabSz="914400">
+              <a:spcAft>
+                <a:spcPts val="0"/>
+              </a:spcAft>
+              <a:buClr>
+                <a:schemeClr val="dk1"/>
+              </a:buClr>
+              <a:buSzPts val="2400"/>
+            </a:pPr>
+            <a:r>
+              <a:rPr lang="en-US" sz="4100" kern="1200">
+                <a:solidFill>
+                  <a:schemeClr val="tx1"/>
+                </a:solidFill>
+                <a:latin typeface="+mj-lt"/>
+                <a:ea typeface="+mj-ea"/>
+                <a:cs typeface="+mj-cs"/>
+                <a:sym typeface="Economica"/>
+              </a:rPr>
+              <a:t>KMS Key Types</a:t>
+            </a:r>
+          </a:p>
+        </p:txBody>
+      </p:sp>
+      <p:sp>
+        <p:nvSpPr>
+          <p:cNvPr id="96" name="sketch line">
+            <a:extLst>
+              <a:ext uri="{FF2B5EF4-FFF2-40B4-BE49-F238E27FC236}">
+                <a16:creationId xmlns:a16="http://schemas.microsoft.com/office/drawing/2014/main" id="{71877DBC-BB60-40F0-AC93-2ACDBAAE60CE}"/>
+              </a:ext>
+              <a:ext uri="{C183D7F6-B498-43B3-948B-1728B52AA6E4}">
+                <adec:decorative xmlns:adec="http://schemas.microsoft.com/office/drawing/2017/decorative" val="1"/>
+              </a:ext>
+            </a:extLst>
+          </p:cNvPr>
+          <p:cNvSpPr>
+            <a:spLocks noGrp="1" noRot="1" noChangeAspect="1" noMove="1" noResize="1" noEditPoints="1" noAdjustHandles="1" noChangeArrowheads="1" noChangeShapeType="1" noTextEdit="1"/>
+          </p:cNvSpPr>
+          <p:nvPr>
+            <p:extLst>
+              <p:ext uri="{386F3935-93C4-4BCD-93E2-E3B085C9AB24}">
+                <p16:designElem xmlns:p16="http://schemas.microsoft.com/office/powerpoint/2015/main" val="1"/>
+              </p:ext>
+            </p:extLst>
+          </p:nvPr>
+        </p:nvSpPr>
+        <p:spPr>
+          <a:xfrm>
+            <a:off x="482458" y="1779651"/>
+            <a:ext cx="2441321" cy="13716"/>
+          </a:xfrm>
+          <a:custGeom>
+            <a:avLst/>
+            <a:gdLst>
+              <a:gd name="connsiteX0" fmla="*/ 0 w 2441321"/>
+              <a:gd name="connsiteY0" fmla="*/ 0 h 13716"/>
+              <a:gd name="connsiteX1" fmla="*/ 585917 w 2441321"/>
+              <a:gd name="connsiteY1" fmla="*/ 0 h 13716"/>
+              <a:gd name="connsiteX2" fmla="*/ 1196247 w 2441321"/>
+              <a:gd name="connsiteY2" fmla="*/ 0 h 13716"/>
+              <a:gd name="connsiteX3" fmla="*/ 1806578 w 2441321"/>
+              <a:gd name="connsiteY3" fmla="*/ 0 h 13716"/>
+              <a:gd name="connsiteX4" fmla="*/ 2441321 w 2441321"/>
+              <a:gd name="connsiteY4" fmla="*/ 0 h 13716"/>
+              <a:gd name="connsiteX5" fmla="*/ 2441321 w 2441321"/>
+              <a:gd name="connsiteY5" fmla="*/ 13716 h 13716"/>
+              <a:gd name="connsiteX6" fmla="*/ 1830991 w 2441321"/>
+              <a:gd name="connsiteY6" fmla="*/ 13716 h 13716"/>
+              <a:gd name="connsiteX7" fmla="*/ 1269487 w 2441321"/>
+              <a:gd name="connsiteY7" fmla="*/ 13716 h 13716"/>
+              <a:gd name="connsiteX8" fmla="*/ 707983 w 2441321"/>
+              <a:gd name="connsiteY8" fmla="*/ 13716 h 13716"/>
+              <a:gd name="connsiteX9" fmla="*/ 0 w 2441321"/>
+              <a:gd name="connsiteY9" fmla="*/ 13716 h 13716"/>
+              <a:gd name="connsiteX10" fmla="*/ 0 w 2441321"/>
+              <a:gd name="connsiteY10" fmla="*/ 0 h 13716"/>
+              <a:gd name="connsiteX0" fmla="*/ 0 w 2441321"/>
+              <a:gd name="connsiteY0" fmla="*/ 0 h 13716"/>
+              <a:gd name="connsiteX1" fmla="*/ 585917 w 2441321"/>
+              <a:gd name="connsiteY1" fmla="*/ 0 h 13716"/>
+              <a:gd name="connsiteX2" fmla="*/ 1123008 w 2441321"/>
+              <a:gd name="connsiteY2" fmla="*/ 0 h 13716"/>
+              <a:gd name="connsiteX3" fmla="*/ 1782164 w 2441321"/>
+              <a:gd name="connsiteY3" fmla="*/ 0 h 13716"/>
+              <a:gd name="connsiteX4" fmla="*/ 2441321 w 2441321"/>
+              <a:gd name="connsiteY4" fmla="*/ 0 h 13716"/>
+              <a:gd name="connsiteX5" fmla="*/ 2441321 w 2441321"/>
+              <a:gd name="connsiteY5" fmla="*/ 13716 h 13716"/>
+              <a:gd name="connsiteX6" fmla="*/ 1879817 w 2441321"/>
+              <a:gd name="connsiteY6" fmla="*/ 13716 h 13716"/>
+              <a:gd name="connsiteX7" fmla="*/ 1318313 w 2441321"/>
+              <a:gd name="connsiteY7" fmla="*/ 13716 h 13716"/>
+              <a:gd name="connsiteX8" fmla="*/ 659157 w 2441321"/>
+              <a:gd name="connsiteY8" fmla="*/ 13716 h 13716"/>
+              <a:gd name="connsiteX9" fmla="*/ 0 w 2441321"/>
+              <a:gd name="connsiteY9" fmla="*/ 13716 h 13716"/>
+              <a:gd name="connsiteX10" fmla="*/ 0 w 2441321"/>
+              <a:gd name="connsiteY10" fmla="*/ 0 h 13716"/>
+            </a:gdLst>
+            <a:ahLst/>
+            <a:cxnLst>
+              <a:cxn ang="0">
+                <a:pos x="connsiteX0" y="connsiteY0"/>
+              </a:cxn>
+              <a:cxn ang="0">
+                <a:pos x="connsiteX1" y="connsiteY1"/>
+              </a:cxn>
+              <a:cxn ang="0">
+                <a:pos x="connsiteX2" y="connsiteY2"/>
+              </a:cxn>
+              <a:cxn ang="0">
+                <a:pos x="connsiteX3" y="connsiteY3"/>
+              </a:cxn>
+              <a:cxn ang="0">
+                <a:pos x="connsiteX4" y="connsiteY4"/>
+              </a:cxn>
+              <a:cxn ang="0">
+                <a:pos x="connsiteX5" y="connsiteY5"/>
+              </a:cxn>
+              <a:cxn ang="0">
+                <a:pos x="connsiteX6" y="connsiteY6"/>
+              </a:cxn>
+              <a:cxn ang="0">
+                <a:pos x="connsiteX7" y="connsiteY7"/>
+              </a:cxn>
+              <a:cxn ang="0">
+                <a:pos x="connsiteX8" y="connsiteY8"/>
+              </a:cxn>
+              <a:cxn ang="0">
+                <a:pos x="connsiteX9" y="connsiteY9"/>
+              </a:cxn>
+              <a:cxn ang="0">
+                <a:pos x="connsiteX10" y="connsiteY10"/>
+              </a:cxn>
+            </a:cxnLst>
+            <a:rect l="l" t="t" r="r" b="b"/>
+            <a:pathLst>
+              <a:path w="2441321" h="13716" fill="none" extrusionOk="0">
+                <a:moveTo>
+                  <a:pt x="0" y="0"/>
+                </a:moveTo>
+                <a:cubicBezTo>
+                  <a:pt x="280302" y="-6619"/>
+                  <a:pt x="363201" y="4913"/>
+                  <a:pt x="585917" y="0"/>
+                </a:cubicBezTo>
+                <a:cubicBezTo>
+                  <a:pt x="832357" y="-10107"/>
+                  <a:pt x="996738" y="-34312"/>
+                  <a:pt x="1196247" y="0"/>
+                </a:cubicBezTo>
+                <a:cubicBezTo>
+                  <a:pt x="1357180" y="16623"/>
+                  <a:pt x="1575042" y="-11041"/>
+                  <a:pt x="1806578" y="0"/>
+                </a:cubicBezTo>
+                <a:cubicBezTo>
+                  <a:pt x="2016334" y="246"/>
+                  <a:pt x="2239353" y="-8732"/>
+                  <a:pt x="2441321" y="0"/>
+                </a:cubicBezTo>
+                <a:cubicBezTo>
+                  <a:pt x="2440988" y="3698"/>
+                  <a:pt x="2440649" y="9400"/>
+                  <a:pt x="2441321" y="13716"/>
+                </a:cubicBezTo>
+                <a:cubicBezTo>
+                  <a:pt x="2159375" y="44437"/>
+                  <a:pt x="2054495" y="41094"/>
+                  <a:pt x="1830991" y="13716"/>
+                </a:cubicBezTo>
+                <a:cubicBezTo>
+                  <a:pt x="1615846" y="2937"/>
+                  <a:pt x="1521674" y="-9994"/>
+                  <a:pt x="1269487" y="13716"/>
+                </a:cubicBezTo>
+                <a:cubicBezTo>
+                  <a:pt x="1019660" y="49388"/>
+                  <a:pt x="886911" y="37779"/>
+                  <a:pt x="707983" y="13716"/>
+                </a:cubicBezTo>
+                <a:cubicBezTo>
+                  <a:pt x="523434" y="22749"/>
+                  <a:pt x="307885" y="29744"/>
+                  <a:pt x="0" y="13716"/>
+                </a:cubicBezTo>
+                <a:cubicBezTo>
+                  <a:pt x="-361" y="7755"/>
+                  <a:pt x="-276" y="2718"/>
+                  <a:pt x="0" y="0"/>
+                </a:cubicBezTo>
+                <a:close/>
+              </a:path>
+              <a:path w="2441321" h="13716" stroke="0" extrusionOk="0">
+                <a:moveTo>
+                  <a:pt x="0" y="0"/>
+                </a:moveTo>
+                <a:cubicBezTo>
+                  <a:pt x="212126" y="-10265"/>
+                  <a:pt x="442910" y="-11728"/>
+                  <a:pt x="585917" y="0"/>
+                </a:cubicBezTo>
+                <a:cubicBezTo>
+                  <a:pt x="724579" y="21751"/>
+                  <a:pt x="879365" y="-33198"/>
+                  <a:pt x="1123008" y="0"/>
+                </a:cubicBezTo>
+                <a:cubicBezTo>
+                  <a:pt x="1377247" y="11220"/>
+                  <a:pt x="1597861" y="-34280"/>
+                  <a:pt x="1782164" y="0"/>
+                </a:cubicBezTo>
+                <a:cubicBezTo>
+                  <a:pt x="1975975" y="-3055"/>
+                  <a:pt x="2116392" y="-15531"/>
+                  <a:pt x="2441321" y="0"/>
+                </a:cubicBezTo>
+                <a:cubicBezTo>
+                  <a:pt x="2441197" y="4300"/>
+                  <a:pt x="2441101" y="8760"/>
+                  <a:pt x="2441321" y="13716"/>
+                </a:cubicBezTo>
+                <a:cubicBezTo>
+                  <a:pt x="2180658" y="13750"/>
+                  <a:pt x="2084222" y="1362"/>
+                  <a:pt x="1879817" y="13716"/>
+                </a:cubicBezTo>
+                <a:cubicBezTo>
+                  <a:pt x="1668182" y="11650"/>
+                  <a:pt x="1551159" y="-11049"/>
+                  <a:pt x="1318313" y="13716"/>
+                </a:cubicBezTo>
+                <a:cubicBezTo>
+                  <a:pt x="1059871" y="51823"/>
+                  <a:pt x="901959" y="19259"/>
+                  <a:pt x="659157" y="13716"/>
+                </a:cubicBezTo>
+                <a:cubicBezTo>
+                  <a:pt x="444692" y="23911"/>
+                  <a:pt x="245032" y="35310"/>
+                  <a:pt x="0" y="13716"/>
+                </a:cubicBezTo>
+                <a:cubicBezTo>
+                  <a:pt x="124" y="7937"/>
+                  <a:pt x="389" y="2990"/>
+                  <a:pt x="0" y="0"/>
+                </a:cubicBezTo>
+                <a:close/>
+              </a:path>
+              <a:path w="2441321" h="13716" fill="none" stroke="0" extrusionOk="0">
+                <a:moveTo>
+                  <a:pt x="0" y="0"/>
+                </a:moveTo>
+                <a:cubicBezTo>
+                  <a:pt x="265389" y="-22361"/>
+                  <a:pt x="344845" y="-65"/>
+                  <a:pt x="585917" y="0"/>
+                </a:cubicBezTo>
+                <a:cubicBezTo>
+                  <a:pt x="858472" y="13102"/>
+                  <a:pt x="949265" y="-8078"/>
+                  <a:pt x="1196247" y="0"/>
+                </a:cubicBezTo>
+                <a:cubicBezTo>
+                  <a:pt x="1379248" y="30707"/>
+                  <a:pt x="1585336" y="24963"/>
+                  <a:pt x="1806578" y="0"/>
+                </a:cubicBezTo>
+                <a:cubicBezTo>
+                  <a:pt x="1986731" y="-19207"/>
+                  <a:pt x="2264933" y="16601"/>
+                  <a:pt x="2441321" y="0"/>
+                </a:cubicBezTo>
+                <a:cubicBezTo>
+                  <a:pt x="2441661" y="4449"/>
+                  <a:pt x="2442057" y="7876"/>
+                  <a:pt x="2441321" y="13716"/>
+                </a:cubicBezTo>
+                <a:cubicBezTo>
+                  <a:pt x="2149099" y="22776"/>
+                  <a:pt x="2027305" y="51898"/>
+                  <a:pt x="1830991" y="13716"/>
+                </a:cubicBezTo>
+                <a:cubicBezTo>
+                  <a:pt x="1614571" y="-23336"/>
+                  <a:pt x="1500998" y="6155"/>
+                  <a:pt x="1269487" y="13716"/>
+                </a:cubicBezTo>
+                <a:cubicBezTo>
+                  <a:pt x="1042399" y="33262"/>
+                  <a:pt x="927922" y="41250"/>
+                  <a:pt x="707983" y="13716"/>
+                </a:cubicBezTo>
+                <a:cubicBezTo>
+                  <a:pt x="502575" y="-9952"/>
+                  <a:pt x="350393" y="29927"/>
+                  <a:pt x="0" y="13716"/>
+                </a:cubicBezTo>
+                <a:cubicBezTo>
+                  <a:pt x="-248" y="8631"/>
+                  <a:pt x="228" y="3134"/>
+                  <a:pt x="0" y="0"/>
+                </a:cubicBezTo>
+                <a:close/>
+              </a:path>
+            </a:pathLst>
+          </a:custGeom>
+          <a:solidFill>
+            <a:schemeClr val="accent2"/>
+          </a:solidFill>
+          <a:ln w="38100" cap="rnd">
+            <a:solidFill>
+              <a:schemeClr val="accent2"/>
+            </a:solidFill>
+            <a:round/>
+            <a:extLst>
+              <a:ext uri="{C807C97D-BFC1-408E-A445-0C87EB9F89A2}">
+                <ask:lineSketchStyleProps xmlns:ask="http://schemas.microsoft.com/office/drawing/2018/sketchyshapes" sd="1219033472">
+                  <a:custGeom>
+                    <a:avLst/>
+                    <a:gdLst>
+                      <a:gd name="connsiteX0" fmla="*/ 0 w 2441321"/>
+                      <a:gd name="connsiteY0" fmla="*/ 0 h 13716"/>
+                      <a:gd name="connsiteX1" fmla="*/ 585917 w 2441321"/>
+                      <a:gd name="connsiteY1" fmla="*/ 0 h 13716"/>
+                      <a:gd name="connsiteX2" fmla="*/ 1196247 w 2441321"/>
+                      <a:gd name="connsiteY2" fmla="*/ 0 h 13716"/>
+                      <a:gd name="connsiteX3" fmla="*/ 1806578 w 2441321"/>
+                      <a:gd name="connsiteY3" fmla="*/ 0 h 13716"/>
+                      <a:gd name="connsiteX4" fmla="*/ 2441321 w 2441321"/>
+                      <a:gd name="connsiteY4" fmla="*/ 0 h 13716"/>
+                      <a:gd name="connsiteX5" fmla="*/ 2441321 w 2441321"/>
+                      <a:gd name="connsiteY5" fmla="*/ 13716 h 13716"/>
+                      <a:gd name="connsiteX6" fmla="*/ 1830991 w 2441321"/>
+                      <a:gd name="connsiteY6" fmla="*/ 13716 h 13716"/>
+                      <a:gd name="connsiteX7" fmla="*/ 1269487 w 2441321"/>
+                      <a:gd name="connsiteY7" fmla="*/ 13716 h 13716"/>
+                      <a:gd name="connsiteX8" fmla="*/ 707983 w 2441321"/>
+                      <a:gd name="connsiteY8" fmla="*/ 13716 h 13716"/>
+                      <a:gd name="connsiteX9" fmla="*/ 0 w 2441321"/>
+                      <a:gd name="connsiteY9" fmla="*/ 13716 h 13716"/>
+                      <a:gd name="connsiteX10" fmla="*/ 0 w 2441321"/>
+                      <a:gd name="connsiteY10" fmla="*/ 0 h 13716"/>
+                    </a:gdLst>
+                    <a:ahLst/>
+                    <a:cxnLst>
+                      <a:cxn ang="0">
+                        <a:pos x="connsiteX0" y="connsiteY0"/>
+                      </a:cxn>
+                      <a:cxn ang="0">
+                        <a:pos x="connsiteX1" y="connsiteY1"/>
+                      </a:cxn>
+                      <a:cxn ang="0">
+                        <a:pos x="connsiteX2" y="connsiteY2"/>
+                      </a:cxn>
+                      <a:cxn ang="0">
+                        <a:pos x="connsiteX3" y="connsiteY3"/>
+                      </a:cxn>
+                      <a:cxn ang="0">
+                        <a:pos x="connsiteX4" y="connsiteY4"/>
+                      </a:cxn>
+                      <a:cxn ang="0">
+                        <a:pos x="connsiteX5" y="connsiteY5"/>
+                      </a:cxn>
+                      <a:cxn ang="0">
+                        <a:pos x="connsiteX6" y="connsiteY6"/>
+                      </a:cxn>
+                      <a:cxn ang="0">
+                        <a:pos x="connsiteX7" y="connsiteY7"/>
+                      </a:cxn>
+                      <a:cxn ang="0">
+                        <a:pos x="connsiteX8" y="connsiteY8"/>
+                      </a:cxn>
+                      <a:cxn ang="0">
+                        <a:pos x="connsiteX9" y="connsiteY9"/>
+                      </a:cxn>
+                      <a:cxn ang="0">
+                        <a:pos x="connsiteX10" y="connsiteY10"/>
+                      </a:cxn>
+                    </a:cxnLst>
+                    <a:rect l="l" t="t" r="r" b="b"/>
+                    <a:pathLst>
+                      <a:path w="2441321" h="13716" fill="none" extrusionOk="0">
+                        <a:moveTo>
+                          <a:pt x="0" y="0"/>
+                        </a:moveTo>
+                        <a:cubicBezTo>
+                          <a:pt x="273217" y="-17533"/>
+                          <a:pt x="355785" y="-4171"/>
+                          <a:pt x="585917" y="0"/>
+                        </a:cubicBezTo>
+                        <a:cubicBezTo>
+                          <a:pt x="816049" y="4171"/>
+                          <a:pt x="991446" y="-9419"/>
+                          <a:pt x="1196247" y="0"/>
+                        </a:cubicBezTo>
+                        <a:cubicBezTo>
+                          <a:pt x="1401048" y="9419"/>
+                          <a:pt x="1589984" y="-731"/>
+                          <a:pt x="1806578" y="0"/>
+                        </a:cubicBezTo>
+                        <a:cubicBezTo>
+                          <a:pt x="2023172" y="731"/>
+                          <a:pt x="2247754" y="8393"/>
+                          <a:pt x="2441321" y="0"/>
+                        </a:cubicBezTo>
+                        <a:cubicBezTo>
+                          <a:pt x="2440939" y="4363"/>
+                          <a:pt x="2441580" y="8857"/>
+                          <a:pt x="2441321" y="13716"/>
+                        </a:cubicBezTo>
+                        <a:cubicBezTo>
+                          <a:pt x="2169723" y="25934"/>
+                          <a:pt x="2045712" y="34568"/>
+                          <a:pt x="1830991" y="13716"/>
+                        </a:cubicBezTo>
+                        <a:cubicBezTo>
+                          <a:pt x="1616270" y="-7136"/>
+                          <a:pt x="1505876" y="-623"/>
+                          <a:pt x="1269487" y="13716"/>
+                        </a:cubicBezTo>
+                        <a:cubicBezTo>
+                          <a:pt x="1033098" y="28055"/>
+                          <a:pt x="908661" y="36619"/>
+                          <a:pt x="707983" y="13716"/>
+                        </a:cubicBezTo>
+                        <a:cubicBezTo>
+                          <a:pt x="507305" y="-9187"/>
+                          <a:pt x="333592" y="16187"/>
+                          <a:pt x="0" y="13716"/>
+                        </a:cubicBezTo>
+                        <a:cubicBezTo>
+                          <a:pt x="-459" y="8317"/>
+                          <a:pt x="190" y="2744"/>
+                          <a:pt x="0" y="0"/>
+                        </a:cubicBezTo>
+                        <a:close/>
+                      </a:path>
+                      <a:path w="2441321" h="13716" stroke="0" extrusionOk="0">
+                        <a:moveTo>
+                          <a:pt x="0" y="0"/>
+                        </a:moveTo>
+                        <a:cubicBezTo>
+                          <a:pt x="207071" y="-14617"/>
+                          <a:pt x="444194" y="-15606"/>
+                          <a:pt x="585917" y="0"/>
+                        </a:cubicBezTo>
+                        <a:cubicBezTo>
+                          <a:pt x="727640" y="15606"/>
+                          <a:pt x="904326" y="-79"/>
+                          <a:pt x="1123008" y="0"/>
+                        </a:cubicBezTo>
+                        <a:cubicBezTo>
+                          <a:pt x="1341690" y="79"/>
+                          <a:pt x="1600014" y="10401"/>
+                          <a:pt x="1782164" y="0"/>
+                        </a:cubicBezTo>
+                        <a:cubicBezTo>
+                          <a:pt x="1964314" y="-10401"/>
+                          <a:pt x="2143537" y="-21488"/>
+                          <a:pt x="2441321" y="0"/>
+                        </a:cubicBezTo>
+                        <a:cubicBezTo>
+                          <a:pt x="2441507" y="3335"/>
+                          <a:pt x="2441322" y="9457"/>
+                          <a:pt x="2441321" y="13716"/>
+                        </a:cubicBezTo>
+                        <a:cubicBezTo>
+                          <a:pt x="2166745" y="24201"/>
+                          <a:pt x="2078726" y="10904"/>
+                          <a:pt x="1879817" y="13716"/>
+                        </a:cubicBezTo>
+                        <a:cubicBezTo>
+                          <a:pt x="1680908" y="16528"/>
+                          <a:pt x="1548770" y="-8699"/>
+                          <a:pt x="1318313" y="13716"/>
+                        </a:cubicBezTo>
+                        <a:cubicBezTo>
+                          <a:pt x="1087856" y="36131"/>
+                          <a:pt x="894613" y="-645"/>
+                          <a:pt x="659157" y="13716"/>
+                        </a:cubicBezTo>
+                        <a:cubicBezTo>
+                          <a:pt x="423701" y="28077"/>
+                          <a:pt x="246611" y="29403"/>
+                          <a:pt x="0" y="13716"/>
+                        </a:cubicBezTo>
+                        <a:cubicBezTo>
+                          <a:pt x="-120" y="7867"/>
+                          <a:pt x="674" y="3919"/>
+                          <a:pt x="0" y="0"/>
+                        </a:cubicBezTo>
+                        <a:close/>
+                      </a:path>
+                    </a:pathLst>
+                  </a:custGeom>
+                  <ask:type>
+                    <ask:lineSketchFreehand/>
+                  </ask:type>
+                </ask:lineSketchStyleProps>
+              </a:ext>
+            </a:extLst>
+          </a:ln>
+        </p:spPr>
+        <p:style>
+          <a:lnRef idx="2">
+            <a:schemeClr val="accent1">
+              <a:shade val="50000"/>
+            </a:schemeClr>
+          </a:lnRef>
+          <a:fillRef idx="1">
+            <a:schemeClr val="accent1"/>
+          </a:fillRef>
+          <a:effectRef idx="0">
+            <a:schemeClr val="accent1"/>
+          </a:effectRef>
+          <a:fontRef idx="minor">
+            <a:schemeClr val="lt1"/>
+          </a:fontRef>
+        </p:style>
+        <p:txBody>
+          <a:bodyPr rtlCol="0" anchor="ctr"/>
+          <a:lstStyle/>
+          <a:p>
+            <a:pPr algn="ctr"/>
+            <a:endParaRPr lang="en-US"/>
+          </a:p>
+        </p:txBody>
+      </p:sp>
+      <p:sp>
+        <p:nvSpPr>
+          <p:cNvPr id="88" name="Google Shape;88;p18"/>
+          <p:cNvSpPr txBox="1">
+            <a:spLocks noGrp="1"/>
+          </p:cNvSpPr>
+          <p:nvPr>
+            <p:ph sz="half" idx="1"/>
+          </p:nvPr>
+        </p:nvSpPr>
+        <p:spPr>
+          <a:xfrm>
+            <a:off x="240632" y="1995678"/>
+            <a:ext cx="3846736" cy="2660904"/>
+          </a:xfrm>
+          <a:prstGeom prst="rect">
+            <a:avLst/>
+          </a:prstGeom>
+        </p:spPr>
+        <p:txBody>
+          <a:bodyPr spcFirstLastPara="1" vert="horz" lIns="91440" tIns="45720" rIns="91440" bIns="45720" rtlCol="0" anchor="t" anchorCtr="0">
+            <a:normAutofit/>
+          </a:bodyPr>
+          <a:lstStyle/>
+          <a:p>
+            <a:pPr marL="457200" lvl="0" indent="-228600" defTabSz="914400">
+              <a:lnSpc>
+                <a:spcPct val="100000"/>
+              </a:lnSpc>
+              <a:spcBef>
+                <a:spcPts val="0"/>
+              </a:spcBef>
+              <a:buSzPts val="1200"/>
+            </a:pPr>
+            <a:r>
+              <a:rPr lang="en-US" sz="1000" b="1" dirty="0">
+                <a:sym typeface="Arial"/>
+              </a:rPr>
+              <a:t>Symmetric</a:t>
+            </a:r>
+            <a:r>
+              <a:rPr lang="en-US" sz="1000" dirty="0">
+                <a:sym typeface="Arial"/>
+              </a:rPr>
+              <a:t> (</a:t>
+            </a:r>
+            <a:r>
+              <a:rPr lang="en-US" sz="1000" b="1" dirty="0">
+                <a:sym typeface="Arial"/>
+              </a:rPr>
+              <a:t>AES-256 keys</a:t>
+            </a:r>
+            <a:r>
+              <a:rPr lang="en-US" sz="1000" dirty="0">
+                <a:sym typeface="Arial"/>
+              </a:rPr>
+              <a:t>)</a:t>
+            </a:r>
+          </a:p>
+          <a:p>
+            <a:pPr marL="914400" lvl="1" indent="-228600" defTabSz="914400">
+              <a:lnSpc>
+                <a:spcPct val="100000"/>
+              </a:lnSpc>
+              <a:spcBef>
+                <a:spcPts val="0"/>
+              </a:spcBef>
+              <a:buSzPts val="1200"/>
+            </a:pPr>
+            <a:r>
+              <a:rPr lang="en-US" sz="1000" dirty="0">
+                <a:sym typeface="Arial"/>
+              </a:rPr>
+              <a:t>First offering of KMS, single encryption key that is used to Encrypt and Decrypt</a:t>
+            </a:r>
+          </a:p>
+          <a:p>
+            <a:pPr marL="914400" lvl="1" indent="-228600" defTabSz="914400">
+              <a:lnSpc>
+                <a:spcPct val="100000"/>
+              </a:lnSpc>
+              <a:spcBef>
+                <a:spcPts val="0"/>
+              </a:spcBef>
+              <a:buSzPts val="1200"/>
+            </a:pPr>
+            <a:r>
+              <a:rPr lang="en-US" sz="1000" dirty="0">
+                <a:sym typeface="Arial"/>
+              </a:rPr>
+              <a:t>AWS services that are integrated with KMS use Symmetric KMS keys</a:t>
+            </a:r>
+          </a:p>
+          <a:p>
+            <a:pPr marL="914400" lvl="1" indent="-228600" defTabSz="914400">
+              <a:lnSpc>
+                <a:spcPct val="100000"/>
+              </a:lnSpc>
+              <a:spcBef>
+                <a:spcPts val="0"/>
+              </a:spcBef>
+              <a:buSzPts val="1200"/>
+            </a:pPr>
+            <a:r>
+              <a:rPr lang="en-US" sz="1000" dirty="0">
+                <a:sym typeface="Arial"/>
+              </a:rPr>
+              <a:t>Necessary for envelope encryption</a:t>
+            </a:r>
+          </a:p>
+          <a:p>
+            <a:pPr marL="914400" lvl="1" indent="-228600" defTabSz="914400">
+              <a:lnSpc>
+                <a:spcPct val="100000"/>
+              </a:lnSpc>
+              <a:spcBef>
+                <a:spcPts val="0"/>
+              </a:spcBef>
+              <a:buSzPts val="1200"/>
+            </a:pPr>
+            <a:r>
+              <a:rPr lang="en-US" sz="1000" dirty="0">
+                <a:sym typeface="Arial"/>
+              </a:rPr>
+              <a:t>You never get access to the KMS key unencrypted (must call KMS API to use)</a:t>
+            </a:r>
+          </a:p>
+          <a:p>
+            <a:pPr marL="0" lvl="0" indent="-228600" defTabSz="914400">
+              <a:lnSpc>
+                <a:spcPct val="100000"/>
+              </a:lnSpc>
+              <a:spcBef>
+                <a:spcPts val="0"/>
+              </a:spcBef>
+            </a:pPr>
+            <a:endParaRPr lang="en-US" sz="1000" dirty="0">
+              <a:sym typeface="Arial"/>
+            </a:endParaRPr>
+          </a:p>
+          <a:p>
+            <a:pPr marL="457200" lvl="0" indent="-228600" defTabSz="914400">
+              <a:lnSpc>
+                <a:spcPct val="100000"/>
+              </a:lnSpc>
+              <a:spcBef>
+                <a:spcPts val="0"/>
+              </a:spcBef>
+              <a:buSzPts val="1200"/>
+            </a:pPr>
+            <a:r>
+              <a:rPr lang="en-US" sz="1000" b="1" dirty="0">
+                <a:sym typeface="Arial"/>
+              </a:rPr>
+              <a:t>Asymmetric</a:t>
+            </a:r>
+            <a:r>
+              <a:rPr lang="en-US" sz="1000" dirty="0">
+                <a:sym typeface="Arial"/>
+              </a:rPr>
+              <a:t> (</a:t>
+            </a:r>
+            <a:r>
+              <a:rPr lang="en-US" sz="1000" b="1" dirty="0">
+                <a:sym typeface="Arial"/>
+              </a:rPr>
+              <a:t>RSA &amp; ECC key pairs</a:t>
+            </a:r>
+            <a:r>
+              <a:rPr lang="en-US" sz="1000" dirty="0">
+                <a:sym typeface="Arial"/>
+              </a:rPr>
+              <a:t>)</a:t>
+            </a:r>
+          </a:p>
+          <a:p>
+            <a:pPr marL="914400" lvl="1" indent="-228600" defTabSz="914400">
+              <a:lnSpc>
+                <a:spcPct val="100000"/>
+              </a:lnSpc>
+              <a:spcBef>
+                <a:spcPts val="0"/>
+              </a:spcBef>
+              <a:buSzPts val="1200"/>
+            </a:pPr>
+            <a:r>
+              <a:rPr lang="en-US" sz="1000" dirty="0">
+                <a:sym typeface="Arial"/>
+              </a:rPr>
+              <a:t>Public (Encrypt) and Private Key (Decrypt) pair</a:t>
+            </a:r>
+          </a:p>
+          <a:p>
+            <a:pPr marL="914400" lvl="1" indent="-228600" defTabSz="914400">
+              <a:lnSpc>
+                <a:spcPct val="100000"/>
+              </a:lnSpc>
+              <a:spcBef>
+                <a:spcPts val="0"/>
+              </a:spcBef>
+              <a:buSzPts val="1200"/>
+            </a:pPr>
+            <a:r>
+              <a:rPr lang="en-US" sz="1000" dirty="0">
+                <a:sym typeface="Arial"/>
+              </a:rPr>
+              <a:t>Used for Encrypt/Decrypt, or Sign/Verify operations</a:t>
+            </a:r>
+          </a:p>
+          <a:p>
+            <a:pPr marL="914400" lvl="1" indent="-228600" defTabSz="914400">
+              <a:lnSpc>
+                <a:spcPct val="100000"/>
+              </a:lnSpc>
+              <a:spcBef>
+                <a:spcPts val="0"/>
+              </a:spcBef>
+              <a:buSzPts val="1200"/>
+            </a:pPr>
+            <a:r>
+              <a:rPr lang="en-US" sz="1000" dirty="0">
+                <a:sym typeface="Arial"/>
+              </a:rPr>
+              <a:t>The public key is downloadable, but you can’t access the Private Key unencrypted</a:t>
+            </a:r>
+          </a:p>
+          <a:p>
+            <a:pPr marL="914400" lvl="1" indent="-228600" defTabSz="914400">
+              <a:lnSpc>
+                <a:spcPct val="100000"/>
+              </a:lnSpc>
+              <a:spcBef>
+                <a:spcPts val="0"/>
+              </a:spcBef>
+              <a:buSzPts val="1200"/>
+            </a:pPr>
+            <a:r>
+              <a:rPr lang="en-US" sz="1000" dirty="0">
+                <a:sym typeface="Arial"/>
+              </a:rPr>
+              <a:t>Use case: encryption outside of AWS by users who can’t call the KMS API</a:t>
+            </a:r>
+          </a:p>
+        </p:txBody>
+      </p:sp>
+      <p:pic>
+        <p:nvPicPr>
+          <p:cNvPr id="89" name="Google Shape;89;p18"/>
+          <p:cNvPicPr preferRelativeResize="0"/>
+          <p:nvPr/>
+        </p:nvPicPr>
+        <p:blipFill>
+          <a:blip r:embed="rId3"/>
+          <a:stretch>
+            <a:fillRect/>
+          </a:stretch>
+        </p:blipFill>
+        <p:spPr>
+          <a:xfrm>
+            <a:off x="4574286" y="1215538"/>
+            <a:ext cx="4094226" cy="2712424"/>
+          </a:xfrm>
+          <a:prstGeom prst="rect">
+            <a:avLst/>
+          </a:prstGeom>
+          <a:noFill/>
+        </p:spPr>
+      </p:pic>
+    </p:spTree>
+  </p:cSld>
+  <p:clrMapOvr>
+    <a:masterClrMapping/>
+  </p:clrMapOvr>
+</p:sld>
+</file>
+
+<file path=ppt/slides/slide30.xml><?xml version="1.0" encoding="utf-8"?>
 <p:sld xmlns:a="http://schemas.openxmlformats.org/drawingml/2006/main" xmlns:r="http://schemas.openxmlformats.org/officeDocument/2006/relationships" xmlns:p="http://schemas.openxmlformats.org/presentationml/2006/main">
   <p:cSld>
     <p:bg>
@@ -25674,7 +29347,7 @@
 </p:sld>
 </file>
 
-<file path=ppt/slides/slide29.xml><?xml version="1.0" encoding="utf-8"?>
+<file path=ppt/slides/slide31.xml><?xml version="1.0" encoding="utf-8"?>
 <p:sld xmlns:a="http://schemas.openxmlformats.org/drawingml/2006/main" xmlns:r="http://schemas.openxmlformats.org/officeDocument/2006/relationships" xmlns:p="http://schemas.openxmlformats.org/presentationml/2006/main">
   <p:cSld>
     <p:bg>
@@ -27098,923 +30771,7 @@
 </p:sld>
 </file>
 
-<file path=ppt/slides/slide3.xml><?xml version="1.0" encoding="utf-8"?>
-<p:sld xmlns:a="http://schemas.openxmlformats.org/drawingml/2006/main" xmlns:r="http://schemas.openxmlformats.org/officeDocument/2006/relationships" xmlns:p="http://schemas.openxmlformats.org/presentationml/2006/main">
-  <p:cSld>
-    <p:bg>
-      <p:bgPr>
-        <a:solidFill>
-          <a:schemeClr val="bg1"/>
-        </a:solidFill>
-        <a:effectLst/>
-      </p:bgPr>
-    </p:bg>
-    <p:spTree>
-      <p:nvGrpSpPr>
-        <p:cNvPr id="1" name="Shape 86"/>
-        <p:cNvGrpSpPr/>
-        <p:nvPr/>
-      </p:nvGrpSpPr>
-      <p:grpSpPr>
-        <a:xfrm>
-          <a:off x="0" y="0"/>
-          <a:ext cx="0" cy="0"/>
-          <a:chOff x="0" y="0"/>
-          <a:chExt cx="0" cy="0"/>
-        </a:xfrm>
-      </p:grpSpPr>
-      <p:sp useBgFill="1">
-        <p:nvSpPr>
-          <p:cNvPr id="94" name="Rectangle 93">
-            <a:extLst>
-              <a:ext uri="{FF2B5EF4-FFF2-40B4-BE49-F238E27FC236}">
-                <a16:creationId xmlns:a16="http://schemas.microsoft.com/office/drawing/2014/main" id="{743AA782-23D1-4521-8CAD-47662984AA08}"/>
-              </a:ext>
-              <a:ext uri="{C183D7F6-B498-43B3-948B-1728B52AA6E4}">
-                <adec:decorative xmlns:adec="http://schemas.microsoft.com/office/drawing/2017/decorative" val="1"/>
-              </a:ext>
-            </a:extLst>
-          </p:cNvPr>
-          <p:cNvSpPr>
-            <a:spLocks noGrp="1" noRot="1" noChangeAspect="1" noMove="1" noResize="1" noEditPoints="1" noAdjustHandles="1" noChangeArrowheads="1" noChangeShapeType="1" noTextEdit="1"/>
-          </p:cNvSpPr>
-          <p:nvPr>
-            <p:extLst>
-              <p:ext uri="{386F3935-93C4-4BCD-93E2-E3B085C9AB24}">
-                <p16:designElem xmlns:p16="http://schemas.microsoft.com/office/powerpoint/2015/main" val="1"/>
-              </p:ext>
-            </p:extLst>
-          </p:nvPr>
-        </p:nvSpPr>
-        <p:spPr>
-          <a:xfrm>
-            <a:off x="0" y="0"/>
-            <a:ext cx="9144000" cy="5143500"/>
-          </a:xfrm>
-          <a:prstGeom prst="rect">
-            <a:avLst/>
-          </a:prstGeom>
-          <a:ln>
-            <a:noFill/>
-          </a:ln>
-        </p:spPr>
-        <p:style>
-          <a:lnRef idx="2">
-            <a:schemeClr val="accent1">
-              <a:shade val="50000"/>
-            </a:schemeClr>
-          </a:lnRef>
-          <a:fillRef idx="1">
-            <a:schemeClr val="accent1"/>
-          </a:fillRef>
-          <a:effectRef idx="0">
-            <a:schemeClr val="accent1"/>
-          </a:effectRef>
-          <a:fontRef idx="minor">
-            <a:schemeClr val="lt1"/>
-          </a:fontRef>
-        </p:style>
-        <p:txBody>
-          <a:bodyPr rtlCol="0" anchor="ctr"/>
-          <a:lstStyle/>
-          <a:p>
-            <a:pPr algn="ctr"/>
-            <a:endParaRPr lang="en-US"/>
-          </a:p>
-        </p:txBody>
-      </p:sp>
-      <p:sp>
-        <p:nvSpPr>
-          <p:cNvPr id="87" name="Google Shape;87;p18"/>
-          <p:cNvSpPr txBox="1">
-            <a:spLocks noGrp="1"/>
-          </p:cNvSpPr>
-          <p:nvPr>
-            <p:ph type="title"/>
-          </p:nvPr>
-        </p:nvSpPr>
-        <p:spPr>
-          <a:xfrm>
-            <a:off x="473202" y="480060"/>
-            <a:ext cx="3614166" cy="1110996"/>
-          </a:xfrm>
-          <a:prstGeom prst="rect">
-            <a:avLst/>
-          </a:prstGeom>
-        </p:spPr>
-        <p:txBody>
-          <a:bodyPr spcFirstLastPara="1" vert="horz" lIns="91440" tIns="45720" rIns="91440" bIns="45720" rtlCol="0" anchor="b" anchorCtr="0">
-            <a:normAutofit/>
-          </a:bodyPr>
-          <a:lstStyle/>
-          <a:p>
-            <a:pPr marL="0" lvl="0" indent="0" defTabSz="914400">
-              <a:spcAft>
-                <a:spcPts val="0"/>
-              </a:spcAft>
-              <a:buClr>
-                <a:schemeClr val="dk1"/>
-              </a:buClr>
-              <a:buSzPts val="2400"/>
-            </a:pPr>
-            <a:r>
-              <a:rPr lang="en-US" sz="4100" kern="1200">
-                <a:solidFill>
-                  <a:schemeClr val="tx1"/>
-                </a:solidFill>
-                <a:latin typeface="+mj-lt"/>
-                <a:ea typeface="+mj-ea"/>
-                <a:cs typeface="+mj-cs"/>
-                <a:sym typeface="Economica"/>
-              </a:rPr>
-              <a:t>KMS Key Types</a:t>
-            </a:r>
-          </a:p>
-        </p:txBody>
-      </p:sp>
-      <p:sp>
-        <p:nvSpPr>
-          <p:cNvPr id="96" name="sketch line">
-            <a:extLst>
-              <a:ext uri="{FF2B5EF4-FFF2-40B4-BE49-F238E27FC236}">
-                <a16:creationId xmlns:a16="http://schemas.microsoft.com/office/drawing/2014/main" id="{71877DBC-BB60-40F0-AC93-2ACDBAAE60CE}"/>
-              </a:ext>
-              <a:ext uri="{C183D7F6-B498-43B3-948B-1728B52AA6E4}">
-                <adec:decorative xmlns:adec="http://schemas.microsoft.com/office/drawing/2017/decorative" val="1"/>
-              </a:ext>
-            </a:extLst>
-          </p:cNvPr>
-          <p:cNvSpPr>
-            <a:spLocks noGrp="1" noRot="1" noChangeAspect="1" noMove="1" noResize="1" noEditPoints="1" noAdjustHandles="1" noChangeArrowheads="1" noChangeShapeType="1" noTextEdit="1"/>
-          </p:cNvSpPr>
-          <p:nvPr>
-            <p:extLst>
-              <p:ext uri="{386F3935-93C4-4BCD-93E2-E3B085C9AB24}">
-                <p16:designElem xmlns:p16="http://schemas.microsoft.com/office/powerpoint/2015/main" val="1"/>
-              </p:ext>
-            </p:extLst>
-          </p:nvPr>
-        </p:nvSpPr>
-        <p:spPr>
-          <a:xfrm>
-            <a:off x="482458" y="1779651"/>
-            <a:ext cx="2441321" cy="13716"/>
-          </a:xfrm>
-          <a:custGeom>
-            <a:avLst/>
-            <a:gdLst>
-              <a:gd name="connsiteX0" fmla="*/ 0 w 2441321"/>
-              <a:gd name="connsiteY0" fmla="*/ 0 h 13716"/>
-              <a:gd name="connsiteX1" fmla="*/ 585917 w 2441321"/>
-              <a:gd name="connsiteY1" fmla="*/ 0 h 13716"/>
-              <a:gd name="connsiteX2" fmla="*/ 1196247 w 2441321"/>
-              <a:gd name="connsiteY2" fmla="*/ 0 h 13716"/>
-              <a:gd name="connsiteX3" fmla="*/ 1806578 w 2441321"/>
-              <a:gd name="connsiteY3" fmla="*/ 0 h 13716"/>
-              <a:gd name="connsiteX4" fmla="*/ 2441321 w 2441321"/>
-              <a:gd name="connsiteY4" fmla="*/ 0 h 13716"/>
-              <a:gd name="connsiteX5" fmla="*/ 2441321 w 2441321"/>
-              <a:gd name="connsiteY5" fmla="*/ 13716 h 13716"/>
-              <a:gd name="connsiteX6" fmla="*/ 1830991 w 2441321"/>
-              <a:gd name="connsiteY6" fmla="*/ 13716 h 13716"/>
-              <a:gd name="connsiteX7" fmla="*/ 1269487 w 2441321"/>
-              <a:gd name="connsiteY7" fmla="*/ 13716 h 13716"/>
-              <a:gd name="connsiteX8" fmla="*/ 707983 w 2441321"/>
-              <a:gd name="connsiteY8" fmla="*/ 13716 h 13716"/>
-              <a:gd name="connsiteX9" fmla="*/ 0 w 2441321"/>
-              <a:gd name="connsiteY9" fmla="*/ 13716 h 13716"/>
-              <a:gd name="connsiteX10" fmla="*/ 0 w 2441321"/>
-              <a:gd name="connsiteY10" fmla="*/ 0 h 13716"/>
-              <a:gd name="connsiteX0" fmla="*/ 0 w 2441321"/>
-              <a:gd name="connsiteY0" fmla="*/ 0 h 13716"/>
-              <a:gd name="connsiteX1" fmla="*/ 585917 w 2441321"/>
-              <a:gd name="connsiteY1" fmla="*/ 0 h 13716"/>
-              <a:gd name="connsiteX2" fmla="*/ 1123008 w 2441321"/>
-              <a:gd name="connsiteY2" fmla="*/ 0 h 13716"/>
-              <a:gd name="connsiteX3" fmla="*/ 1782164 w 2441321"/>
-              <a:gd name="connsiteY3" fmla="*/ 0 h 13716"/>
-              <a:gd name="connsiteX4" fmla="*/ 2441321 w 2441321"/>
-              <a:gd name="connsiteY4" fmla="*/ 0 h 13716"/>
-              <a:gd name="connsiteX5" fmla="*/ 2441321 w 2441321"/>
-              <a:gd name="connsiteY5" fmla="*/ 13716 h 13716"/>
-              <a:gd name="connsiteX6" fmla="*/ 1879817 w 2441321"/>
-              <a:gd name="connsiteY6" fmla="*/ 13716 h 13716"/>
-              <a:gd name="connsiteX7" fmla="*/ 1318313 w 2441321"/>
-              <a:gd name="connsiteY7" fmla="*/ 13716 h 13716"/>
-              <a:gd name="connsiteX8" fmla="*/ 659157 w 2441321"/>
-              <a:gd name="connsiteY8" fmla="*/ 13716 h 13716"/>
-              <a:gd name="connsiteX9" fmla="*/ 0 w 2441321"/>
-              <a:gd name="connsiteY9" fmla="*/ 13716 h 13716"/>
-              <a:gd name="connsiteX10" fmla="*/ 0 w 2441321"/>
-              <a:gd name="connsiteY10" fmla="*/ 0 h 13716"/>
-            </a:gdLst>
-            <a:ahLst/>
-            <a:cxnLst>
-              <a:cxn ang="0">
-                <a:pos x="connsiteX0" y="connsiteY0"/>
-              </a:cxn>
-              <a:cxn ang="0">
-                <a:pos x="connsiteX1" y="connsiteY1"/>
-              </a:cxn>
-              <a:cxn ang="0">
-                <a:pos x="connsiteX2" y="connsiteY2"/>
-              </a:cxn>
-              <a:cxn ang="0">
-                <a:pos x="connsiteX3" y="connsiteY3"/>
-              </a:cxn>
-              <a:cxn ang="0">
-                <a:pos x="connsiteX4" y="connsiteY4"/>
-              </a:cxn>
-              <a:cxn ang="0">
-                <a:pos x="connsiteX5" y="connsiteY5"/>
-              </a:cxn>
-              <a:cxn ang="0">
-                <a:pos x="connsiteX6" y="connsiteY6"/>
-              </a:cxn>
-              <a:cxn ang="0">
-                <a:pos x="connsiteX7" y="connsiteY7"/>
-              </a:cxn>
-              <a:cxn ang="0">
-                <a:pos x="connsiteX8" y="connsiteY8"/>
-              </a:cxn>
-              <a:cxn ang="0">
-                <a:pos x="connsiteX9" y="connsiteY9"/>
-              </a:cxn>
-              <a:cxn ang="0">
-                <a:pos x="connsiteX10" y="connsiteY10"/>
-              </a:cxn>
-            </a:cxnLst>
-            <a:rect l="l" t="t" r="r" b="b"/>
-            <a:pathLst>
-              <a:path w="2441321" h="13716" fill="none" extrusionOk="0">
-                <a:moveTo>
-                  <a:pt x="0" y="0"/>
-                </a:moveTo>
-                <a:cubicBezTo>
-                  <a:pt x="280302" y="-6619"/>
-                  <a:pt x="363201" y="4913"/>
-                  <a:pt x="585917" y="0"/>
-                </a:cubicBezTo>
-                <a:cubicBezTo>
-                  <a:pt x="832357" y="-10107"/>
-                  <a:pt x="996738" y="-34312"/>
-                  <a:pt x="1196247" y="0"/>
-                </a:cubicBezTo>
-                <a:cubicBezTo>
-                  <a:pt x="1357180" y="16623"/>
-                  <a:pt x="1575042" y="-11041"/>
-                  <a:pt x="1806578" y="0"/>
-                </a:cubicBezTo>
-                <a:cubicBezTo>
-                  <a:pt x="2016334" y="246"/>
-                  <a:pt x="2239353" y="-8732"/>
-                  <a:pt x="2441321" y="0"/>
-                </a:cubicBezTo>
-                <a:cubicBezTo>
-                  <a:pt x="2440988" y="3698"/>
-                  <a:pt x="2440649" y="9400"/>
-                  <a:pt x="2441321" y="13716"/>
-                </a:cubicBezTo>
-                <a:cubicBezTo>
-                  <a:pt x="2159375" y="44437"/>
-                  <a:pt x="2054495" y="41094"/>
-                  <a:pt x="1830991" y="13716"/>
-                </a:cubicBezTo>
-                <a:cubicBezTo>
-                  <a:pt x="1615846" y="2937"/>
-                  <a:pt x="1521674" y="-9994"/>
-                  <a:pt x="1269487" y="13716"/>
-                </a:cubicBezTo>
-                <a:cubicBezTo>
-                  <a:pt x="1019660" y="49388"/>
-                  <a:pt x="886911" y="37779"/>
-                  <a:pt x="707983" y="13716"/>
-                </a:cubicBezTo>
-                <a:cubicBezTo>
-                  <a:pt x="523434" y="22749"/>
-                  <a:pt x="307885" y="29744"/>
-                  <a:pt x="0" y="13716"/>
-                </a:cubicBezTo>
-                <a:cubicBezTo>
-                  <a:pt x="-361" y="7755"/>
-                  <a:pt x="-276" y="2718"/>
-                  <a:pt x="0" y="0"/>
-                </a:cubicBezTo>
-                <a:close/>
-              </a:path>
-              <a:path w="2441321" h="13716" stroke="0" extrusionOk="0">
-                <a:moveTo>
-                  <a:pt x="0" y="0"/>
-                </a:moveTo>
-                <a:cubicBezTo>
-                  <a:pt x="212126" y="-10265"/>
-                  <a:pt x="442910" y="-11728"/>
-                  <a:pt x="585917" y="0"/>
-                </a:cubicBezTo>
-                <a:cubicBezTo>
-                  <a:pt x="724579" y="21751"/>
-                  <a:pt x="879365" y="-33198"/>
-                  <a:pt x="1123008" y="0"/>
-                </a:cubicBezTo>
-                <a:cubicBezTo>
-                  <a:pt x="1377247" y="11220"/>
-                  <a:pt x="1597861" y="-34280"/>
-                  <a:pt x="1782164" y="0"/>
-                </a:cubicBezTo>
-                <a:cubicBezTo>
-                  <a:pt x="1975975" y="-3055"/>
-                  <a:pt x="2116392" y="-15531"/>
-                  <a:pt x="2441321" y="0"/>
-                </a:cubicBezTo>
-                <a:cubicBezTo>
-                  <a:pt x="2441197" y="4300"/>
-                  <a:pt x="2441101" y="8760"/>
-                  <a:pt x="2441321" y="13716"/>
-                </a:cubicBezTo>
-                <a:cubicBezTo>
-                  <a:pt x="2180658" y="13750"/>
-                  <a:pt x="2084222" y="1362"/>
-                  <a:pt x="1879817" y="13716"/>
-                </a:cubicBezTo>
-                <a:cubicBezTo>
-                  <a:pt x="1668182" y="11650"/>
-                  <a:pt x="1551159" y="-11049"/>
-                  <a:pt x="1318313" y="13716"/>
-                </a:cubicBezTo>
-                <a:cubicBezTo>
-                  <a:pt x="1059871" y="51823"/>
-                  <a:pt x="901959" y="19259"/>
-                  <a:pt x="659157" y="13716"/>
-                </a:cubicBezTo>
-                <a:cubicBezTo>
-                  <a:pt x="444692" y="23911"/>
-                  <a:pt x="245032" y="35310"/>
-                  <a:pt x="0" y="13716"/>
-                </a:cubicBezTo>
-                <a:cubicBezTo>
-                  <a:pt x="124" y="7937"/>
-                  <a:pt x="389" y="2990"/>
-                  <a:pt x="0" y="0"/>
-                </a:cubicBezTo>
-                <a:close/>
-              </a:path>
-              <a:path w="2441321" h="13716" fill="none" stroke="0" extrusionOk="0">
-                <a:moveTo>
-                  <a:pt x="0" y="0"/>
-                </a:moveTo>
-                <a:cubicBezTo>
-                  <a:pt x="265389" y="-22361"/>
-                  <a:pt x="344845" y="-65"/>
-                  <a:pt x="585917" y="0"/>
-                </a:cubicBezTo>
-                <a:cubicBezTo>
-                  <a:pt x="858472" y="13102"/>
-                  <a:pt x="949265" y="-8078"/>
-                  <a:pt x="1196247" y="0"/>
-                </a:cubicBezTo>
-                <a:cubicBezTo>
-                  <a:pt x="1379248" y="30707"/>
-                  <a:pt x="1585336" y="24963"/>
-                  <a:pt x="1806578" y="0"/>
-                </a:cubicBezTo>
-                <a:cubicBezTo>
-                  <a:pt x="1986731" y="-19207"/>
-                  <a:pt x="2264933" y="16601"/>
-                  <a:pt x="2441321" y="0"/>
-                </a:cubicBezTo>
-                <a:cubicBezTo>
-                  <a:pt x="2441661" y="4449"/>
-                  <a:pt x="2442057" y="7876"/>
-                  <a:pt x="2441321" y="13716"/>
-                </a:cubicBezTo>
-                <a:cubicBezTo>
-                  <a:pt x="2149099" y="22776"/>
-                  <a:pt x="2027305" y="51898"/>
-                  <a:pt x="1830991" y="13716"/>
-                </a:cubicBezTo>
-                <a:cubicBezTo>
-                  <a:pt x="1614571" y="-23336"/>
-                  <a:pt x="1500998" y="6155"/>
-                  <a:pt x="1269487" y="13716"/>
-                </a:cubicBezTo>
-                <a:cubicBezTo>
-                  <a:pt x="1042399" y="33262"/>
-                  <a:pt x="927922" y="41250"/>
-                  <a:pt x="707983" y="13716"/>
-                </a:cubicBezTo>
-                <a:cubicBezTo>
-                  <a:pt x="502575" y="-9952"/>
-                  <a:pt x="350393" y="29927"/>
-                  <a:pt x="0" y="13716"/>
-                </a:cubicBezTo>
-                <a:cubicBezTo>
-                  <a:pt x="-248" y="8631"/>
-                  <a:pt x="228" y="3134"/>
-                  <a:pt x="0" y="0"/>
-                </a:cubicBezTo>
-                <a:close/>
-              </a:path>
-            </a:pathLst>
-          </a:custGeom>
-          <a:solidFill>
-            <a:schemeClr val="accent2"/>
-          </a:solidFill>
-          <a:ln w="38100" cap="rnd">
-            <a:solidFill>
-              <a:schemeClr val="accent2"/>
-            </a:solidFill>
-            <a:round/>
-            <a:extLst>
-              <a:ext uri="{C807C97D-BFC1-408E-A445-0C87EB9F89A2}">
-                <ask:lineSketchStyleProps xmlns:ask="http://schemas.microsoft.com/office/drawing/2018/sketchyshapes" sd="1219033472">
-                  <a:custGeom>
-                    <a:avLst/>
-                    <a:gdLst>
-                      <a:gd name="connsiteX0" fmla="*/ 0 w 2441321"/>
-                      <a:gd name="connsiteY0" fmla="*/ 0 h 13716"/>
-                      <a:gd name="connsiteX1" fmla="*/ 585917 w 2441321"/>
-                      <a:gd name="connsiteY1" fmla="*/ 0 h 13716"/>
-                      <a:gd name="connsiteX2" fmla="*/ 1196247 w 2441321"/>
-                      <a:gd name="connsiteY2" fmla="*/ 0 h 13716"/>
-                      <a:gd name="connsiteX3" fmla="*/ 1806578 w 2441321"/>
-                      <a:gd name="connsiteY3" fmla="*/ 0 h 13716"/>
-                      <a:gd name="connsiteX4" fmla="*/ 2441321 w 2441321"/>
-                      <a:gd name="connsiteY4" fmla="*/ 0 h 13716"/>
-                      <a:gd name="connsiteX5" fmla="*/ 2441321 w 2441321"/>
-                      <a:gd name="connsiteY5" fmla="*/ 13716 h 13716"/>
-                      <a:gd name="connsiteX6" fmla="*/ 1830991 w 2441321"/>
-                      <a:gd name="connsiteY6" fmla="*/ 13716 h 13716"/>
-                      <a:gd name="connsiteX7" fmla="*/ 1269487 w 2441321"/>
-                      <a:gd name="connsiteY7" fmla="*/ 13716 h 13716"/>
-                      <a:gd name="connsiteX8" fmla="*/ 707983 w 2441321"/>
-                      <a:gd name="connsiteY8" fmla="*/ 13716 h 13716"/>
-                      <a:gd name="connsiteX9" fmla="*/ 0 w 2441321"/>
-                      <a:gd name="connsiteY9" fmla="*/ 13716 h 13716"/>
-                      <a:gd name="connsiteX10" fmla="*/ 0 w 2441321"/>
-                      <a:gd name="connsiteY10" fmla="*/ 0 h 13716"/>
-                    </a:gdLst>
-                    <a:ahLst/>
-                    <a:cxnLst>
-                      <a:cxn ang="0">
-                        <a:pos x="connsiteX0" y="connsiteY0"/>
-                      </a:cxn>
-                      <a:cxn ang="0">
-                        <a:pos x="connsiteX1" y="connsiteY1"/>
-                      </a:cxn>
-                      <a:cxn ang="0">
-                        <a:pos x="connsiteX2" y="connsiteY2"/>
-                      </a:cxn>
-                      <a:cxn ang="0">
-                        <a:pos x="connsiteX3" y="connsiteY3"/>
-                      </a:cxn>
-                      <a:cxn ang="0">
-                        <a:pos x="connsiteX4" y="connsiteY4"/>
-                      </a:cxn>
-                      <a:cxn ang="0">
-                        <a:pos x="connsiteX5" y="connsiteY5"/>
-                      </a:cxn>
-                      <a:cxn ang="0">
-                        <a:pos x="connsiteX6" y="connsiteY6"/>
-                      </a:cxn>
-                      <a:cxn ang="0">
-                        <a:pos x="connsiteX7" y="connsiteY7"/>
-                      </a:cxn>
-                      <a:cxn ang="0">
-                        <a:pos x="connsiteX8" y="connsiteY8"/>
-                      </a:cxn>
-                      <a:cxn ang="0">
-                        <a:pos x="connsiteX9" y="connsiteY9"/>
-                      </a:cxn>
-                      <a:cxn ang="0">
-                        <a:pos x="connsiteX10" y="connsiteY10"/>
-                      </a:cxn>
-                    </a:cxnLst>
-                    <a:rect l="l" t="t" r="r" b="b"/>
-                    <a:pathLst>
-                      <a:path w="2441321" h="13716" fill="none" extrusionOk="0">
-                        <a:moveTo>
-                          <a:pt x="0" y="0"/>
-                        </a:moveTo>
-                        <a:cubicBezTo>
-                          <a:pt x="273217" y="-17533"/>
-                          <a:pt x="355785" y="-4171"/>
-                          <a:pt x="585917" y="0"/>
-                        </a:cubicBezTo>
-                        <a:cubicBezTo>
-                          <a:pt x="816049" y="4171"/>
-                          <a:pt x="991446" y="-9419"/>
-                          <a:pt x="1196247" y="0"/>
-                        </a:cubicBezTo>
-                        <a:cubicBezTo>
-                          <a:pt x="1401048" y="9419"/>
-                          <a:pt x="1589984" y="-731"/>
-                          <a:pt x="1806578" y="0"/>
-                        </a:cubicBezTo>
-                        <a:cubicBezTo>
-                          <a:pt x="2023172" y="731"/>
-                          <a:pt x="2247754" y="8393"/>
-                          <a:pt x="2441321" y="0"/>
-                        </a:cubicBezTo>
-                        <a:cubicBezTo>
-                          <a:pt x="2440939" y="4363"/>
-                          <a:pt x="2441580" y="8857"/>
-                          <a:pt x="2441321" y="13716"/>
-                        </a:cubicBezTo>
-                        <a:cubicBezTo>
-                          <a:pt x="2169723" y="25934"/>
-                          <a:pt x="2045712" y="34568"/>
-                          <a:pt x="1830991" y="13716"/>
-                        </a:cubicBezTo>
-                        <a:cubicBezTo>
-                          <a:pt x="1616270" y="-7136"/>
-                          <a:pt x="1505876" y="-623"/>
-                          <a:pt x="1269487" y="13716"/>
-                        </a:cubicBezTo>
-                        <a:cubicBezTo>
-                          <a:pt x="1033098" y="28055"/>
-                          <a:pt x="908661" y="36619"/>
-                          <a:pt x="707983" y="13716"/>
-                        </a:cubicBezTo>
-                        <a:cubicBezTo>
-                          <a:pt x="507305" y="-9187"/>
-                          <a:pt x="333592" y="16187"/>
-                          <a:pt x="0" y="13716"/>
-                        </a:cubicBezTo>
-                        <a:cubicBezTo>
-                          <a:pt x="-459" y="8317"/>
-                          <a:pt x="190" y="2744"/>
-                          <a:pt x="0" y="0"/>
-                        </a:cubicBezTo>
-                        <a:close/>
-                      </a:path>
-                      <a:path w="2441321" h="13716" stroke="0" extrusionOk="0">
-                        <a:moveTo>
-                          <a:pt x="0" y="0"/>
-                        </a:moveTo>
-                        <a:cubicBezTo>
-                          <a:pt x="207071" y="-14617"/>
-                          <a:pt x="444194" y="-15606"/>
-                          <a:pt x="585917" y="0"/>
-                        </a:cubicBezTo>
-                        <a:cubicBezTo>
-                          <a:pt x="727640" y="15606"/>
-                          <a:pt x="904326" y="-79"/>
-                          <a:pt x="1123008" y="0"/>
-                        </a:cubicBezTo>
-                        <a:cubicBezTo>
-                          <a:pt x="1341690" y="79"/>
-                          <a:pt x="1600014" y="10401"/>
-                          <a:pt x="1782164" y="0"/>
-                        </a:cubicBezTo>
-                        <a:cubicBezTo>
-                          <a:pt x="1964314" y="-10401"/>
-                          <a:pt x="2143537" y="-21488"/>
-                          <a:pt x="2441321" y="0"/>
-                        </a:cubicBezTo>
-                        <a:cubicBezTo>
-                          <a:pt x="2441507" y="3335"/>
-                          <a:pt x="2441322" y="9457"/>
-                          <a:pt x="2441321" y="13716"/>
-                        </a:cubicBezTo>
-                        <a:cubicBezTo>
-                          <a:pt x="2166745" y="24201"/>
-                          <a:pt x="2078726" y="10904"/>
-                          <a:pt x="1879817" y="13716"/>
-                        </a:cubicBezTo>
-                        <a:cubicBezTo>
-                          <a:pt x="1680908" y="16528"/>
-                          <a:pt x="1548770" y="-8699"/>
-                          <a:pt x="1318313" y="13716"/>
-                        </a:cubicBezTo>
-                        <a:cubicBezTo>
-                          <a:pt x="1087856" y="36131"/>
-                          <a:pt x="894613" y="-645"/>
-                          <a:pt x="659157" y="13716"/>
-                        </a:cubicBezTo>
-                        <a:cubicBezTo>
-                          <a:pt x="423701" y="28077"/>
-                          <a:pt x="246611" y="29403"/>
-                          <a:pt x="0" y="13716"/>
-                        </a:cubicBezTo>
-                        <a:cubicBezTo>
-                          <a:pt x="-120" y="7867"/>
-                          <a:pt x="674" y="3919"/>
-                          <a:pt x="0" y="0"/>
-                        </a:cubicBezTo>
-                        <a:close/>
-                      </a:path>
-                    </a:pathLst>
-                  </a:custGeom>
-                  <ask:type>
-                    <ask:lineSketchFreehand/>
-                  </ask:type>
-                </ask:lineSketchStyleProps>
-              </a:ext>
-            </a:extLst>
-          </a:ln>
-        </p:spPr>
-        <p:style>
-          <a:lnRef idx="2">
-            <a:schemeClr val="accent1">
-              <a:shade val="50000"/>
-            </a:schemeClr>
-          </a:lnRef>
-          <a:fillRef idx="1">
-            <a:schemeClr val="accent1"/>
-          </a:fillRef>
-          <a:effectRef idx="0">
-            <a:schemeClr val="accent1"/>
-          </a:effectRef>
-          <a:fontRef idx="minor">
-            <a:schemeClr val="lt1"/>
-          </a:fontRef>
-        </p:style>
-        <p:txBody>
-          <a:bodyPr rtlCol="0" anchor="ctr"/>
-          <a:lstStyle/>
-          <a:p>
-            <a:pPr algn="ctr"/>
-            <a:endParaRPr lang="en-US"/>
-          </a:p>
-        </p:txBody>
-      </p:sp>
-      <p:sp>
-        <p:nvSpPr>
-          <p:cNvPr id="88" name="Google Shape;88;p18"/>
-          <p:cNvSpPr txBox="1">
-            <a:spLocks noGrp="1"/>
-          </p:cNvSpPr>
-          <p:nvPr>
-            <p:ph sz="half" idx="1"/>
-          </p:nvPr>
-        </p:nvSpPr>
-        <p:spPr>
-          <a:xfrm>
-            <a:off x="240632" y="1995678"/>
-            <a:ext cx="3846736" cy="2660904"/>
-          </a:xfrm>
-          <a:prstGeom prst="rect">
-            <a:avLst/>
-          </a:prstGeom>
-        </p:spPr>
-        <p:txBody>
-          <a:bodyPr spcFirstLastPara="1" vert="horz" lIns="91440" tIns="45720" rIns="91440" bIns="45720" rtlCol="0" anchor="t" anchorCtr="0">
-            <a:normAutofit/>
-          </a:bodyPr>
-          <a:lstStyle/>
-          <a:p>
-            <a:pPr marL="457200" lvl="0" indent="-228600" defTabSz="914400">
-              <a:lnSpc>
-                <a:spcPct val="100000"/>
-              </a:lnSpc>
-              <a:spcBef>
-                <a:spcPts val="0"/>
-              </a:spcBef>
-              <a:buSzPts val="1200"/>
-            </a:pPr>
-            <a:r>
-              <a:rPr lang="en-US" sz="1000" b="1" dirty="0">
-                <a:sym typeface="Arial"/>
-              </a:rPr>
-              <a:t>Symmetric</a:t>
-            </a:r>
-            <a:r>
-              <a:rPr lang="en-US" sz="1000" dirty="0">
-                <a:sym typeface="Arial"/>
-              </a:rPr>
-              <a:t> (</a:t>
-            </a:r>
-            <a:r>
-              <a:rPr lang="en-US" sz="1000" b="1" dirty="0">
-                <a:sym typeface="Arial"/>
-              </a:rPr>
-              <a:t>AES-256 keys</a:t>
-            </a:r>
-            <a:r>
-              <a:rPr lang="en-US" sz="1000" dirty="0">
-                <a:sym typeface="Arial"/>
-              </a:rPr>
-              <a:t>)</a:t>
-            </a:r>
-          </a:p>
-          <a:p>
-            <a:pPr marL="914400" lvl="1" indent="-228600" defTabSz="914400">
-              <a:lnSpc>
-                <a:spcPct val="100000"/>
-              </a:lnSpc>
-              <a:spcBef>
-                <a:spcPts val="0"/>
-              </a:spcBef>
-              <a:buSzPts val="1200"/>
-            </a:pPr>
-            <a:r>
-              <a:rPr lang="en-US" sz="1000" dirty="0">
-                <a:sym typeface="Arial"/>
-              </a:rPr>
-              <a:t>First offering of KMS, single encryption key that is used to Encrypt and Decrypt</a:t>
-            </a:r>
-          </a:p>
-          <a:p>
-            <a:pPr marL="914400" lvl="1" indent="-228600" defTabSz="914400">
-              <a:lnSpc>
-                <a:spcPct val="100000"/>
-              </a:lnSpc>
-              <a:spcBef>
-                <a:spcPts val="0"/>
-              </a:spcBef>
-              <a:buSzPts val="1200"/>
-            </a:pPr>
-            <a:r>
-              <a:rPr lang="en-US" sz="1000" dirty="0">
-                <a:sym typeface="Arial"/>
-              </a:rPr>
-              <a:t>AWS services that are integrated with KMS use Symmetric KMS keys</a:t>
-            </a:r>
-          </a:p>
-          <a:p>
-            <a:pPr marL="914400" lvl="1" indent="-228600" defTabSz="914400">
-              <a:lnSpc>
-                <a:spcPct val="100000"/>
-              </a:lnSpc>
-              <a:spcBef>
-                <a:spcPts val="0"/>
-              </a:spcBef>
-              <a:buSzPts val="1200"/>
-            </a:pPr>
-            <a:r>
-              <a:rPr lang="en-US" sz="1000" dirty="0">
-                <a:sym typeface="Arial"/>
-              </a:rPr>
-              <a:t>Necessary for envelope encryption</a:t>
-            </a:r>
-          </a:p>
-          <a:p>
-            <a:pPr marL="914400" lvl="1" indent="-228600" defTabSz="914400">
-              <a:lnSpc>
-                <a:spcPct val="100000"/>
-              </a:lnSpc>
-              <a:spcBef>
-                <a:spcPts val="0"/>
-              </a:spcBef>
-              <a:buSzPts val="1200"/>
-            </a:pPr>
-            <a:r>
-              <a:rPr lang="en-US" sz="1000" dirty="0">
-                <a:sym typeface="Arial"/>
-              </a:rPr>
-              <a:t>You never get access to the KMS key unencrypted (must call KMS API to use)</a:t>
-            </a:r>
-          </a:p>
-          <a:p>
-            <a:pPr marL="0" lvl="0" indent="-228600" defTabSz="914400">
-              <a:lnSpc>
-                <a:spcPct val="100000"/>
-              </a:lnSpc>
-              <a:spcBef>
-                <a:spcPts val="0"/>
-              </a:spcBef>
-            </a:pPr>
-            <a:endParaRPr lang="en-US" sz="1000" dirty="0">
-              <a:sym typeface="Arial"/>
-            </a:endParaRPr>
-          </a:p>
-          <a:p>
-            <a:pPr marL="457200" lvl="0" indent="-228600" defTabSz="914400">
-              <a:lnSpc>
-                <a:spcPct val="100000"/>
-              </a:lnSpc>
-              <a:spcBef>
-                <a:spcPts val="0"/>
-              </a:spcBef>
-              <a:buSzPts val="1200"/>
-            </a:pPr>
-            <a:r>
-              <a:rPr lang="en-US" sz="1000" b="1" dirty="0">
-                <a:sym typeface="Arial"/>
-              </a:rPr>
-              <a:t>Asymmetric</a:t>
-            </a:r>
-            <a:r>
-              <a:rPr lang="en-US" sz="1000" dirty="0">
-                <a:sym typeface="Arial"/>
-              </a:rPr>
-              <a:t> (</a:t>
-            </a:r>
-            <a:r>
-              <a:rPr lang="en-US" sz="1000" b="1" dirty="0">
-                <a:sym typeface="Arial"/>
-              </a:rPr>
-              <a:t>RSA &amp; ECC key pairs</a:t>
-            </a:r>
-            <a:r>
-              <a:rPr lang="en-US" sz="1000" dirty="0">
-                <a:sym typeface="Arial"/>
-              </a:rPr>
-              <a:t>)</a:t>
-            </a:r>
-          </a:p>
-          <a:p>
-            <a:pPr marL="914400" lvl="1" indent="-228600" defTabSz="914400">
-              <a:lnSpc>
-                <a:spcPct val="100000"/>
-              </a:lnSpc>
-              <a:spcBef>
-                <a:spcPts val="0"/>
-              </a:spcBef>
-              <a:buSzPts val="1200"/>
-            </a:pPr>
-            <a:r>
-              <a:rPr lang="en-US" sz="1000" dirty="0">
-                <a:sym typeface="Arial"/>
-              </a:rPr>
-              <a:t>Public (Encrypt) and Private Key (Decrypt) pair</a:t>
-            </a:r>
-          </a:p>
-          <a:p>
-            <a:pPr marL="914400" lvl="1" indent="-228600" defTabSz="914400">
-              <a:lnSpc>
-                <a:spcPct val="100000"/>
-              </a:lnSpc>
-              <a:spcBef>
-                <a:spcPts val="0"/>
-              </a:spcBef>
-              <a:buSzPts val="1200"/>
-            </a:pPr>
-            <a:r>
-              <a:rPr lang="en-US" sz="1000" dirty="0">
-                <a:sym typeface="Arial"/>
-              </a:rPr>
-              <a:t>Used for Encrypt/Decrypt, or Sign/Verify operations</a:t>
-            </a:r>
-          </a:p>
-          <a:p>
-            <a:pPr marL="914400" lvl="1" indent="-228600" defTabSz="914400">
-              <a:lnSpc>
-                <a:spcPct val="100000"/>
-              </a:lnSpc>
-              <a:spcBef>
-                <a:spcPts val="0"/>
-              </a:spcBef>
-              <a:buSzPts val="1200"/>
-            </a:pPr>
-            <a:r>
-              <a:rPr lang="en-US" sz="1000" dirty="0">
-                <a:sym typeface="Arial"/>
-              </a:rPr>
-              <a:t>The public key is downloadable, but you can’t access the Private Key unencrypted</a:t>
-            </a:r>
-          </a:p>
-          <a:p>
-            <a:pPr marL="914400" lvl="1" indent="-228600" defTabSz="914400">
-              <a:lnSpc>
-                <a:spcPct val="100000"/>
-              </a:lnSpc>
-              <a:spcBef>
-                <a:spcPts val="0"/>
-              </a:spcBef>
-              <a:buSzPts val="1200"/>
-            </a:pPr>
-            <a:r>
-              <a:rPr lang="en-US" sz="1000" dirty="0">
-                <a:sym typeface="Arial"/>
-              </a:rPr>
-              <a:t>Use case: encryption outside of AWS by users who can’t call the KMS API</a:t>
-            </a:r>
-          </a:p>
-        </p:txBody>
-      </p:sp>
-      <p:pic>
-        <p:nvPicPr>
-          <p:cNvPr id="89" name="Google Shape;89;p18"/>
-          <p:cNvPicPr preferRelativeResize="0"/>
-          <p:nvPr/>
-        </p:nvPicPr>
-        <p:blipFill>
-          <a:blip r:embed="rId3"/>
-          <a:stretch>
-            <a:fillRect/>
-          </a:stretch>
-        </p:blipFill>
-        <p:spPr>
-          <a:xfrm>
-            <a:off x="4574286" y="1215538"/>
-            <a:ext cx="4094226" cy="2712424"/>
-          </a:xfrm>
-          <a:prstGeom prst="rect">
-            <a:avLst/>
-          </a:prstGeom>
-          <a:noFill/>
-        </p:spPr>
-      </p:pic>
-    </p:spTree>
-  </p:cSld>
-  <p:clrMapOvr>
-    <a:masterClrMapping/>
-  </p:clrMapOvr>
-</p:sld>
-</file>
-
-<file path=ppt/slides/slide30.xml><?xml version="1.0" encoding="utf-8"?>
+<file path=ppt/slides/slide32.xml><?xml version="1.0" encoding="utf-8"?>
 <p:sld xmlns:a="http://schemas.openxmlformats.org/drawingml/2006/main" xmlns:r="http://schemas.openxmlformats.org/officeDocument/2006/relationships" xmlns:p="http://schemas.openxmlformats.org/presentationml/2006/main">
   <p:cSld>
     <p:bg>
@@ -28771,7 +31528,7 @@
 </p:sld>
 </file>
 
-<file path=ppt/slides/slide31.xml><?xml version="1.0" encoding="utf-8"?>
+<file path=ppt/slides/slide33.xml><?xml version="1.0" encoding="utf-8"?>
 <p:sld xmlns:a="http://schemas.openxmlformats.org/drawingml/2006/main" xmlns:r="http://schemas.openxmlformats.org/officeDocument/2006/relationships" xmlns:p="http://schemas.openxmlformats.org/presentationml/2006/main">
   <p:cSld>
     <p:bg>
@@ -29565,7 +32322,7 @@
 </p:sld>
 </file>
 
-<file path=ppt/slides/slide32.xml><?xml version="1.0" encoding="utf-8"?>
+<file path=ppt/slides/slide34.xml><?xml version="1.0" encoding="utf-8"?>
 <p:sld xmlns:a="http://schemas.openxmlformats.org/drawingml/2006/main" xmlns:r="http://schemas.openxmlformats.org/officeDocument/2006/relationships" xmlns:p="http://schemas.openxmlformats.org/presentationml/2006/main">
   <p:cSld>
     <p:bg>
@@ -30338,7 +33095,7 @@
 </p:sld>
 </file>
 
-<file path=ppt/slides/slide33.xml><?xml version="1.0" encoding="utf-8"?>
+<file path=ppt/slides/slide35.xml><?xml version="1.0" encoding="utf-8"?>
 <p:sld xmlns:a="http://schemas.openxmlformats.org/drawingml/2006/main" xmlns:r="http://schemas.openxmlformats.org/officeDocument/2006/relationships" xmlns:p="http://schemas.openxmlformats.org/presentationml/2006/main">
   <p:cSld>
     <p:bg>
@@ -31179,7 +33936,7 @@
 </p:sld>
 </file>
 
-<file path=ppt/slides/slide34.xml><?xml version="1.0" encoding="utf-8"?>
+<file path=ppt/slides/slide36.xml><?xml version="1.0" encoding="utf-8"?>
 <p:sld xmlns:a="http://schemas.openxmlformats.org/drawingml/2006/main" xmlns:r="http://schemas.openxmlformats.org/officeDocument/2006/relationships" xmlns:p="http://schemas.openxmlformats.org/presentationml/2006/main">
   <p:cSld>
     <p:bg>
@@ -31954,7 +34711,7 @@
 </p:sld>
 </file>
 
-<file path=ppt/slides/slide35.xml><?xml version="1.0" encoding="utf-8"?>
+<file path=ppt/slides/slide37.xml><?xml version="1.0" encoding="utf-8"?>
 <p:sld xmlns:a="http://schemas.openxmlformats.org/drawingml/2006/main" xmlns:r="http://schemas.openxmlformats.org/officeDocument/2006/relationships" xmlns:p="http://schemas.openxmlformats.org/presentationml/2006/main">
   <p:cSld>
     <p:bg>
@@ -32122,7 +34879,7 @@
 </p:sld>
 </file>
 
-<file path=ppt/slides/slide36.xml><?xml version="1.0" encoding="utf-8"?>
+<file path=ppt/slides/slide38.xml><?xml version="1.0" encoding="utf-8"?>
 <p:sld xmlns:a="http://schemas.openxmlformats.org/drawingml/2006/main" xmlns:r="http://schemas.openxmlformats.org/officeDocument/2006/relationships" xmlns:p="http://schemas.openxmlformats.org/presentationml/2006/main">
   <p:cSld>
     <p:bg>
@@ -32290,7 +35047,7 @@
 </p:sld>
 </file>
 
-<file path=ppt/slides/slide37.xml><?xml version="1.0" encoding="utf-8"?>
+<file path=ppt/slides/slide39.xml><?xml version="1.0" encoding="utf-8"?>
 <p:sld xmlns:a="http://schemas.openxmlformats.org/drawingml/2006/main" xmlns:r="http://schemas.openxmlformats.org/officeDocument/2006/relationships" xmlns:p="http://schemas.openxmlformats.org/presentationml/2006/main">
   <p:cSld>
     <p:bg>
@@ -32443,636 +35200,6 @@
           <a:xfrm>
             <a:off x="482600" y="1391166"/>
             <a:ext cx="8178799" cy="3026156"/>
-          </a:xfrm>
-          <a:prstGeom prst="rect">
-            <a:avLst/>
-          </a:prstGeom>
-          <a:noFill/>
-        </p:spPr>
-      </p:pic>
-    </p:spTree>
-  </p:cSld>
-  <p:clrMapOvr>
-    <a:masterClrMapping/>
-  </p:clrMapOvr>
-</p:sld>
-</file>
-
-<file path=ppt/slides/slide38.xml><?xml version="1.0" encoding="utf-8"?>
-<p:sld xmlns:a="http://schemas.openxmlformats.org/drawingml/2006/main" xmlns:r="http://schemas.openxmlformats.org/officeDocument/2006/relationships" xmlns:p="http://schemas.openxmlformats.org/presentationml/2006/main">
-  <p:cSld>
-    <p:bg>
-      <p:bgPr>
-        <a:solidFill>
-          <a:schemeClr val="bg1"/>
-        </a:solidFill>
-        <a:effectLst/>
-      </p:bgPr>
-    </p:bg>
-    <p:spTree>
-      <p:nvGrpSpPr>
-        <p:cNvPr id="1" name="Shape 328"/>
-        <p:cNvGrpSpPr/>
-        <p:nvPr/>
-      </p:nvGrpSpPr>
-      <p:grpSpPr>
-        <a:xfrm>
-          <a:off x="0" y="0"/>
-          <a:ext cx="0" cy="0"/>
-          <a:chOff x="0" y="0"/>
-          <a:chExt cx="0" cy="0"/>
-        </a:xfrm>
-      </p:grpSpPr>
-      <p:sp>
-        <p:nvSpPr>
-          <p:cNvPr id="335" name="Rectangle 334">
-            <a:extLst>
-              <a:ext uri="{FF2B5EF4-FFF2-40B4-BE49-F238E27FC236}">
-                <a16:creationId xmlns:a16="http://schemas.microsoft.com/office/drawing/2014/main" id="{A4AC5506-6312-4701-8D3C-40187889A947}"/>
-              </a:ext>
-              <a:ext uri="{C183D7F6-B498-43B3-948B-1728B52AA6E4}">
-                <adec:decorative xmlns:adec="http://schemas.microsoft.com/office/drawing/2017/decorative" val="1"/>
-              </a:ext>
-            </a:extLst>
-          </p:cNvPr>
-          <p:cNvSpPr>
-            <a:spLocks noGrp="1" noRot="1" noChangeAspect="1" noMove="1" noResize="1" noEditPoints="1" noAdjustHandles="1" noChangeArrowheads="1" noChangeShapeType="1" noTextEdit="1"/>
-          </p:cNvSpPr>
-          <p:nvPr>
-            <p:extLst>
-              <p:ext uri="{386F3935-93C4-4BCD-93E2-E3B085C9AB24}">
-                <p16:designElem xmlns:p16="http://schemas.microsoft.com/office/powerpoint/2015/main" val="1"/>
-              </p:ext>
-            </p:extLst>
-          </p:nvPr>
-        </p:nvSpPr>
-        <p:spPr>
-          <a:xfrm>
-            <a:off x="0" y="488814"/>
-            <a:ext cx="9144000" cy="552413"/>
-          </a:xfrm>
-          <a:prstGeom prst="rect">
-            <a:avLst/>
-          </a:prstGeom>
-          <a:solidFill>
-            <a:schemeClr val="tx1"/>
-          </a:solidFill>
-          <a:ln>
-            <a:noFill/>
-          </a:ln>
-        </p:spPr>
-        <p:style>
-          <a:lnRef idx="2">
-            <a:schemeClr val="accent1">
-              <a:shade val="50000"/>
-            </a:schemeClr>
-          </a:lnRef>
-          <a:fillRef idx="1">
-            <a:schemeClr val="accent1"/>
-          </a:fillRef>
-          <a:effectRef idx="0">
-            <a:schemeClr val="accent1"/>
-          </a:effectRef>
-          <a:fontRef idx="minor">
-            <a:schemeClr val="lt1"/>
-          </a:fontRef>
-        </p:style>
-        <p:txBody>
-          <a:bodyPr rtlCol="0" anchor="ctr"/>
-          <a:lstStyle/>
-          <a:p>
-            <a:pPr algn="ctr"/>
-            <a:endParaRPr lang="en-US"/>
-          </a:p>
-        </p:txBody>
-      </p:sp>
-      <p:sp>
-        <p:nvSpPr>
-          <p:cNvPr id="329" name="Google Shape;329;p54"/>
-          <p:cNvSpPr txBox="1">
-            <a:spLocks noGrp="1"/>
-          </p:cNvSpPr>
-          <p:nvPr>
-            <p:ph type="title"/>
-          </p:nvPr>
-        </p:nvSpPr>
-        <p:spPr>
-          <a:xfrm>
-            <a:off x="417399" y="482600"/>
-            <a:ext cx="8408193" cy="558627"/>
-          </a:xfrm>
-          <a:prstGeom prst="rect">
-            <a:avLst/>
-          </a:prstGeom>
-        </p:spPr>
-        <p:txBody>
-          <a:bodyPr spcFirstLastPara="1" vert="horz" lIns="91440" tIns="45720" rIns="91440" bIns="45720" rtlCol="0" anchor="ctr" anchorCtr="0">
-            <a:normAutofit/>
-          </a:bodyPr>
-          <a:lstStyle/>
-          <a:p>
-            <a:pPr marL="0" lvl="0" indent="0" algn="ctr" defTabSz="914400">
-              <a:spcAft>
-                <a:spcPts val="0"/>
-              </a:spcAft>
-              <a:buClr>
-                <a:schemeClr val="dk1"/>
-              </a:buClr>
-              <a:buSzPts val="2400"/>
-            </a:pPr>
-            <a:r>
-              <a:rPr lang="en-US" sz="2400" kern="1200">
-                <a:solidFill>
-                  <a:schemeClr val="bg1"/>
-                </a:solidFill>
-                <a:latin typeface="+mj-lt"/>
-                <a:ea typeface="+mj-ea"/>
-                <a:cs typeface="+mj-cs"/>
-                <a:sym typeface="Economica"/>
-              </a:rPr>
-              <a:t>KMS Key – Cross-Account Access Through assuming an IAM Role</a:t>
-            </a:r>
-          </a:p>
-        </p:txBody>
-      </p:sp>
-      <p:pic>
-        <p:nvPicPr>
-          <p:cNvPr id="330" name="Google Shape;330;p54"/>
-          <p:cNvPicPr preferRelativeResize="0"/>
-          <p:nvPr/>
-        </p:nvPicPr>
-        <p:blipFill>
-          <a:blip r:embed="rId3"/>
-          <a:stretch>
-            <a:fillRect/>
-          </a:stretch>
-        </p:blipFill>
-        <p:spPr>
-          <a:xfrm>
-            <a:off x="694765" y="1256420"/>
-            <a:ext cx="7754469" cy="3295649"/>
-          </a:xfrm>
-          <a:prstGeom prst="rect">
-            <a:avLst/>
-          </a:prstGeom>
-          <a:noFill/>
-        </p:spPr>
-      </p:pic>
-    </p:spTree>
-  </p:cSld>
-  <p:clrMapOvr>
-    <a:masterClrMapping/>
-  </p:clrMapOvr>
-</p:sld>
-</file>
-
-<file path=ppt/slides/slide39.xml><?xml version="1.0" encoding="utf-8"?>
-<p:sld xmlns:a="http://schemas.openxmlformats.org/drawingml/2006/main" xmlns:r="http://schemas.openxmlformats.org/officeDocument/2006/relationships" xmlns:p="http://schemas.openxmlformats.org/presentationml/2006/main">
-  <p:cSld>
-    <p:bg>
-      <p:bgPr>
-        <a:solidFill>
-          <a:schemeClr val="bg1"/>
-        </a:solidFill>
-        <a:effectLst/>
-      </p:bgPr>
-    </p:bg>
-    <p:spTree>
-      <p:nvGrpSpPr>
-        <p:cNvPr id="1" name="Shape 334"/>
-        <p:cNvGrpSpPr/>
-        <p:nvPr/>
-      </p:nvGrpSpPr>
-      <p:grpSpPr>
-        <a:xfrm>
-          <a:off x="0" y="0"/>
-          <a:ext cx="0" cy="0"/>
-          <a:chOff x="0" y="0"/>
-          <a:chExt cx="0" cy="0"/>
-        </a:xfrm>
-      </p:grpSpPr>
-      <p:sp useBgFill="1">
-        <p:nvSpPr>
-          <p:cNvPr id="342" name="Rectangle 341">
-            <a:extLst>
-              <a:ext uri="{FF2B5EF4-FFF2-40B4-BE49-F238E27FC236}">
-                <a16:creationId xmlns:a16="http://schemas.microsoft.com/office/drawing/2014/main" id="{2550BE34-C2B8-49B8-8519-67A8CAD51AE9}"/>
-              </a:ext>
-              <a:ext uri="{C183D7F6-B498-43B3-948B-1728B52AA6E4}">
-                <adec:decorative xmlns:adec="http://schemas.microsoft.com/office/drawing/2017/decorative" val="1"/>
-              </a:ext>
-            </a:extLst>
-          </p:cNvPr>
-          <p:cNvSpPr>
-            <a:spLocks noGrp="1" noRot="1" noChangeAspect="1" noMove="1" noResize="1" noEditPoints="1" noAdjustHandles="1" noChangeArrowheads="1" noChangeShapeType="1" noTextEdit="1"/>
-          </p:cNvSpPr>
-          <p:nvPr>
-            <p:extLst>
-              <p:ext uri="{386F3935-93C4-4BCD-93E2-E3B085C9AB24}">
-                <p16:designElem xmlns:p16="http://schemas.microsoft.com/office/powerpoint/2015/main" val="1"/>
-              </p:ext>
-            </p:extLst>
-          </p:nvPr>
-        </p:nvSpPr>
-        <p:spPr>
-          <a:xfrm>
-            <a:off x="0" y="0"/>
-            <a:ext cx="9144000" cy="5143500"/>
-          </a:xfrm>
-          <a:prstGeom prst="rect">
-            <a:avLst/>
-          </a:prstGeom>
-          <a:ln>
-            <a:noFill/>
-          </a:ln>
-        </p:spPr>
-        <p:style>
-          <a:lnRef idx="2">
-            <a:schemeClr val="accent1">
-              <a:shade val="50000"/>
-            </a:schemeClr>
-          </a:lnRef>
-          <a:fillRef idx="1">
-            <a:schemeClr val="accent1"/>
-          </a:fillRef>
-          <a:effectRef idx="0">
-            <a:schemeClr val="accent1"/>
-          </a:effectRef>
-          <a:fontRef idx="minor">
-            <a:schemeClr val="lt1"/>
-          </a:fontRef>
-        </p:style>
-        <p:txBody>
-          <a:bodyPr rtlCol="0" anchor="ctr"/>
-          <a:lstStyle/>
-          <a:p>
-            <a:pPr algn="ctr"/>
-            <a:endParaRPr lang="en-US"/>
-          </a:p>
-        </p:txBody>
-      </p:sp>
-      <p:sp useBgFill="1">
-        <p:nvSpPr>
-          <p:cNvPr id="344" name="Rectangle 343">
-            <a:extLst>
-              <a:ext uri="{FF2B5EF4-FFF2-40B4-BE49-F238E27FC236}">
-                <a16:creationId xmlns:a16="http://schemas.microsoft.com/office/drawing/2014/main" id="{A7457DD9-5A45-400A-AB4B-4B4EDECA25F1}"/>
-              </a:ext>
-              <a:ext uri="{C183D7F6-B498-43B3-948B-1728B52AA6E4}">
-                <adec:decorative xmlns:adec="http://schemas.microsoft.com/office/drawing/2017/decorative" val="1"/>
-              </a:ext>
-            </a:extLst>
-          </p:cNvPr>
-          <p:cNvSpPr>
-            <a:spLocks noGrp="1" noRot="1" noChangeAspect="1" noMove="1" noResize="1" noEditPoints="1" noAdjustHandles="1" noChangeArrowheads="1" noChangeShapeType="1" noTextEdit="1"/>
-          </p:cNvSpPr>
-          <p:nvPr>
-            <p:extLst>
-              <p:ext uri="{386F3935-93C4-4BCD-93E2-E3B085C9AB24}">
-                <p16:designElem xmlns:p16="http://schemas.microsoft.com/office/powerpoint/2015/main" val="1"/>
-              </p:ext>
-            </p:extLst>
-          </p:nvPr>
-        </p:nvSpPr>
-        <p:spPr>
-          <a:xfrm>
-            <a:off x="415812" y="273843"/>
-            <a:ext cx="8375585" cy="1566988"/>
-          </a:xfrm>
-          <a:prstGeom prst="rect">
-            <a:avLst/>
-          </a:prstGeom>
-          <a:ln w="12700">
-            <a:solidFill>
-              <a:srgbClr val="DEDEDE"/>
-            </a:solidFill>
-          </a:ln>
-          <a:effectLst>
-            <a:outerShdw blurRad="50800" dist="38100" dir="2700000" algn="tl" rotWithShape="0">
-              <a:schemeClr val="bg2">
-                <a:lumMod val="85000"/>
-                <a:alpha val="50000"/>
-              </a:schemeClr>
-            </a:outerShdw>
-          </a:effectLst>
-        </p:spPr>
-        <p:style>
-          <a:lnRef idx="2">
-            <a:schemeClr val="accent1">
-              <a:shade val="50000"/>
-            </a:schemeClr>
-          </a:lnRef>
-          <a:fillRef idx="1">
-            <a:schemeClr val="accent1"/>
-          </a:fillRef>
-          <a:effectRef idx="0">
-            <a:schemeClr val="accent1"/>
-          </a:effectRef>
-          <a:fontRef idx="minor">
-            <a:schemeClr val="lt1"/>
-          </a:fontRef>
-        </p:style>
-        <p:txBody>
-          <a:bodyPr rtlCol="0" anchor="ctr"/>
-          <a:lstStyle/>
-          <a:p>
-            <a:pPr marL="0" marR="0" lvl="0" indent="0" algn="ctr" defTabSz="914400" rtl="0" eaLnBrk="1" fontAlgn="auto" latinLnBrk="0" hangingPunct="1">
-              <a:lnSpc>
-                <a:spcPct val="100000"/>
-              </a:lnSpc>
-              <a:spcBef>
-                <a:spcPts val="0"/>
-              </a:spcBef>
-              <a:spcAft>
-                <a:spcPts val="0"/>
-              </a:spcAft>
-              <a:buClrTx/>
-              <a:buSzTx/>
-              <a:buFontTx/>
-              <a:buNone/>
-              <a:tabLst/>
-              <a:defRPr/>
-            </a:pPr>
-            <a:endParaRPr kumimoji="0" lang="en-US" sz="1800" b="0" i="0" u="none" strike="noStrike" kern="1200" cap="none" spc="0" normalizeH="0" baseline="0" noProof="0">
-              <a:ln>
-                <a:noFill/>
-              </a:ln>
-              <a:solidFill>
-                <a:prstClr val="white"/>
-              </a:solidFill>
-              <a:effectLst/>
-              <a:uLnTx/>
-              <a:uFillTx/>
-              <a:latin typeface="Calibri" panose="020F0502020204030204"/>
-              <a:ea typeface="+mn-ea"/>
-              <a:cs typeface="+mn-cs"/>
-            </a:endParaRPr>
-          </a:p>
-        </p:txBody>
-      </p:sp>
-      <p:sp>
-        <p:nvSpPr>
-          <p:cNvPr id="335" name="Google Shape;335;p55"/>
-          <p:cNvSpPr txBox="1">
-            <a:spLocks noGrp="1"/>
-          </p:cNvSpPr>
-          <p:nvPr>
-            <p:ph type="title"/>
-          </p:nvPr>
-        </p:nvSpPr>
-        <p:spPr>
-          <a:xfrm>
-            <a:off x="785059" y="440116"/>
-            <a:ext cx="2670189" cy="1234440"/>
-          </a:xfrm>
-          <a:prstGeom prst="rect">
-            <a:avLst/>
-          </a:prstGeom>
-        </p:spPr>
-        <p:txBody>
-          <a:bodyPr spcFirstLastPara="1" vert="horz" lIns="91440" tIns="45720" rIns="91440" bIns="45720" rtlCol="0" anchor="ctr" anchorCtr="0">
-            <a:normAutofit/>
-          </a:bodyPr>
-          <a:lstStyle/>
-          <a:p>
-            <a:pPr marL="0" lvl="0" indent="0" defTabSz="914400">
-              <a:spcAft>
-                <a:spcPts val="0"/>
-              </a:spcAft>
-              <a:buClr>
-                <a:schemeClr val="dk1"/>
-              </a:buClr>
-              <a:buSzPts val="2400"/>
-            </a:pPr>
-            <a:r>
-              <a:rPr lang="en-US" sz="2400" kern="1200">
-                <a:solidFill>
-                  <a:schemeClr val="tx1"/>
-                </a:solidFill>
-                <a:latin typeface="+mj-lt"/>
-                <a:ea typeface="+mj-ea"/>
-                <a:cs typeface="+mj-cs"/>
-                <a:sym typeface="Economica"/>
-              </a:rPr>
-              <a:t>Sharing KMS Encrypted RDS DB Snapshots</a:t>
-            </a:r>
-          </a:p>
-        </p:txBody>
-      </p:sp>
-      <p:sp>
-        <p:nvSpPr>
-          <p:cNvPr id="346" name="Rectangle 345">
-            <a:extLst>
-              <a:ext uri="{FF2B5EF4-FFF2-40B4-BE49-F238E27FC236}">
-                <a16:creationId xmlns:a16="http://schemas.microsoft.com/office/drawing/2014/main" id="{441CF7D6-A660-431A-B0BB-140A0D5556B6}"/>
-              </a:ext>
-              <a:ext uri="{C183D7F6-B498-43B3-948B-1728B52AA6E4}">
-                <adec:decorative xmlns:adec="http://schemas.microsoft.com/office/drawing/2017/decorative" val="1"/>
-              </a:ext>
-            </a:extLst>
-          </p:cNvPr>
-          <p:cNvSpPr>
-            <a:spLocks noGrp="1" noRot="1" noChangeAspect="1" noMove="1" noResize="1" noEditPoints="1" noAdjustHandles="1" noChangeArrowheads="1" noChangeShapeType="1" noTextEdit="1"/>
-          </p:cNvSpPr>
-          <p:nvPr>
-            <p:extLst>
-              <p:ext uri="{386F3935-93C4-4BCD-93E2-E3B085C9AB24}">
-                <p16:designElem xmlns:p16="http://schemas.microsoft.com/office/powerpoint/2015/main" val="1"/>
-              </p:ext>
-            </p:extLst>
-          </p:nvPr>
-        </p:nvSpPr>
-        <p:spPr>
-          <a:xfrm>
-            <a:off x="367806" y="793304"/>
-            <a:ext cx="96012" cy="528066"/>
-          </a:xfrm>
-          <a:prstGeom prst="rect">
-            <a:avLst/>
-          </a:prstGeom>
-          <a:solidFill>
-            <a:schemeClr val="accent2"/>
-          </a:solidFill>
-          <a:ln>
-            <a:noFill/>
-          </a:ln>
-        </p:spPr>
-        <p:style>
-          <a:lnRef idx="2">
-            <a:schemeClr val="accent1">
-              <a:shade val="50000"/>
-            </a:schemeClr>
-          </a:lnRef>
-          <a:fillRef idx="1">
-            <a:schemeClr val="accent1"/>
-          </a:fillRef>
-          <a:effectRef idx="0">
-            <a:schemeClr val="accent1"/>
-          </a:effectRef>
-          <a:fontRef idx="minor">
-            <a:schemeClr val="lt1"/>
-          </a:fontRef>
-        </p:style>
-        <p:txBody>
-          <a:bodyPr rtlCol="0" anchor="ctr"/>
-          <a:lstStyle/>
-          <a:p>
-            <a:pPr algn="ctr"/>
-            <a:endParaRPr lang="en-US" dirty="0">
-              <a:solidFill>
-                <a:prstClr val="white"/>
-              </a:solidFill>
-              <a:latin typeface="Calibri" panose="020F0502020204030204"/>
-            </a:endParaRPr>
-          </a:p>
-        </p:txBody>
-      </p:sp>
-      <p:sp>
-        <p:nvSpPr>
-          <p:cNvPr id="348" name="Rectangle 347">
-            <a:extLst>
-              <a:ext uri="{FF2B5EF4-FFF2-40B4-BE49-F238E27FC236}">
-                <a16:creationId xmlns:a16="http://schemas.microsoft.com/office/drawing/2014/main" id="{0570A85B-3810-4F95-97B0-CBF4CCDB381C}"/>
-              </a:ext>
-              <a:ext uri="{C183D7F6-B498-43B3-948B-1728B52AA6E4}">
-                <adec:decorative xmlns:adec="http://schemas.microsoft.com/office/drawing/2017/decorative" val="1"/>
-              </a:ext>
-            </a:extLst>
-          </p:cNvPr>
-          <p:cNvSpPr>
-            <a:spLocks noGrp="1" noRot="1" noChangeAspect="1" noMove="1" noResize="1" noEditPoints="1" noAdjustHandles="1" noChangeArrowheads="1" noChangeShapeType="1" noTextEdit="1"/>
-          </p:cNvSpPr>
-          <p:nvPr>
-            <p:extLst>
-              <p:ext uri="{386F3935-93C4-4BCD-93E2-E3B085C9AB24}">
-                <p16:designElem xmlns:p16="http://schemas.microsoft.com/office/powerpoint/2015/main" val="1"/>
-              </p:ext>
-            </p:extLst>
-          </p:nvPr>
-        </p:nvSpPr>
-        <p:spPr>
-          <a:xfrm rot="5400000">
-            <a:off x="3182656" y="1050479"/>
-            <a:ext cx="1097280" cy="13716"/>
-          </a:xfrm>
-          <a:prstGeom prst="rect">
-            <a:avLst/>
-          </a:prstGeom>
-          <a:solidFill>
-            <a:srgbClr val="D5D5D5"/>
-          </a:solidFill>
-          <a:ln w="3175">
-            <a:noFill/>
-          </a:ln>
-          <a:effectLst/>
-        </p:spPr>
-        <p:style>
-          <a:lnRef idx="2">
-            <a:schemeClr val="accent1">
-              <a:shade val="50000"/>
-            </a:schemeClr>
-          </a:lnRef>
-          <a:fillRef idx="1">
-            <a:schemeClr val="accent1"/>
-          </a:fillRef>
-          <a:effectRef idx="0">
-            <a:schemeClr val="accent1"/>
-          </a:effectRef>
-          <a:fontRef idx="minor">
-            <a:schemeClr val="lt1"/>
-          </a:fontRef>
-        </p:style>
-        <p:txBody>
-          <a:bodyPr rtlCol="0" anchor="ctr"/>
-          <a:lstStyle/>
-          <a:p>
-            <a:pPr algn="ctr"/>
-            <a:endParaRPr lang="en-US">
-              <a:solidFill>
-                <a:prstClr val="white"/>
-              </a:solidFill>
-              <a:latin typeface="Calibri" panose="020F0502020204030204"/>
-            </a:endParaRPr>
-          </a:p>
-        </p:txBody>
-      </p:sp>
-      <p:sp>
-        <p:nvSpPr>
-          <p:cNvPr id="336" name="Google Shape;336;p55"/>
-          <p:cNvSpPr txBox="1">
-            <a:spLocks noGrp="1"/>
-          </p:cNvSpPr>
-          <p:nvPr>
-            <p:ph sz="half" idx="1"/>
-          </p:nvPr>
-        </p:nvSpPr>
-        <p:spPr>
-          <a:xfrm>
-            <a:off x="4013373" y="440116"/>
-            <a:ext cx="4501977" cy="1234440"/>
-          </a:xfrm>
-          <a:prstGeom prst="rect">
-            <a:avLst/>
-          </a:prstGeom>
-        </p:spPr>
-        <p:txBody>
-          <a:bodyPr spcFirstLastPara="1" vert="horz" lIns="91440" tIns="45720" rIns="91440" bIns="45720" rtlCol="0" anchor="ctr" anchorCtr="0">
-            <a:normAutofit/>
-          </a:bodyPr>
-          <a:lstStyle/>
-          <a:p>
-            <a:pPr marL="0" lvl="0" indent="-228600" defTabSz="914400">
-              <a:spcBef>
-                <a:spcPts val="0"/>
-              </a:spcBef>
-              <a:spcAft>
-                <a:spcPts val="600"/>
-              </a:spcAft>
-            </a:pPr>
-            <a:r>
-              <a:rPr lang="en-US" sz="1400">
-                <a:sym typeface="Arial"/>
-              </a:rPr>
-              <a:t>You can share RDS DB snapshots encrypted with KMS CMK with other accounts, </a:t>
-            </a:r>
-            <a:r>
-              <a:rPr lang="en-US" sz="1400" b="1">
-                <a:sym typeface="Arial"/>
-              </a:rPr>
-              <a:t>but must first share the KMS CMK with the target account using Key Policy</a:t>
-            </a:r>
-          </a:p>
-          <a:p>
-            <a:pPr marL="0" lvl="0" indent="-228600" defTabSz="914400">
-              <a:spcBef>
-                <a:spcPts val="0"/>
-              </a:spcBef>
-              <a:spcAft>
-                <a:spcPts val="600"/>
-              </a:spcAft>
-            </a:pPr>
-            <a:endParaRPr lang="en-US" sz="1400">
-              <a:sym typeface="Arial"/>
-            </a:endParaRPr>
-          </a:p>
-        </p:txBody>
-      </p:sp>
-      <p:pic>
-        <p:nvPicPr>
-          <p:cNvPr id="337" name="Google Shape;337;p55"/>
-          <p:cNvPicPr preferRelativeResize="0"/>
-          <p:nvPr/>
-        </p:nvPicPr>
-        <p:blipFill>
-          <a:blip r:embed="rId3"/>
-          <a:stretch>
-            <a:fillRect/>
-          </a:stretch>
-        </p:blipFill>
-        <p:spPr>
-          <a:xfrm>
-            <a:off x="418338" y="2226553"/>
-            <a:ext cx="8373618" cy="2260876"/>
           </a:xfrm>
           <a:prstGeom prst="rect">
             <a:avLst/>
@@ -34103,6 +36230,636 @@
     </p:bg>
     <p:spTree>
       <p:nvGrpSpPr>
+        <p:cNvPr id="1" name="Shape 328"/>
+        <p:cNvGrpSpPr/>
+        <p:nvPr/>
+      </p:nvGrpSpPr>
+      <p:grpSpPr>
+        <a:xfrm>
+          <a:off x="0" y="0"/>
+          <a:ext cx="0" cy="0"/>
+          <a:chOff x="0" y="0"/>
+          <a:chExt cx="0" cy="0"/>
+        </a:xfrm>
+      </p:grpSpPr>
+      <p:sp>
+        <p:nvSpPr>
+          <p:cNvPr id="335" name="Rectangle 334">
+            <a:extLst>
+              <a:ext uri="{FF2B5EF4-FFF2-40B4-BE49-F238E27FC236}">
+                <a16:creationId xmlns:a16="http://schemas.microsoft.com/office/drawing/2014/main" id="{A4AC5506-6312-4701-8D3C-40187889A947}"/>
+              </a:ext>
+              <a:ext uri="{C183D7F6-B498-43B3-948B-1728B52AA6E4}">
+                <adec:decorative xmlns:adec="http://schemas.microsoft.com/office/drawing/2017/decorative" val="1"/>
+              </a:ext>
+            </a:extLst>
+          </p:cNvPr>
+          <p:cNvSpPr>
+            <a:spLocks noGrp="1" noRot="1" noChangeAspect="1" noMove="1" noResize="1" noEditPoints="1" noAdjustHandles="1" noChangeArrowheads="1" noChangeShapeType="1" noTextEdit="1"/>
+          </p:cNvSpPr>
+          <p:nvPr>
+            <p:extLst>
+              <p:ext uri="{386F3935-93C4-4BCD-93E2-E3B085C9AB24}">
+                <p16:designElem xmlns:p16="http://schemas.microsoft.com/office/powerpoint/2015/main" val="1"/>
+              </p:ext>
+            </p:extLst>
+          </p:nvPr>
+        </p:nvSpPr>
+        <p:spPr>
+          <a:xfrm>
+            <a:off x="0" y="488814"/>
+            <a:ext cx="9144000" cy="552413"/>
+          </a:xfrm>
+          <a:prstGeom prst="rect">
+            <a:avLst/>
+          </a:prstGeom>
+          <a:solidFill>
+            <a:schemeClr val="tx1"/>
+          </a:solidFill>
+          <a:ln>
+            <a:noFill/>
+          </a:ln>
+        </p:spPr>
+        <p:style>
+          <a:lnRef idx="2">
+            <a:schemeClr val="accent1">
+              <a:shade val="50000"/>
+            </a:schemeClr>
+          </a:lnRef>
+          <a:fillRef idx="1">
+            <a:schemeClr val="accent1"/>
+          </a:fillRef>
+          <a:effectRef idx="0">
+            <a:schemeClr val="accent1"/>
+          </a:effectRef>
+          <a:fontRef idx="minor">
+            <a:schemeClr val="lt1"/>
+          </a:fontRef>
+        </p:style>
+        <p:txBody>
+          <a:bodyPr rtlCol="0" anchor="ctr"/>
+          <a:lstStyle/>
+          <a:p>
+            <a:pPr algn="ctr"/>
+            <a:endParaRPr lang="en-US"/>
+          </a:p>
+        </p:txBody>
+      </p:sp>
+      <p:sp>
+        <p:nvSpPr>
+          <p:cNvPr id="329" name="Google Shape;329;p54"/>
+          <p:cNvSpPr txBox="1">
+            <a:spLocks noGrp="1"/>
+          </p:cNvSpPr>
+          <p:nvPr>
+            <p:ph type="title"/>
+          </p:nvPr>
+        </p:nvSpPr>
+        <p:spPr>
+          <a:xfrm>
+            <a:off x="417399" y="482600"/>
+            <a:ext cx="8408193" cy="558627"/>
+          </a:xfrm>
+          <a:prstGeom prst="rect">
+            <a:avLst/>
+          </a:prstGeom>
+        </p:spPr>
+        <p:txBody>
+          <a:bodyPr spcFirstLastPara="1" vert="horz" lIns="91440" tIns="45720" rIns="91440" bIns="45720" rtlCol="0" anchor="ctr" anchorCtr="0">
+            <a:normAutofit/>
+          </a:bodyPr>
+          <a:lstStyle/>
+          <a:p>
+            <a:pPr marL="0" lvl="0" indent="0" algn="ctr" defTabSz="914400">
+              <a:spcAft>
+                <a:spcPts val="0"/>
+              </a:spcAft>
+              <a:buClr>
+                <a:schemeClr val="dk1"/>
+              </a:buClr>
+              <a:buSzPts val="2400"/>
+            </a:pPr>
+            <a:r>
+              <a:rPr lang="en-US" sz="2400" kern="1200">
+                <a:solidFill>
+                  <a:schemeClr val="bg1"/>
+                </a:solidFill>
+                <a:latin typeface="+mj-lt"/>
+                <a:ea typeface="+mj-ea"/>
+                <a:cs typeface="+mj-cs"/>
+                <a:sym typeface="Economica"/>
+              </a:rPr>
+              <a:t>KMS Key – Cross-Account Access Through assuming an IAM Role</a:t>
+            </a:r>
+          </a:p>
+        </p:txBody>
+      </p:sp>
+      <p:pic>
+        <p:nvPicPr>
+          <p:cNvPr id="330" name="Google Shape;330;p54"/>
+          <p:cNvPicPr preferRelativeResize="0"/>
+          <p:nvPr/>
+        </p:nvPicPr>
+        <p:blipFill>
+          <a:blip r:embed="rId3"/>
+          <a:stretch>
+            <a:fillRect/>
+          </a:stretch>
+        </p:blipFill>
+        <p:spPr>
+          <a:xfrm>
+            <a:off x="694765" y="1256420"/>
+            <a:ext cx="7754469" cy="3295649"/>
+          </a:xfrm>
+          <a:prstGeom prst="rect">
+            <a:avLst/>
+          </a:prstGeom>
+          <a:noFill/>
+        </p:spPr>
+      </p:pic>
+    </p:spTree>
+  </p:cSld>
+  <p:clrMapOvr>
+    <a:masterClrMapping/>
+  </p:clrMapOvr>
+</p:sld>
+</file>
+
+<file path=ppt/slides/slide41.xml><?xml version="1.0" encoding="utf-8"?>
+<p:sld xmlns:a="http://schemas.openxmlformats.org/drawingml/2006/main" xmlns:r="http://schemas.openxmlformats.org/officeDocument/2006/relationships" xmlns:p="http://schemas.openxmlformats.org/presentationml/2006/main">
+  <p:cSld>
+    <p:bg>
+      <p:bgPr>
+        <a:solidFill>
+          <a:schemeClr val="bg1"/>
+        </a:solidFill>
+        <a:effectLst/>
+      </p:bgPr>
+    </p:bg>
+    <p:spTree>
+      <p:nvGrpSpPr>
+        <p:cNvPr id="1" name="Shape 334"/>
+        <p:cNvGrpSpPr/>
+        <p:nvPr/>
+      </p:nvGrpSpPr>
+      <p:grpSpPr>
+        <a:xfrm>
+          <a:off x="0" y="0"/>
+          <a:ext cx="0" cy="0"/>
+          <a:chOff x="0" y="0"/>
+          <a:chExt cx="0" cy="0"/>
+        </a:xfrm>
+      </p:grpSpPr>
+      <p:sp useBgFill="1">
+        <p:nvSpPr>
+          <p:cNvPr id="342" name="Rectangle 341">
+            <a:extLst>
+              <a:ext uri="{FF2B5EF4-FFF2-40B4-BE49-F238E27FC236}">
+                <a16:creationId xmlns:a16="http://schemas.microsoft.com/office/drawing/2014/main" id="{2550BE34-C2B8-49B8-8519-67A8CAD51AE9}"/>
+              </a:ext>
+              <a:ext uri="{C183D7F6-B498-43B3-948B-1728B52AA6E4}">
+                <adec:decorative xmlns:adec="http://schemas.microsoft.com/office/drawing/2017/decorative" val="1"/>
+              </a:ext>
+            </a:extLst>
+          </p:cNvPr>
+          <p:cNvSpPr>
+            <a:spLocks noGrp="1" noRot="1" noChangeAspect="1" noMove="1" noResize="1" noEditPoints="1" noAdjustHandles="1" noChangeArrowheads="1" noChangeShapeType="1" noTextEdit="1"/>
+          </p:cNvSpPr>
+          <p:nvPr>
+            <p:extLst>
+              <p:ext uri="{386F3935-93C4-4BCD-93E2-E3B085C9AB24}">
+                <p16:designElem xmlns:p16="http://schemas.microsoft.com/office/powerpoint/2015/main" val="1"/>
+              </p:ext>
+            </p:extLst>
+          </p:nvPr>
+        </p:nvSpPr>
+        <p:spPr>
+          <a:xfrm>
+            <a:off x="0" y="0"/>
+            <a:ext cx="9144000" cy="5143500"/>
+          </a:xfrm>
+          <a:prstGeom prst="rect">
+            <a:avLst/>
+          </a:prstGeom>
+          <a:ln>
+            <a:noFill/>
+          </a:ln>
+        </p:spPr>
+        <p:style>
+          <a:lnRef idx="2">
+            <a:schemeClr val="accent1">
+              <a:shade val="50000"/>
+            </a:schemeClr>
+          </a:lnRef>
+          <a:fillRef idx="1">
+            <a:schemeClr val="accent1"/>
+          </a:fillRef>
+          <a:effectRef idx="0">
+            <a:schemeClr val="accent1"/>
+          </a:effectRef>
+          <a:fontRef idx="minor">
+            <a:schemeClr val="lt1"/>
+          </a:fontRef>
+        </p:style>
+        <p:txBody>
+          <a:bodyPr rtlCol="0" anchor="ctr"/>
+          <a:lstStyle/>
+          <a:p>
+            <a:pPr algn="ctr"/>
+            <a:endParaRPr lang="en-US"/>
+          </a:p>
+        </p:txBody>
+      </p:sp>
+      <p:sp useBgFill="1">
+        <p:nvSpPr>
+          <p:cNvPr id="344" name="Rectangle 343">
+            <a:extLst>
+              <a:ext uri="{FF2B5EF4-FFF2-40B4-BE49-F238E27FC236}">
+                <a16:creationId xmlns:a16="http://schemas.microsoft.com/office/drawing/2014/main" id="{A7457DD9-5A45-400A-AB4B-4B4EDECA25F1}"/>
+              </a:ext>
+              <a:ext uri="{C183D7F6-B498-43B3-948B-1728B52AA6E4}">
+                <adec:decorative xmlns:adec="http://schemas.microsoft.com/office/drawing/2017/decorative" val="1"/>
+              </a:ext>
+            </a:extLst>
+          </p:cNvPr>
+          <p:cNvSpPr>
+            <a:spLocks noGrp="1" noRot="1" noChangeAspect="1" noMove="1" noResize="1" noEditPoints="1" noAdjustHandles="1" noChangeArrowheads="1" noChangeShapeType="1" noTextEdit="1"/>
+          </p:cNvSpPr>
+          <p:nvPr>
+            <p:extLst>
+              <p:ext uri="{386F3935-93C4-4BCD-93E2-E3B085C9AB24}">
+                <p16:designElem xmlns:p16="http://schemas.microsoft.com/office/powerpoint/2015/main" val="1"/>
+              </p:ext>
+            </p:extLst>
+          </p:nvPr>
+        </p:nvSpPr>
+        <p:spPr>
+          <a:xfrm>
+            <a:off x="415812" y="273843"/>
+            <a:ext cx="8375585" cy="1566988"/>
+          </a:xfrm>
+          <a:prstGeom prst="rect">
+            <a:avLst/>
+          </a:prstGeom>
+          <a:ln w="12700">
+            <a:solidFill>
+              <a:srgbClr val="DEDEDE"/>
+            </a:solidFill>
+          </a:ln>
+          <a:effectLst>
+            <a:outerShdw blurRad="50800" dist="38100" dir="2700000" algn="tl" rotWithShape="0">
+              <a:schemeClr val="bg2">
+                <a:lumMod val="85000"/>
+                <a:alpha val="50000"/>
+              </a:schemeClr>
+            </a:outerShdw>
+          </a:effectLst>
+        </p:spPr>
+        <p:style>
+          <a:lnRef idx="2">
+            <a:schemeClr val="accent1">
+              <a:shade val="50000"/>
+            </a:schemeClr>
+          </a:lnRef>
+          <a:fillRef idx="1">
+            <a:schemeClr val="accent1"/>
+          </a:fillRef>
+          <a:effectRef idx="0">
+            <a:schemeClr val="accent1"/>
+          </a:effectRef>
+          <a:fontRef idx="minor">
+            <a:schemeClr val="lt1"/>
+          </a:fontRef>
+        </p:style>
+        <p:txBody>
+          <a:bodyPr rtlCol="0" anchor="ctr"/>
+          <a:lstStyle/>
+          <a:p>
+            <a:pPr marL="0" marR="0" lvl="0" indent="0" algn="ctr" defTabSz="914400" rtl="0" eaLnBrk="1" fontAlgn="auto" latinLnBrk="0" hangingPunct="1">
+              <a:lnSpc>
+                <a:spcPct val="100000"/>
+              </a:lnSpc>
+              <a:spcBef>
+                <a:spcPts val="0"/>
+              </a:spcBef>
+              <a:spcAft>
+                <a:spcPts val="0"/>
+              </a:spcAft>
+              <a:buClrTx/>
+              <a:buSzTx/>
+              <a:buFontTx/>
+              <a:buNone/>
+              <a:tabLst/>
+              <a:defRPr/>
+            </a:pPr>
+            <a:endParaRPr kumimoji="0" lang="en-US" sz="1800" b="0" i="0" u="none" strike="noStrike" kern="1200" cap="none" spc="0" normalizeH="0" baseline="0" noProof="0">
+              <a:ln>
+                <a:noFill/>
+              </a:ln>
+              <a:solidFill>
+                <a:prstClr val="white"/>
+              </a:solidFill>
+              <a:effectLst/>
+              <a:uLnTx/>
+              <a:uFillTx/>
+              <a:latin typeface="Calibri" panose="020F0502020204030204"/>
+              <a:ea typeface="+mn-ea"/>
+              <a:cs typeface="+mn-cs"/>
+            </a:endParaRPr>
+          </a:p>
+        </p:txBody>
+      </p:sp>
+      <p:sp>
+        <p:nvSpPr>
+          <p:cNvPr id="335" name="Google Shape;335;p55"/>
+          <p:cNvSpPr txBox="1">
+            <a:spLocks noGrp="1"/>
+          </p:cNvSpPr>
+          <p:nvPr>
+            <p:ph type="title"/>
+          </p:nvPr>
+        </p:nvSpPr>
+        <p:spPr>
+          <a:xfrm>
+            <a:off x="785059" y="440116"/>
+            <a:ext cx="2670189" cy="1234440"/>
+          </a:xfrm>
+          <a:prstGeom prst="rect">
+            <a:avLst/>
+          </a:prstGeom>
+        </p:spPr>
+        <p:txBody>
+          <a:bodyPr spcFirstLastPara="1" vert="horz" lIns="91440" tIns="45720" rIns="91440" bIns="45720" rtlCol="0" anchor="ctr" anchorCtr="0">
+            <a:normAutofit/>
+          </a:bodyPr>
+          <a:lstStyle/>
+          <a:p>
+            <a:pPr marL="0" lvl="0" indent="0" defTabSz="914400">
+              <a:spcAft>
+                <a:spcPts val="0"/>
+              </a:spcAft>
+              <a:buClr>
+                <a:schemeClr val="dk1"/>
+              </a:buClr>
+              <a:buSzPts val="2400"/>
+            </a:pPr>
+            <a:r>
+              <a:rPr lang="en-US" sz="2400" kern="1200">
+                <a:solidFill>
+                  <a:schemeClr val="tx1"/>
+                </a:solidFill>
+                <a:latin typeface="+mj-lt"/>
+                <a:ea typeface="+mj-ea"/>
+                <a:cs typeface="+mj-cs"/>
+                <a:sym typeface="Economica"/>
+              </a:rPr>
+              <a:t>Sharing KMS Encrypted RDS DB Snapshots</a:t>
+            </a:r>
+          </a:p>
+        </p:txBody>
+      </p:sp>
+      <p:sp>
+        <p:nvSpPr>
+          <p:cNvPr id="346" name="Rectangle 345">
+            <a:extLst>
+              <a:ext uri="{FF2B5EF4-FFF2-40B4-BE49-F238E27FC236}">
+                <a16:creationId xmlns:a16="http://schemas.microsoft.com/office/drawing/2014/main" id="{441CF7D6-A660-431A-B0BB-140A0D5556B6}"/>
+              </a:ext>
+              <a:ext uri="{C183D7F6-B498-43B3-948B-1728B52AA6E4}">
+                <adec:decorative xmlns:adec="http://schemas.microsoft.com/office/drawing/2017/decorative" val="1"/>
+              </a:ext>
+            </a:extLst>
+          </p:cNvPr>
+          <p:cNvSpPr>
+            <a:spLocks noGrp="1" noRot="1" noChangeAspect="1" noMove="1" noResize="1" noEditPoints="1" noAdjustHandles="1" noChangeArrowheads="1" noChangeShapeType="1" noTextEdit="1"/>
+          </p:cNvSpPr>
+          <p:nvPr>
+            <p:extLst>
+              <p:ext uri="{386F3935-93C4-4BCD-93E2-E3B085C9AB24}">
+                <p16:designElem xmlns:p16="http://schemas.microsoft.com/office/powerpoint/2015/main" val="1"/>
+              </p:ext>
+            </p:extLst>
+          </p:nvPr>
+        </p:nvSpPr>
+        <p:spPr>
+          <a:xfrm>
+            <a:off x="367806" y="793304"/>
+            <a:ext cx="96012" cy="528066"/>
+          </a:xfrm>
+          <a:prstGeom prst="rect">
+            <a:avLst/>
+          </a:prstGeom>
+          <a:solidFill>
+            <a:schemeClr val="accent2"/>
+          </a:solidFill>
+          <a:ln>
+            <a:noFill/>
+          </a:ln>
+        </p:spPr>
+        <p:style>
+          <a:lnRef idx="2">
+            <a:schemeClr val="accent1">
+              <a:shade val="50000"/>
+            </a:schemeClr>
+          </a:lnRef>
+          <a:fillRef idx="1">
+            <a:schemeClr val="accent1"/>
+          </a:fillRef>
+          <a:effectRef idx="0">
+            <a:schemeClr val="accent1"/>
+          </a:effectRef>
+          <a:fontRef idx="minor">
+            <a:schemeClr val="lt1"/>
+          </a:fontRef>
+        </p:style>
+        <p:txBody>
+          <a:bodyPr rtlCol="0" anchor="ctr"/>
+          <a:lstStyle/>
+          <a:p>
+            <a:pPr algn="ctr"/>
+            <a:endParaRPr lang="en-US" dirty="0">
+              <a:solidFill>
+                <a:prstClr val="white"/>
+              </a:solidFill>
+              <a:latin typeface="Calibri" panose="020F0502020204030204"/>
+            </a:endParaRPr>
+          </a:p>
+        </p:txBody>
+      </p:sp>
+      <p:sp>
+        <p:nvSpPr>
+          <p:cNvPr id="348" name="Rectangle 347">
+            <a:extLst>
+              <a:ext uri="{FF2B5EF4-FFF2-40B4-BE49-F238E27FC236}">
+                <a16:creationId xmlns:a16="http://schemas.microsoft.com/office/drawing/2014/main" id="{0570A85B-3810-4F95-97B0-CBF4CCDB381C}"/>
+              </a:ext>
+              <a:ext uri="{C183D7F6-B498-43B3-948B-1728B52AA6E4}">
+                <adec:decorative xmlns:adec="http://schemas.microsoft.com/office/drawing/2017/decorative" val="1"/>
+              </a:ext>
+            </a:extLst>
+          </p:cNvPr>
+          <p:cNvSpPr>
+            <a:spLocks noGrp="1" noRot="1" noChangeAspect="1" noMove="1" noResize="1" noEditPoints="1" noAdjustHandles="1" noChangeArrowheads="1" noChangeShapeType="1" noTextEdit="1"/>
+          </p:cNvSpPr>
+          <p:nvPr>
+            <p:extLst>
+              <p:ext uri="{386F3935-93C4-4BCD-93E2-E3B085C9AB24}">
+                <p16:designElem xmlns:p16="http://schemas.microsoft.com/office/powerpoint/2015/main" val="1"/>
+              </p:ext>
+            </p:extLst>
+          </p:nvPr>
+        </p:nvSpPr>
+        <p:spPr>
+          <a:xfrm rot="5400000">
+            <a:off x="3182656" y="1050479"/>
+            <a:ext cx="1097280" cy="13716"/>
+          </a:xfrm>
+          <a:prstGeom prst="rect">
+            <a:avLst/>
+          </a:prstGeom>
+          <a:solidFill>
+            <a:srgbClr val="D5D5D5"/>
+          </a:solidFill>
+          <a:ln w="3175">
+            <a:noFill/>
+          </a:ln>
+          <a:effectLst/>
+        </p:spPr>
+        <p:style>
+          <a:lnRef idx="2">
+            <a:schemeClr val="accent1">
+              <a:shade val="50000"/>
+            </a:schemeClr>
+          </a:lnRef>
+          <a:fillRef idx="1">
+            <a:schemeClr val="accent1"/>
+          </a:fillRef>
+          <a:effectRef idx="0">
+            <a:schemeClr val="accent1"/>
+          </a:effectRef>
+          <a:fontRef idx="minor">
+            <a:schemeClr val="lt1"/>
+          </a:fontRef>
+        </p:style>
+        <p:txBody>
+          <a:bodyPr rtlCol="0" anchor="ctr"/>
+          <a:lstStyle/>
+          <a:p>
+            <a:pPr algn="ctr"/>
+            <a:endParaRPr lang="en-US">
+              <a:solidFill>
+                <a:prstClr val="white"/>
+              </a:solidFill>
+              <a:latin typeface="Calibri" panose="020F0502020204030204"/>
+            </a:endParaRPr>
+          </a:p>
+        </p:txBody>
+      </p:sp>
+      <p:sp>
+        <p:nvSpPr>
+          <p:cNvPr id="336" name="Google Shape;336;p55"/>
+          <p:cNvSpPr txBox="1">
+            <a:spLocks noGrp="1"/>
+          </p:cNvSpPr>
+          <p:nvPr>
+            <p:ph sz="half" idx="1"/>
+          </p:nvPr>
+        </p:nvSpPr>
+        <p:spPr>
+          <a:xfrm>
+            <a:off x="4013373" y="440116"/>
+            <a:ext cx="4501977" cy="1234440"/>
+          </a:xfrm>
+          <a:prstGeom prst="rect">
+            <a:avLst/>
+          </a:prstGeom>
+        </p:spPr>
+        <p:txBody>
+          <a:bodyPr spcFirstLastPara="1" vert="horz" lIns="91440" tIns="45720" rIns="91440" bIns="45720" rtlCol="0" anchor="ctr" anchorCtr="0">
+            <a:normAutofit/>
+          </a:bodyPr>
+          <a:lstStyle/>
+          <a:p>
+            <a:pPr marL="0" lvl="0" indent="-228600" defTabSz="914400">
+              <a:spcBef>
+                <a:spcPts val="0"/>
+              </a:spcBef>
+              <a:spcAft>
+                <a:spcPts val="600"/>
+              </a:spcAft>
+            </a:pPr>
+            <a:r>
+              <a:rPr lang="en-US" sz="1400">
+                <a:sym typeface="Arial"/>
+              </a:rPr>
+              <a:t>You can share RDS DB snapshots encrypted with KMS CMK with other accounts, </a:t>
+            </a:r>
+            <a:r>
+              <a:rPr lang="en-US" sz="1400" b="1">
+                <a:sym typeface="Arial"/>
+              </a:rPr>
+              <a:t>but must first share the KMS CMK with the target account using Key Policy</a:t>
+            </a:r>
+          </a:p>
+          <a:p>
+            <a:pPr marL="0" lvl="0" indent="-228600" defTabSz="914400">
+              <a:spcBef>
+                <a:spcPts val="0"/>
+              </a:spcBef>
+              <a:spcAft>
+                <a:spcPts val="600"/>
+              </a:spcAft>
+            </a:pPr>
+            <a:endParaRPr lang="en-US" sz="1400">
+              <a:sym typeface="Arial"/>
+            </a:endParaRPr>
+          </a:p>
+        </p:txBody>
+      </p:sp>
+      <p:pic>
+        <p:nvPicPr>
+          <p:cNvPr id="337" name="Google Shape;337;p55"/>
+          <p:cNvPicPr preferRelativeResize="0"/>
+          <p:nvPr/>
+        </p:nvPicPr>
+        <p:blipFill>
+          <a:blip r:embed="rId3"/>
+          <a:stretch>
+            <a:fillRect/>
+          </a:stretch>
+        </p:blipFill>
+        <p:spPr>
+          <a:xfrm>
+            <a:off x="418338" y="2226553"/>
+            <a:ext cx="8373618" cy="2260876"/>
+          </a:xfrm>
+          <a:prstGeom prst="rect">
+            <a:avLst/>
+          </a:prstGeom>
+          <a:noFill/>
+        </p:spPr>
+      </p:pic>
+    </p:spTree>
+  </p:cSld>
+  <p:clrMapOvr>
+    <a:masterClrMapping/>
+  </p:clrMapOvr>
+</p:sld>
+</file>
+
+<file path=ppt/slides/slide42.xml><?xml version="1.0" encoding="utf-8"?>
+<p:sld xmlns:a="http://schemas.openxmlformats.org/drawingml/2006/main" xmlns:r="http://schemas.openxmlformats.org/officeDocument/2006/relationships" xmlns:p="http://schemas.openxmlformats.org/presentationml/2006/main">
+  <p:cSld>
+    <p:bg>
+      <p:bgPr>
+        <a:solidFill>
+          <a:schemeClr val="bg1"/>
+        </a:solidFill>
+        <a:effectLst/>
+      </p:bgPr>
+    </p:bg>
+    <p:spTree>
+      <p:nvGrpSpPr>
         <p:cNvPr id="1" name="Shape 341"/>
         <p:cNvGrpSpPr/>
         <p:nvPr/>
@@ -34916,7 +37673,7 @@
 </p:sld>
 </file>
 
-<file path=ppt/slides/slide41.xml><?xml version="1.0" encoding="utf-8"?>
+<file path=ppt/slides/slide43.xml><?xml version="1.0" encoding="utf-8"?>
 <p:sld xmlns:a="http://schemas.openxmlformats.org/drawingml/2006/main" xmlns:r="http://schemas.openxmlformats.org/officeDocument/2006/relationships" xmlns:p="http://schemas.openxmlformats.org/presentationml/2006/main">
   <p:cSld>
     <p:bg>
@@ -35568,8 +38325,8 @@
         </p:nvSpPr>
         <p:spPr>
           <a:xfrm>
-            <a:off x="473202" y="2105406"/>
-            <a:ext cx="2571750" cy="2558034"/>
+            <a:off x="125128" y="2105406"/>
+            <a:ext cx="2919824" cy="2558034"/>
           </a:xfrm>
           <a:prstGeom prst="rect">
             <a:avLst/>
@@ -35594,7 +38351,7 @@
               <a:buSzPts val="1200"/>
             </a:pPr>
             <a:r>
-              <a:rPr lang="en-US" sz="1700">
+              <a:rPr lang="en-US" sz="1700" dirty="0">
                 <a:sym typeface="Arial"/>
               </a:rPr>
               <a:t>You can’t change the encryption keys used by an EBS volume</a:t>
@@ -35614,7 +38371,7 @@
               <a:buSzPts val="1200"/>
             </a:pPr>
             <a:r>
-              <a:rPr lang="en-US" sz="1700">
+              <a:rPr lang="en-US" sz="1700" dirty="0">
                 <a:sym typeface="Arial"/>
               </a:rPr>
               <a:t>Create an EBS snapshot and create a new EBS volume and specify the new KMS key</a:t>
@@ -35629,7 +38386,7 @@
                 <a:spcPts val="600"/>
               </a:spcAft>
             </a:pPr>
-            <a:endParaRPr lang="en-US" sz="1700">
+            <a:endParaRPr lang="en-US" sz="1700" dirty="0">
               <a:sym typeface="Arial"/>
             </a:endParaRPr>
           </a:p>
@@ -35666,7 +38423,7 @@
 </p:sld>
 </file>
 
-<file path=ppt/slides/slide42.xml><?xml version="1.0" encoding="utf-8"?>
+<file path=ppt/slides/slide44.xml><?xml version="1.0" encoding="utf-8"?>
 <p:sld xmlns:a="http://schemas.openxmlformats.org/drawingml/2006/main" xmlns:r="http://schemas.openxmlformats.org/officeDocument/2006/relationships" xmlns:p="http://schemas.openxmlformats.org/presentationml/2006/main">
   <p:cSld>
     <p:bg>
@@ -35834,7 +38591,7 @@
 </p:sld>
 </file>
 
-<file path=ppt/slides/slide43.xml><?xml version="1.0" encoding="utf-8"?>
+<file path=ppt/slides/slide45.xml><?xml version="1.0" encoding="utf-8"?>
 <p:sld xmlns:a="http://schemas.openxmlformats.org/drawingml/2006/main" xmlns:r="http://schemas.openxmlformats.org/officeDocument/2006/relationships" xmlns:p="http://schemas.openxmlformats.org/presentationml/2006/main">
   <p:cSld>
     <p:bg>
